--- a/data/analise.pptx
+++ b/data/analise.pptx
@@ -4,14 +4,18 @@
   <p:sldMasterIdLst>
     <p:sldMasterId id="2147483648" r:id="rId2"/>
     <p:sldMasterId id="2147483661" r:id="rId3"/>
+    <p:sldMasterId id="2147483674" r:id="rId4"/>
+    <p:sldMasterId id="2147483687" r:id="rId5"/>
   </p:sldMasterIdLst>
   <p:sldIdLst>
-    <p:sldId id="256" r:id="rId4"/>
-    <p:sldId id="257" r:id="rId5"/>
-    <p:sldId id="258" r:id="rId6"/>
-    <p:sldId id="259" r:id="rId7"/>
-    <p:sldId id="260" r:id="rId8"/>
-    <p:sldId id="261" r:id="rId9"/>
+    <p:sldId id="256" r:id="rId6"/>
+    <p:sldId id="257" r:id="rId7"/>
+    <p:sldId id="258" r:id="rId8"/>
+    <p:sldId id="259" r:id="rId9"/>
+    <p:sldId id="260" r:id="rId10"/>
+    <p:sldId id="261" r:id="rId11"/>
+    <p:sldId id="262" r:id="rId12"/>
+    <p:sldId id="263" r:id="rId13"/>
   </p:sldIdLst>
   <p:sldSz cx="12192000" cy="6858000"/>
   <p:notesSz cx="7559675" cy="10691812"/>
@@ -5703,6 +5707,361 @@
 </p:sldLayout>
 </file>
 
+<file path=ppt/slideLayouts/slideLayout25.xml><?xml version="1.0" encoding="utf-8"?>
+<p:sldLayout xmlns:a="http://schemas.openxmlformats.org/drawingml/2006/main" xmlns:p="http://schemas.openxmlformats.org/presentationml/2006/main" xmlns:r="http://schemas.openxmlformats.org/officeDocument/2006/relationships" xmlns:p14="http://schemas.microsoft.com/office/powerpoint/2010/main" xmlns:p15="http://schemas.microsoft.com/office/powerpoint/2012/main" xmlns:mc="http://schemas.openxmlformats.org/markup-compatibility/2006" type="blank" preserve="1">
+  <p:cSld name="Blank Slide">
+    <p:spTree>
+      <p:nvGrpSpPr>
+        <p:cNvPr id="1" name=""/>
+        <p:cNvGrpSpPr/>
+        <p:nvPr/>
+      </p:nvGrpSpPr>
+      <p:grpSpPr>
+        <a:xfrm>
+          <a:off x="0" y="0"/>
+          <a:ext cx="0" cy="0"/>
+          <a:chOff x="0" y="0"/>
+          <a:chExt cx="0" cy="0"/>
+        </a:xfrm>
+      </p:grpSpPr>
+    </p:spTree>
+  </p:cSld>
+</p:sldLayout>
+</file>
+
+<file path=ppt/slideLayouts/slideLayout26.xml><?xml version="1.0" encoding="utf-8"?>
+<p:sldLayout xmlns:a="http://schemas.openxmlformats.org/drawingml/2006/main" xmlns:p="http://schemas.openxmlformats.org/presentationml/2006/main" xmlns:r="http://schemas.openxmlformats.org/officeDocument/2006/relationships" xmlns:p14="http://schemas.microsoft.com/office/powerpoint/2010/main" xmlns:p15="http://schemas.microsoft.com/office/powerpoint/2012/main" xmlns:mc="http://schemas.openxmlformats.org/markup-compatibility/2006" type="tx" preserve="1">
+  <p:cSld name="Title Slide">
+    <p:spTree>
+      <p:nvGrpSpPr>
+        <p:cNvPr id="1" name=""/>
+        <p:cNvGrpSpPr/>
+        <p:nvPr/>
+      </p:nvGrpSpPr>
+      <p:grpSpPr>
+        <a:xfrm>
+          <a:off x="0" y="0"/>
+          <a:ext cx="0" cy="0"/>
+          <a:chOff x="0" y="0"/>
+          <a:chExt cx="0" cy="0"/>
+        </a:xfrm>
+      </p:grpSpPr>
+      <p:sp>
+        <p:nvSpPr>
+          <p:cNvPr id="88" name="PlaceHolder 1"/>
+          <p:cNvSpPr>
+            <a:spLocks noGrp="1"/>
+          </p:cNvSpPr>
+          <p:nvPr>
+            <p:ph type="title"/>
+          </p:nvPr>
+        </p:nvSpPr>
+        <p:spPr>
+          <a:xfrm>
+            <a:off x="609480" y="273600"/>
+            <a:ext cx="10972440" cy="1144800"/>
+          </a:xfrm>
+          <a:prstGeom prst="rect">
+            <a:avLst/>
+          </a:prstGeom>
+        </p:spPr>
+        <p:txBody>
+          <a:bodyPr lIns="0" rIns="0" tIns="0" bIns="0" anchor="ctr">
+            <a:noAutofit/>
+          </a:bodyPr>
+          <a:p>
+            <a:pPr algn="ctr"/>
+            <a:endParaRPr b="0" lang="pt-BR" sz="4400" spc="-1" strike="noStrike">
+              <a:latin typeface="Arial"/>
+            </a:endParaRPr>
+          </a:p>
+        </p:txBody>
+      </p:sp>
+      <p:sp>
+        <p:nvSpPr>
+          <p:cNvPr id="89" name="PlaceHolder 2"/>
+          <p:cNvSpPr>
+            <a:spLocks noGrp="1"/>
+          </p:cNvSpPr>
+          <p:nvPr>
+            <p:ph type="subTitle"/>
+          </p:nvPr>
+        </p:nvSpPr>
+        <p:spPr>
+          <a:xfrm>
+            <a:off x="609480" y="1604520"/>
+            <a:ext cx="10972440" cy="3977280"/>
+          </a:xfrm>
+          <a:prstGeom prst="rect">
+            <a:avLst/>
+          </a:prstGeom>
+        </p:spPr>
+        <p:txBody>
+          <a:bodyPr lIns="0" rIns="0" tIns="0" bIns="0" anchor="ctr">
+            <a:noAutofit/>
+          </a:bodyPr>
+          <a:p>
+            <a:pPr algn="ctr"/>
+            <a:endParaRPr b="0" lang="pt-BR" sz="3200" spc="-1" strike="noStrike">
+              <a:latin typeface="Arial"/>
+            </a:endParaRPr>
+          </a:p>
+        </p:txBody>
+      </p:sp>
+    </p:spTree>
+  </p:cSld>
+</p:sldLayout>
+</file>
+
+<file path=ppt/slideLayouts/slideLayout27.xml><?xml version="1.0" encoding="utf-8"?>
+<p:sldLayout xmlns:a="http://schemas.openxmlformats.org/drawingml/2006/main" xmlns:p="http://schemas.openxmlformats.org/presentationml/2006/main" xmlns:r="http://schemas.openxmlformats.org/officeDocument/2006/relationships" xmlns:p14="http://schemas.microsoft.com/office/powerpoint/2010/main" xmlns:p15="http://schemas.microsoft.com/office/powerpoint/2012/main" xmlns:mc="http://schemas.openxmlformats.org/markup-compatibility/2006" type="obj" preserve="1">
+  <p:cSld name="Title, Content">
+    <p:spTree>
+      <p:nvGrpSpPr>
+        <p:cNvPr id="1" name=""/>
+        <p:cNvGrpSpPr/>
+        <p:nvPr/>
+      </p:nvGrpSpPr>
+      <p:grpSpPr>
+        <a:xfrm>
+          <a:off x="0" y="0"/>
+          <a:ext cx="0" cy="0"/>
+          <a:chOff x="0" y="0"/>
+          <a:chExt cx="0" cy="0"/>
+        </a:xfrm>
+      </p:grpSpPr>
+      <p:sp>
+        <p:nvSpPr>
+          <p:cNvPr id="90" name="PlaceHolder 1"/>
+          <p:cNvSpPr>
+            <a:spLocks noGrp="1"/>
+          </p:cNvSpPr>
+          <p:nvPr>
+            <p:ph type="title"/>
+          </p:nvPr>
+        </p:nvSpPr>
+        <p:spPr>
+          <a:xfrm>
+            <a:off x="609480" y="273600"/>
+            <a:ext cx="10972440" cy="1144800"/>
+          </a:xfrm>
+          <a:prstGeom prst="rect">
+            <a:avLst/>
+          </a:prstGeom>
+        </p:spPr>
+        <p:txBody>
+          <a:bodyPr lIns="0" rIns="0" tIns="0" bIns="0" anchor="ctr">
+            <a:noAutofit/>
+          </a:bodyPr>
+          <a:p>
+            <a:pPr algn="ctr"/>
+            <a:endParaRPr b="0" lang="pt-BR" sz="4400" spc="-1" strike="noStrike">
+              <a:latin typeface="Arial"/>
+            </a:endParaRPr>
+          </a:p>
+        </p:txBody>
+      </p:sp>
+      <p:sp>
+        <p:nvSpPr>
+          <p:cNvPr id="91" name="PlaceHolder 2"/>
+          <p:cNvSpPr>
+            <a:spLocks noGrp="1"/>
+          </p:cNvSpPr>
+          <p:nvPr>
+            <p:ph type="body"/>
+          </p:nvPr>
+        </p:nvSpPr>
+        <p:spPr>
+          <a:xfrm>
+            <a:off x="609480" y="1604520"/>
+            <a:ext cx="10972440" cy="3977280"/>
+          </a:xfrm>
+          <a:prstGeom prst="rect">
+            <a:avLst/>
+          </a:prstGeom>
+        </p:spPr>
+        <p:txBody>
+          <a:bodyPr lIns="0" rIns="0" tIns="0" bIns="0">
+            <a:normAutofit/>
+          </a:bodyPr>
+          <a:p>
+            <a:endParaRPr b="0" lang="pt-BR" sz="3200" spc="-1" strike="noStrike">
+              <a:latin typeface="Arial"/>
+            </a:endParaRPr>
+          </a:p>
+        </p:txBody>
+      </p:sp>
+    </p:spTree>
+  </p:cSld>
+</p:sldLayout>
+</file>
+
+<file path=ppt/slideLayouts/slideLayout28.xml><?xml version="1.0" encoding="utf-8"?>
+<p:sldLayout xmlns:a="http://schemas.openxmlformats.org/drawingml/2006/main" xmlns:p="http://schemas.openxmlformats.org/presentationml/2006/main" xmlns:r="http://schemas.openxmlformats.org/officeDocument/2006/relationships" xmlns:p14="http://schemas.microsoft.com/office/powerpoint/2010/main" xmlns:p15="http://schemas.microsoft.com/office/powerpoint/2012/main" xmlns:mc="http://schemas.openxmlformats.org/markup-compatibility/2006" type="twoObj" preserve="1">
+  <p:cSld name="Title, 2 Content">
+    <p:spTree>
+      <p:nvGrpSpPr>
+        <p:cNvPr id="1" name=""/>
+        <p:cNvGrpSpPr/>
+        <p:nvPr/>
+      </p:nvGrpSpPr>
+      <p:grpSpPr>
+        <a:xfrm>
+          <a:off x="0" y="0"/>
+          <a:ext cx="0" cy="0"/>
+          <a:chOff x="0" y="0"/>
+          <a:chExt cx="0" cy="0"/>
+        </a:xfrm>
+      </p:grpSpPr>
+      <p:sp>
+        <p:nvSpPr>
+          <p:cNvPr id="92" name="PlaceHolder 1"/>
+          <p:cNvSpPr>
+            <a:spLocks noGrp="1"/>
+          </p:cNvSpPr>
+          <p:nvPr>
+            <p:ph type="title"/>
+          </p:nvPr>
+        </p:nvSpPr>
+        <p:spPr>
+          <a:xfrm>
+            <a:off x="609480" y="273600"/>
+            <a:ext cx="10972440" cy="1144800"/>
+          </a:xfrm>
+          <a:prstGeom prst="rect">
+            <a:avLst/>
+          </a:prstGeom>
+        </p:spPr>
+        <p:txBody>
+          <a:bodyPr lIns="0" rIns="0" tIns="0" bIns="0" anchor="ctr">
+            <a:noAutofit/>
+          </a:bodyPr>
+          <a:p>
+            <a:pPr algn="ctr"/>
+            <a:endParaRPr b="0" lang="pt-BR" sz="4400" spc="-1" strike="noStrike">
+              <a:latin typeface="Arial"/>
+            </a:endParaRPr>
+          </a:p>
+        </p:txBody>
+      </p:sp>
+      <p:sp>
+        <p:nvSpPr>
+          <p:cNvPr id="93" name="PlaceHolder 2"/>
+          <p:cNvSpPr>
+            <a:spLocks noGrp="1"/>
+          </p:cNvSpPr>
+          <p:nvPr>
+            <p:ph type="body"/>
+          </p:nvPr>
+        </p:nvSpPr>
+        <p:spPr>
+          <a:xfrm>
+            <a:off x="609480" y="1604520"/>
+            <a:ext cx="5354280" cy="3977280"/>
+          </a:xfrm>
+          <a:prstGeom prst="rect">
+            <a:avLst/>
+          </a:prstGeom>
+        </p:spPr>
+        <p:txBody>
+          <a:bodyPr lIns="0" rIns="0" tIns="0" bIns="0">
+            <a:normAutofit/>
+          </a:bodyPr>
+          <a:p>
+            <a:endParaRPr b="0" lang="pt-BR" sz="3200" spc="-1" strike="noStrike">
+              <a:latin typeface="Arial"/>
+            </a:endParaRPr>
+          </a:p>
+        </p:txBody>
+      </p:sp>
+      <p:sp>
+        <p:nvSpPr>
+          <p:cNvPr id="94" name="PlaceHolder 3"/>
+          <p:cNvSpPr>
+            <a:spLocks noGrp="1"/>
+          </p:cNvSpPr>
+          <p:nvPr>
+            <p:ph type="body"/>
+          </p:nvPr>
+        </p:nvSpPr>
+        <p:spPr>
+          <a:xfrm>
+            <a:off x="6231960" y="1604520"/>
+            <a:ext cx="5354280" cy="3977280"/>
+          </a:xfrm>
+          <a:prstGeom prst="rect">
+            <a:avLst/>
+          </a:prstGeom>
+        </p:spPr>
+        <p:txBody>
+          <a:bodyPr lIns="0" rIns="0" tIns="0" bIns="0">
+            <a:normAutofit/>
+          </a:bodyPr>
+          <a:p>
+            <a:endParaRPr b="0" lang="pt-BR" sz="3200" spc="-1" strike="noStrike">
+              <a:latin typeface="Arial"/>
+            </a:endParaRPr>
+          </a:p>
+        </p:txBody>
+      </p:sp>
+    </p:spTree>
+  </p:cSld>
+</p:sldLayout>
+</file>
+
+<file path=ppt/slideLayouts/slideLayout29.xml><?xml version="1.0" encoding="utf-8"?>
+<p:sldLayout xmlns:a="http://schemas.openxmlformats.org/drawingml/2006/main" xmlns:p="http://schemas.openxmlformats.org/presentationml/2006/main" xmlns:r="http://schemas.openxmlformats.org/officeDocument/2006/relationships" xmlns:p14="http://schemas.microsoft.com/office/powerpoint/2010/main" xmlns:p15="http://schemas.microsoft.com/office/powerpoint/2012/main" xmlns:mc="http://schemas.openxmlformats.org/markup-compatibility/2006" type="titleOnly" preserve="1">
+  <p:cSld name="Title Only">
+    <p:spTree>
+      <p:nvGrpSpPr>
+        <p:cNvPr id="1" name=""/>
+        <p:cNvGrpSpPr/>
+        <p:nvPr/>
+      </p:nvGrpSpPr>
+      <p:grpSpPr>
+        <a:xfrm>
+          <a:off x="0" y="0"/>
+          <a:ext cx="0" cy="0"/>
+          <a:chOff x="0" y="0"/>
+          <a:chExt cx="0" cy="0"/>
+        </a:xfrm>
+      </p:grpSpPr>
+      <p:sp>
+        <p:nvSpPr>
+          <p:cNvPr id="95" name="PlaceHolder 1"/>
+          <p:cNvSpPr>
+            <a:spLocks noGrp="1"/>
+          </p:cNvSpPr>
+          <p:nvPr>
+            <p:ph type="title"/>
+          </p:nvPr>
+        </p:nvSpPr>
+        <p:spPr>
+          <a:xfrm>
+            <a:off x="609480" y="273600"/>
+            <a:ext cx="10972440" cy="1144800"/>
+          </a:xfrm>
+          <a:prstGeom prst="rect">
+            <a:avLst/>
+          </a:prstGeom>
+        </p:spPr>
+        <p:txBody>
+          <a:bodyPr lIns="0" rIns="0" tIns="0" bIns="0" anchor="ctr">
+            <a:noAutofit/>
+          </a:bodyPr>
+          <a:p>
+            <a:pPr algn="ctr"/>
+            <a:endParaRPr b="0" lang="pt-BR" sz="4400" spc="-1" strike="noStrike">
+              <a:latin typeface="Arial"/>
+            </a:endParaRPr>
+          </a:p>
+        </p:txBody>
+      </p:sp>
+    </p:spTree>
+  </p:cSld>
+</p:sldLayout>
+</file>
+
 <file path=ppt/slideLayouts/slideLayout3.xml><?xml version="1.0" encoding="utf-8"?>
 <p:sldLayout xmlns:a="http://schemas.openxmlformats.org/drawingml/2006/main" xmlns:p="http://schemas.openxmlformats.org/presentationml/2006/main" xmlns:r="http://schemas.openxmlformats.org/officeDocument/2006/relationships" xmlns:p14="http://schemas.microsoft.com/office/powerpoint/2010/main" xmlns:p15="http://schemas.microsoft.com/office/powerpoint/2012/main" xmlns:mc="http://schemas.openxmlformats.org/markup-compatibility/2006" type="obj" preserve="1">
   <p:cSld name="Title, Content">
@@ -5754,6 +6113,1196 @@
       <p:sp>
         <p:nvSpPr>
           <p:cNvPr id="9" name="PlaceHolder 2"/>
+          <p:cNvSpPr>
+            <a:spLocks noGrp="1"/>
+          </p:cNvSpPr>
+          <p:nvPr>
+            <p:ph type="body"/>
+          </p:nvPr>
+        </p:nvSpPr>
+        <p:spPr>
+          <a:xfrm>
+            <a:off x="609480" y="1604520"/>
+            <a:ext cx="10972440" cy="3977280"/>
+          </a:xfrm>
+          <a:prstGeom prst="rect">
+            <a:avLst/>
+          </a:prstGeom>
+        </p:spPr>
+        <p:txBody>
+          <a:bodyPr lIns="0" rIns="0" tIns="0" bIns="0">
+            <a:normAutofit/>
+          </a:bodyPr>
+          <a:p>
+            <a:endParaRPr b="0" lang="pt-BR" sz="3200" spc="-1" strike="noStrike">
+              <a:latin typeface="Arial"/>
+            </a:endParaRPr>
+          </a:p>
+        </p:txBody>
+      </p:sp>
+    </p:spTree>
+  </p:cSld>
+</p:sldLayout>
+</file>
+
+<file path=ppt/slideLayouts/slideLayout30.xml><?xml version="1.0" encoding="utf-8"?>
+<p:sldLayout xmlns:a="http://schemas.openxmlformats.org/drawingml/2006/main" xmlns:p="http://schemas.openxmlformats.org/presentationml/2006/main" xmlns:r="http://schemas.openxmlformats.org/officeDocument/2006/relationships" xmlns:p14="http://schemas.microsoft.com/office/powerpoint/2010/main" xmlns:p15="http://schemas.microsoft.com/office/powerpoint/2012/main" xmlns:mc="http://schemas.openxmlformats.org/markup-compatibility/2006" type="objOnly" preserve="1">
+  <p:cSld name="Centered Text">
+    <p:spTree>
+      <p:nvGrpSpPr>
+        <p:cNvPr id="1" name=""/>
+        <p:cNvGrpSpPr/>
+        <p:nvPr/>
+      </p:nvGrpSpPr>
+      <p:grpSpPr>
+        <a:xfrm>
+          <a:off x="0" y="0"/>
+          <a:ext cx="0" cy="0"/>
+          <a:chOff x="0" y="0"/>
+          <a:chExt cx="0" cy="0"/>
+        </a:xfrm>
+      </p:grpSpPr>
+      <p:sp>
+        <p:nvSpPr>
+          <p:cNvPr id="96" name="PlaceHolder 1"/>
+          <p:cNvSpPr>
+            <a:spLocks noGrp="1"/>
+          </p:cNvSpPr>
+          <p:nvPr>
+            <p:ph type="subTitle"/>
+          </p:nvPr>
+        </p:nvSpPr>
+        <p:spPr>
+          <a:xfrm>
+            <a:off x="609480" y="273600"/>
+            <a:ext cx="10972440" cy="5307840"/>
+          </a:xfrm>
+          <a:prstGeom prst="rect">
+            <a:avLst/>
+          </a:prstGeom>
+        </p:spPr>
+        <p:txBody>
+          <a:bodyPr lIns="0" rIns="0" tIns="0" bIns="0" anchor="ctr">
+            <a:noAutofit/>
+          </a:bodyPr>
+          <a:p>
+            <a:pPr algn="ctr"/>
+            <a:endParaRPr b="0" lang="pt-BR" sz="3200" spc="-1" strike="noStrike">
+              <a:latin typeface="Arial"/>
+            </a:endParaRPr>
+          </a:p>
+        </p:txBody>
+      </p:sp>
+    </p:spTree>
+  </p:cSld>
+</p:sldLayout>
+</file>
+
+<file path=ppt/slideLayouts/slideLayout31.xml><?xml version="1.0" encoding="utf-8"?>
+<p:sldLayout xmlns:a="http://schemas.openxmlformats.org/drawingml/2006/main" xmlns:p="http://schemas.openxmlformats.org/presentationml/2006/main" xmlns:r="http://schemas.openxmlformats.org/officeDocument/2006/relationships" xmlns:p14="http://schemas.microsoft.com/office/powerpoint/2010/main" xmlns:p15="http://schemas.microsoft.com/office/powerpoint/2012/main" xmlns:mc="http://schemas.openxmlformats.org/markup-compatibility/2006" type="twoObjAndObj" preserve="1">
+  <p:cSld name="Title, 2 Content and Content">
+    <p:spTree>
+      <p:nvGrpSpPr>
+        <p:cNvPr id="1" name=""/>
+        <p:cNvGrpSpPr/>
+        <p:nvPr/>
+      </p:nvGrpSpPr>
+      <p:grpSpPr>
+        <a:xfrm>
+          <a:off x="0" y="0"/>
+          <a:ext cx="0" cy="0"/>
+          <a:chOff x="0" y="0"/>
+          <a:chExt cx="0" cy="0"/>
+        </a:xfrm>
+      </p:grpSpPr>
+      <p:sp>
+        <p:nvSpPr>
+          <p:cNvPr id="97" name="PlaceHolder 1"/>
+          <p:cNvSpPr>
+            <a:spLocks noGrp="1"/>
+          </p:cNvSpPr>
+          <p:nvPr>
+            <p:ph type="title"/>
+          </p:nvPr>
+        </p:nvSpPr>
+        <p:spPr>
+          <a:xfrm>
+            <a:off x="609480" y="273600"/>
+            <a:ext cx="10972440" cy="1144800"/>
+          </a:xfrm>
+          <a:prstGeom prst="rect">
+            <a:avLst/>
+          </a:prstGeom>
+        </p:spPr>
+        <p:txBody>
+          <a:bodyPr lIns="0" rIns="0" tIns="0" bIns="0" anchor="ctr">
+            <a:noAutofit/>
+          </a:bodyPr>
+          <a:p>
+            <a:pPr algn="ctr"/>
+            <a:endParaRPr b="0" lang="pt-BR" sz="4400" spc="-1" strike="noStrike">
+              <a:latin typeface="Arial"/>
+            </a:endParaRPr>
+          </a:p>
+        </p:txBody>
+      </p:sp>
+      <p:sp>
+        <p:nvSpPr>
+          <p:cNvPr id="98" name="PlaceHolder 2"/>
+          <p:cNvSpPr>
+            <a:spLocks noGrp="1"/>
+          </p:cNvSpPr>
+          <p:nvPr>
+            <p:ph type="body"/>
+          </p:nvPr>
+        </p:nvSpPr>
+        <p:spPr>
+          <a:xfrm>
+            <a:off x="609480" y="1604520"/>
+            <a:ext cx="5354280" cy="1896840"/>
+          </a:xfrm>
+          <a:prstGeom prst="rect">
+            <a:avLst/>
+          </a:prstGeom>
+        </p:spPr>
+        <p:txBody>
+          <a:bodyPr lIns="0" rIns="0" tIns="0" bIns="0">
+            <a:normAutofit/>
+          </a:bodyPr>
+          <a:p>
+            <a:endParaRPr b="0" lang="pt-BR" sz="3200" spc="-1" strike="noStrike">
+              <a:latin typeface="Arial"/>
+            </a:endParaRPr>
+          </a:p>
+        </p:txBody>
+      </p:sp>
+      <p:sp>
+        <p:nvSpPr>
+          <p:cNvPr id="99" name="PlaceHolder 3"/>
+          <p:cNvSpPr>
+            <a:spLocks noGrp="1"/>
+          </p:cNvSpPr>
+          <p:nvPr>
+            <p:ph type="body"/>
+          </p:nvPr>
+        </p:nvSpPr>
+        <p:spPr>
+          <a:xfrm>
+            <a:off x="6231960" y="1604520"/>
+            <a:ext cx="5354280" cy="3977280"/>
+          </a:xfrm>
+          <a:prstGeom prst="rect">
+            <a:avLst/>
+          </a:prstGeom>
+        </p:spPr>
+        <p:txBody>
+          <a:bodyPr lIns="0" rIns="0" tIns="0" bIns="0">
+            <a:normAutofit/>
+          </a:bodyPr>
+          <a:p>
+            <a:endParaRPr b="0" lang="pt-BR" sz="3200" spc="-1" strike="noStrike">
+              <a:latin typeface="Arial"/>
+            </a:endParaRPr>
+          </a:p>
+        </p:txBody>
+      </p:sp>
+      <p:sp>
+        <p:nvSpPr>
+          <p:cNvPr id="100" name="PlaceHolder 4"/>
+          <p:cNvSpPr>
+            <a:spLocks noGrp="1"/>
+          </p:cNvSpPr>
+          <p:nvPr>
+            <p:ph type="body"/>
+          </p:nvPr>
+        </p:nvSpPr>
+        <p:spPr>
+          <a:xfrm>
+            <a:off x="609480" y="3682080"/>
+            <a:ext cx="5354280" cy="1896840"/>
+          </a:xfrm>
+          <a:prstGeom prst="rect">
+            <a:avLst/>
+          </a:prstGeom>
+        </p:spPr>
+        <p:txBody>
+          <a:bodyPr lIns="0" rIns="0" tIns="0" bIns="0">
+            <a:normAutofit/>
+          </a:bodyPr>
+          <a:p>
+            <a:endParaRPr b="0" lang="pt-BR" sz="3200" spc="-1" strike="noStrike">
+              <a:latin typeface="Arial"/>
+            </a:endParaRPr>
+          </a:p>
+        </p:txBody>
+      </p:sp>
+    </p:spTree>
+  </p:cSld>
+</p:sldLayout>
+</file>
+
+<file path=ppt/slideLayouts/slideLayout32.xml><?xml version="1.0" encoding="utf-8"?>
+<p:sldLayout xmlns:a="http://schemas.openxmlformats.org/drawingml/2006/main" xmlns:p="http://schemas.openxmlformats.org/presentationml/2006/main" xmlns:r="http://schemas.openxmlformats.org/officeDocument/2006/relationships" xmlns:p14="http://schemas.microsoft.com/office/powerpoint/2010/main" xmlns:p15="http://schemas.microsoft.com/office/powerpoint/2012/main" xmlns:mc="http://schemas.openxmlformats.org/markup-compatibility/2006" type="objAndTwoObj" preserve="1">
+  <p:cSld name="Title Content and 2 Content">
+    <p:spTree>
+      <p:nvGrpSpPr>
+        <p:cNvPr id="1" name=""/>
+        <p:cNvGrpSpPr/>
+        <p:nvPr/>
+      </p:nvGrpSpPr>
+      <p:grpSpPr>
+        <a:xfrm>
+          <a:off x="0" y="0"/>
+          <a:ext cx="0" cy="0"/>
+          <a:chOff x="0" y="0"/>
+          <a:chExt cx="0" cy="0"/>
+        </a:xfrm>
+      </p:grpSpPr>
+      <p:sp>
+        <p:nvSpPr>
+          <p:cNvPr id="101" name="PlaceHolder 1"/>
+          <p:cNvSpPr>
+            <a:spLocks noGrp="1"/>
+          </p:cNvSpPr>
+          <p:nvPr>
+            <p:ph type="title"/>
+          </p:nvPr>
+        </p:nvSpPr>
+        <p:spPr>
+          <a:xfrm>
+            <a:off x="609480" y="273600"/>
+            <a:ext cx="10972440" cy="1144800"/>
+          </a:xfrm>
+          <a:prstGeom prst="rect">
+            <a:avLst/>
+          </a:prstGeom>
+        </p:spPr>
+        <p:txBody>
+          <a:bodyPr lIns="0" rIns="0" tIns="0" bIns="0" anchor="ctr">
+            <a:noAutofit/>
+          </a:bodyPr>
+          <a:p>
+            <a:pPr algn="ctr"/>
+            <a:endParaRPr b="0" lang="pt-BR" sz="4400" spc="-1" strike="noStrike">
+              <a:latin typeface="Arial"/>
+            </a:endParaRPr>
+          </a:p>
+        </p:txBody>
+      </p:sp>
+      <p:sp>
+        <p:nvSpPr>
+          <p:cNvPr id="102" name="PlaceHolder 2"/>
+          <p:cNvSpPr>
+            <a:spLocks noGrp="1"/>
+          </p:cNvSpPr>
+          <p:nvPr>
+            <p:ph type="body"/>
+          </p:nvPr>
+        </p:nvSpPr>
+        <p:spPr>
+          <a:xfrm>
+            <a:off x="609480" y="1604520"/>
+            <a:ext cx="5354280" cy="3977280"/>
+          </a:xfrm>
+          <a:prstGeom prst="rect">
+            <a:avLst/>
+          </a:prstGeom>
+        </p:spPr>
+        <p:txBody>
+          <a:bodyPr lIns="0" rIns="0" tIns="0" bIns="0">
+            <a:normAutofit/>
+          </a:bodyPr>
+          <a:p>
+            <a:endParaRPr b="0" lang="pt-BR" sz="3200" spc="-1" strike="noStrike">
+              <a:latin typeface="Arial"/>
+            </a:endParaRPr>
+          </a:p>
+        </p:txBody>
+      </p:sp>
+      <p:sp>
+        <p:nvSpPr>
+          <p:cNvPr id="103" name="PlaceHolder 3"/>
+          <p:cNvSpPr>
+            <a:spLocks noGrp="1"/>
+          </p:cNvSpPr>
+          <p:nvPr>
+            <p:ph type="body"/>
+          </p:nvPr>
+        </p:nvSpPr>
+        <p:spPr>
+          <a:xfrm>
+            <a:off x="6231960" y="1604520"/>
+            <a:ext cx="5354280" cy="1896840"/>
+          </a:xfrm>
+          <a:prstGeom prst="rect">
+            <a:avLst/>
+          </a:prstGeom>
+        </p:spPr>
+        <p:txBody>
+          <a:bodyPr lIns="0" rIns="0" tIns="0" bIns="0">
+            <a:normAutofit/>
+          </a:bodyPr>
+          <a:p>
+            <a:endParaRPr b="0" lang="pt-BR" sz="3200" spc="-1" strike="noStrike">
+              <a:latin typeface="Arial"/>
+            </a:endParaRPr>
+          </a:p>
+        </p:txBody>
+      </p:sp>
+      <p:sp>
+        <p:nvSpPr>
+          <p:cNvPr id="104" name="PlaceHolder 4"/>
+          <p:cNvSpPr>
+            <a:spLocks noGrp="1"/>
+          </p:cNvSpPr>
+          <p:nvPr>
+            <p:ph type="body"/>
+          </p:nvPr>
+        </p:nvSpPr>
+        <p:spPr>
+          <a:xfrm>
+            <a:off x="6231960" y="3682080"/>
+            <a:ext cx="5354280" cy="1896840"/>
+          </a:xfrm>
+          <a:prstGeom prst="rect">
+            <a:avLst/>
+          </a:prstGeom>
+        </p:spPr>
+        <p:txBody>
+          <a:bodyPr lIns="0" rIns="0" tIns="0" bIns="0">
+            <a:normAutofit/>
+          </a:bodyPr>
+          <a:p>
+            <a:endParaRPr b="0" lang="pt-BR" sz="3200" spc="-1" strike="noStrike">
+              <a:latin typeface="Arial"/>
+            </a:endParaRPr>
+          </a:p>
+        </p:txBody>
+      </p:sp>
+    </p:spTree>
+  </p:cSld>
+</p:sldLayout>
+</file>
+
+<file path=ppt/slideLayouts/slideLayout33.xml><?xml version="1.0" encoding="utf-8"?>
+<p:sldLayout xmlns:a="http://schemas.openxmlformats.org/drawingml/2006/main" xmlns:p="http://schemas.openxmlformats.org/presentationml/2006/main" xmlns:r="http://schemas.openxmlformats.org/officeDocument/2006/relationships" xmlns:p14="http://schemas.microsoft.com/office/powerpoint/2010/main" xmlns:p15="http://schemas.microsoft.com/office/powerpoint/2012/main" xmlns:mc="http://schemas.openxmlformats.org/markup-compatibility/2006" type="twoObjOverTx" preserve="1">
+  <p:cSld name="Title, 2 Content over Content">
+    <p:spTree>
+      <p:nvGrpSpPr>
+        <p:cNvPr id="1" name=""/>
+        <p:cNvGrpSpPr/>
+        <p:nvPr/>
+      </p:nvGrpSpPr>
+      <p:grpSpPr>
+        <a:xfrm>
+          <a:off x="0" y="0"/>
+          <a:ext cx="0" cy="0"/>
+          <a:chOff x="0" y="0"/>
+          <a:chExt cx="0" cy="0"/>
+        </a:xfrm>
+      </p:grpSpPr>
+      <p:sp>
+        <p:nvSpPr>
+          <p:cNvPr id="105" name="PlaceHolder 1"/>
+          <p:cNvSpPr>
+            <a:spLocks noGrp="1"/>
+          </p:cNvSpPr>
+          <p:nvPr>
+            <p:ph type="title"/>
+          </p:nvPr>
+        </p:nvSpPr>
+        <p:spPr>
+          <a:xfrm>
+            <a:off x="609480" y="273600"/>
+            <a:ext cx="10972440" cy="1144800"/>
+          </a:xfrm>
+          <a:prstGeom prst="rect">
+            <a:avLst/>
+          </a:prstGeom>
+        </p:spPr>
+        <p:txBody>
+          <a:bodyPr lIns="0" rIns="0" tIns="0" bIns="0" anchor="ctr">
+            <a:noAutofit/>
+          </a:bodyPr>
+          <a:p>
+            <a:pPr algn="ctr"/>
+            <a:endParaRPr b="0" lang="pt-BR" sz="4400" spc="-1" strike="noStrike">
+              <a:latin typeface="Arial"/>
+            </a:endParaRPr>
+          </a:p>
+        </p:txBody>
+      </p:sp>
+      <p:sp>
+        <p:nvSpPr>
+          <p:cNvPr id="106" name="PlaceHolder 2"/>
+          <p:cNvSpPr>
+            <a:spLocks noGrp="1"/>
+          </p:cNvSpPr>
+          <p:nvPr>
+            <p:ph type="body"/>
+          </p:nvPr>
+        </p:nvSpPr>
+        <p:spPr>
+          <a:xfrm>
+            <a:off x="609480" y="1604520"/>
+            <a:ext cx="5354280" cy="1896840"/>
+          </a:xfrm>
+          <a:prstGeom prst="rect">
+            <a:avLst/>
+          </a:prstGeom>
+        </p:spPr>
+        <p:txBody>
+          <a:bodyPr lIns="0" rIns="0" tIns="0" bIns="0">
+            <a:normAutofit/>
+          </a:bodyPr>
+          <a:p>
+            <a:endParaRPr b="0" lang="pt-BR" sz="3200" spc="-1" strike="noStrike">
+              <a:latin typeface="Arial"/>
+            </a:endParaRPr>
+          </a:p>
+        </p:txBody>
+      </p:sp>
+      <p:sp>
+        <p:nvSpPr>
+          <p:cNvPr id="107" name="PlaceHolder 3"/>
+          <p:cNvSpPr>
+            <a:spLocks noGrp="1"/>
+          </p:cNvSpPr>
+          <p:nvPr>
+            <p:ph type="body"/>
+          </p:nvPr>
+        </p:nvSpPr>
+        <p:spPr>
+          <a:xfrm>
+            <a:off x="6231960" y="1604520"/>
+            <a:ext cx="5354280" cy="1896840"/>
+          </a:xfrm>
+          <a:prstGeom prst="rect">
+            <a:avLst/>
+          </a:prstGeom>
+        </p:spPr>
+        <p:txBody>
+          <a:bodyPr lIns="0" rIns="0" tIns="0" bIns="0">
+            <a:normAutofit/>
+          </a:bodyPr>
+          <a:p>
+            <a:endParaRPr b="0" lang="pt-BR" sz="3200" spc="-1" strike="noStrike">
+              <a:latin typeface="Arial"/>
+            </a:endParaRPr>
+          </a:p>
+        </p:txBody>
+      </p:sp>
+      <p:sp>
+        <p:nvSpPr>
+          <p:cNvPr id="108" name="PlaceHolder 4"/>
+          <p:cNvSpPr>
+            <a:spLocks noGrp="1"/>
+          </p:cNvSpPr>
+          <p:nvPr>
+            <p:ph type="body"/>
+          </p:nvPr>
+        </p:nvSpPr>
+        <p:spPr>
+          <a:xfrm>
+            <a:off x="609480" y="3682080"/>
+            <a:ext cx="10972440" cy="1896840"/>
+          </a:xfrm>
+          <a:prstGeom prst="rect">
+            <a:avLst/>
+          </a:prstGeom>
+        </p:spPr>
+        <p:txBody>
+          <a:bodyPr lIns="0" rIns="0" tIns="0" bIns="0">
+            <a:normAutofit/>
+          </a:bodyPr>
+          <a:p>
+            <a:endParaRPr b="0" lang="pt-BR" sz="3200" spc="-1" strike="noStrike">
+              <a:latin typeface="Arial"/>
+            </a:endParaRPr>
+          </a:p>
+        </p:txBody>
+      </p:sp>
+    </p:spTree>
+  </p:cSld>
+</p:sldLayout>
+</file>
+
+<file path=ppt/slideLayouts/slideLayout34.xml><?xml version="1.0" encoding="utf-8"?>
+<p:sldLayout xmlns:a="http://schemas.openxmlformats.org/drawingml/2006/main" xmlns:p="http://schemas.openxmlformats.org/presentationml/2006/main" xmlns:r="http://schemas.openxmlformats.org/officeDocument/2006/relationships" xmlns:p14="http://schemas.microsoft.com/office/powerpoint/2010/main" xmlns:p15="http://schemas.microsoft.com/office/powerpoint/2012/main" xmlns:mc="http://schemas.openxmlformats.org/markup-compatibility/2006" type="objOverTx" preserve="1">
+  <p:cSld name="Title, Content over Content">
+    <p:spTree>
+      <p:nvGrpSpPr>
+        <p:cNvPr id="1" name=""/>
+        <p:cNvGrpSpPr/>
+        <p:nvPr/>
+      </p:nvGrpSpPr>
+      <p:grpSpPr>
+        <a:xfrm>
+          <a:off x="0" y="0"/>
+          <a:ext cx="0" cy="0"/>
+          <a:chOff x="0" y="0"/>
+          <a:chExt cx="0" cy="0"/>
+        </a:xfrm>
+      </p:grpSpPr>
+      <p:sp>
+        <p:nvSpPr>
+          <p:cNvPr id="109" name="PlaceHolder 1"/>
+          <p:cNvSpPr>
+            <a:spLocks noGrp="1"/>
+          </p:cNvSpPr>
+          <p:nvPr>
+            <p:ph type="title"/>
+          </p:nvPr>
+        </p:nvSpPr>
+        <p:spPr>
+          <a:xfrm>
+            <a:off x="609480" y="273600"/>
+            <a:ext cx="10972440" cy="1144800"/>
+          </a:xfrm>
+          <a:prstGeom prst="rect">
+            <a:avLst/>
+          </a:prstGeom>
+        </p:spPr>
+        <p:txBody>
+          <a:bodyPr lIns="0" rIns="0" tIns="0" bIns="0" anchor="ctr">
+            <a:noAutofit/>
+          </a:bodyPr>
+          <a:p>
+            <a:pPr algn="ctr"/>
+            <a:endParaRPr b="0" lang="pt-BR" sz="4400" spc="-1" strike="noStrike">
+              <a:latin typeface="Arial"/>
+            </a:endParaRPr>
+          </a:p>
+        </p:txBody>
+      </p:sp>
+      <p:sp>
+        <p:nvSpPr>
+          <p:cNvPr id="110" name="PlaceHolder 2"/>
+          <p:cNvSpPr>
+            <a:spLocks noGrp="1"/>
+          </p:cNvSpPr>
+          <p:nvPr>
+            <p:ph type="body"/>
+          </p:nvPr>
+        </p:nvSpPr>
+        <p:spPr>
+          <a:xfrm>
+            <a:off x="609480" y="1604520"/>
+            <a:ext cx="10972440" cy="1896840"/>
+          </a:xfrm>
+          <a:prstGeom prst="rect">
+            <a:avLst/>
+          </a:prstGeom>
+        </p:spPr>
+        <p:txBody>
+          <a:bodyPr lIns="0" rIns="0" tIns="0" bIns="0">
+            <a:normAutofit/>
+          </a:bodyPr>
+          <a:p>
+            <a:endParaRPr b="0" lang="pt-BR" sz="3200" spc="-1" strike="noStrike">
+              <a:latin typeface="Arial"/>
+            </a:endParaRPr>
+          </a:p>
+        </p:txBody>
+      </p:sp>
+      <p:sp>
+        <p:nvSpPr>
+          <p:cNvPr id="111" name="PlaceHolder 3"/>
+          <p:cNvSpPr>
+            <a:spLocks noGrp="1"/>
+          </p:cNvSpPr>
+          <p:nvPr>
+            <p:ph type="body"/>
+          </p:nvPr>
+        </p:nvSpPr>
+        <p:spPr>
+          <a:xfrm>
+            <a:off x="609480" y="3682080"/>
+            <a:ext cx="10972440" cy="1896840"/>
+          </a:xfrm>
+          <a:prstGeom prst="rect">
+            <a:avLst/>
+          </a:prstGeom>
+        </p:spPr>
+        <p:txBody>
+          <a:bodyPr lIns="0" rIns="0" tIns="0" bIns="0">
+            <a:normAutofit/>
+          </a:bodyPr>
+          <a:p>
+            <a:endParaRPr b="0" lang="pt-BR" sz="3200" spc="-1" strike="noStrike">
+              <a:latin typeface="Arial"/>
+            </a:endParaRPr>
+          </a:p>
+        </p:txBody>
+      </p:sp>
+    </p:spTree>
+  </p:cSld>
+</p:sldLayout>
+</file>
+
+<file path=ppt/slideLayouts/slideLayout35.xml><?xml version="1.0" encoding="utf-8"?>
+<p:sldLayout xmlns:a="http://schemas.openxmlformats.org/drawingml/2006/main" xmlns:p="http://schemas.openxmlformats.org/presentationml/2006/main" xmlns:r="http://schemas.openxmlformats.org/officeDocument/2006/relationships" xmlns:p14="http://schemas.microsoft.com/office/powerpoint/2010/main" xmlns:p15="http://schemas.microsoft.com/office/powerpoint/2012/main" xmlns:mc="http://schemas.openxmlformats.org/markup-compatibility/2006" type="fourObj" preserve="1">
+  <p:cSld name="Title, 4 Content">
+    <p:spTree>
+      <p:nvGrpSpPr>
+        <p:cNvPr id="1" name=""/>
+        <p:cNvGrpSpPr/>
+        <p:nvPr/>
+      </p:nvGrpSpPr>
+      <p:grpSpPr>
+        <a:xfrm>
+          <a:off x="0" y="0"/>
+          <a:ext cx="0" cy="0"/>
+          <a:chOff x="0" y="0"/>
+          <a:chExt cx="0" cy="0"/>
+        </a:xfrm>
+      </p:grpSpPr>
+      <p:sp>
+        <p:nvSpPr>
+          <p:cNvPr id="112" name="PlaceHolder 1"/>
+          <p:cNvSpPr>
+            <a:spLocks noGrp="1"/>
+          </p:cNvSpPr>
+          <p:nvPr>
+            <p:ph type="title"/>
+          </p:nvPr>
+        </p:nvSpPr>
+        <p:spPr>
+          <a:xfrm>
+            <a:off x="609480" y="273600"/>
+            <a:ext cx="10972440" cy="1144800"/>
+          </a:xfrm>
+          <a:prstGeom prst="rect">
+            <a:avLst/>
+          </a:prstGeom>
+        </p:spPr>
+        <p:txBody>
+          <a:bodyPr lIns="0" rIns="0" tIns="0" bIns="0" anchor="ctr">
+            <a:noAutofit/>
+          </a:bodyPr>
+          <a:p>
+            <a:pPr algn="ctr"/>
+            <a:endParaRPr b="0" lang="pt-BR" sz="4400" spc="-1" strike="noStrike">
+              <a:latin typeface="Arial"/>
+            </a:endParaRPr>
+          </a:p>
+        </p:txBody>
+      </p:sp>
+      <p:sp>
+        <p:nvSpPr>
+          <p:cNvPr id="113" name="PlaceHolder 2"/>
+          <p:cNvSpPr>
+            <a:spLocks noGrp="1"/>
+          </p:cNvSpPr>
+          <p:nvPr>
+            <p:ph type="body"/>
+          </p:nvPr>
+        </p:nvSpPr>
+        <p:spPr>
+          <a:xfrm>
+            <a:off x="609480" y="1604520"/>
+            <a:ext cx="5354280" cy="1896840"/>
+          </a:xfrm>
+          <a:prstGeom prst="rect">
+            <a:avLst/>
+          </a:prstGeom>
+        </p:spPr>
+        <p:txBody>
+          <a:bodyPr lIns="0" rIns="0" tIns="0" bIns="0">
+            <a:normAutofit/>
+          </a:bodyPr>
+          <a:p>
+            <a:endParaRPr b="0" lang="pt-BR" sz="3200" spc="-1" strike="noStrike">
+              <a:latin typeface="Arial"/>
+            </a:endParaRPr>
+          </a:p>
+        </p:txBody>
+      </p:sp>
+      <p:sp>
+        <p:nvSpPr>
+          <p:cNvPr id="114" name="PlaceHolder 3"/>
+          <p:cNvSpPr>
+            <a:spLocks noGrp="1"/>
+          </p:cNvSpPr>
+          <p:nvPr>
+            <p:ph type="body"/>
+          </p:nvPr>
+        </p:nvSpPr>
+        <p:spPr>
+          <a:xfrm>
+            <a:off x="6231960" y="1604520"/>
+            <a:ext cx="5354280" cy="1896840"/>
+          </a:xfrm>
+          <a:prstGeom prst="rect">
+            <a:avLst/>
+          </a:prstGeom>
+        </p:spPr>
+        <p:txBody>
+          <a:bodyPr lIns="0" rIns="0" tIns="0" bIns="0">
+            <a:normAutofit/>
+          </a:bodyPr>
+          <a:p>
+            <a:endParaRPr b="0" lang="pt-BR" sz="3200" spc="-1" strike="noStrike">
+              <a:latin typeface="Arial"/>
+            </a:endParaRPr>
+          </a:p>
+        </p:txBody>
+      </p:sp>
+      <p:sp>
+        <p:nvSpPr>
+          <p:cNvPr id="115" name="PlaceHolder 4"/>
+          <p:cNvSpPr>
+            <a:spLocks noGrp="1"/>
+          </p:cNvSpPr>
+          <p:nvPr>
+            <p:ph type="body"/>
+          </p:nvPr>
+        </p:nvSpPr>
+        <p:spPr>
+          <a:xfrm>
+            <a:off x="609480" y="3682080"/>
+            <a:ext cx="5354280" cy="1896840"/>
+          </a:xfrm>
+          <a:prstGeom prst="rect">
+            <a:avLst/>
+          </a:prstGeom>
+        </p:spPr>
+        <p:txBody>
+          <a:bodyPr lIns="0" rIns="0" tIns="0" bIns="0">
+            <a:normAutofit/>
+          </a:bodyPr>
+          <a:p>
+            <a:endParaRPr b="0" lang="pt-BR" sz="3200" spc="-1" strike="noStrike">
+              <a:latin typeface="Arial"/>
+            </a:endParaRPr>
+          </a:p>
+        </p:txBody>
+      </p:sp>
+      <p:sp>
+        <p:nvSpPr>
+          <p:cNvPr id="116" name="PlaceHolder 5"/>
+          <p:cNvSpPr>
+            <a:spLocks noGrp="1"/>
+          </p:cNvSpPr>
+          <p:nvPr>
+            <p:ph type="body"/>
+          </p:nvPr>
+        </p:nvSpPr>
+        <p:spPr>
+          <a:xfrm>
+            <a:off x="6231960" y="3682080"/>
+            <a:ext cx="5354280" cy="1896840"/>
+          </a:xfrm>
+          <a:prstGeom prst="rect">
+            <a:avLst/>
+          </a:prstGeom>
+        </p:spPr>
+        <p:txBody>
+          <a:bodyPr lIns="0" rIns="0" tIns="0" bIns="0">
+            <a:normAutofit/>
+          </a:bodyPr>
+          <a:p>
+            <a:endParaRPr b="0" lang="pt-BR" sz="3200" spc="-1" strike="noStrike">
+              <a:latin typeface="Arial"/>
+            </a:endParaRPr>
+          </a:p>
+        </p:txBody>
+      </p:sp>
+    </p:spTree>
+  </p:cSld>
+</p:sldLayout>
+</file>
+
+<file path=ppt/slideLayouts/slideLayout36.xml><?xml version="1.0" encoding="utf-8"?>
+<p:sldLayout xmlns:a="http://schemas.openxmlformats.org/drawingml/2006/main" xmlns:p="http://schemas.openxmlformats.org/presentationml/2006/main" xmlns:r="http://schemas.openxmlformats.org/officeDocument/2006/relationships" xmlns:p14="http://schemas.microsoft.com/office/powerpoint/2010/main" xmlns:p15="http://schemas.microsoft.com/office/powerpoint/2012/main" xmlns:mc="http://schemas.openxmlformats.org/markup-compatibility/2006" type="blank" preserve="1">
+  <p:cSld name="Title, 6 Content">
+    <p:spTree>
+      <p:nvGrpSpPr>
+        <p:cNvPr id="1" name=""/>
+        <p:cNvGrpSpPr/>
+        <p:nvPr/>
+      </p:nvGrpSpPr>
+      <p:grpSpPr>
+        <a:xfrm>
+          <a:off x="0" y="0"/>
+          <a:ext cx="0" cy="0"/>
+          <a:chOff x="0" y="0"/>
+          <a:chExt cx="0" cy="0"/>
+        </a:xfrm>
+      </p:grpSpPr>
+      <p:sp>
+        <p:nvSpPr>
+          <p:cNvPr id="117" name="PlaceHolder 1"/>
+          <p:cNvSpPr>
+            <a:spLocks noGrp="1"/>
+          </p:cNvSpPr>
+          <p:nvPr>
+            <p:ph type="title"/>
+          </p:nvPr>
+        </p:nvSpPr>
+        <p:spPr>
+          <a:xfrm>
+            <a:off x="609480" y="273600"/>
+            <a:ext cx="10972440" cy="1144800"/>
+          </a:xfrm>
+          <a:prstGeom prst="rect">
+            <a:avLst/>
+          </a:prstGeom>
+        </p:spPr>
+        <p:txBody>
+          <a:bodyPr lIns="0" rIns="0" tIns="0" bIns="0" anchor="ctr">
+            <a:noAutofit/>
+          </a:bodyPr>
+          <a:p>
+            <a:pPr algn="ctr"/>
+            <a:endParaRPr b="0" lang="pt-BR" sz="4400" spc="-1" strike="noStrike">
+              <a:latin typeface="Arial"/>
+            </a:endParaRPr>
+          </a:p>
+        </p:txBody>
+      </p:sp>
+      <p:sp>
+        <p:nvSpPr>
+          <p:cNvPr id="118" name="PlaceHolder 2"/>
+          <p:cNvSpPr>
+            <a:spLocks noGrp="1"/>
+          </p:cNvSpPr>
+          <p:nvPr>
+            <p:ph type="body"/>
+          </p:nvPr>
+        </p:nvSpPr>
+        <p:spPr>
+          <a:xfrm>
+            <a:off x="609480" y="1604520"/>
+            <a:ext cx="3533040" cy="1896840"/>
+          </a:xfrm>
+          <a:prstGeom prst="rect">
+            <a:avLst/>
+          </a:prstGeom>
+        </p:spPr>
+        <p:txBody>
+          <a:bodyPr lIns="0" rIns="0" tIns="0" bIns="0">
+            <a:normAutofit/>
+          </a:bodyPr>
+          <a:p>
+            <a:endParaRPr b="0" lang="pt-BR" sz="3200" spc="-1" strike="noStrike">
+              <a:latin typeface="Arial"/>
+            </a:endParaRPr>
+          </a:p>
+        </p:txBody>
+      </p:sp>
+      <p:sp>
+        <p:nvSpPr>
+          <p:cNvPr id="119" name="PlaceHolder 3"/>
+          <p:cNvSpPr>
+            <a:spLocks noGrp="1"/>
+          </p:cNvSpPr>
+          <p:nvPr>
+            <p:ph type="body"/>
+          </p:nvPr>
+        </p:nvSpPr>
+        <p:spPr>
+          <a:xfrm>
+            <a:off x="4319640" y="1604520"/>
+            <a:ext cx="3533040" cy="1896840"/>
+          </a:xfrm>
+          <a:prstGeom prst="rect">
+            <a:avLst/>
+          </a:prstGeom>
+        </p:spPr>
+        <p:txBody>
+          <a:bodyPr lIns="0" rIns="0" tIns="0" bIns="0">
+            <a:normAutofit/>
+          </a:bodyPr>
+          <a:p>
+            <a:endParaRPr b="0" lang="pt-BR" sz="3200" spc="-1" strike="noStrike">
+              <a:latin typeface="Arial"/>
+            </a:endParaRPr>
+          </a:p>
+        </p:txBody>
+      </p:sp>
+      <p:sp>
+        <p:nvSpPr>
+          <p:cNvPr id="120" name="PlaceHolder 4"/>
+          <p:cNvSpPr>
+            <a:spLocks noGrp="1"/>
+          </p:cNvSpPr>
+          <p:nvPr>
+            <p:ph type="body"/>
+          </p:nvPr>
+        </p:nvSpPr>
+        <p:spPr>
+          <a:xfrm>
+            <a:off x="8029800" y="1604520"/>
+            <a:ext cx="3533040" cy="1896840"/>
+          </a:xfrm>
+          <a:prstGeom prst="rect">
+            <a:avLst/>
+          </a:prstGeom>
+        </p:spPr>
+        <p:txBody>
+          <a:bodyPr lIns="0" rIns="0" tIns="0" bIns="0">
+            <a:normAutofit/>
+          </a:bodyPr>
+          <a:p>
+            <a:endParaRPr b="0" lang="pt-BR" sz="3200" spc="-1" strike="noStrike">
+              <a:latin typeface="Arial"/>
+            </a:endParaRPr>
+          </a:p>
+        </p:txBody>
+      </p:sp>
+      <p:sp>
+        <p:nvSpPr>
+          <p:cNvPr id="121" name="PlaceHolder 5"/>
+          <p:cNvSpPr>
+            <a:spLocks noGrp="1"/>
+          </p:cNvSpPr>
+          <p:nvPr>
+            <p:ph type="body"/>
+          </p:nvPr>
+        </p:nvSpPr>
+        <p:spPr>
+          <a:xfrm>
+            <a:off x="609480" y="3682080"/>
+            <a:ext cx="3533040" cy="1896840"/>
+          </a:xfrm>
+          <a:prstGeom prst="rect">
+            <a:avLst/>
+          </a:prstGeom>
+        </p:spPr>
+        <p:txBody>
+          <a:bodyPr lIns="0" rIns="0" tIns="0" bIns="0">
+            <a:normAutofit/>
+          </a:bodyPr>
+          <a:p>
+            <a:endParaRPr b="0" lang="pt-BR" sz="3200" spc="-1" strike="noStrike">
+              <a:latin typeface="Arial"/>
+            </a:endParaRPr>
+          </a:p>
+        </p:txBody>
+      </p:sp>
+      <p:sp>
+        <p:nvSpPr>
+          <p:cNvPr id="122" name="PlaceHolder 6"/>
+          <p:cNvSpPr>
+            <a:spLocks noGrp="1"/>
+          </p:cNvSpPr>
+          <p:nvPr>
+            <p:ph type="body"/>
+          </p:nvPr>
+        </p:nvSpPr>
+        <p:spPr>
+          <a:xfrm>
+            <a:off x="4319640" y="3682080"/>
+            <a:ext cx="3533040" cy="1896840"/>
+          </a:xfrm>
+          <a:prstGeom prst="rect">
+            <a:avLst/>
+          </a:prstGeom>
+        </p:spPr>
+        <p:txBody>
+          <a:bodyPr lIns="0" rIns="0" tIns="0" bIns="0">
+            <a:normAutofit/>
+          </a:bodyPr>
+          <a:p>
+            <a:endParaRPr b="0" lang="pt-BR" sz="3200" spc="-1" strike="noStrike">
+              <a:latin typeface="Arial"/>
+            </a:endParaRPr>
+          </a:p>
+        </p:txBody>
+      </p:sp>
+      <p:sp>
+        <p:nvSpPr>
+          <p:cNvPr id="123" name="PlaceHolder 7"/>
+          <p:cNvSpPr>
+            <a:spLocks noGrp="1"/>
+          </p:cNvSpPr>
+          <p:nvPr>
+            <p:ph type="body"/>
+          </p:nvPr>
+        </p:nvSpPr>
+        <p:spPr>
+          <a:xfrm>
+            <a:off x="8029800" y="3682080"/>
+            <a:ext cx="3533040" cy="1896840"/>
+          </a:xfrm>
+          <a:prstGeom prst="rect">
+            <a:avLst/>
+          </a:prstGeom>
+        </p:spPr>
+        <p:txBody>
+          <a:bodyPr lIns="0" rIns="0" tIns="0" bIns="0">
+            <a:normAutofit/>
+          </a:bodyPr>
+          <a:p>
+            <a:endParaRPr b="0" lang="pt-BR" sz="3200" spc="-1" strike="noStrike">
+              <a:latin typeface="Arial"/>
+            </a:endParaRPr>
+          </a:p>
+        </p:txBody>
+      </p:sp>
+    </p:spTree>
+  </p:cSld>
+</p:sldLayout>
+</file>
+
+<file path=ppt/slideLayouts/slideLayout37.xml><?xml version="1.0" encoding="utf-8"?>
+<p:sldLayout xmlns:a="http://schemas.openxmlformats.org/drawingml/2006/main" xmlns:p="http://schemas.openxmlformats.org/presentationml/2006/main" xmlns:r="http://schemas.openxmlformats.org/officeDocument/2006/relationships" xmlns:p14="http://schemas.microsoft.com/office/powerpoint/2010/main" xmlns:p15="http://schemas.microsoft.com/office/powerpoint/2012/main" xmlns:mc="http://schemas.openxmlformats.org/markup-compatibility/2006" type="blank" preserve="1">
+  <p:cSld name="Blank Slide">
+    <p:spTree>
+      <p:nvGrpSpPr>
+        <p:cNvPr id="1" name=""/>
+        <p:cNvGrpSpPr/>
+        <p:nvPr/>
+      </p:nvGrpSpPr>
+      <p:grpSpPr>
+        <a:xfrm>
+          <a:off x="0" y="0"/>
+          <a:ext cx="0" cy="0"/>
+          <a:chOff x="0" y="0"/>
+          <a:chExt cx="0" cy="0"/>
+        </a:xfrm>
+      </p:grpSpPr>
+    </p:spTree>
+  </p:cSld>
+</p:sldLayout>
+</file>
+
+<file path=ppt/slideLayouts/slideLayout38.xml><?xml version="1.0" encoding="utf-8"?>
+<p:sldLayout xmlns:a="http://schemas.openxmlformats.org/drawingml/2006/main" xmlns:p="http://schemas.openxmlformats.org/presentationml/2006/main" xmlns:r="http://schemas.openxmlformats.org/officeDocument/2006/relationships" xmlns:p14="http://schemas.microsoft.com/office/powerpoint/2010/main" xmlns:p15="http://schemas.microsoft.com/office/powerpoint/2012/main" xmlns:mc="http://schemas.openxmlformats.org/markup-compatibility/2006" type="tx" preserve="1">
+  <p:cSld name="Title Slide">
+    <p:spTree>
+      <p:nvGrpSpPr>
+        <p:cNvPr id="1" name=""/>
+        <p:cNvGrpSpPr/>
+        <p:nvPr/>
+      </p:nvGrpSpPr>
+      <p:grpSpPr>
+        <a:xfrm>
+          <a:off x="0" y="0"/>
+          <a:ext cx="0" cy="0"/>
+          <a:chOff x="0" y="0"/>
+          <a:chExt cx="0" cy="0"/>
+        </a:xfrm>
+      </p:grpSpPr>
+      <p:sp>
+        <p:nvSpPr>
+          <p:cNvPr id="130" name="PlaceHolder 1"/>
+          <p:cNvSpPr>
+            <a:spLocks noGrp="1"/>
+          </p:cNvSpPr>
+          <p:nvPr>
+            <p:ph type="title"/>
+          </p:nvPr>
+        </p:nvSpPr>
+        <p:spPr>
+          <a:xfrm>
+            <a:off x="609480" y="273600"/>
+            <a:ext cx="10972440" cy="1144800"/>
+          </a:xfrm>
+          <a:prstGeom prst="rect">
+            <a:avLst/>
+          </a:prstGeom>
+        </p:spPr>
+        <p:txBody>
+          <a:bodyPr lIns="0" rIns="0" tIns="0" bIns="0" anchor="ctr">
+            <a:noAutofit/>
+          </a:bodyPr>
+          <a:p>
+            <a:pPr algn="ctr"/>
+            <a:endParaRPr b="0" lang="pt-BR" sz="4400" spc="-1" strike="noStrike">
+              <a:latin typeface="Arial"/>
+            </a:endParaRPr>
+          </a:p>
+        </p:txBody>
+      </p:sp>
+      <p:sp>
+        <p:nvSpPr>
+          <p:cNvPr id="131" name="PlaceHolder 2"/>
+          <p:cNvSpPr>
+            <a:spLocks noGrp="1"/>
+          </p:cNvSpPr>
+          <p:nvPr>
+            <p:ph type="subTitle"/>
+          </p:nvPr>
+        </p:nvSpPr>
+        <p:spPr>
+          <a:xfrm>
+            <a:off x="609480" y="1604520"/>
+            <a:ext cx="10972440" cy="3977280"/>
+          </a:xfrm>
+          <a:prstGeom prst="rect">
+            <a:avLst/>
+          </a:prstGeom>
+        </p:spPr>
+        <p:txBody>
+          <a:bodyPr lIns="0" rIns="0" tIns="0" bIns="0" anchor="ctr">
+            <a:noAutofit/>
+          </a:bodyPr>
+          <a:p>
+            <a:pPr algn="ctr"/>
+            <a:endParaRPr b="0" lang="pt-BR" sz="3200" spc="-1" strike="noStrike">
+              <a:latin typeface="Arial"/>
+            </a:endParaRPr>
+          </a:p>
+        </p:txBody>
+      </p:sp>
+    </p:spTree>
+  </p:cSld>
+</p:sldLayout>
+</file>
+
+<file path=ppt/slideLayouts/slideLayout39.xml><?xml version="1.0" encoding="utf-8"?>
+<p:sldLayout xmlns:a="http://schemas.openxmlformats.org/drawingml/2006/main" xmlns:p="http://schemas.openxmlformats.org/presentationml/2006/main" xmlns:r="http://schemas.openxmlformats.org/officeDocument/2006/relationships" xmlns:p14="http://schemas.microsoft.com/office/powerpoint/2010/main" xmlns:p15="http://schemas.microsoft.com/office/powerpoint/2012/main" xmlns:mc="http://schemas.openxmlformats.org/markup-compatibility/2006" type="obj" preserve="1">
+  <p:cSld name="Title, Content">
+    <p:spTree>
+      <p:nvGrpSpPr>
+        <p:cNvPr id="1" name=""/>
+        <p:cNvGrpSpPr/>
+        <p:nvPr/>
+      </p:nvGrpSpPr>
+      <p:grpSpPr>
+        <a:xfrm>
+          <a:off x="0" y="0"/>
+          <a:ext cx="0" cy="0"/>
+          <a:chOff x="0" y="0"/>
+          <a:chExt cx="0" cy="0"/>
+        </a:xfrm>
+      </p:grpSpPr>
+      <p:sp>
+        <p:nvSpPr>
+          <p:cNvPr id="132" name="PlaceHolder 1"/>
+          <p:cNvSpPr>
+            <a:spLocks noGrp="1"/>
+          </p:cNvSpPr>
+          <p:nvPr>
+            <p:ph type="title"/>
+          </p:nvPr>
+        </p:nvSpPr>
+        <p:spPr>
+          <a:xfrm>
+            <a:off x="609480" y="273600"/>
+            <a:ext cx="10972440" cy="1144800"/>
+          </a:xfrm>
+          <a:prstGeom prst="rect">
+            <a:avLst/>
+          </a:prstGeom>
+        </p:spPr>
+        <p:txBody>
+          <a:bodyPr lIns="0" rIns="0" tIns="0" bIns="0" anchor="ctr">
+            <a:noAutofit/>
+          </a:bodyPr>
+          <a:p>
+            <a:pPr algn="ctr"/>
+            <a:endParaRPr b="0" lang="pt-BR" sz="4400" spc="-1" strike="noStrike">
+              <a:latin typeface="Arial"/>
+            </a:endParaRPr>
+          </a:p>
+        </p:txBody>
+      </p:sp>
+      <p:sp>
+        <p:nvSpPr>
+          <p:cNvPr id="133" name="PlaceHolder 2"/>
           <p:cNvSpPr>
             <a:spLocks noGrp="1"/>
           </p:cNvSpPr>
@@ -5878,6 +7427,1173 @@
           <a:xfrm>
             <a:off x="6231960" y="1604520"/>
             <a:ext cx="5354280" cy="3977280"/>
+          </a:xfrm>
+          <a:prstGeom prst="rect">
+            <a:avLst/>
+          </a:prstGeom>
+        </p:spPr>
+        <p:txBody>
+          <a:bodyPr lIns="0" rIns="0" tIns="0" bIns="0">
+            <a:normAutofit/>
+          </a:bodyPr>
+          <a:p>
+            <a:endParaRPr b="0" lang="pt-BR" sz="3200" spc="-1" strike="noStrike">
+              <a:latin typeface="Arial"/>
+            </a:endParaRPr>
+          </a:p>
+        </p:txBody>
+      </p:sp>
+    </p:spTree>
+  </p:cSld>
+</p:sldLayout>
+</file>
+
+<file path=ppt/slideLayouts/slideLayout40.xml><?xml version="1.0" encoding="utf-8"?>
+<p:sldLayout xmlns:a="http://schemas.openxmlformats.org/drawingml/2006/main" xmlns:p="http://schemas.openxmlformats.org/presentationml/2006/main" xmlns:r="http://schemas.openxmlformats.org/officeDocument/2006/relationships" xmlns:p14="http://schemas.microsoft.com/office/powerpoint/2010/main" xmlns:p15="http://schemas.microsoft.com/office/powerpoint/2012/main" xmlns:mc="http://schemas.openxmlformats.org/markup-compatibility/2006" type="twoObj" preserve="1">
+  <p:cSld name="Title, 2 Content">
+    <p:spTree>
+      <p:nvGrpSpPr>
+        <p:cNvPr id="1" name=""/>
+        <p:cNvGrpSpPr/>
+        <p:nvPr/>
+      </p:nvGrpSpPr>
+      <p:grpSpPr>
+        <a:xfrm>
+          <a:off x="0" y="0"/>
+          <a:ext cx="0" cy="0"/>
+          <a:chOff x="0" y="0"/>
+          <a:chExt cx="0" cy="0"/>
+        </a:xfrm>
+      </p:grpSpPr>
+      <p:sp>
+        <p:nvSpPr>
+          <p:cNvPr id="134" name="PlaceHolder 1"/>
+          <p:cNvSpPr>
+            <a:spLocks noGrp="1"/>
+          </p:cNvSpPr>
+          <p:nvPr>
+            <p:ph type="title"/>
+          </p:nvPr>
+        </p:nvSpPr>
+        <p:spPr>
+          <a:xfrm>
+            <a:off x="609480" y="273600"/>
+            <a:ext cx="10972440" cy="1144800"/>
+          </a:xfrm>
+          <a:prstGeom prst="rect">
+            <a:avLst/>
+          </a:prstGeom>
+        </p:spPr>
+        <p:txBody>
+          <a:bodyPr lIns="0" rIns="0" tIns="0" bIns="0" anchor="ctr">
+            <a:noAutofit/>
+          </a:bodyPr>
+          <a:p>
+            <a:pPr algn="ctr"/>
+            <a:endParaRPr b="0" lang="pt-BR" sz="4400" spc="-1" strike="noStrike">
+              <a:latin typeface="Arial"/>
+            </a:endParaRPr>
+          </a:p>
+        </p:txBody>
+      </p:sp>
+      <p:sp>
+        <p:nvSpPr>
+          <p:cNvPr id="135" name="PlaceHolder 2"/>
+          <p:cNvSpPr>
+            <a:spLocks noGrp="1"/>
+          </p:cNvSpPr>
+          <p:nvPr>
+            <p:ph type="body"/>
+          </p:nvPr>
+        </p:nvSpPr>
+        <p:spPr>
+          <a:xfrm>
+            <a:off x="609480" y="1604520"/>
+            <a:ext cx="5354280" cy="3977280"/>
+          </a:xfrm>
+          <a:prstGeom prst="rect">
+            <a:avLst/>
+          </a:prstGeom>
+        </p:spPr>
+        <p:txBody>
+          <a:bodyPr lIns="0" rIns="0" tIns="0" bIns="0">
+            <a:normAutofit/>
+          </a:bodyPr>
+          <a:p>
+            <a:endParaRPr b="0" lang="pt-BR" sz="3200" spc="-1" strike="noStrike">
+              <a:latin typeface="Arial"/>
+            </a:endParaRPr>
+          </a:p>
+        </p:txBody>
+      </p:sp>
+      <p:sp>
+        <p:nvSpPr>
+          <p:cNvPr id="136" name="PlaceHolder 3"/>
+          <p:cNvSpPr>
+            <a:spLocks noGrp="1"/>
+          </p:cNvSpPr>
+          <p:nvPr>
+            <p:ph type="body"/>
+          </p:nvPr>
+        </p:nvSpPr>
+        <p:spPr>
+          <a:xfrm>
+            <a:off x="6231960" y="1604520"/>
+            <a:ext cx="5354280" cy="3977280"/>
+          </a:xfrm>
+          <a:prstGeom prst="rect">
+            <a:avLst/>
+          </a:prstGeom>
+        </p:spPr>
+        <p:txBody>
+          <a:bodyPr lIns="0" rIns="0" tIns="0" bIns="0">
+            <a:normAutofit/>
+          </a:bodyPr>
+          <a:p>
+            <a:endParaRPr b="0" lang="pt-BR" sz="3200" spc="-1" strike="noStrike">
+              <a:latin typeface="Arial"/>
+            </a:endParaRPr>
+          </a:p>
+        </p:txBody>
+      </p:sp>
+    </p:spTree>
+  </p:cSld>
+</p:sldLayout>
+</file>
+
+<file path=ppt/slideLayouts/slideLayout41.xml><?xml version="1.0" encoding="utf-8"?>
+<p:sldLayout xmlns:a="http://schemas.openxmlformats.org/drawingml/2006/main" xmlns:p="http://schemas.openxmlformats.org/presentationml/2006/main" xmlns:r="http://schemas.openxmlformats.org/officeDocument/2006/relationships" xmlns:p14="http://schemas.microsoft.com/office/powerpoint/2010/main" xmlns:p15="http://schemas.microsoft.com/office/powerpoint/2012/main" xmlns:mc="http://schemas.openxmlformats.org/markup-compatibility/2006" type="titleOnly" preserve="1">
+  <p:cSld name="Title Only">
+    <p:spTree>
+      <p:nvGrpSpPr>
+        <p:cNvPr id="1" name=""/>
+        <p:cNvGrpSpPr/>
+        <p:nvPr/>
+      </p:nvGrpSpPr>
+      <p:grpSpPr>
+        <a:xfrm>
+          <a:off x="0" y="0"/>
+          <a:ext cx="0" cy="0"/>
+          <a:chOff x="0" y="0"/>
+          <a:chExt cx="0" cy="0"/>
+        </a:xfrm>
+      </p:grpSpPr>
+      <p:sp>
+        <p:nvSpPr>
+          <p:cNvPr id="137" name="PlaceHolder 1"/>
+          <p:cNvSpPr>
+            <a:spLocks noGrp="1"/>
+          </p:cNvSpPr>
+          <p:nvPr>
+            <p:ph type="title"/>
+          </p:nvPr>
+        </p:nvSpPr>
+        <p:spPr>
+          <a:xfrm>
+            <a:off x="609480" y="273600"/>
+            <a:ext cx="10972440" cy="1144800"/>
+          </a:xfrm>
+          <a:prstGeom prst="rect">
+            <a:avLst/>
+          </a:prstGeom>
+        </p:spPr>
+        <p:txBody>
+          <a:bodyPr lIns="0" rIns="0" tIns="0" bIns="0" anchor="ctr">
+            <a:noAutofit/>
+          </a:bodyPr>
+          <a:p>
+            <a:pPr algn="ctr"/>
+            <a:endParaRPr b="0" lang="pt-BR" sz="4400" spc="-1" strike="noStrike">
+              <a:latin typeface="Arial"/>
+            </a:endParaRPr>
+          </a:p>
+        </p:txBody>
+      </p:sp>
+    </p:spTree>
+  </p:cSld>
+</p:sldLayout>
+</file>
+
+<file path=ppt/slideLayouts/slideLayout42.xml><?xml version="1.0" encoding="utf-8"?>
+<p:sldLayout xmlns:a="http://schemas.openxmlformats.org/drawingml/2006/main" xmlns:p="http://schemas.openxmlformats.org/presentationml/2006/main" xmlns:r="http://schemas.openxmlformats.org/officeDocument/2006/relationships" xmlns:p14="http://schemas.microsoft.com/office/powerpoint/2010/main" xmlns:p15="http://schemas.microsoft.com/office/powerpoint/2012/main" xmlns:mc="http://schemas.openxmlformats.org/markup-compatibility/2006" type="objOnly" preserve="1">
+  <p:cSld name="Centered Text">
+    <p:spTree>
+      <p:nvGrpSpPr>
+        <p:cNvPr id="1" name=""/>
+        <p:cNvGrpSpPr/>
+        <p:nvPr/>
+      </p:nvGrpSpPr>
+      <p:grpSpPr>
+        <a:xfrm>
+          <a:off x="0" y="0"/>
+          <a:ext cx="0" cy="0"/>
+          <a:chOff x="0" y="0"/>
+          <a:chExt cx="0" cy="0"/>
+        </a:xfrm>
+      </p:grpSpPr>
+      <p:sp>
+        <p:nvSpPr>
+          <p:cNvPr id="138" name="PlaceHolder 1"/>
+          <p:cNvSpPr>
+            <a:spLocks noGrp="1"/>
+          </p:cNvSpPr>
+          <p:nvPr>
+            <p:ph type="subTitle"/>
+          </p:nvPr>
+        </p:nvSpPr>
+        <p:spPr>
+          <a:xfrm>
+            <a:off x="609480" y="273600"/>
+            <a:ext cx="10972440" cy="5307840"/>
+          </a:xfrm>
+          <a:prstGeom prst="rect">
+            <a:avLst/>
+          </a:prstGeom>
+        </p:spPr>
+        <p:txBody>
+          <a:bodyPr lIns="0" rIns="0" tIns="0" bIns="0" anchor="ctr">
+            <a:noAutofit/>
+          </a:bodyPr>
+          <a:p>
+            <a:pPr algn="ctr"/>
+            <a:endParaRPr b="0" lang="pt-BR" sz="3200" spc="-1" strike="noStrike">
+              <a:latin typeface="Arial"/>
+            </a:endParaRPr>
+          </a:p>
+        </p:txBody>
+      </p:sp>
+    </p:spTree>
+  </p:cSld>
+</p:sldLayout>
+</file>
+
+<file path=ppt/slideLayouts/slideLayout43.xml><?xml version="1.0" encoding="utf-8"?>
+<p:sldLayout xmlns:a="http://schemas.openxmlformats.org/drawingml/2006/main" xmlns:p="http://schemas.openxmlformats.org/presentationml/2006/main" xmlns:r="http://schemas.openxmlformats.org/officeDocument/2006/relationships" xmlns:p14="http://schemas.microsoft.com/office/powerpoint/2010/main" xmlns:p15="http://schemas.microsoft.com/office/powerpoint/2012/main" xmlns:mc="http://schemas.openxmlformats.org/markup-compatibility/2006" type="twoObjAndObj" preserve="1">
+  <p:cSld name="Title, 2 Content and Content">
+    <p:spTree>
+      <p:nvGrpSpPr>
+        <p:cNvPr id="1" name=""/>
+        <p:cNvGrpSpPr/>
+        <p:nvPr/>
+      </p:nvGrpSpPr>
+      <p:grpSpPr>
+        <a:xfrm>
+          <a:off x="0" y="0"/>
+          <a:ext cx="0" cy="0"/>
+          <a:chOff x="0" y="0"/>
+          <a:chExt cx="0" cy="0"/>
+        </a:xfrm>
+      </p:grpSpPr>
+      <p:sp>
+        <p:nvSpPr>
+          <p:cNvPr id="139" name="PlaceHolder 1"/>
+          <p:cNvSpPr>
+            <a:spLocks noGrp="1"/>
+          </p:cNvSpPr>
+          <p:nvPr>
+            <p:ph type="title"/>
+          </p:nvPr>
+        </p:nvSpPr>
+        <p:spPr>
+          <a:xfrm>
+            <a:off x="609480" y="273600"/>
+            <a:ext cx="10972440" cy="1144800"/>
+          </a:xfrm>
+          <a:prstGeom prst="rect">
+            <a:avLst/>
+          </a:prstGeom>
+        </p:spPr>
+        <p:txBody>
+          <a:bodyPr lIns="0" rIns="0" tIns="0" bIns="0" anchor="ctr">
+            <a:noAutofit/>
+          </a:bodyPr>
+          <a:p>
+            <a:pPr algn="ctr"/>
+            <a:endParaRPr b="0" lang="pt-BR" sz="4400" spc="-1" strike="noStrike">
+              <a:latin typeface="Arial"/>
+            </a:endParaRPr>
+          </a:p>
+        </p:txBody>
+      </p:sp>
+      <p:sp>
+        <p:nvSpPr>
+          <p:cNvPr id="140" name="PlaceHolder 2"/>
+          <p:cNvSpPr>
+            <a:spLocks noGrp="1"/>
+          </p:cNvSpPr>
+          <p:nvPr>
+            <p:ph type="body"/>
+          </p:nvPr>
+        </p:nvSpPr>
+        <p:spPr>
+          <a:xfrm>
+            <a:off x="609480" y="1604520"/>
+            <a:ext cx="5354280" cy="1896840"/>
+          </a:xfrm>
+          <a:prstGeom prst="rect">
+            <a:avLst/>
+          </a:prstGeom>
+        </p:spPr>
+        <p:txBody>
+          <a:bodyPr lIns="0" rIns="0" tIns="0" bIns="0">
+            <a:normAutofit/>
+          </a:bodyPr>
+          <a:p>
+            <a:endParaRPr b="0" lang="pt-BR" sz="3200" spc="-1" strike="noStrike">
+              <a:latin typeface="Arial"/>
+            </a:endParaRPr>
+          </a:p>
+        </p:txBody>
+      </p:sp>
+      <p:sp>
+        <p:nvSpPr>
+          <p:cNvPr id="141" name="PlaceHolder 3"/>
+          <p:cNvSpPr>
+            <a:spLocks noGrp="1"/>
+          </p:cNvSpPr>
+          <p:nvPr>
+            <p:ph type="body"/>
+          </p:nvPr>
+        </p:nvSpPr>
+        <p:spPr>
+          <a:xfrm>
+            <a:off x="6231960" y="1604520"/>
+            <a:ext cx="5354280" cy="3977280"/>
+          </a:xfrm>
+          <a:prstGeom prst="rect">
+            <a:avLst/>
+          </a:prstGeom>
+        </p:spPr>
+        <p:txBody>
+          <a:bodyPr lIns="0" rIns="0" tIns="0" bIns="0">
+            <a:normAutofit/>
+          </a:bodyPr>
+          <a:p>
+            <a:endParaRPr b="0" lang="pt-BR" sz="3200" spc="-1" strike="noStrike">
+              <a:latin typeface="Arial"/>
+            </a:endParaRPr>
+          </a:p>
+        </p:txBody>
+      </p:sp>
+      <p:sp>
+        <p:nvSpPr>
+          <p:cNvPr id="142" name="PlaceHolder 4"/>
+          <p:cNvSpPr>
+            <a:spLocks noGrp="1"/>
+          </p:cNvSpPr>
+          <p:nvPr>
+            <p:ph type="body"/>
+          </p:nvPr>
+        </p:nvSpPr>
+        <p:spPr>
+          <a:xfrm>
+            <a:off x="609480" y="3682080"/>
+            <a:ext cx="5354280" cy="1896840"/>
+          </a:xfrm>
+          <a:prstGeom prst="rect">
+            <a:avLst/>
+          </a:prstGeom>
+        </p:spPr>
+        <p:txBody>
+          <a:bodyPr lIns="0" rIns="0" tIns="0" bIns="0">
+            <a:normAutofit/>
+          </a:bodyPr>
+          <a:p>
+            <a:endParaRPr b="0" lang="pt-BR" sz="3200" spc="-1" strike="noStrike">
+              <a:latin typeface="Arial"/>
+            </a:endParaRPr>
+          </a:p>
+        </p:txBody>
+      </p:sp>
+    </p:spTree>
+  </p:cSld>
+</p:sldLayout>
+</file>
+
+<file path=ppt/slideLayouts/slideLayout44.xml><?xml version="1.0" encoding="utf-8"?>
+<p:sldLayout xmlns:a="http://schemas.openxmlformats.org/drawingml/2006/main" xmlns:p="http://schemas.openxmlformats.org/presentationml/2006/main" xmlns:r="http://schemas.openxmlformats.org/officeDocument/2006/relationships" xmlns:p14="http://schemas.microsoft.com/office/powerpoint/2010/main" xmlns:p15="http://schemas.microsoft.com/office/powerpoint/2012/main" xmlns:mc="http://schemas.openxmlformats.org/markup-compatibility/2006" type="objAndTwoObj" preserve="1">
+  <p:cSld name="Title Content and 2 Content">
+    <p:spTree>
+      <p:nvGrpSpPr>
+        <p:cNvPr id="1" name=""/>
+        <p:cNvGrpSpPr/>
+        <p:nvPr/>
+      </p:nvGrpSpPr>
+      <p:grpSpPr>
+        <a:xfrm>
+          <a:off x="0" y="0"/>
+          <a:ext cx="0" cy="0"/>
+          <a:chOff x="0" y="0"/>
+          <a:chExt cx="0" cy="0"/>
+        </a:xfrm>
+      </p:grpSpPr>
+      <p:sp>
+        <p:nvSpPr>
+          <p:cNvPr id="143" name="PlaceHolder 1"/>
+          <p:cNvSpPr>
+            <a:spLocks noGrp="1"/>
+          </p:cNvSpPr>
+          <p:nvPr>
+            <p:ph type="title"/>
+          </p:nvPr>
+        </p:nvSpPr>
+        <p:spPr>
+          <a:xfrm>
+            <a:off x="609480" y="273600"/>
+            <a:ext cx="10972440" cy="1144800"/>
+          </a:xfrm>
+          <a:prstGeom prst="rect">
+            <a:avLst/>
+          </a:prstGeom>
+        </p:spPr>
+        <p:txBody>
+          <a:bodyPr lIns="0" rIns="0" tIns="0" bIns="0" anchor="ctr">
+            <a:noAutofit/>
+          </a:bodyPr>
+          <a:p>
+            <a:pPr algn="ctr"/>
+            <a:endParaRPr b="0" lang="pt-BR" sz="4400" spc="-1" strike="noStrike">
+              <a:latin typeface="Arial"/>
+            </a:endParaRPr>
+          </a:p>
+        </p:txBody>
+      </p:sp>
+      <p:sp>
+        <p:nvSpPr>
+          <p:cNvPr id="144" name="PlaceHolder 2"/>
+          <p:cNvSpPr>
+            <a:spLocks noGrp="1"/>
+          </p:cNvSpPr>
+          <p:nvPr>
+            <p:ph type="body"/>
+          </p:nvPr>
+        </p:nvSpPr>
+        <p:spPr>
+          <a:xfrm>
+            <a:off x="609480" y="1604520"/>
+            <a:ext cx="5354280" cy="3977280"/>
+          </a:xfrm>
+          <a:prstGeom prst="rect">
+            <a:avLst/>
+          </a:prstGeom>
+        </p:spPr>
+        <p:txBody>
+          <a:bodyPr lIns="0" rIns="0" tIns="0" bIns="0">
+            <a:normAutofit/>
+          </a:bodyPr>
+          <a:p>
+            <a:endParaRPr b="0" lang="pt-BR" sz="3200" spc="-1" strike="noStrike">
+              <a:latin typeface="Arial"/>
+            </a:endParaRPr>
+          </a:p>
+        </p:txBody>
+      </p:sp>
+      <p:sp>
+        <p:nvSpPr>
+          <p:cNvPr id="145" name="PlaceHolder 3"/>
+          <p:cNvSpPr>
+            <a:spLocks noGrp="1"/>
+          </p:cNvSpPr>
+          <p:nvPr>
+            <p:ph type="body"/>
+          </p:nvPr>
+        </p:nvSpPr>
+        <p:spPr>
+          <a:xfrm>
+            <a:off x="6231960" y="1604520"/>
+            <a:ext cx="5354280" cy="1896840"/>
+          </a:xfrm>
+          <a:prstGeom prst="rect">
+            <a:avLst/>
+          </a:prstGeom>
+        </p:spPr>
+        <p:txBody>
+          <a:bodyPr lIns="0" rIns="0" tIns="0" bIns="0">
+            <a:normAutofit/>
+          </a:bodyPr>
+          <a:p>
+            <a:endParaRPr b="0" lang="pt-BR" sz="3200" spc="-1" strike="noStrike">
+              <a:latin typeface="Arial"/>
+            </a:endParaRPr>
+          </a:p>
+        </p:txBody>
+      </p:sp>
+      <p:sp>
+        <p:nvSpPr>
+          <p:cNvPr id="146" name="PlaceHolder 4"/>
+          <p:cNvSpPr>
+            <a:spLocks noGrp="1"/>
+          </p:cNvSpPr>
+          <p:nvPr>
+            <p:ph type="body"/>
+          </p:nvPr>
+        </p:nvSpPr>
+        <p:spPr>
+          <a:xfrm>
+            <a:off x="6231960" y="3682080"/>
+            <a:ext cx="5354280" cy="1896840"/>
+          </a:xfrm>
+          <a:prstGeom prst="rect">
+            <a:avLst/>
+          </a:prstGeom>
+        </p:spPr>
+        <p:txBody>
+          <a:bodyPr lIns="0" rIns="0" tIns="0" bIns="0">
+            <a:normAutofit/>
+          </a:bodyPr>
+          <a:p>
+            <a:endParaRPr b="0" lang="pt-BR" sz="3200" spc="-1" strike="noStrike">
+              <a:latin typeface="Arial"/>
+            </a:endParaRPr>
+          </a:p>
+        </p:txBody>
+      </p:sp>
+    </p:spTree>
+  </p:cSld>
+</p:sldLayout>
+</file>
+
+<file path=ppt/slideLayouts/slideLayout45.xml><?xml version="1.0" encoding="utf-8"?>
+<p:sldLayout xmlns:a="http://schemas.openxmlformats.org/drawingml/2006/main" xmlns:p="http://schemas.openxmlformats.org/presentationml/2006/main" xmlns:r="http://schemas.openxmlformats.org/officeDocument/2006/relationships" xmlns:p14="http://schemas.microsoft.com/office/powerpoint/2010/main" xmlns:p15="http://schemas.microsoft.com/office/powerpoint/2012/main" xmlns:mc="http://schemas.openxmlformats.org/markup-compatibility/2006" type="twoObjOverTx" preserve="1">
+  <p:cSld name="Title, 2 Content over Content">
+    <p:spTree>
+      <p:nvGrpSpPr>
+        <p:cNvPr id="1" name=""/>
+        <p:cNvGrpSpPr/>
+        <p:nvPr/>
+      </p:nvGrpSpPr>
+      <p:grpSpPr>
+        <a:xfrm>
+          <a:off x="0" y="0"/>
+          <a:ext cx="0" cy="0"/>
+          <a:chOff x="0" y="0"/>
+          <a:chExt cx="0" cy="0"/>
+        </a:xfrm>
+      </p:grpSpPr>
+      <p:sp>
+        <p:nvSpPr>
+          <p:cNvPr id="147" name="PlaceHolder 1"/>
+          <p:cNvSpPr>
+            <a:spLocks noGrp="1"/>
+          </p:cNvSpPr>
+          <p:nvPr>
+            <p:ph type="title"/>
+          </p:nvPr>
+        </p:nvSpPr>
+        <p:spPr>
+          <a:xfrm>
+            <a:off x="609480" y="273600"/>
+            <a:ext cx="10972440" cy="1144800"/>
+          </a:xfrm>
+          <a:prstGeom prst="rect">
+            <a:avLst/>
+          </a:prstGeom>
+        </p:spPr>
+        <p:txBody>
+          <a:bodyPr lIns="0" rIns="0" tIns="0" bIns="0" anchor="ctr">
+            <a:noAutofit/>
+          </a:bodyPr>
+          <a:p>
+            <a:pPr algn="ctr"/>
+            <a:endParaRPr b="0" lang="pt-BR" sz="4400" spc="-1" strike="noStrike">
+              <a:latin typeface="Arial"/>
+            </a:endParaRPr>
+          </a:p>
+        </p:txBody>
+      </p:sp>
+      <p:sp>
+        <p:nvSpPr>
+          <p:cNvPr id="148" name="PlaceHolder 2"/>
+          <p:cNvSpPr>
+            <a:spLocks noGrp="1"/>
+          </p:cNvSpPr>
+          <p:nvPr>
+            <p:ph type="body"/>
+          </p:nvPr>
+        </p:nvSpPr>
+        <p:spPr>
+          <a:xfrm>
+            <a:off x="609480" y="1604520"/>
+            <a:ext cx="5354280" cy="1896840"/>
+          </a:xfrm>
+          <a:prstGeom prst="rect">
+            <a:avLst/>
+          </a:prstGeom>
+        </p:spPr>
+        <p:txBody>
+          <a:bodyPr lIns="0" rIns="0" tIns="0" bIns="0">
+            <a:normAutofit/>
+          </a:bodyPr>
+          <a:p>
+            <a:endParaRPr b="0" lang="pt-BR" sz="3200" spc="-1" strike="noStrike">
+              <a:latin typeface="Arial"/>
+            </a:endParaRPr>
+          </a:p>
+        </p:txBody>
+      </p:sp>
+      <p:sp>
+        <p:nvSpPr>
+          <p:cNvPr id="149" name="PlaceHolder 3"/>
+          <p:cNvSpPr>
+            <a:spLocks noGrp="1"/>
+          </p:cNvSpPr>
+          <p:nvPr>
+            <p:ph type="body"/>
+          </p:nvPr>
+        </p:nvSpPr>
+        <p:spPr>
+          <a:xfrm>
+            <a:off x="6231960" y="1604520"/>
+            <a:ext cx="5354280" cy="1896840"/>
+          </a:xfrm>
+          <a:prstGeom prst="rect">
+            <a:avLst/>
+          </a:prstGeom>
+        </p:spPr>
+        <p:txBody>
+          <a:bodyPr lIns="0" rIns="0" tIns="0" bIns="0">
+            <a:normAutofit/>
+          </a:bodyPr>
+          <a:p>
+            <a:endParaRPr b="0" lang="pt-BR" sz="3200" spc="-1" strike="noStrike">
+              <a:latin typeface="Arial"/>
+            </a:endParaRPr>
+          </a:p>
+        </p:txBody>
+      </p:sp>
+      <p:sp>
+        <p:nvSpPr>
+          <p:cNvPr id="150" name="PlaceHolder 4"/>
+          <p:cNvSpPr>
+            <a:spLocks noGrp="1"/>
+          </p:cNvSpPr>
+          <p:nvPr>
+            <p:ph type="body"/>
+          </p:nvPr>
+        </p:nvSpPr>
+        <p:spPr>
+          <a:xfrm>
+            <a:off x="609480" y="3682080"/>
+            <a:ext cx="10972440" cy="1896840"/>
+          </a:xfrm>
+          <a:prstGeom prst="rect">
+            <a:avLst/>
+          </a:prstGeom>
+        </p:spPr>
+        <p:txBody>
+          <a:bodyPr lIns="0" rIns="0" tIns="0" bIns="0">
+            <a:normAutofit/>
+          </a:bodyPr>
+          <a:p>
+            <a:endParaRPr b="0" lang="pt-BR" sz="3200" spc="-1" strike="noStrike">
+              <a:latin typeface="Arial"/>
+            </a:endParaRPr>
+          </a:p>
+        </p:txBody>
+      </p:sp>
+    </p:spTree>
+  </p:cSld>
+</p:sldLayout>
+</file>
+
+<file path=ppt/slideLayouts/slideLayout46.xml><?xml version="1.0" encoding="utf-8"?>
+<p:sldLayout xmlns:a="http://schemas.openxmlformats.org/drawingml/2006/main" xmlns:p="http://schemas.openxmlformats.org/presentationml/2006/main" xmlns:r="http://schemas.openxmlformats.org/officeDocument/2006/relationships" xmlns:p14="http://schemas.microsoft.com/office/powerpoint/2010/main" xmlns:p15="http://schemas.microsoft.com/office/powerpoint/2012/main" xmlns:mc="http://schemas.openxmlformats.org/markup-compatibility/2006" type="objOverTx" preserve="1">
+  <p:cSld name="Title, Content over Content">
+    <p:spTree>
+      <p:nvGrpSpPr>
+        <p:cNvPr id="1" name=""/>
+        <p:cNvGrpSpPr/>
+        <p:nvPr/>
+      </p:nvGrpSpPr>
+      <p:grpSpPr>
+        <a:xfrm>
+          <a:off x="0" y="0"/>
+          <a:ext cx="0" cy="0"/>
+          <a:chOff x="0" y="0"/>
+          <a:chExt cx="0" cy="0"/>
+        </a:xfrm>
+      </p:grpSpPr>
+      <p:sp>
+        <p:nvSpPr>
+          <p:cNvPr id="151" name="PlaceHolder 1"/>
+          <p:cNvSpPr>
+            <a:spLocks noGrp="1"/>
+          </p:cNvSpPr>
+          <p:nvPr>
+            <p:ph type="title"/>
+          </p:nvPr>
+        </p:nvSpPr>
+        <p:spPr>
+          <a:xfrm>
+            <a:off x="609480" y="273600"/>
+            <a:ext cx="10972440" cy="1144800"/>
+          </a:xfrm>
+          <a:prstGeom prst="rect">
+            <a:avLst/>
+          </a:prstGeom>
+        </p:spPr>
+        <p:txBody>
+          <a:bodyPr lIns="0" rIns="0" tIns="0" bIns="0" anchor="ctr">
+            <a:noAutofit/>
+          </a:bodyPr>
+          <a:p>
+            <a:pPr algn="ctr"/>
+            <a:endParaRPr b="0" lang="pt-BR" sz="4400" spc="-1" strike="noStrike">
+              <a:latin typeface="Arial"/>
+            </a:endParaRPr>
+          </a:p>
+        </p:txBody>
+      </p:sp>
+      <p:sp>
+        <p:nvSpPr>
+          <p:cNvPr id="152" name="PlaceHolder 2"/>
+          <p:cNvSpPr>
+            <a:spLocks noGrp="1"/>
+          </p:cNvSpPr>
+          <p:nvPr>
+            <p:ph type="body"/>
+          </p:nvPr>
+        </p:nvSpPr>
+        <p:spPr>
+          <a:xfrm>
+            <a:off x="609480" y="1604520"/>
+            <a:ext cx="10972440" cy="1896840"/>
+          </a:xfrm>
+          <a:prstGeom prst="rect">
+            <a:avLst/>
+          </a:prstGeom>
+        </p:spPr>
+        <p:txBody>
+          <a:bodyPr lIns="0" rIns="0" tIns="0" bIns="0">
+            <a:normAutofit/>
+          </a:bodyPr>
+          <a:p>
+            <a:endParaRPr b="0" lang="pt-BR" sz="3200" spc="-1" strike="noStrike">
+              <a:latin typeface="Arial"/>
+            </a:endParaRPr>
+          </a:p>
+        </p:txBody>
+      </p:sp>
+      <p:sp>
+        <p:nvSpPr>
+          <p:cNvPr id="153" name="PlaceHolder 3"/>
+          <p:cNvSpPr>
+            <a:spLocks noGrp="1"/>
+          </p:cNvSpPr>
+          <p:nvPr>
+            <p:ph type="body"/>
+          </p:nvPr>
+        </p:nvSpPr>
+        <p:spPr>
+          <a:xfrm>
+            <a:off x="609480" y="3682080"/>
+            <a:ext cx="10972440" cy="1896840"/>
+          </a:xfrm>
+          <a:prstGeom prst="rect">
+            <a:avLst/>
+          </a:prstGeom>
+        </p:spPr>
+        <p:txBody>
+          <a:bodyPr lIns="0" rIns="0" tIns="0" bIns="0">
+            <a:normAutofit/>
+          </a:bodyPr>
+          <a:p>
+            <a:endParaRPr b="0" lang="pt-BR" sz="3200" spc="-1" strike="noStrike">
+              <a:latin typeface="Arial"/>
+            </a:endParaRPr>
+          </a:p>
+        </p:txBody>
+      </p:sp>
+    </p:spTree>
+  </p:cSld>
+</p:sldLayout>
+</file>
+
+<file path=ppt/slideLayouts/slideLayout47.xml><?xml version="1.0" encoding="utf-8"?>
+<p:sldLayout xmlns:a="http://schemas.openxmlformats.org/drawingml/2006/main" xmlns:p="http://schemas.openxmlformats.org/presentationml/2006/main" xmlns:r="http://schemas.openxmlformats.org/officeDocument/2006/relationships" xmlns:p14="http://schemas.microsoft.com/office/powerpoint/2010/main" xmlns:p15="http://schemas.microsoft.com/office/powerpoint/2012/main" xmlns:mc="http://schemas.openxmlformats.org/markup-compatibility/2006" type="fourObj" preserve="1">
+  <p:cSld name="Title, 4 Content">
+    <p:spTree>
+      <p:nvGrpSpPr>
+        <p:cNvPr id="1" name=""/>
+        <p:cNvGrpSpPr/>
+        <p:nvPr/>
+      </p:nvGrpSpPr>
+      <p:grpSpPr>
+        <a:xfrm>
+          <a:off x="0" y="0"/>
+          <a:ext cx="0" cy="0"/>
+          <a:chOff x="0" y="0"/>
+          <a:chExt cx="0" cy="0"/>
+        </a:xfrm>
+      </p:grpSpPr>
+      <p:sp>
+        <p:nvSpPr>
+          <p:cNvPr id="154" name="PlaceHolder 1"/>
+          <p:cNvSpPr>
+            <a:spLocks noGrp="1"/>
+          </p:cNvSpPr>
+          <p:nvPr>
+            <p:ph type="title"/>
+          </p:nvPr>
+        </p:nvSpPr>
+        <p:spPr>
+          <a:xfrm>
+            <a:off x="609480" y="273600"/>
+            <a:ext cx="10972440" cy="1144800"/>
+          </a:xfrm>
+          <a:prstGeom prst="rect">
+            <a:avLst/>
+          </a:prstGeom>
+        </p:spPr>
+        <p:txBody>
+          <a:bodyPr lIns="0" rIns="0" tIns="0" bIns="0" anchor="ctr">
+            <a:noAutofit/>
+          </a:bodyPr>
+          <a:p>
+            <a:pPr algn="ctr"/>
+            <a:endParaRPr b="0" lang="pt-BR" sz="4400" spc="-1" strike="noStrike">
+              <a:latin typeface="Arial"/>
+            </a:endParaRPr>
+          </a:p>
+        </p:txBody>
+      </p:sp>
+      <p:sp>
+        <p:nvSpPr>
+          <p:cNvPr id="155" name="PlaceHolder 2"/>
+          <p:cNvSpPr>
+            <a:spLocks noGrp="1"/>
+          </p:cNvSpPr>
+          <p:nvPr>
+            <p:ph type="body"/>
+          </p:nvPr>
+        </p:nvSpPr>
+        <p:spPr>
+          <a:xfrm>
+            <a:off x="609480" y="1604520"/>
+            <a:ext cx="5354280" cy="1896840"/>
+          </a:xfrm>
+          <a:prstGeom prst="rect">
+            <a:avLst/>
+          </a:prstGeom>
+        </p:spPr>
+        <p:txBody>
+          <a:bodyPr lIns="0" rIns="0" tIns="0" bIns="0">
+            <a:normAutofit/>
+          </a:bodyPr>
+          <a:p>
+            <a:endParaRPr b="0" lang="pt-BR" sz="3200" spc="-1" strike="noStrike">
+              <a:latin typeface="Arial"/>
+            </a:endParaRPr>
+          </a:p>
+        </p:txBody>
+      </p:sp>
+      <p:sp>
+        <p:nvSpPr>
+          <p:cNvPr id="156" name="PlaceHolder 3"/>
+          <p:cNvSpPr>
+            <a:spLocks noGrp="1"/>
+          </p:cNvSpPr>
+          <p:nvPr>
+            <p:ph type="body"/>
+          </p:nvPr>
+        </p:nvSpPr>
+        <p:spPr>
+          <a:xfrm>
+            <a:off x="6231960" y="1604520"/>
+            <a:ext cx="5354280" cy="1896840"/>
+          </a:xfrm>
+          <a:prstGeom prst="rect">
+            <a:avLst/>
+          </a:prstGeom>
+        </p:spPr>
+        <p:txBody>
+          <a:bodyPr lIns="0" rIns="0" tIns="0" bIns="0">
+            <a:normAutofit/>
+          </a:bodyPr>
+          <a:p>
+            <a:endParaRPr b="0" lang="pt-BR" sz="3200" spc="-1" strike="noStrike">
+              <a:latin typeface="Arial"/>
+            </a:endParaRPr>
+          </a:p>
+        </p:txBody>
+      </p:sp>
+      <p:sp>
+        <p:nvSpPr>
+          <p:cNvPr id="157" name="PlaceHolder 4"/>
+          <p:cNvSpPr>
+            <a:spLocks noGrp="1"/>
+          </p:cNvSpPr>
+          <p:nvPr>
+            <p:ph type="body"/>
+          </p:nvPr>
+        </p:nvSpPr>
+        <p:spPr>
+          <a:xfrm>
+            <a:off x="609480" y="3682080"/>
+            <a:ext cx="5354280" cy="1896840"/>
+          </a:xfrm>
+          <a:prstGeom prst="rect">
+            <a:avLst/>
+          </a:prstGeom>
+        </p:spPr>
+        <p:txBody>
+          <a:bodyPr lIns="0" rIns="0" tIns="0" bIns="0">
+            <a:normAutofit/>
+          </a:bodyPr>
+          <a:p>
+            <a:endParaRPr b="0" lang="pt-BR" sz="3200" spc="-1" strike="noStrike">
+              <a:latin typeface="Arial"/>
+            </a:endParaRPr>
+          </a:p>
+        </p:txBody>
+      </p:sp>
+      <p:sp>
+        <p:nvSpPr>
+          <p:cNvPr id="158" name="PlaceHolder 5"/>
+          <p:cNvSpPr>
+            <a:spLocks noGrp="1"/>
+          </p:cNvSpPr>
+          <p:nvPr>
+            <p:ph type="body"/>
+          </p:nvPr>
+        </p:nvSpPr>
+        <p:spPr>
+          <a:xfrm>
+            <a:off x="6231960" y="3682080"/>
+            <a:ext cx="5354280" cy="1896840"/>
+          </a:xfrm>
+          <a:prstGeom prst="rect">
+            <a:avLst/>
+          </a:prstGeom>
+        </p:spPr>
+        <p:txBody>
+          <a:bodyPr lIns="0" rIns="0" tIns="0" bIns="0">
+            <a:normAutofit/>
+          </a:bodyPr>
+          <a:p>
+            <a:endParaRPr b="0" lang="pt-BR" sz="3200" spc="-1" strike="noStrike">
+              <a:latin typeface="Arial"/>
+            </a:endParaRPr>
+          </a:p>
+        </p:txBody>
+      </p:sp>
+    </p:spTree>
+  </p:cSld>
+</p:sldLayout>
+</file>
+
+<file path=ppt/slideLayouts/slideLayout48.xml><?xml version="1.0" encoding="utf-8"?>
+<p:sldLayout xmlns:a="http://schemas.openxmlformats.org/drawingml/2006/main" xmlns:p="http://schemas.openxmlformats.org/presentationml/2006/main" xmlns:r="http://schemas.openxmlformats.org/officeDocument/2006/relationships" xmlns:p14="http://schemas.microsoft.com/office/powerpoint/2010/main" xmlns:p15="http://schemas.microsoft.com/office/powerpoint/2012/main" xmlns:mc="http://schemas.openxmlformats.org/markup-compatibility/2006" type="blank" preserve="1">
+  <p:cSld name="Title, 6 Content">
+    <p:spTree>
+      <p:nvGrpSpPr>
+        <p:cNvPr id="1" name=""/>
+        <p:cNvGrpSpPr/>
+        <p:nvPr/>
+      </p:nvGrpSpPr>
+      <p:grpSpPr>
+        <a:xfrm>
+          <a:off x="0" y="0"/>
+          <a:ext cx="0" cy="0"/>
+          <a:chOff x="0" y="0"/>
+          <a:chExt cx="0" cy="0"/>
+        </a:xfrm>
+      </p:grpSpPr>
+      <p:sp>
+        <p:nvSpPr>
+          <p:cNvPr id="159" name="PlaceHolder 1"/>
+          <p:cNvSpPr>
+            <a:spLocks noGrp="1"/>
+          </p:cNvSpPr>
+          <p:nvPr>
+            <p:ph type="title"/>
+          </p:nvPr>
+        </p:nvSpPr>
+        <p:spPr>
+          <a:xfrm>
+            <a:off x="609480" y="273600"/>
+            <a:ext cx="10972440" cy="1144800"/>
+          </a:xfrm>
+          <a:prstGeom prst="rect">
+            <a:avLst/>
+          </a:prstGeom>
+        </p:spPr>
+        <p:txBody>
+          <a:bodyPr lIns="0" rIns="0" tIns="0" bIns="0" anchor="ctr">
+            <a:noAutofit/>
+          </a:bodyPr>
+          <a:p>
+            <a:pPr algn="ctr"/>
+            <a:endParaRPr b="0" lang="pt-BR" sz="4400" spc="-1" strike="noStrike">
+              <a:latin typeface="Arial"/>
+            </a:endParaRPr>
+          </a:p>
+        </p:txBody>
+      </p:sp>
+      <p:sp>
+        <p:nvSpPr>
+          <p:cNvPr id="160" name="PlaceHolder 2"/>
+          <p:cNvSpPr>
+            <a:spLocks noGrp="1"/>
+          </p:cNvSpPr>
+          <p:nvPr>
+            <p:ph type="body"/>
+          </p:nvPr>
+        </p:nvSpPr>
+        <p:spPr>
+          <a:xfrm>
+            <a:off x="609480" y="1604520"/>
+            <a:ext cx="3533040" cy="1896840"/>
+          </a:xfrm>
+          <a:prstGeom prst="rect">
+            <a:avLst/>
+          </a:prstGeom>
+        </p:spPr>
+        <p:txBody>
+          <a:bodyPr lIns="0" rIns="0" tIns="0" bIns="0">
+            <a:normAutofit/>
+          </a:bodyPr>
+          <a:p>
+            <a:endParaRPr b="0" lang="pt-BR" sz="3200" spc="-1" strike="noStrike">
+              <a:latin typeface="Arial"/>
+            </a:endParaRPr>
+          </a:p>
+        </p:txBody>
+      </p:sp>
+      <p:sp>
+        <p:nvSpPr>
+          <p:cNvPr id="161" name="PlaceHolder 3"/>
+          <p:cNvSpPr>
+            <a:spLocks noGrp="1"/>
+          </p:cNvSpPr>
+          <p:nvPr>
+            <p:ph type="body"/>
+          </p:nvPr>
+        </p:nvSpPr>
+        <p:spPr>
+          <a:xfrm>
+            <a:off x="4319640" y="1604520"/>
+            <a:ext cx="3533040" cy="1896840"/>
+          </a:xfrm>
+          <a:prstGeom prst="rect">
+            <a:avLst/>
+          </a:prstGeom>
+        </p:spPr>
+        <p:txBody>
+          <a:bodyPr lIns="0" rIns="0" tIns="0" bIns="0">
+            <a:normAutofit/>
+          </a:bodyPr>
+          <a:p>
+            <a:endParaRPr b="0" lang="pt-BR" sz="3200" spc="-1" strike="noStrike">
+              <a:latin typeface="Arial"/>
+            </a:endParaRPr>
+          </a:p>
+        </p:txBody>
+      </p:sp>
+      <p:sp>
+        <p:nvSpPr>
+          <p:cNvPr id="162" name="PlaceHolder 4"/>
+          <p:cNvSpPr>
+            <a:spLocks noGrp="1"/>
+          </p:cNvSpPr>
+          <p:nvPr>
+            <p:ph type="body"/>
+          </p:nvPr>
+        </p:nvSpPr>
+        <p:spPr>
+          <a:xfrm>
+            <a:off x="8029800" y="1604520"/>
+            <a:ext cx="3533040" cy="1896840"/>
+          </a:xfrm>
+          <a:prstGeom prst="rect">
+            <a:avLst/>
+          </a:prstGeom>
+        </p:spPr>
+        <p:txBody>
+          <a:bodyPr lIns="0" rIns="0" tIns="0" bIns="0">
+            <a:normAutofit/>
+          </a:bodyPr>
+          <a:p>
+            <a:endParaRPr b="0" lang="pt-BR" sz="3200" spc="-1" strike="noStrike">
+              <a:latin typeface="Arial"/>
+            </a:endParaRPr>
+          </a:p>
+        </p:txBody>
+      </p:sp>
+      <p:sp>
+        <p:nvSpPr>
+          <p:cNvPr id="163" name="PlaceHolder 5"/>
+          <p:cNvSpPr>
+            <a:spLocks noGrp="1"/>
+          </p:cNvSpPr>
+          <p:nvPr>
+            <p:ph type="body"/>
+          </p:nvPr>
+        </p:nvSpPr>
+        <p:spPr>
+          <a:xfrm>
+            <a:off x="609480" y="3682080"/>
+            <a:ext cx="3533040" cy="1896840"/>
+          </a:xfrm>
+          <a:prstGeom prst="rect">
+            <a:avLst/>
+          </a:prstGeom>
+        </p:spPr>
+        <p:txBody>
+          <a:bodyPr lIns="0" rIns="0" tIns="0" bIns="0">
+            <a:normAutofit/>
+          </a:bodyPr>
+          <a:p>
+            <a:endParaRPr b="0" lang="pt-BR" sz="3200" spc="-1" strike="noStrike">
+              <a:latin typeface="Arial"/>
+            </a:endParaRPr>
+          </a:p>
+        </p:txBody>
+      </p:sp>
+      <p:sp>
+        <p:nvSpPr>
+          <p:cNvPr id="164" name="PlaceHolder 6"/>
+          <p:cNvSpPr>
+            <a:spLocks noGrp="1"/>
+          </p:cNvSpPr>
+          <p:nvPr>
+            <p:ph type="body"/>
+          </p:nvPr>
+        </p:nvSpPr>
+        <p:spPr>
+          <a:xfrm>
+            <a:off x="4319640" y="3682080"/>
+            <a:ext cx="3533040" cy="1896840"/>
+          </a:xfrm>
+          <a:prstGeom prst="rect">
+            <a:avLst/>
+          </a:prstGeom>
+        </p:spPr>
+        <p:txBody>
+          <a:bodyPr lIns="0" rIns="0" tIns="0" bIns="0">
+            <a:normAutofit/>
+          </a:bodyPr>
+          <a:p>
+            <a:endParaRPr b="0" lang="pt-BR" sz="3200" spc="-1" strike="noStrike">
+              <a:latin typeface="Arial"/>
+            </a:endParaRPr>
+          </a:p>
+        </p:txBody>
+      </p:sp>
+      <p:sp>
+        <p:nvSpPr>
+          <p:cNvPr id="165" name="PlaceHolder 7"/>
+          <p:cNvSpPr>
+            <a:spLocks noGrp="1"/>
+          </p:cNvSpPr>
+          <p:nvPr>
+            <p:ph type="body"/>
+          </p:nvPr>
+        </p:nvSpPr>
+        <p:spPr>
+          <a:xfrm>
+            <a:off x="8029800" y="3682080"/>
+            <a:ext cx="3533040" cy="1896840"/>
           </a:xfrm>
           <a:prstGeom prst="rect">
             <a:avLst/>
@@ -6467,7 +9183,7 @@
         <p:spPr>
           <a:xfrm>
             <a:off x="446400" y="457200"/>
-            <a:ext cx="3702600" cy="94320"/>
+            <a:ext cx="3702240" cy="93960"/>
           </a:xfrm>
           <a:prstGeom prst="rect">
             <a:avLst/>
@@ -6508,7 +9224,7 @@
         <p:spPr>
           <a:xfrm>
             <a:off x="8042040" y="453600"/>
-            <a:ext cx="3702600" cy="97920"/>
+            <a:ext cx="3702240" cy="97560"/>
           </a:xfrm>
           <a:prstGeom prst="rect">
             <a:avLst/>
@@ -6549,7 +9265,7 @@
         <p:spPr>
           <a:xfrm>
             <a:off x="4241880" y="457200"/>
-            <a:ext cx="3702600" cy="90720"/>
+            <a:ext cx="3702240" cy="90360"/>
           </a:xfrm>
           <a:prstGeom prst="rect">
             <a:avLst/>
@@ -6590,7 +9306,7 @@
         <p:spPr>
           <a:xfrm>
             <a:off x="446400" y="3085920"/>
-            <a:ext cx="11298240" cy="3337560"/>
+            <a:ext cx="11297880" cy="3337200"/>
           </a:xfrm>
           <a:prstGeom prst="rect">
             <a:avLst/>
@@ -6634,8 +9350,8 @@
         </p:nvSpPr>
         <p:spPr>
           <a:xfrm>
-            <a:off x="581040" y="702000"/>
-            <a:ext cx="11028960" cy="1188000"/>
+            <a:off x="609480" y="273600"/>
+            <a:ext cx="10972080" cy="1144440"/>
           </a:xfrm>
           <a:prstGeom prst="rect">
             <a:avLst/>
@@ -6650,13 +9366,7 @@
               <a:rPr b="0" lang="pt-BR" sz="1800" spc="-1" strike="noStrike">
                 <a:latin typeface="Arial"/>
               </a:rPr>
-              <a:t>Clique para editar o </a:t>
-            </a:r>
-            <a:r>
-              <a:rPr b="0" lang="pt-BR" sz="1800" spc="-1" strike="noStrike">
-                <a:latin typeface="Arial"/>
-              </a:rPr>
-              <a:t>formato do texto do título</a:t>
+              <a:t>Clique para editar o formato do texto do título</a:t>
             </a:r>
             <a:endParaRPr b="0" lang="pt-BR" sz="1800" spc="-1" strike="noStrike">
               <a:latin typeface="Arial"/>
@@ -6677,7 +9387,7 @@
         <p:spPr>
           <a:xfrm>
             <a:off x="609480" y="1604520"/>
-            <a:ext cx="10972440" cy="3977280"/>
+            <a:ext cx="10972080" cy="3976920"/>
           </a:xfrm>
           <a:prstGeom prst="rect">
             <a:avLst/>
@@ -6700,18 +9410,12 @@
               <a:buChar char=""/>
             </a:pPr>
             <a:r>
-              <a:rPr b="0" lang="pt-BR" sz="3200" spc="-1" strike="noStrike">
+              <a:rPr b="0" lang="pt-BR" sz="1800" spc="-1" strike="noStrike">
                 <a:latin typeface="Arial"/>
               </a:rPr>
-              <a:t>Clique para editar o formato do texto da estrutura de </a:t>
-            </a:r>
-            <a:r>
-              <a:rPr b="0" lang="pt-BR" sz="3200" spc="-1" strike="noStrike">
-                <a:latin typeface="Arial"/>
-              </a:rPr>
-              <a:t>tópicos</a:t>
-            </a:r>
-            <a:endParaRPr b="0" lang="pt-BR" sz="3200" spc="-1" strike="noStrike">
+              <a:t>Clique para editar o formato do texto da estrutura de tópicos</a:t>
+            </a:r>
+            <a:endParaRPr b="0" lang="pt-BR" sz="1800" spc="-1" strike="noStrike">
               <a:latin typeface="Arial"/>
             </a:endParaRPr>
           </a:p>
@@ -6728,12 +9432,12 @@
               <a:buChar char=""/>
             </a:pPr>
             <a:r>
-              <a:rPr b="0" lang="pt-BR" sz="2800" spc="-1" strike="noStrike">
+              <a:rPr b="0" lang="pt-BR" sz="1800" spc="-1" strike="noStrike">
                 <a:latin typeface="Arial"/>
               </a:rPr>
               <a:t>2.º nível da estrutura de tópicos</a:t>
             </a:r>
-            <a:endParaRPr b="0" lang="pt-BR" sz="2800" spc="-1" strike="noStrike">
+            <a:endParaRPr b="0" lang="pt-BR" sz="1800" spc="-1" strike="noStrike">
               <a:latin typeface="Arial"/>
             </a:endParaRPr>
           </a:p>
@@ -6750,12 +9454,12 @@
               <a:buChar char=""/>
             </a:pPr>
             <a:r>
-              <a:rPr b="0" lang="pt-BR" sz="2400" spc="-1" strike="noStrike">
+              <a:rPr b="0" lang="pt-BR" sz="1800" spc="-1" strike="noStrike">
                 <a:latin typeface="Arial"/>
               </a:rPr>
               <a:t>3.º nível da estrutura de tópicos</a:t>
             </a:r>
-            <a:endParaRPr b="0" lang="pt-BR" sz="2400" spc="-1" strike="noStrike">
+            <a:endParaRPr b="0" lang="pt-BR" sz="1800" spc="-1" strike="noStrike">
               <a:latin typeface="Arial"/>
             </a:endParaRPr>
           </a:p>
@@ -6772,12 +9476,12 @@
               <a:buChar char=""/>
             </a:pPr>
             <a:r>
-              <a:rPr b="0" lang="pt-BR" sz="2000" spc="-1" strike="noStrike">
+              <a:rPr b="0" lang="pt-BR" sz="1800" spc="-1" strike="noStrike">
                 <a:latin typeface="Arial"/>
               </a:rPr>
               <a:t>4.º nível da estrutura de tópicos</a:t>
             </a:r>
-            <a:endParaRPr b="0" lang="pt-BR" sz="2000" spc="-1" strike="noStrike">
+            <a:endParaRPr b="0" lang="pt-BR" sz="1800" spc="-1" strike="noStrike">
               <a:latin typeface="Arial"/>
             </a:endParaRPr>
           </a:p>
@@ -6794,12 +9498,12 @@
               <a:buChar char=""/>
             </a:pPr>
             <a:r>
-              <a:rPr b="0" lang="pt-BR" sz="2000" spc="-1" strike="noStrike">
+              <a:rPr b="0" lang="pt-BR" sz="1800" spc="-1" strike="noStrike">
                 <a:latin typeface="Arial"/>
               </a:rPr>
               <a:t>5.º nível da estrutura de tópicos</a:t>
             </a:r>
-            <a:endParaRPr b="0" lang="pt-BR" sz="2000" spc="-1" strike="noStrike">
+            <a:endParaRPr b="0" lang="pt-BR" sz="1800" spc="-1" strike="noStrike">
               <a:latin typeface="Arial"/>
             </a:endParaRPr>
           </a:p>
@@ -6816,12 +9520,12 @@
               <a:buChar char=""/>
             </a:pPr>
             <a:r>
-              <a:rPr b="0" lang="pt-BR" sz="2000" spc="-1" strike="noStrike">
+              <a:rPr b="0" lang="pt-BR" sz="1800" spc="-1" strike="noStrike">
                 <a:latin typeface="Arial"/>
               </a:rPr>
               <a:t>6.º nível da estrutura de tópicos</a:t>
             </a:r>
-            <a:endParaRPr b="0" lang="pt-BR" sz="2000" spc="-1" strike="noStrike">
+            <a:endParaRPr b="0" lang="pt-BR" sz="1800" spc="-1" strike="noStrike">
               <a:latin typeface="Arial"/>
             </a:endParaRPr>
           </a:p>
@@ -6838,12 +9542,12 @@
               <a:buChar char=""/>
             </a:pPr>
             <a:r>
-              <a:rPr b="0" lang="pt-BR" sz="2000" spc="-1" strike="noStrike">
+              <a:rPr b="0" lang="pt-BR" sz="1800" spc="-1" strike="noStrike">
                 <a:latin typeface="Arial"/>
               </a:rPr>
               <a:t>7.º nível da estrutura de tópicos</a:t>
             </a:r>
-            <a:endParaRPr b="0" lang="pt-BR" sz="2000" spc="-1" strike="noStrike">
+            <a:endParaRPr b="0" lang="pt-BR" sz="1800" spc="-1" strike="noStrike">
               <a:latin typeface="Arial"/>
             </a:endParaRPr>
           </a:p>
@@ -6902,7 +9606,7 @@
         <p:spPr>
           <a:xfrm>
             <a:off x="446400" y="457200"/>
-            <a:ext cx="3702600" cy="94320"/>
+            <a:ext cx="3702240" cy="93960"/>
           </a:xfrm>
           <a:prstGeom prst="rect">
             <a:avLst/>
@@ -6943,7 +9647,7 @@
         <p:spPr>
           <a:xfrm>
             <a:off x="8042040" y="453600"/>
-            <a:ext cx="3702600" cy="97920"/>
+            <a:ext cx="3702240" cy="97560"/>
           </a:xfrm>
           <a:prstGeom prst="rect">
             <a:avLst/>
@@ -6984,7 +9688,7 @@
         <p:spPr>
           <a:xfrm>
             <a:off x="4241880" y="457200"/>
-            <a:ext cx="3702600" cy="90720"/>
+            <a:ext cx="3702240" cy="90360"/>
           </a:xfrm>
           <a:prstGeom prst="rect">
             <a:avLst/>
@@ -7045,31 +9749,7 @@
               <a:rPr b="0" lang="pt-BR" sz="4400" spc="-1" strike="noStrike">
                 <a:latin typeface="Arial"/>
               </a:rPr>
-              <a:t>Clique </a:t>
-            </a:r>
-            <a:r>
-              <a:rPr b="0" lang="pt-BR" sz="4400" spc="-1" strike="noStrike">
-                <a:latin typeface="Arial"/>
-              </a:rPr>
-              <a:t>para editar </a:t>
-            </a:r>
-            <a:r>
-              <a:rPr b="0" lang="pt-BR" sz="4400" spc="-1" strike="noStrike">
-                <a:latin typeface="Arial"/>
-              </a:rPr>
-              <a:t>o formato </a:t>
-            </a:r>
-            <a:r>
-              <a:rPr b="0" lang="pt-BR" sz="4400" spc="-1" strike="noStrike">
-                <a:latin typeface="Arial"/>
-              </a:rPr>
-              <a:t>do texto </a:t>
-            </a:r>
-            <a:r>
-              <a:rPr b="0" lang="pt-BR" sz="4400" spc="-1" strike="noStrike">
-                <a:latin typeface="Arial"/>
-              </a:rPr>
-              <a:t>do título</a:t>
+              <a:t>Clique para editar o formato do texto do título</a:t>
             </a:r>
             <a:endParaRPr b="0" lang="pt-BR" sz="4400" spc="-1" strike="noStrike">
               <a:latin typeface="Arial"/>
@@ -7272,6 +9952,812 @@
     <p:sldLayoutId id="2147483671" r:id="rId11"/>
     <p:sldLayoutId id="2147483672" r:id="rId12"/>
     <p:sldLayoutId id="2147483673" r:id="rId13"/>
+  </p:sldLayoutIdLst>
+</p:sldMaster>
+</file>
+
+<file path=ppt/slideMasters/slideMaster3.xml><?xml version="1.0" encoding="utf-8"?>
+<p:sldMaster xmlns:a="http://schemas.openxmlformats.org/drawingml/2006/main" xmlns:p="http://schemas.openxmlformats.org/presentationml/2006/main" xmlns:r="http://schemas.openxmlformats.org/officeDocument/2006/relationships" xmlns:p14="http://schemas.microsoft.com/office/powerpoint/2010/main" xmlns:p15="http://schemas.microsoft.com/office/powerpoint/2012/main" xmlns:mc="http://schemas.openxmlformats.org/markup-compatibility/2006">
+  <p:cSld>
+    <p:bg>
+      <p:bgPr>
+        <a:solidFill>
+          <a:srgbClr val="ffffff"/>
+        </a:solidFill>
+      </p:bgPr>
+    </p:bg>
+    <p:spTree>
+      <p:nvGrpSpPr>
+        <p:cNvPr id="1" name=""/>
+        <p:cNvGrpSpPr/>
+        <p:nvPr/>
+      </p:nvGrpSpPr>
+      <p:grpSpPr>
+        <a:xfrm>
+          <a:off x="0" y="0"/>
+          <a:ext cx="0" cy="0"/>
+          <a:chOff x="0" y="0"/>
+          <a:chExt cx="0" cy="0"/>
+        </a:xfrm>
+      </p:grpSpPr>
+      <p:sp>
+        <p:nvSpPr>
+          <p:cNvPr id="83" name="CustomShape 1"/>
+          <p:cNvSpPr/>
+          <p:nvPr/>
+        </p:nvSpPr>
+        <p:spPr>
+          <a:xfrm>
+            <a:off x="446400" y="457200"/>
+            <a:ext cx="3702240" cy="93960"/>
+          </a:xfrm>
+          <a:prstGeom prst="rect">
+            <a:avLst/>
+          </a:prstGeom>
+          <a:solidFill>
+            <a:srgbClr val="465359"/>
+          </a:solidFill>
+          <a:ln>
+            <a:noFill/>
+          </a:ln>
+          <a:effectLst>
+            <a:outerShdw blurRad="38100" dir="5400000" dist="25560" rotWithShape="0">
+              <a:srgbClr val="000000">
+                <a:alpha val="55000"/>
+              </a:srgbClr>
+            </a:outerShdw>
+          </a:effectLst>
+        </p:spPr>
+        <p:style>
+          <a:lnRef idx="1">
+            <a:schemeClr val="accent1"/>
+          </a:lnRef>
+          <a:fillRef idx="3">
+            <a:schemeClr val="accent1"/>
+          </a:fillRef>
+          <a:effectRef idx="2">
+            <a:schemeClr val="accent1"/>
+          </a:effectRef>
+          <a:fontRef idx="minor"/>
+        </p:style>
+      </p:sp>
+      <p:sp>
+        <p:nvSpPr>
+          <p:cNvPr id="84" name="CustomShape 2"/>
+          <p:cNvSpPr/>
+          <p:nvPr/>
+        </p:nvSpPr>
+        <p:spPr>
+          <a:xfrm>
+            <a:off x="8042040" y="453600"/>
+            <a:ext cx="3702240" cy="97560"/>
+          </a:xfrm>
+          <a:prstGeom prst="rect">
+            <a:avLst/>
+          </a:prstGeom>
+          <a:solidFill>
+            <a:srgbClr val="969fa7"/>
+          </a:solidFill>
+          <a:ln>
+            <a:noFill/>
+          </a:ln>
+          <a:effectLst>
+            <a:outerShdw blurRad="38100" dir="5400000" dist="25560" rotWithShape="0">
+              <a:srgbClr val="000000">
+                <a:alpha val="55000"/>
+              </a:srgbClr>
+            </a:outerShdw>
+          </a:effectLst>
+        </p:spPr>
+        <p:style>
+          <a:lnRef idx="1">
+            <a:schemeClr val="accent1"/>
+          </a:lnRef>
+          <a:fillRef idx="3">
+            <a:schemeClr val="accent1"/>
+          </a:fillRef>
+          <a:effectRef idx="2">
+            <a:schemeClr val="accent1"/>
+          </a:effectRef>
+          <a:fontRef idx="minor"/>
+        </p:style>
+      </p:sp>
+      <p:sp>
+        <p:nvSpPr>
+          <p:cNvPr id="85" name="CustomShape 3"/>
+          <p:cNvSpPr/>
+          <p:nvPr/>
+        </p:nvSpPr>
+        <p:spPr>
+          <a:xfrm>
+            <a:off x="4241880" y="457200"/>
+            <a:ext cx="3702240" cy="90360"/>
+          </a:xfrm>
+          <a:prstGeom prst="rect">
+            <a:avLst/>
+          </a:prstGeom>
+          <a:solidFill>
+            <a:schemeClr val="accent1"/>
+          </a:solidFill>
+          <a:ln>
+            <a:noFill/>
+          </a:ln>
+          <a:effectLst>
+            <a:outerShdw blurRad="38100" dir="5400000" dist="25560" rotWithShape="0">
+              <a:srgbClr val="000000">
+                <a:alpha val="55000"/>
+              </a:srgbClr>
+            </a:outerShdw>
+          </a:effectLst>
+        </p:spPr>
+        <p:style>
+          <a:lnRef idx="1">
+            <a:schemeClr val="accent1"/>
+          </a:lnRef>
+          <a:fillRef idx="3">
+            <a:schemeClr val="accent1"/>
+          </a:fillRef>
+          <a:effectRef idx="2">
+            <a:schemeClr val="accent1"/>
+          </a:effectRef>
+          <a:fontRef idx="minor"/>
+        </p:style>
+      </p:sp>
+      <p:sp>
+        <p:nvSpPr>
+          <p:cNvPr id="86" name="PlaceHolder 4"/>
+          <p:cNvSpPr>
+            <a:spLocks noGrp="1"/>
+          </p:cNvSpPr>
+          <p:nvPr>
+            <p:ph type="title"/>
+          </p:nvPr>
+        </p:nvSpPr>
+        <p:spPr>
+          <a:xfrm>
+            <a:off x="609480" y="273600"/>
+            <a:ext cx="10972440" cy="1144800"/>
+          </a:xfrm>
+          <a:prstGeom prst="rect">
+            <a:avLst/>
+          </a:prstGeom>
+        </p:spPr>
+        <p:txBody>
+          <a:bodyPr lIns="0" rIns="0" tIns="0" bIns="0" anchor="ctr">
+            <a:noAutofit/>
+          </a:bodyPr>
+          <a:p>
+            <a:pPr algn="ctr"/>
+            <a:r>
+              <a:rPr b="0" lang="pt-BR" sz="4400" spc="-1" strike="noStrike">
+                <a:latin typeface="Arial"/>
+              </a:rPr>
+              <a:t>Clique para editar o formato do texto do título</a:t>
+            </a:r>
+            <a:endParaRPr b="0" lang="pt-BR" sz="4400" spc="-1" strike="noStrike">
+              <a:latin typeface="Arial"/>
+            </a:endParaRPr>
+          </a:p>
+        </p:txBody>
+      </p:sp>
+      <p:sp>
+        <p:nvSpPr>
+          <p:cNvPr id="87" name="PlaceHolder 5"/>
+          <p:cNvSpPr>
+            <a:spLocks noGrp="1"/>
+          </p:cNvSpPr>
+          <p:nvPr>
+            <p:ph type="body"/>
+          </p:nvPr>
+        </p:nvSpPr>
+        <p:spPr>
+          <a:xfrm>
+            <a:off x="609480" y="1604520"/>
+            <a:ext cx="10972440" cy="3977280"/>
+          </a:xfrm>
+          <a:prstGeom prst="rect">
+            <a:avLst/>
+          </a:prstGeom>
+        </p:spPr>
+        <p:txBody>
+          <a:bodyPr lIns="0" rIns="0" tIns="0" bIns="0">
+            <a:normAutofit/>
+          </a:bodyPr>
+          <a:p>
+            <a:pPr marL="432000" indent="-324000">
+              <a:spcBef>
+                <a:spcPts val="1417"/>
+              </a:spcBef>
+              <a:buClr>
+                <a:srgbClr val="000000"/>
+              </a:buClr>
+              <a:buSzPct val="45000"/>
+              <a:buFont typeface="Wingdings" charset="2"/>
+              <a:buChar char=""/>
+            </a:pPr>
+            <a:r>
+              <a:rPr b="0" lang="pt-BR" sz="3200" spc="-1" strike="noStrike">
+                <a:latin typeface="Arial"/>
+              </a:rPr>
+              <a:t>Clique para editar o formato do texto da estrutura de tópicos</a:t>
+            </a:r>
+            <a:endParaRPr b="0" lang="pt-BR" sz="3200" spc="-1" strike="noStrike">
+              <a:latin typeface="Arial"/>
+            </a:endParaRPr>
+          </a:p>
+          <a:p>
+            <a:pPr lvl="1" marL="864000" indent="-324000">
+              <a:spcBef>
+                <a:spcPts val="1134"/>
+              </a:spcBef>
+              <a:buClr>
+                <a:srgbClr val="000000"/>
+              </a:buClr>
+              <a:buSzPct val="75000"/>
+              <a:buFont typeface="Symbol" charset="2"/>
+              <a:buChar char=""/>
+            </a:pPr>
+            <a:r>
+              <a:rPr b="0" lang="pt-BR" sz="2800" spc="-1" strike="noStrike">
+                <a:latin typeface="Arial"/>
+              </a:rPr>
+              <a:t>2.º nível da estrutura de tópicos</a:t>
+            </a:r>
+            <a:endParaRPr b="0" lang="pt-BR" sz="2800" spc="-1" strike="noStrike">
+              <a:latin typeface="Arial"/>
+            </a:endParaRPr>
+          </a:p>
+          <a:p>
+            <a:pPr lvl="2" marL="1296000" indent="-288000">
+              <a:spcBef>
+                <a:spcPts val="850"/>
+              </a:spcBef>
+              <a:buClr>
+                <a:srgbClr val="000000"/>
+              </a:buClr>
+              <a:buSzPct val="45000"/>
+              <a:buFont typeface="Wingdings" charset="2"/>
+              <a:buChar char=""/>
+            </a:pPr>
+            <a:r>
+              <a:rPr b="0" lang="pt-BR" sz="2400" spc="-1" strike="noStrike">
+                <a:latin typeface="Arial"/>
+              </a:rPr>
+              <a:t>3.º nível da estrutura de tópicos</a:t>
+            </a:r>
+            <a:endParaRPr b="0" lang="pt-BR" sz="2400" spc="-1" strike="noStrike">
+              <a:latin typeface="Arial"/>
+            </a:endParaRPr>
+          </a:p>
+          <a:p>
+            <a:pPr lvl="3" marL="1728000" indent="-216000">
+              <a:spcBef>
+                <a:spcPts val="567"/>
+              </a:spcBef>
+              <a:buClr>
+                <a:srgbClr val="000000"/>
+              </a:buClr>
+              <a:buSzPct val="75000"/>
+              <a:buFont typeface="Symbol" charset="2"/>
+              <a:buChar char=""/>
+            </a:pPr>
+            <a:r>
+              <a:rPr b="0" lang="pt-BR" sz="2000" spc="-1" strike="noStrike">
+                <a:latin typeface="Arial"/>
+              </a:rPr>
+              <a:t>4.º nível da estrutura de tópicos</a:t>
+            </a:r>
+            <a:endParaRPr b="0" lang="pt-BR" sz="2000" spc="-1" strike="noStrike">
+              <a:latin typeface="Arial"/>
+            </a:endParaRPr>
+          </a:p>
+          <a:p>
+            <a:pPr lvl="4" marL="2160000" indent="-216000">
+              <a:spcBef>
+                <a:spcPts val="283"/>
+              </a:spcBef>
+              <a:buClr>
+                <a:srgbClr val="000000"/>
+              </a:buClr>
+              <a:buSzPct val="45000"/>
+              <a:buFont typeface="Wingdings" charset="2"/>
+              <a:buChar char=""/>
+            </a:pPr>
+            <a:r>
+              <a:rPr b="0" lang="pt-BR" sz="2000" spc="-1" strike="noStrike">
+                <a:latin typeface="Arial"/>
+              </a:rPr>
+              <a:t>5.º nível da estrutura de tópicos</a:t>
+            </a:r>
+            <a:endParaRPr b="0" lang="pt-BR" sz="2000" spc="-1" strike="noStrike">
+              <a:latin typeface="Arial"/>
+            </a:endParaRPr>
+          </a:p>
+          <a:p>
+            <a:pPr lvl="5" marL="2592000" indent="-216000">
+              <a:spcBef>
+                <a:spcPts val="283"/>
+              </a:spcBef>
+              <a:buClr>
+                <a:srgbClr val="000000"/>
+              </a:buClr>
+              <a:buSzPct val="45000"/>
+              <a:buFont typeface="Wingdings" charset="2"/>
+              <a:buChar char=""/>
+            </a:pPr>
+            <a:r>
+              <a:rPr b="0" lang="pt-BR" sz="2000" spc="-1" strike="noStrike">
+                <a:latin typeface="Arial"/>
+              </a:rPr>
+              <a:t>6.º nível da estrutura de tópicos</a:t>
+            </a:r>
+            <a:endParaRPr b="0" lang="pt-BR" sz="2000" spc="-1" strike="noStrike">
+              <a:latin typeface="Arial"/>
+            </a:endParaRPr>
+          </a:p>
+          <a:p>
+            <a:pPr lvl="6" marL="3024000" indent="-216000">
+              <a:spcBef>
+                <a:spcPts val="283"/>
+              </a:spcBef>
+              <a:buClr>
+                <a:srgbClr val="000000"/>
+              </a:buClr>
+              <a:buSzPct val="45000"/>
+              <a:buFont typeface="Wingdings" charset="2"/>
+              <a:buChar char=""/>
+            </a:pPr>
+            <a:r>
+              <a:rPr b="0" lang="pt-BR" sz="2000" spc="-1" strike="noStrike">
+                <a:latin typeface="Arial"/>
+              </a:rPr>
+              <a:t>7.º nível da estrutura de tópicos</a:t>
+            </a:r>
+            <a:endParaRPr b="0" lang="pt-BR" sz="2000" spc="-1" strike="noStrike">
+              <a:latin typeface="Arial"/>
+            </a:endParaRPr>
+          </a:p>
+        </p:txBody>
+      </p:sp>
+    </p:spTree>
+  </p:cSld>
+  <p:clrMap bg1="lt1" bg2="lt2" tx1="dk1" tx2="dk2" accent1="accent1" accent2="accent2" accent3="accent3" accent4="accent4" accent5="accent5" accent6="accent6" hlink="hlink" folHlink="folHlink"/>
+  <p:sldLayoutIdLst>
+    <p:sldLayoutId id="2147483675" r:id="rId2"/>
+    <p:sldLayoutId id="2147483676" r:id="rId3"/>
+    <p:sldLayoutId id="2147483677" r:id="rId4"/>
+    <p:sldLayoutId id="2147483678" r:id="rId5"/>
+    <p:sldLayoutId id="2147483679" r:id="rId6"/>
+    <p:sldLayoutId id="2147483680" r:id="rId7"/>
+    <p:sldLayoutId id="2147483681" r:id="rId8"/>
+    <p:sldLayoutId id="2147483682" r:id="rId9"/>
+    <p:sldLayoutId id="2147483683" r:id="rId10"/>
+    <p:sldLayoutId id="2147483684" r:id="rId11"/>
+    <p:sldLayoutId id="2147483685" r:id="rId12"/>
+    <p:sldLayoutId id="2147483686" r:id="rId13"/>
+  </p:sldLayoutIdLst>
+</p:sldMaster>
+</file>
+
+<file path=ppt/slideMasters/slideMaster4.xml><?xml version="1.0" encoding="utf-8"?>
+<p:sldMaster xmlns:a="http://schemas.openxmlformats.org/drawingml/2006/main" xmlns:p="http://schemas.openxmlformats.org/presentationml/2006/main" xmlns:r="http://schemas.openxmlformats.org/officeDocument/2006/relationships" xmlns:p14="http://schemas.microsoft.com/office/powerpoint/2010/main" xmlns:p15="http://schemas.microsoft.com/office/powerpoint/2012/main" xmlns:mc="http://schemas.openxmlformats.org/markup-compatibility/2006">
+  <p:cSld>
+    <p:bg>
+      <p:bgPr>
+        <a:solidFill>
+          <a:srgbClr val="ffffff"/>
+        </a:solidFill>
+      </p:bgPr>
+    </p:bg>
+    <p:spTree>
+      <p:nvGrpSpPr>
+        <p:cNvPr id="1" name=""/>
+        <p:cNvGrpSpPr/>
+        <p:nvPr/>
+      </p:nvGrpSpPr>
+      <p:grpSpPr>
+        <a:xfrm>
+          <a:off x="0" y="0"/>
+          <a:ext cx="0" cy="0"/>
+          <a:chOff x="0" y="0"/>
+          <a:chExt cx="0" cy="0"/>
+        </a:xfrm>
+      </p:grpSpPr>
+      <p:sp>
+        <p:nvSpPr>
+          <p:cNvPr id="124" name="CustomShape 1"/>
+          <p:cNvSpPr/>
+          <p:nvPr/>
+        </p:nvSpPr>
+        <p:spPr>
+          <a:xfrm>
+            <a:off x="446400" y="457200"/>
+            <a:ext cx="3702240" cy="93960"/>
+          </a:xfrm>
+          <a:prstGeom prst="rect">
+            <a:avLst/>
+          </a:prstGeom>
+          <a:solidFill>
+            <a:srgbClr val="465359"/>
+          </a:solidFill>
+          <a:ln>
+            <a:noFill/>
+          </a:ln>
+          <a:effectLst>
+            <a:outerShdw blurRad="38100" dir="5400000" dist="25560" rotWithShape="0">
+              <a:srgbClr val="000000">
+                <a:alpha val="55000"/>
+              </a:srgbClr>
+            </a:outerShdw>
+          </a:effectLst>
+        </p:spPr>
+        <p:style>
+          <a:lnRef idx="1">
+            <a:schemeClr val="accent1"/>
+          </a:lnRef>
+          <a:fillRef idx="3">
+            <a:schemeClr val="accent1"/>
+          </a:fillRef>
+          <a:effectRef idx="2">
+            <a:schemeClr val="accent1"/>
+          </a:effectRef>
+          <a:fontRef idx="minor"/>
+        </p:style>
+      </p:sp>
+      <p:sp>
+        <p:nvSpPr>
+          <p:cNvPr id="125" name="CustomShape 2"/>
+          <p:cNvSpPr/>
+          <p:nvPr/>
+        </p:nvSpPr>
+        <p:spPr>
+          <a:xfrm>
+            <a:off x="8042040" y="453600"/>
+            <a:ext cx="3702240" cy="97560"/>
+          </a:xfrm>
+          <a:prstGeom prst="rect">
+            <a:avLst/>
+          </a:prstGeom>
+          <a:solidFill>
+            <a:srgbClr val="969fa7"/>
+          </a:solidFill>
+          <a:ln>
+            <a:noFill/>
+          </a:ln>
+          <a:effectLst>
+            <a:outerShdw blurRad="38100" dir="5400000" dist="25560" rotWithShape="0">
+              <a:srgbClr val="000000">
+                <a:alpha val="55000"/>
+              </a:srgbClr>
+            </a:outerShdw>
+          </a:effectLst>
+        </p:spPr>
+        <p:style>
+          <a:lnRef idx="1">
+            <a:schemeClr val="accent1"/>
+          </a:lnRef>
+          <a:fillRef idx="3">
+            <a:schemeClr val="accent1"/>
+          </a:fillRef>
+          <a:effectRef idx="2">
+            <a:schemeClr val="accent1"/>
+          </a:effectRef>
+          <a:fontRef idx="minor"/>
+        </p:style>
+      </p:sp>
+      <p:sp>
+        <p:nvSpPr>
+          <p:cNvPr id="126" name="CustomShape 3"/>
+          <p:cNvSpPr/>
+          <p:nvPr/>
+        </p:nvSpPr>
+        <p:spPr>
+          <a:xfrm>
+            <a:off x="4241880" y="457200"/>
+            <a:ext cx="3702240" cy="90360"/>
+          </a:xfrm>
+          <a:prstGeom prst="rect">
+            <a:avLst/>
+          </a:prstGeom>
+          <a:solidFill>
+            <a:schemeClr val="accent1"/>
+          </a:solidFill>
+          <a:ln>
+            <a:noFill/>
+          </a:ln>
+          <a:effectLst>
+            <a:outerShdw blurRad="38100" dir="5400000" dist="25560" rotWithShape="0">
+              <a:srgbClr val="000000">
+                <a:alpha val="55000"/>
+              </a:srgbClr>
+            </a:outerShdw>
+          </a:effectLst>
+        </p:spPr>
+        <p:style>
+          <a:lnRef idx="1">
+            <a:schemeClr val="accent1"/>
+          </a:lnRef>
+          <a:fillRef idx="3">
+            <a:schemeClr val="accent1"/>
+          </a:fillRef>
+          <a:effectRef idx="2">
+            <a:schemeClr val="accent1"/>
+          </a:effectRef>
+          <a:fontRef idx="minor"/>
+        </p:style>
+      </p:sp>
+      <p:sp>
+        <p:nvSpPr>
+          <p:cNvPr id="127" name="CustomShape 4"/>
+          <p:cNvSpPr/>
+          <p:nvPr/>
+        </p:nvSpPr>
+        <p:spPr>
+          <a:xfrm>
+            <a:off x="446400" y="3085920"/>
+            <a:ext cx="11297880" cy="3337200"/>
+          </a:xfrm>
+          <a:prstGeom prst="rect">
+            <a:avLst/>
+          </a:prstGeom>
+          <a:solidFill>
+            <a:srgbClr val="465359"/>
+          </a:solidFill>
+          <a:ln>
+            <a:noFill/>
+          </a:ln>
+          <a:effectLst>
+            <a:outerShdw blurRad="38100" dir="5400000" dist="25560" rotWithShape="0">
+              <a:srgbClr val="000000">
+                <a:alpha val="55000"/>
+              </a:srgbClr>
+            </a:outerShdw>
+          </a:effectLst>
+        </p:spPr>
+        <p:style>
+          <a:lnRef idx="1">
+            <a:schemeClr val="accent1"/>
+          </a:lnRef>
+          <a:fillRef idx="3">
+            <a:schemeClr val="accent1"/>
+          </a:fillRef>
+          <a:effectRef idx="2">
+            <a:schemeClr val="accent1"/>
+          </a:effectRef>
+          <a:fontRef idx="minor"/>
+        </p:style>
+      </p:sp>
+      <p:sp>
+        <p:nvSpPr>
+          <p:cNvPr id="128" name="PlaceHolder 5"/>
+          <p:cNvSpPr>
+            <a:spLocks noGrp="1"/>
+          </p:cNvSpPr>
+          <p:nvPr>
+            <p:ph type="title"/>
+          </p:nvPr>
+        </p:nvSpPr>
+        <p:spPr>
+          <a:xfrm>
+            <a:off x="609480" y="273600"/>
+            <a:ext cx="10972080" cy="1144440"/>
+          </a:xfrm>
+          <a:prstGeom prst="rect">
+            <a:avLst/>
+          </a:prstGeom>
+        </p:spPr>
+        <p:txBody>
+          <a:bodyPr lIns="0" rIns="0" tIns="0" bIns="0" anchor="ctr">
+            <a:noAutofit/>
+          </a:bodyPr>
+          <a:p>
+            <a:r>
+              <a:rPr b="0" lang="pt-BR" sz="1800" spc="-1" strike="noStrike">
+                <a:latin typeface="Arial"/>
+              </a:rPr>
+              <a:t>Clique para editar o formato do texto do título</a:t>
+            </a:r>
+            <a:endParaRPr b="0" lang="pt-BR" sz="1800" spc="-1" strike="noStrike">
+              <a:latin typeface="Arial"/>
+            </a:endParaRPr>
+          </a:p>
+        </p:txBody>
+      </p:sp>
+      <p:sp>
+        <p:nvSpPr>
+          <p:cNvPr id="129" name="PlaceHolder 6"/>
+          <p:cNvSpPr>
+            <a:spLocks noGrp="1"/>
+          </p:cNvSpPr>
+          <p:nvPr>
+            <p:ph type="body"/>
+          </p:nvPr>
+        </p:nvSpPr>
+        <p:spPr>
+          <a:xfrm>
+            <a:off x="609480" y="1604520"/>
+            <a:ext cx="10972080" cy="3976920"/>
+          </a:xfrm>
+          <a:prstGeom prst="rect">
+            <a:avLst/>
+          </a:prstGeom>
+        </p:spPr>
+        <p:txBody>
+          <a:bodyPr lIns="0" rIns="0" tIns="0" bIns="0">
+            <a:normAutofit/>
+          </a:bodyPr>
+          <a:p>
+            <a:pPr marL="432000" indent="-324000">
+              <a:spcBef>
+                <a:spcPts val="1417"/>
+              </a:spcBef>
+              <a:buClr>
+                <a:srgbClr val="000000"/>
+              </a:buClr>
+              <a:buSzPct val="45000"/>
+              <a:buFont typeface="Wingdings" charset="2"/>
+              <a:buChar char=""/>
+            </a:pPr>
+            <a:r>
+              <a:rPr b="0" lang="pt-BR" sz="1800" spc="-1" strike="noStrike">
+                <a:latin typeface="Arial"/>
+              </a:rPr>
+              <a:t>Clique para editar o formato do texto da estrutura de tópicos</a:t>
+            </a:r>
+            <a:endParaRPr b="0" lang="pt-BR" sz="1800" spc="-1" strike="noStrike">
+              <a:latin typeface="Arial"/>
+            </a:endParaRPr>
+          </a:p>
+          <a:p>
+            <a:pPr lvl="1" marL="864000" indent="-324000">
+              <a:spcBef>
+                <a:spcPts val="1134"/>
+              </a:spcBef>
+              <a:buClr>
+                <a:srgbClr val="000000"/>
+              </a:buClr>
+              <a:buSzPct val="75000"/>
+              <a:buFont typeface="Symbol" charset="2"/>
+              <a:buChar char=""/>
+            </a:pPr>
+            <a:r>
+              <a:rPr b="0" lang="pt-BR" sz="1800" spc="-1" strike="noStrike">
+                <a:latin typeface="Arial"/>
+              </a:rPr>
+              <a:t>2.º nível da estrutura de tópicos</a:t>
+            </a:r>
+            <a:endParaRPr b="0" lang="pt-BR" sz="1800" spc="-1" strike="noStrike">
+              <a:latin typeface="Arial"/>
+            </a:endParaRPr>
+          </a:p>
+          <a:p>
+            <a:pPr lvl="2" marL="1296000" indent="-288000">
+              <a:spcBef>
+                <a:spcPts val="850"/>
+              </a:spcBef>
+              <a:buClr>
+                <a:srgbClr val="000000"/>
+              </a:buClr>
+              <a:buSzPct val="45000"/>
+              <a:buFont typeface="Wingdings" charset="2"/>
+              <a:buChar char=""/>
+            </a:pPr>
+            <a:r>
+              <a:rPr b="0" lang="pt-BR" sz="1800" spc="-1" strike="noStrike">
+                <a:latin typeface="Arial"/>
+              </a:rPr>
+              <a:t>3.º nível da estrutura de tópicos</a:t>
+            </a:r>
+            <a:endParaRPr b="0" lang="pt-BR" sz="1800" spc="-1" strike="noStrike">
+              <a:latin typeface="Arial"/>
+            </a:endParaRPr>
+          </a:p>
+          <a:p>
+            <a:pPr lvl="3" marL="1728000" indent="-216000">
+              <a:spcBef>
+                <a:spcPts val="567"/>
+              </a:spcBef>
+              <a:buClr>
+                <a:srgbClr val="000000"/>
+              </a:buClr>
+              <a:buSzPct val="75000"/>
+              <a:buFont typeface="Symbol" charset="2"/>
+              <a:buChar char=""/>
+            </a:pPr>
+            <a:r>
+              <a:rPr b="0" lang="pt-BR" sz="1800" spc="-1" strike="noStrike">
+                <a:latin typeface="Arial"/>
+              </a:rPr>
+              <a:t>4.º nível da estrutura de tópicos</a:t>
+            </a:r>
+            <a:endParaRPr b="0" lang="pt-BR" sz="1800" spc="-1" strike="noStrike">
+              <a:latin typeface="Arial"/>
+            </a:endParaRPr>
+          </a:p>
+          <a:p>
+            <a:pPr lvl="4" marL="2160000" indent="-216000">
+              <a:spcBef>
+                <a:spcPts val="283"/>
+              </a:spcBef>
+              <a:buClr>
+                <a:srgbClr val="000000"/>
+              </a:buClr>
+              <a:buSzPct val="45000"/>
+              <a:buFont typeface="Wingdings" charset="2"/>
+              <a:buChar char=""/>
+            </a:pPr>
+            <a:r>
+              <a:rPr b="0" lang="pt-BR" sz="1800" spc="-1" strike="noStrike">
+                <a:latin typeface="Arial"/>
+              </a:rPr>
+              <a:t>5.º nível da estrutura de tópicos</a:t>
+            </a:r>
+            <a:endParaRPr b="0" lang="pt-BR" sz="1800" spc="-1" strike="noStrike">
+              <a:latin typeface="Arial"/>
+            </a:endParaRPr>
+          </a:p>
+          <a:p>
+            <a:pPr lvl="5" marL="2592000" indent="-216000">
+              <a:spcBef>
+                <a:spcPts val="283"/>
+              </a:spcBef>
+              <a:buClr>
+                <a:srgbClr val="000000"/>
+              </a:buClr>
+              <a:buSzPct val="45000"/>
+              <a:buFont typeface="Wingdings" charset="2"/>
+              <a:buChar char=""/>
+            </a:pPr>
+            <a:r>
+              <a:rPr b="0" lang="pt-BR" sz="1800" spc="-1" strike="noStrike">
+                <a:latin typeface="Arial"/>
+              </a:rPr>
+              <a:t>6.º nível da estrutura de tópicos</a:t>
+            </a:r>
+            <a:endParaRPr b="0" lang="pt-BR" sz="1800" spc="-1" strike="noStrike">
+              <a:latin typeface="Arial"/>
+            </a:endParaRPr>
+          </a:p>
+          <a:p>
+            <a:pPr lvl="6" marL="3024000" indent="-216000">
+              <a:spcBef>
+                <a:spcPts val="283"/>
+              </a:spcBef>
+              <a:buClr>
+                <a:srgbClr val="000000"/>
+              </a:buClr>
+              <a:buSzPct val="45000"/>
+              <a:buFont typeface="Wingdings" charset="2"/>
+              <a:buChar char=""/>
+            </a:pPr>
+            <a:r>
+              <a:rPr b="0" lang="pt-BR" sz="1800" spc="-1" strike="noStrike">
+                <a:latin typeface="Arial"/>
+              </a:rPr>
+              <a:t>7.º nível da estrutura de tópicos</a:t>
+            </a:r>
+            <a:endParaRPr b="0" lang="pt-BR" sz="1800" spc="-1" strike="noStrike">
+              <a:latin typeface="Arial"/>
+            </a:endParaRPr>
+          </a:p>
+        </p:txBody>
+      </p:sp>
+    </p:spTree>
+  </p:cSld>
+  <p:clrMap bg1="lt1" bg2="lt2" tx1="dk1" tx2="dk2" accent1="accent1" accent2="accent2" accent3="accent3" accent4="accent4" accent5="accent5" accent6="accent6" hlink="hlink" folHlink="folHlink"/>
+  <p:sldLayoutIdLst>
+    <p:sldLayoutId id="2147483688" r:id="rId2"/>
+    <p:sldLayoutId id="2147483689" r:id="rId3"/>
+    <p:sldLayoutId id="2147483690" r:id="rId4"/>
+    <p:sldLayoutId id="2147483691" r:id="rId5"/>
+    <p:sldLayoutId id="2147483692" r:id="rId6"/>
+    <p:sldLayoutId id="2147483693" r:id="rId7"/>
+    <p:sldLayoutId id="2147483694" r:id="rId8"/>
+    <p:sldLayoutId id="2147483695" r:id="rId9"/>
+    <p:sldLayoutId id="2147483696" r:id="rId10"/>
+    <p:sldLayoutId id="2147483697" r:id="rId11"/>
+    <p:sldLayoutId id="2147483698" r:id="rId12"/>
+    <p:sldLayoutId id="2147483699" r:id="rId13"/>
   </p:sldLayoutIdLst>
 </p:sldMaster>
 </file>
@@ -7302,14 +10788,14 @@
       </p:grpSpPr>
       <p:sp>
         <p:nvSpPr>
-          <p:cNvPr id="83" name="CustomShape 1"/>
+          <p:cNvPr id="166" name="CustomShape 1"/>
           <p:cNvSpPr/>
           <p:nvPr/>
         </p:nvSpPr>
         <p:spPr>
           <a:xfrm>
             <a:off x="0" y="0"/>
-            <a:ext cx="12191400" cy="6857280"/>
+            <a:ext cx="12191040" cy="6856920"/>
           </a:xfrm>
           <a:prstGeom prst="rect">
             <a:avLst/>
@@ -7338,14 +10824,14 @@
       </p:sp>
       <p:sp>
         <p:nvSpPr>
-          <p:cNvPr id="84" name="CustomShape 2"/>
+          <p:cNvPr id="167" name="CustomShape 2"/>
           <p:cNvSpPr/>
           <p:nvPr/>
         </p:nvSpPr>
         <p:spPr>
           <a:xfrm>
             <a:off x="581040" y="1020600"/>
-            <a:ext cx="10992960" cy="1474200"/>
+            <a:ext cx="10992600" cy="1473840"/>
           </a:xfrm>
           <a:prstGeom prst="rect">
             <a:avLst/>
@@ -7377,25 +10863,26 @@
                   <a:srgbClr val="404040"/>
                 </a:solidFill>
                 <a:latin typeface="Ubuntu"/>
+                <a:ea typeface="DejaVu Sans"/>
               </a:rPr>
               <a:t>Segmentação de clientes</a:t>
             </a:r>
             <a:endParaRPr b="0" lang="pt-BR" sz="3600" spc="-1" strike="noStrike">
-              <a:latin typeface="Ubuntu"/>
-            </a:endParaRPr>
-          </a:p>
-        </p:txBody>
-      </p:sp>
-      <p:sp>
-        <p:nvSpPr>
-          <p:cNvPr id="85" name="CustomShape 3"/>
+              <a:latin typeface="Arial"/>
+            </a:endParaRPr>
+          </a:p>
+        </p:txBody>
+      </p:sp>
+      <p:sp>
+        <p:nvSpPr>
+          <p:cNvPr id="168" name="CustomShape 3"/>
           <p:cNvSpPr/>
           <p:nvPr/>
         </p:nvSpPr>
         <p:spPr>
           <a:xfrm>
             <a:off x="581040" y="2495520"/>
-            <a:ext cx="10992960" cy="467640"/>
+            <a:ext cx="10992600" cy="467280"/>
           </a:xfrm>
           <a:prstGeom prst="rect">
             <a:avLst/>
@@ -7436,25 +10923,26 @@
                   <a:srgbClr val="1cade4"/>
                 </a:solidFill>
                 <a:latin typeface="Ubuntu"/>
+                <a:ea typeface="DejaVu Sans"/>
               </a:rPr>
               <a:t>Bruno de lima santos</a:t>
             </a:r>
             <a:endParaRPr b="0" lang="pt-BR" sz="1600" spc="-1" strike="noStrike">
-              <a:latin typeface="Ubuntu"/>
-            </a:endParaRPr>
-          </a:p>
-        </p:txBody>
-      </p:sp>
-      <p:sp>
-        <p:nvSpPr>
-          <p:cNvPr id="86" name="CustomShape 4"/>
+              <a:latin typeface="Arial"/>
+            </a:endParaRPr>
+          </a:p>
+        </p:txBody>
+      </p:sp>
+      <p:sp>
+        <p:nvSpPr>
+          <p:cNvPr id="169" name="CustomShape 4"/>
           <p:cNvSpPr/>
           <p:nvPr/>
         </p:nvSpPr>
         <p:spPr>
           <a:xfrm>
             <a:off x="446400" y="457200"/>
-            <a:ext cx="3702600" cy="94320"/>
+            <a:ext cx="3702240" cy="93960"/>
           </a:xfrm>
           <a:prstGeom prst="rect">
             <a:avLst/>
@@ -7488,14 +10976,14 @@
       </p:sp>
       <p:sp>
         <p:nvSpPr>
-          <p:cNvPr id="87" name="CustomShape 5"/>
+          <p:cNvPr id="170" name="CustomShape 5"/>
           <p:cNvSpPr/>
           <p:nvPr/>
         </p:nvSpPr>
         <p:spPr>
           <a:xfrm>
             <a:off x="4241880" y="457200"/>
-            <a:ext cx="3702600" cy="90720"/>
+            <a:ext cx="3702240" cy="90360"/>
           </a:xfrm>
           <a:prstGeom prst="rect">
             <a:avLst/>
@@ -7529,14 +11017,14 @@
       </p:sp>
       <p:sp>
         <p:nvSpPr>
-          <p:cNvPr id="88" name="CustomShape 6"/>
+          <p:cNvPr id="171" name="CustomShape 6"/>
           <p:cNvSpPr/>
           <p:nvPr/>
         </p:nvSpPr>
         <p:spPr>
           <a:xfrm>
             <a:off x="8042040" y="453600"/>
-            <a:ext cx="3702600" cy="97920"/>
+            <a:ext cx="3702240" cy="97560"/>
           </a:xfrm>
           <a:prstGeom prst="rect">
             <a:avLst/>
@@ -7570,7 +11058,7 @@
       </p:sp>
       <p:pic>
         <p:nvPicPr>
-          <p:cNvPr id="89" name="Imagem 5" descr="Imagem ampliada de um logotipo&#10;&#10;Descrição gerada automaticamente"/>
+          <p:cNvPr id="172" name="Imagem 5" descr="Imagem ampliada de um logotipo&#10;&#10;Descrição gerada automaticamente"/>
           <p:cNvPicPr/>
           <p:nvPr/>
         </p:nvPicPr>
@@ -7581,7 +11069,7 @@
         <p:spPr>
           <a:xfrm>
             <a:off x="448560" y="3081960"/>
-            <a:ext cx="11260080" cy="3309840"/>
+            <a:ext cx="11259720" cy="3309480"/>
           </a:xfrm>
           <a:prstGeom prst="rect">
             <a:avLst/>
@@ -7623,14 +11111,14 @@
       </p:grpSpPr>
       <p:sp>
         <p:nvSpPr>
-          <p:cNvPr id="90" name="TextShape 1"/>
-          <p:cNvSpPr txBox="1"/>
+          <p:cNvPr id="173" name="CustomShape 1"/>
+          <p:cNvSpPr/>
           <p:nvPr/>
         </p:nvSpPr>
         <p:spPr>
           <a:xfrm>
             <a:off x="581040" y="702000"/>
-            <a:ext cx="11028960" cy="1188000"/>
+            <a:ext cx="11028600" cy="1187640"/>
           </a:xfrm>
           <a:prstGeom prst="rect">
             <a:avLst/>
@@ -7640,12 +11128,22 @@
             <a:noFill/>
           </a:ln>
         </p:spPr>
+        <p:style>
+          <a:lnRef idx="0"/>
+          <a:fillRef idx="0"/>
+          <a:effectRef idx="0"/>
+          <a:fontRef idx="minor"/>
+        </p:style>
         <p:txBody>
           <a:bodyPr lIns="0" rIns="0" tIns="0" bIns="0" anchor="ctr">
             <a:noAutofit/>
           </a:bodyPr>
           <a:p>
-            <a:pPr algn="ctr"/>
+            <a:pPr>
+              <a:lnSpc>
+                <a:spcPct val="100000"/>
+              </a:lnSpc>
+            </a:pPr>
             <a:r>
               <a:rPr b="0" lang="pt-BR" sz="4400" spc="-1" strike="noStrike">
                 <a:latin typeface="Ubuntu"/>
@@ -7653,21 +11151,21 @@
               <a:t>PERGUNTAS DE DIRECIONAMENTO</a:t>
             </a:r>
             <a:endParaRPr b="0" lang="pt-BR" sz="4400" spc="-1" strike="noStrike">
-              <a:latin typeface="Ubuntu"/>
-            </a:endParaRPr>
-          </a:p>
-        </p:txBody>
-      </p:sp>
-      <p:sp>
-        <p:nvSpPr>
-          <p:cNvPr id="91" name="TextShape 2"/>
-          <p:cNvSpPr txBox="1"/>
+              <a:latin typeface="Arial"/>
+            </a:endParaRPr>
+          </a:p>
+        </p:txBody>
+      </p:sp>
+      <p:sp>
+        <p:nvSpPr>
+          <p:cNvPr id="174" name="CustomShape 2"/>
+          <p:cNvSpPr/>
           <p:nvPr/>
         </p:nvSpPr>
         <p:spPr>
           <a:xfrm>
             <a:off x="576000" y="3168000"/>
-            <a:ext cx="10972440" cy="3185280"/>
+            <a:ext cx="10972080" cy="3184920"/>
           </a:xfrm>
           <a:prstGeom prst="rect">
             <a:avLst/>
@@ -7677,12 +11175,21 @@
             <a:noFill/>
           </a:ln>
         </p:spPr>
+        <p:style>
+          <a:lnRef idx="0"/>
+          <a:fillRef idx="0"/>
+          <a:effectRef idx="0"/>
+          <a:fontRef idx="minor"/>
+        </p:style>
         <p:txBody>
           <a:bodyPr lIns="0" rIns="0" tIns="0" bIns="0">
             <a:normAutofit/>
           </a:bodyPr>
           <a:p>
-            <a:pPr marL="432000" indent="-324000">
+            <a:pPr marL="432000" indent="-323640">
+              <a:lnSpc>
+                <a:spcPct val="100000"/>
+              </a:lnSpc>
               <a:spcBef>
                 <a:spcPts val="1417"/>
               </a:spcBef>
@@ -7703,14 +11210,27 @@
               <a:t>Como podemos agrupar clientes nas suas características?</a:t>
             </a:r>
             <a:endParaRPr b="0" lang="pt-BR" sz="3200" spc="-1" strike="noStrike">
-              <a:solidFill>
-                <a:srgbClr val="ffffff"/>
-              </a:solidFill>
-              <a:latin typeface="Ubuntu"/>
-            </a:endParaRPr>
-          </a:p>
-          <a:p>
-            <a:pPr marL="432000" indent="-324000">
+              <a:latin typeface="Arial"/>
+            </a:endParaRPr>
+          </a:p>
+          <a:p>
+            <a:pPr>
+              <a:lnSpc>
+                <a:spcPct val="100000"/>
+              </a:lnSpc>
+              <a:spcBef>
+                <a:spcPts val="1417"/>
+              </a:spcBef>
+            </a:pPr>
+            <a:endParaRPr b="0" lang="pt-BR" sz="3200" spc="-1" strike="noStrike">
+              <a:latin typeface="Arial"/>
+            </a:endParaRPr>
+          </a:p>
+          <a:p>
+            <a:pPr marL="432000" indent="-323640">
+              <a:lnSpc>
+                <a:spcPct val="100000"/>
+              </a:lnSpc>
               <a:spcBef>
                 <a:spcPts val="1417"/>
               </a:spcBef>
@@ -7721,15 +11241,37 @@
               <a:buFont typeface="Wingdings" charset="2"/>
               <a:buChar char=""/>
             </a:pPr>
+            <a:r>
+              <a:rPr b="0" lang="pt-BR" sz="3200" spc="-1" strike="noStrike">
+                <a:solidFill>
+                  <a:srgbClr val="ffffff"/>
+                </a:solidFill>
+                <a:latin typeface="Ubuntu"/>
+              </a:rPr>
+              <a:t>Quais a característica mais importante?</a:t>
+            </a:r>
             <a:endParaRPr b="0" lang="pt-BR" sz="3200" spc="-1" strike="noStrike">
-              <a:solidFill>
-                <a:srgbClr val="ffffff"/>
-              </a:solidFill>
-              <a:latin typeface="Ubuntu"/>
-            </a:endParaRPr>
-          </a:p>
-          <a:p>
-            <a:pPr marL="432000" indent="-324000">
+              <a:latin typeface="Arial"/>
+            </a:endParaRPr>
+          </a:p>
+          <a:p>
+            <a:pPr>
+              <a:lnSpc>
+                <a:spcPct val="100000"/>
+              </a:lnSpc>
+              <a:spcBef>
+                <a:spcPts val="1417"/>
+              </a:spcBef>
+            </a:pPr>
+            <a:endParaRPr b="0" lang="pt-BR" sz="3200" spc="-1" strike="noStrike">
+              <a:latin typeface="Arial"/>
+            </a:endParaRPr>
+          </a:p>
+          <a:p>
+            <a:pPr marL="432000" indent="-323640">
+              <a:lnSpc>
+                <a:spcPct val="100000"/>
+              </a:lnSpc>
               <a:spcBef>
                 <a:spcPts val="1417"/>
               </a:spcBef>
@@ -7747,60 +11289,10 @@
                 </a:solidFill>
                 <a:latin typeface="Ubuntu"/>
               </a:rPr>
-              <a:t>Quais a característica mais importante?</a:t>
+              <a:t>O que cada grupo consome e por onde?</a:t>
             </a:r>
             <a:endParaRPr b="0" lang="pt-BR" sz="3200" spc="-1" strike="noStrike">
-              <a:solidFill>
-                <a:srgbClr val="ffffff"/>
-              </a:solidFill>
-              <a:latin typeface="Ubuntu"/>
-            </a:endParaRPr>
-          </a:p>
-          <a:p>
-            <a:pPr marL="432000" indent="-324000">
-              <a:spcBef>
-                <a:spcPts val="1417"/>
-              </a:spcBef>
-              <a:buClr>
-                <a:srgbClr val="000000"/>
-              </a:buClr>
-              <a:buSzPct val="45000"/>
-              <a:buFont typeface="Wingdings" charset="2"/>
-              <a:buChar char=""/>
-            </a:pPr>
-            <a:endParaRPr b="0" lang="pt-BR" sz="3200" spc="-1" strike="noStrike">
-              <a:solidFill>
-                <a:srgbClr val="ffffff"/>
-              </a:solidFill>
-              <a:latin typeface="Ubuntu"/>
-            </a:endParaRPr>
-          </a:p>
-          <a:p>
-            <a:pPr marL="432000" indent="-324000">
-              <a:spcBef>
-                <a:spcPts val="1417"/>
-              </a:spcBef>
-              <a:buClr>
-                <a:srgbClr val="000000"/>
-              </a:buClr>
-              <a:buSzPct val="45000"/>
-              <a:buFont typeface="Wingdings" charset="2"/>
-              <a:buChar char=""/>
-            </a:pPr>
-            <a:r>
-              <a:rPr b="0" lang="pt-BR" sz="3200" spc="-1" strike="noStrike">
-                <a:solidFill>
-                  <a:srgbClr val="ffffff"/>
-                </a:solidFill>
-                <a:latin typeface="Ubuntu"/>
-              </a:rPr>
-              <a:t>O que cada grupo consome?</a:t>
-            </a:r>
-            <a:endParaRPr b="0" lang="pt-BR" sz="3200" spc="-1" strike="noStrike">
-              <a:solidFill>
-                <a:srgbClr val="ffffff"/>
-              </a:solidFill>
-              <a:latin typeface="Ubuntu"/>
+              <a:latin typeface="Arial"/>
             </a:endParaRPr>
           </a:p>
         </p:txBody>
@@ -7837,14 +11329,14 @@
       </p:grpSpPr>
       <p:sp>
         <p:nvSpPr>
-          <p:cNvPr id="92" name="CustomShape 1"/>
+          <p:cNvPr id="175" name="CustomShape 1"/>
           <p:cNvSpPr/>
           <p:nvPr/>
         </p:nvSpPr>
         <p:spPr>
           <a:xfrm>
             <a:off x="581040" y="2340720"/>
-            <a:ext cx="11028960" cy="3633840"/>
+            <a:ext cx="11028600" cy="3633480"/>
           </a:xfrm>
           <a:prstGeom prst="rect">
             <a:avLst/>
@@ -7865,7 +11357,7 @@
             <a:noAutofit/>
           </a:bodyPr>
           <a:p>
-            <a:pPr marL="306000" indent="-305280">
+            <a:pPr marL="306000" indent="-304920">
               <a:lnSpc>
                 <a:spcPct val="110000"/>
               </a:lnSpc>
@@ -7888,11 +11380,12 @@
                   <a:srgbClr val="404040"/>
                 </a:solidFill>
                 <a:latin typeface="Ubuntu"/>
+                <a:ea typeface="DejaVu Sans"/>
               </a:rPr>
               <a:t>Estatisticamente, estado civil e escolaridade não representam características não se diferenciam quando comparados com os outras categorias de clientes, como crianças ou adolescentes, renda e idade.</a:t>
             </a:r>
             <a:endParaRPr b="0" lang="pt-BR" sz="2000" spc="-1" strike="noStrike">
-              <a:latin typeface="Ubuntu"/>
+              <a:latin typeface="Arial"/>
             </a:endParaRPr>
           </a:p>
           <a:p>
@@ -7908,11 +11401,11 @@
               </a:spcAft>
             </a:pPr>
             <a:endParaRPr b="0" lang="pt-BR" sz="2000" spc="-1" strike="noStrike">
-              <a:latin typeface="Ubuntu"/>
-            </a:endParaRPr>
-          </a:p>
-          <a:p>
-            <a:pPr marL="306000" indent="-305280">
+              <a:latin typeface="Arial"/>
+            </a:endParaRPr>
+          </a:p>
+          <a:p>
+            <a:pPr marL="306000" indent="-304920">
               <a:lnSpc>
                 <a:spcPct val="110000"/>
               </a:lnSpc>
@@ -7935,25 +11428,26 @@
                   <a:srgbClr val="404040"/>
                 </a:solidFill>
                 <a:latin typeface="Ubuntu"/>
+                <a:ea typeface="DejaVu Sans"/>
               </a:rPr>
               <a:t>De todas as características, a renda é a mais importante para segmentar os clientes dentro dos grupos. Famílias com crianças possuem menos renda do que famílias com adolescentes ou sem nenhum filho.</a:t>
             </a:r>
             <a:endParaRPr b="0" lang="pt-BR" sz="2000" spc="-1" strike="noStrike">
-              <a:latin typeface="Ubuntu"/>
-            </a:endParaRPr>
-          </a:p>
-        </p:txBody>
-      </p:sp>
-      <p:sp>
-        <p:nvSpPr>
-          <p:cNvPr id="93" name="CustomShape 2"/>
+              <a:latin typeface="Arial"/>
+            </a:endParaRPr>
+          </a:p>
+        </p:txBody>
+      </p:sp>
+      <p:sp>
+        <p:nvSpPr>
+          <p:cNvPr id="176" name="CustomShape 2"/>
           <p:cNvSpPr/>
           <p:nvPr/>
         </p:nvSpPr>
         <p:spPr>
           <a:xfrm>
             <a:off x="7606080" y="6423840"/>
-            <a:ext cx="2844000" cy="364320"/>
+            <a:ext cx="2843640" cy="363960"/>
           </a:xfrm>
           <a:prstGeom prst="rect">
             <a:avLst/>
@@ -7979,14 +11473,15 @@
                 <a:spcPct val="100000"/>
               </a:lnSpc>
             </a:pPr>
-            <a:fld id="{F3F0189C-3AED-47D3-9C94-7A808C1DAAF3}" type="datetime1">
+            <a:fld id="{D2D9FA9E-45B8-4019-A2A2-73524B9E7C28}" type="datetime1">
               <a:rPr b="0" lang="pt-BR" sz="900" spc="-1" strike="noStrike">
                 <a:solidFill>
                   <a:srgbClr val="404040"/>
                 </a:solidFill>
                 <a:latin typeface="Franklin Gothic Book"/>
-              </a:rPr>
-              <a:t>25/01/2022</a:t>
+                <a:ea typeface="DejaVu Sans"/>
+              </a:rPr>
+              <a:t>26/01/2022</a:t>
             </a:fld>
             <a:endParaRPr b="0" lang="pt-BR" sz="900" spc="-1" strike="noStrike">
               <a:latin typeface="Arial"/>
@@ -7996,14 +11491,14 @@
       </p:sp>
       <p:sp>
         <p:nvSpPr>
-          <p:cNvPr id="94" name="CustomShape 3"/>
+          <p:cNvPr id="177" name="CustomShape 3"/>
           <p:cNvSpPr/>
           <p:nvPr/>
         </p:nvSpPr>
         <p:spPr>
           <a:xfrm>
             <a:off x="581040" y="702360"/>
-            <a:ext cx="11028960" cy="1188000"/>
+            <a:ext cx="11028600" cy="1187640"/>
           </a:xfrm>
           <a:prstGeom prst="rect">
             <a:avLst/>
@@ -8035,11 +11530,12 @@
                   <a:srgbClr val="404040"/>
                 </a:solidFill>
                 <a:latin typeface="Ubuntu"/>
+                <a:ea typeface="DejaVu Sans"/>
               </a:rPr>
               <a:t>Grupos de clientes</a:t>
             </a:r>
             <a:endParaRPr b="0" lang="pt-BR" sz="2800" spc="-1" strike="noStrike">
-              <a:latin typeface="Ubuntu"/>
+              <a:latin typeface="Arial"/>
             </a:endParaRPr>
           </a:p>
         </p:txBody>
@@ -8076,14 +11572,14 @@
       </p:grpSpPr>
       <p:sp>
         <p:nvSpPr>
-          <p:cNvPr id="95" name="CustomShape 1"/>
+          <p:cNvPr id="178" name="CustomShape 1"/>
           <p:cNvSpPr/>
           <p:nvPr/>
         </p:nvSpPr>
         <p:spPr>
           <a:xfrm>
             <a:off x="581040" y="702360"/>
-            <a:ext cx="11028960" cy="1188000"/>
+            <a:ext cx="11028600" cy="1187640"/>
           </a:xfrm>
           <a:prstGeom prst="rect">
             <a:avLst/>
@@ -8115,25 +11611,26 @@
                   <a:srgbClr val="404040"/>
                 </a:solidFill>
                 <a:latin typeface="Ubuntu"/>
+                <a:ea typeface="DejaVu Sans"/>
               </a:rPr>
               <a:t>Grupos de clientes</a:t>
             </a:r>
             <a:endParaRPr b="0" lang="pt-BR" sz="2800" spc="-1" strike="noStrike">
-              <a:latin typeface="Ubuntu"/>
-            </a:endParaRPr>
-          </a:p>
-        </p:txBody>
-      </p:sp>
-      <p:sp>
-        <p:nvSpPr>
-          <p:cNvPr id="96" name="CustomShape 2"/>
+              <a:latin typeface="Arial"/>
+            </a:endParaRPr>
+          </a:p>
+        </p:txBody>
+      </p:sp>
+      <p:sp>
+        <p:nvSpPr>
+          <p:cNvPr id="179" name="CustomShape 2"/>
           <p:cNvSpPr/>
           <p:nvPr/>
         </p:nvSpPr>
         <p:spPr>
           <a:xfrm>
             <a:off x="576000" y="2250360"/>
-            <a:ext cx="2879640" cy="1133280"/>
+            <a:ext cx="2879280" cy="1132920"/>
           </a:xfrm>
           <a:prstGeom prst="rect">
             <a:avLst/>
@@ -8239,14 +11736,14 @@
       </p:sp>
       <p:sp>
         <p:nvSpPr>
-          <p:cNvPr id="97" name="CustomShape 3"/>
+          <p:cNvPr id="180" name="CustomShape 3"/>
           <p:cNvSpPr/>
           <p:nvPr/>
         </p:nvSpPr>
         <p:spPr>
           <a:xfrm>
             <a:off x="4644000" y="2250360"/>
-            <a:ext cx="2879640" cy="1133280"/>
+            <a:ext cx="2879280" cy="1132920"/>
           </a:xfrm>
           <a:prstGeom prst="rect">
             <a:avLst/>
@@ -8352,14 +11849,14 @@
       </p:sp>
       <p:sp>
         <p:nvSpPr>
-          <p:cNvPr id="98" name="CustomShape 4"/>
+          <p:cNvPr id="181" name="CustomShape 4"/>
           <p:cNvSpPr/>
           <p:nvPr/>
         </p:nvSpPr>
         <p:spPr>
           <a:xfrm>
             <a:off x="8712000" y="2250360"/>
-            <a:ext cx="2879640" cy="1133280"/>
+            <a:ext cx="2879280" cy="1132920"/>
           </a:xfrm>
           <a:prstGeom prst="rect">
             <a:avLst/>
@@ -8465,14 +11962,14 @@
       </p:sp>
       <p:sp>
         <p:nvSpPr>
-          <p:cNvPr id="99" name="CustomShape 5"/>
+          <p:cNvPr id="182" name="CustomShape 5"/>
           <p:cNvSpPr/>
           <p:nvPr/>
         </p:nvSpPr>
         <p:spPr>
           <a:xfrm>
             <a:off x="1944000" y="4698360"/>
-            <a:ext cx="2879640" cy="1133280"/>
+            <a:ext cx="2879280" cy="1132920"/>
           </a:xfrm>
           <a:prstGeom prst="rect">
             <a:avLst/>
@@ -8578,14 +12075,14 @@
       </p:sp>
       <p:sp>
         <p:nvSpPr>
-          <p:cNvPr id="100" name="CustomShape 6"/>
+          <p:cNvPr id="183" name="CustomShape 6"/>
           <p:cNvSpPr/>
           <p:nvPr/>
         </p:nvSpPr>
         <p:spPr>
           <a:xfrm>
             <a:off x="6480000" y="4698360"/>
-            <a:ext cx="2879640" cy="1133280"/>
+            <a:ext cx="2879280" cy="1132920"/>
           </a:xfrm>
           <a:prstGeom prst="rect">
             <a:avLst/>
@@ -8721,14 +12218,14 @@
       </p:grpSpPr>
       <p:sp>
         <p:nvSpPr>
-          <p:cNvPr id="101" name="CustomShape 1"/>
+          <p:cNvPr id="184" name="CustomShape 1"/>
           <p:cNvSpPr/>
           <p:nvPr/>
         </p:nvSpPr>
         <p:spPr>
           <a:xfrm>
             <a:off x="581040" y="702360"/>
-            <a:ext cx="11028960" cy="1188000"/>
+            <a:ext cx="11028600" cy="1187640"/>
           </a:xfrm>
           <a:prstGeom prst="rect">
             <a:avLst/>
@@ -8760,25 +12257,26 @@
                   <a:srgbClr val="404040"/>
                 </a:solidFill>
                 <a:latin typeface="Ubuntu"/>
-              </a:rPr>
-              <a:t>Grupos de clientes</a:t>
+                <a:ea typeface="DejaVu Sans"/>
+              </a:rPr>
+              <a:t>PERFIS</a:t>
             </a:r>
             <a:endParaRPr b="0" lang="pt-BR" sz="2800" spc="-1" strike="noStrike">
-              <a:latin typeface="Ubuntu"/>
-            </a:endParaRPr>
-          </a:p>
-        </p:txBody>
-      </p:sp>
-      <p:sp>
-        <p:nvSpPr>
-          <p:cNvPr id="102" name="CustomShape 2"/>
+              <a:latin typeface="Arial"/>
+            </a:endParaRPr>
+          </a:p>
+        </p:txBody>
+      </p:sp>
+      <p:sp>
+        <p:nvSpPr>
+          <p:cNvPr id="185" name="CustomShape 2"/>
           <p:cNvSpPr/>
           <p:nvPr/>
         </p:nvSpPr>
         <p:spPr>
           <a:xfrm>
             <a:off x="581040" y="2340720"/>
-            <a:ext cx="11028960" cy="3633840"/>
+            <a:ext cx="11028600" cy="3633480"/>
           </a:xfrm>
           <a:prstGeom prst="rect">
             <a:avLst/>
@@ -8799,7 +12297,7 @@
             <a:noAutofit/>
           </a:bodyPr>
           <a:p>
-            <a:pPr marL="306000" indent="-305280">
+            <a:pPr marL="306000" indent="-304920">
               <a:lnSpc>
                 <a:spcPct val="110000"/>
               </a:lnSpc>
@@ -8822,42 +12320,16 @@
                   <a:srgbClr val="404040"/>
                 </a:solidFill>
                 <a:latin typeface="Ubuntu"/>
-              </a:rPr>
-              <a:t>Clientes do grupo com menor renda média são os mais sensíveis aos produtos premium. </a:t>
-            </a:r>
-            <a:r>
-              <a:rPr b="0" lang="pt-BR" sz="2000" spc="-1" strike="noStrike">
-                <a:solidFill>
-                  <a:srgbClr val="404040"/>
-                </a:solidFill>
-                <a:latin typeface="Ubuntu"/>
-              </a:rPr>
-              <a:t>Por outro lado, os clientes com maior renda possuem pouca vontade de consumir produtos </a:t>
-            </a:r>
-            <a:r>
-              <a:rPr b="0" lang="pt-BR" sz="2000" spc="-1" strike="noStrike">
-                <a:solidFill>
-                  <a:srgbClr val="404040"/>
-                </a:solidFill>
-                <a:latin typeface="Ubuntu"/>
-              </a:rPr>
-              <a:t>premium. A categoria destes produtos parece afetar mais o emocional do grupo de menor </a:t>
-            </a:r>
-            <a:r>
-              <a:rPr b="0" lang="pt-BR" sz="2000" spc="-1" strike="noStrike">
-                <a:solidFill>
-                  <a:srgbClr val="404040"/>
-                </a:solidFill>
-                <a:latin typeface="Ubuntu"/>
-              </a:rPr>
-              <a:t>renda, talvez algo relacionado com a cultura do local.</a:t>
+                <a:ea typeface="DejaVu Sans"/>
+              </a:rPr>
+              <a:t>Clientes do grupo com menor renda média são os mais sensíveis aos produtos premium. Por outro lado, os clientes com maior renda possuem pouca vontade de consumir produtos premium. A categoria destes produtos parece afetar mais o emocional do grupo de menor renda, talvez algo relacionado com a cultura do local.</a:t>
             </a:r>
             <a:endParaRPr b="0" lang="pt-BR" sz="2000" spc="-1" strike="noStrike">
-              <a:latin typeface="Ubuntu"/>
-            </a:endParaRPr>
-          </a:p>
-          <a:p>
-            <a:pPr marL="306000" indent="-305280">
+              <a:latin typeface="Arial"/>
+            </a:endParaRPr>
+          </a:p>
+          <a:p>
+            <a:pPr marL="306000" indent="-304920">
               <a:lnSpc>
                 <a:spcPct val="110000"/>
               </a:lnSpc>
@@ -8880,24 +12352,16 @@
                   <a:srgbClr val="404040"/>
                 </a:solidFill>
                 <a:latin typeface="Ubuntu"/>
-              </a:rPr>
-              <a:t>Vinho é um produto sempre bem recebido em qualquer grupo. Sua menor participação na </a:t>
-            </a:r>
-            <a:r>
-              <a:rPr b="0" lang="pt-BR" sz="2000" spc="-1" strike="noStrike">
-                <a:solidFill>
-                  <a:srgbClr val="404040"/>
-                </a:solidFill>
-                <a:latin typeface="Ubuntu"/>
-              </a:rPr>
-              <a:t>fatia é para o grupo 1, com 28%.</a:t>
+                <a:ea typeface="DejaVu Sans"/>
+              </a:rPr>
+              <a:t>Vinho é um produto sempre bem recebido em qualquer grupo. Sua menor participação na fatia é para o grupo 1, com 28%.</a:t>
             </a:r>
             <a:endParaRPr b="0" lang="pt-BR" sz="2000" spc="-1" strike="noStrike">
-              <a:latin typeface="Ubuntu"/>
-            </a:endParaRPr>
-          </a:p>
-          <a:p>
-            <a:pPr marL="306000" indent="-305280">
+              <a:latin typeface="Arial"/>
+            </a:endParaRPr>
+          </a:p>
+          <a:p>
+            <a:pPr marL="306000" indent="-304920">
               <a:lnSpc>
                 <a:spcPct val="110000"/>
               </a:lnSpc>
@@ -8920,15 +12384,16 @@
                   <a:srgbClr val="404040"/>
                 </a:solidFill>
                 <a:latin typeface="Ubuntu"/>
+                <a:ea typeface="DejaVu Sans"/>
               </a:rPr>
               <a:t>Peixes, frutas e doces são produtos pouco consumidos.</a:t>
             </a:r>
             <a:endParaRPr b="0" lang="pt-BR" sz="2000" spc="-1" strike="noStrike">
-              <a:latin typeface="Ubuntu"/>
-            </a:endParaRPr>
-          </a:p>
-          <a:p>
-            <a:pPr marL="306000" indent="-305280">
+              <a:latin typeface="Arial"/>
+            </a:endParaRPr>
+          </a:p>
+          <a:p>
+            <a:pPr marL="306000" indent="-304920">
               <a:lnSpc>
                 <a:spcPct val="110000"/>
               </a:lnSpc>
@@ -8951,20 +12416,12 @@
                   <a:srgbClr val="404040"/>
                 </a:solidFill>
                 <a:latin typeface="Ubuntu"/>
-              </a:rPr>
-              <a:t>O grupo 1 tende a consumir de forma menos concentrada um determinado tipo de </a:t>
-            </a:r>
-            <a:r>
-              <a:rPr b="0" lang="pt-BR" sz="2000" spc="-1" strike="noStrike">
-                <a:solidFill>
-                  <a:srgbClr val="404040"/>
-                </a:solidFill>
-                <a:latin typeface="Ubuntu"/>
-              </a:rPr>
-              <a:t>produto, variando as suas compras.</a:t>
+                <a:ea typeface="DejaVu Sans"/>
+              </a:rPr>
+              <a:t>O grupo 1 tende a consumir de forma menos concentrada um determinado tipo de produto, variando as suas compras.</a:t>
             </a:r>
             <a:endParaRPr b="0" lang="pt-BR" sz="2000" spc="-1" strike="noStrike">
-              <a:latin typeface="Ubuntu"/>
+              <a:latin typeface="Arial"/>
             </a:endParaRPr>
           </a:p>
         </p:txBody>
@@ -9001,14 +12458,14 @@
       </p:grpSpPr>
       <p:sp>
         <p:nvSpPr>
-          <p:cNvPr id="103" name="CustomShape 1"/>
+          <p:cNvPr id="186" name="CustomShape 1"/>
           <p:cNvSpPr/>
           <p:nvPr/>
         </p:nvSpPr>
         <p:spPr>
           <a:xfrm>
-            <a:off x="581040" y="702000"/>
-            <a:ext cx="11028960" cy="1188000"/>
+            <a:off x="581040" y="702360"/>
+            <a:ext cx="11028600" cy="1187640"/>
           </a:xfrm>
           <a:prstGeom prst="rect">
             <a:avLst/>
@@ -9025,7 +12482,7 @@
           <a:fontRef idx="minor"/>
         </p:style>
         <p:txBody>
-          <a:bodyPr lIns="90000" rIns="90000" tIns="45000" bIns="45000" anchor="b">
+          <a:bodyPr lIns="0" rIns="0" tIns="0" bIns="0" anchor="ctr">
             <a:noAutofit/>
           </a:bodyPr>
           <a:p>
@@ -9039,7 +12496,1185 @@
                 <a:solidFill>
                   <a:srgbClr val="404040"/>
                 </a:solidFill>
+                <a:latin typeface="Ubuntu"/>
+                <a:ea typeface="DejaVu Sans"/>
+              </a:rPr>
+              <a:t>PERFIS</a:t>
+            </a:r>
+            <a:endParaRPr b="0" lang="pt-BR" sz="2800" spc="-1" strike="noStrike">
+              <a:latin typeface="Arial"/>
+            </a:endParaRPr>
+          </a:p>
+        </p:txBody>
+      </p:sp>
+      <p:sp>
+        <p:nvSpPr>
+          <p:cNvPr id="187" name="CustomShape 2"/>
+          <p:cNvSpPr/>
+          <p:nvPr/>
+        </p:nvSpPr>
+        <p:spPr>
+          <a:xfrm>
+            <a:off x="581040" y="2340720"/>
+            <a:ext cx="11028600" cy="3633480"/>
+          </a:xfrm>
+          <a:prstGeom prst="rect">
+            <a:avLst/>
+          </a:prstGeom>
+          <a:noFill/>
+          <a:ln>
+            <a:noFill/>
+          </a:ln>
+        </p:spPr>
+        <p:style>
+          <a:lnRef idx="0"/>
+          <a:fillRef idx="0"/>
+          <a:effectRef idx="0"/>
+          <a:fontRef idx="minor"/>
+        </p:style>
+        <p:txBody>
+          <a:bodyPr lIns="90000" rIns="90000" tIns="45000" bIns="45000" anchor="ctr">
+            <a:noAutofit/>
+          </a:bodyPr>
+          <a:p>
+            <a:pPr marL="306000" indent="-304920">
+              <a:lnSpc>
+                <a:spcPct val="110000"/>
+              </a:lnSpc>
+              <a:spcBef>
+                <a:spcPts val="340"/>
+              </a:spcBef>
+              <a:spcAft>
+                <a:spcPts val="601"/>
+              </a:spcAft>
+              <a:buClr>
+                <a:srgbClr val="1cade4"/>
+              </a:buClr>
+              <a:buSzPct val="92000"/>
+              <a:buFont typeface="Wingdings 2" charset="2"/>
+              <a:buChar char=""/>
+            </a:pPr>
+            <a:r>
+              <a:rPr b="0" lang="pt-BR" sz="2000" spc="-1" strike="noStrike">
+                <a:solidFill>
+                  <a:srgbClr val="404040"/>
+                </a:solidFill>
+                <a:latin typeface="Ubuntu"/>
+                <a:ea typeface="DejaVu Sans"/>
+              </a:rPr>
+              <a:t>O grupo de maior </a:t>
+            </a:r>
+            <a:r>
+              <a:rPr b="0" lang="pt-BR" sz="2000" spc="-1" strike="noStrike">
+                <a:solidFill>
+                  <a:srgbClr val="404040"/>
+                </a:solidFill>
+                <a:latin typeface="Ubuntu"/>
+                <a:ea typeface="DejaVu Sans"/>
+              </a:rPr>
+              <a:t>renda é pouco </a:t>
+            </a:r>
+            <a:r>
+              <a:rPr b="0" lang="pt-BR" sz="2000" spc="-1" strike="noStrike">
+                <a:solidFill>
+                  <a:srgbClr val="404040"/>
+                </a:solidFill>
+                <a:latin typeface="Ubuntu"/>
+                <a:ea typeface="DejaVu Sans"/>
+              </a:rPr>
+              <a:t>sensível às </a:t>
+            </a:r>
+            <a:r>
+              <a:rPr b="0" lang="pt-BR" sz="2000" spc="-1" strike="noStrike">
+                <a:solidFill>
+                  <a:srgbClr val="404040"/>
+                </a:solidFill>
+                <a:latin typeface="Ubuntu"/>
+                <a:ea typeface="DejaVu Sans"/>
+              </a:rPr>
+              <a:t>promoções, </a:t>
+            </a:r>
+            <a:r>
+              <a:rPr b="0" lang="pt-BR" sz="2000" spc="-1" strike="noStrike">
+                <a:solidFill>
+                  <a:srgbClr val="404040"/>
+                </a:solidFill>
+                <a:latin typeface="Ubuntu"/>
+                <a:ea typeface="DejaVu Sans"/>
+              </a:rPr>
+              <a:t>comprando </a:t>
+            </a:r>
+            <a:r>
+              <a:rPr b="0" lang="pt-BR" sz="2000" spc="-1" strike="noStrike">
+                <a:solidFill>
+                  <a:srgbClr val="404040"/>
+                </a:solidFill>
+                <a:latin typeface="Ubuntu"/>
+                <a:ea typeface="DejaVu Sans"/>
+              </a:rPr>
+              <a:t>preferencialmente </a:t>
+            </a:r>
+            <a:r>
+              <a:rPr b="0" lang="pt-BR" sz="2000" spc="-1" strike="noStrike">
+                <a:solidFill>
+                  <a:srgbClr val="404040"/>
+                </a:solidFill>
+                <a:latin typeface="Ubuntu"/>
+                <a:ea typeface="DejaVu Sans"/>
+              </a:rPr>
+              <a:t>nas lojas (1º lugar) </a:t>
+            </a:r>
+            <a:r>
+              <a:rPr b="0" lang="pt-BR" sz="2000" spc="-1" strike="noStrike">
+                <a:solidFill>
+                  <a:srgbClr val="404040"/>
+                </a:solidFill>
+                <a:latin typeface="Ubuntu"/>
+                <a:ea typeface="DejaVu Sans"/>
+              </a:rPr>
+              <a:t>ou online (2º lugar).</a:t>
+            </a:r>
+            <a:endParaRPr b="0" lang="pt-BR" sz="2000" spc="-1" strike="noStrike">
+              <a:latin typeface="Arial"/>
+            </a:endParaRPr>
+          </a:p>
+          <a:p>
+            <a:pPr marL="306000" indent="-304920">
+              <a:lnSpc>
+                <a:spcPct val="110000"/>
+              </a:lnSpc>
+              <a:spcBef>
+                <a:spcPts val="340"/>
+              </a:spcBef>
+              <a:spcAft>
+                <a:spcPts val="601"/>
+              </a:spcAft>
+              <a:buClr>
+                <a:srgbClr val="1cade4"/>
+              </a:buClr>
+              <a:buSzPct val="92000"/>
+              <a:buFont typeface="Wingdings 2" charset="2"/>
+              <a:buChar char=""/>
+            </a:pPr>
+            <a:r>
+              <a:rPr b="0" lang="pt-BR" sz="2000" spc="-1" strike="noStrike">
+                <a:solidFill>
+                  <a:srgbClr val="404040"/>
+                </a:solidFill>
+                <a:latin typeface="Ubuntu"/>
+                <a:ea typeface="DejaVu Sans"/>
+              </a:rPr>
+              <a:t>Vendas por catálogo </a:t>
+            </a:r>
+            <a:r>
+              <a:rPr b="0" lang="pt-BR" sz="2000" spc="-1" strike="noStrike">
+                <a:solidFill>
+                  <a:srgbClr val="404040"/>
+                </a:solidFill>
+                <a:latin typeface="Ubuntu"/>
+                <a:ea typeface="DejaVu Sans"/>
+              </a:rPr>
+              <a:t>são relevantes </a:t>
+            </a:r>
+            <a:r>
+              <a:rPr b="0" lang="pt-BR" sz="2000" spc="-1" strike="noStrike">
+                <a:solidFill>
+                  <a:srgbClr val="404040"/>
+                </a:solidFill>
+                <a:latin typeface="Ubuntu"/>
+                <a:ea typeface="DejaVu Sans"/>
+              </a:rPr>
+              <a:t>apenas para o grupo </a:t>
+            </a:r>
+            <a:r>
+              <a:rPr b="0" lang="pt-BR" sz="2000" spc="-1" strike="noStrike">
+                <a:solidFill>
+                  <a:srgbClr val="404040"/>
+                </a:solidFill>
+                <a:latin typeface="Ubuntu"/>
+                <a:ea typeface="DejaVu Sans"/>
+              </a:rPr>
+              <a:t>de maior renda.</a:t>
+            </a:r>
+            <a:endParaRPr b="0" lang="pt-BR" sz="2000" spc="-1" strike="noStrike">
+              <a:latin typeface="Arial"/>
+            </a:endParaRPr>
+          </a:p>
+          <a:p>
+            <a:pPr marL="306000" indent="-304920">
+              <a:lnSpc>
+                <a:spcPct val="110000"/>
+              </a:lnSpc>
+              <a:spcBef>
+                <a:spcPts val="340"/>
+              </a:spcBef>
+              <a:spcAft>
+                <a:spcPts val="601"/>
+              </a:spcAft>
+              <a:buClr>
+                <a:srgbClr val="1cade4"/>
+              </a:buClr>
+              <a:buSzPct val="92000"/>
+              <a:buFont typeface="Wingdings 2" charset="2"/>
+              <a:buChar char=""/>
+            </a:pPr>
+            <a:r>
+              <a:rPr b="0" lang="pt-BR" sz="2000" spc="-1" strike="noStrike">
+                <a:solidFill>
+                  <a:srgbClr val="404040"/>
+                </a:solidFill>
+                <a:latin typeface="Ubuntu"/>
+                <a:ea typeface="DejaVu Sans"/>
+              </a:rPr>
+              <a:t>De modo geral, </a:t>
+            </a:r>
+            <a:r>
+              <a:rPr b="0" lang="pt-BR" sz="2000" spc="-1" strike="noStrike">
+                <a:solidFill>
+                  <a:srgbClr val="404040"/>
+                </a:solidFill>
+                <a:latin typeface="Ubuntu"/>
+                <a:ea typeface="DejaVu Sans"/>
+              </a:rPr>
+              <a:t>clientes que </a:t>
+            </a:r>
+            <a:r>
+              <a:rPr b="0" lang="pt-BR" sz="2000" spc="-1" strike="noStrike">
+                <a:solidFill>
+                  <a:srgbClr val="404040"/>
+                </a:solidFill>
+                <a:latin typeface="Ubuntu"/>
+                <a:ea typeface="DejaVu Sans"/>
+              </a:rPr>
+              <a:t>compram na loja </a:t>
+            </a:r>
+            <a:r>
+              <a:rPr b="0" lang="pt-BR" sz="2000" spc="-1" strike="noStrike">
+                <a:solidFill>
+                  <a:srgbClr val="404040"/>
+                </a:solidFill>
+                <a:latin typeface="Ubuntu"/>
+                <a:ea typeface="DejaVu Sans"/>
+              </a:rPr>
+              <a:t>também compram </a:t>
+            </a:r>
+            <a:r>
+              <a:rPr b="0" lang="pt-BR" sz="2000" spc="-1" strike="noStrike">
+                <a:solidFill>
+                  <a:srgbClr val="404040"/>
+                </a:solidFill>
+                <a:latin typeface="Ubuntu"/>
+                <a:ea typeface="DejaVu Sans"/>
+              </a:rPr>
+              <a:t>pela internet.</a:t>
+            </a:r>
+            <a:endParaRPr b="0" lang="pt-BR" sz="2000" spc="-1" strike="noStrike">
+              <a:latin typeface="Arial"/>
+            </a:endParaRPr>
+          </a:p>
+          <a:p>
+            <a:pPr marL="306000" indent="-304920">
+              <a:lnSpc>
+                <a:spcPct val="110000"/>
+              </a:lnSpc>
+              <a:spcBef>
+                <a:spcPts val="340"/>
+              </a:spcBef>
+              <a:spcAft>
+                <a:spcPts val="601"/>
+              </a:spcAft>
+              <a:buClr>
+                <a:srgbClr val="1cade4"/>
+              </a:buClr>
+              <a:buSzPct val="92000"/>
+              <a:buFont typeface="Wingdings 2" charset="2"/>
+              <a:buChar char=""/>
+            </a:pPr>
+            <a:r>
+              <a:rPr b="0" lang="pt-BR" sz="2000" spc="-1" strike="noStrike">
+                <a:solidFill>
+                  <a:srgbClr val="404040"/>
+                </a:solidFill>
+                <a:latin typeface="Ubuntu"/>
+                <a:ea typeface="DejaVu Sans"/>
+              </a:rPr>
+              <a:t>O grupo de maior </a:t>
+            </a:r>
+            <a:r>
+              <a:rPr b="0" lang="pt-BR" sz="2000" spc="-1" strike="noStrike">
+                <a:solidFill>
+                  <a:srgbClr val="404040"/>
+                </a:solidFill>
+                <a:latin typeface="Ubuntu"/>
+                <a:ea typeface="DejaVu Sans"/>
+              </a:rPr>
+              <a:t>renda é o que mais </a:t>
+            </a:r>
+            <a:r>
+              <a:rPr b="0" lang="pt-BR" sz="2000" spc="-1" strike="noStrike">
+                <a:solidFill>
+                  <a:srgbClr val="404040"/>
+                </a:solidFill>
+                <a:latin typeface="Ubuntu"/>
+                <a:ea typeface="DejaVu Sans"/>
+              </a:rPr>
+              <a:t>responde </a:t>
+            </a:r>
+            <a:r>
+              <a:rPr b="0" lang="pt-BR" sz="2000" spc="-1" strike="noStrike">
+                <a:solidFill>
+                  <a:srgbClr val="404040"/>
+                </a:solidFill>
+                <a:latin typeface="Ubuntu"/>
+                <a:ea typeface="DejaVu Sans"/>
+              </a:rPr>
+              <a:t>positivamente às </a:t>
+            </a:r>
+            <a:r>
+              <a:rPr b="0" lang="pt-BR" sz="2000" spc="-1" strike="noStrike">
+                <a:solidFill>
+                  <a:srgbClr val="404040"/>
+                </a:solidFill>
+                <a:latin typeface="Ubuntu"/>
+                <a:ea typeface="DejaVu Sans"/>
+              </a:rPr>
+              <a:t>campanhas de </a:t>
+            </a:r>
+            <a:r>
+              <a:rPr b="0" lang="pt-BR" sz="2000" spc="-1" strike="noStrike">
+                <a:solidFill>
+                  <a:srgbClr val="404040"/>
+                </a:solidFill>
+                <a:latin typeface="Ubuntu"/>
+                <a:ea typeface="DejaVu Sans"/>
+              </a:rPr>
+              <a:t>marketing.</a:t>
+            </a:r>
+            <a:endParaRPr b="0" lang="pt-BR" sz="2000" spc="-1" strike="noStrike">
+              <a:latin typeface="Arial"/>
+            </a:endParaRPr>
+          </a:p>
+          <a:p>
+            <a:pPr marL="306000" indent="-304920">
+              <a:lnSpc>
+                <a:spcPct val="110000"/>
+              </a:lnSpc>
+              <a:spcBef>
+                <a:spcPts val="340"/>
+              </a:spcBef>
+              <a:spcAft>
+                <a:spcPts val="601"/>
+              </a:spcAft>
+              <a:buClr>
+                <a:srgbClr val="1cade4"/>
+              </a:buClr>
+              <a:buSzPct val="92000"/>
+              <a:buFont typeface="Wingdings 2" charset="2"/>
+              <a:buChar char=""/>
+            </a:pPr>
+            <a:r>
+              <a:rPr b="0" lang="pt-BR" sz="2000" spc="-1" strike="noStrike">
+                <a:solidFill>
+                  <a:srgbClr val="404040"/>
+                </a:solidFill>
+                <a:latin typeface="Ubuntu"/>
+                <a:ea typeface="DejaVu Sans"/>
+              </a:rPr>
+              <a:t>A forma de compra </a:t>
+            </a:r>
+            <a:r>
+              <a:rPr b="0" lang="pt-BR" sz="2000" spc="-1" strike="noStrike">
+                <a:solidFill>
+                  <a:srgbClr val="404040"/>
+                </a:solidFill>
+                <a:latin typeface="Ubuntu"/>
+                <a:ea typeface="DejaVu Sans"/>
+              </a:rPr>
+              <a:t>não parece </a:t>
+            </a:r>
+            <a:r>
+              <a:rPr b="0" lang="pt-BR" sz="2000" spc="-1" strike="noStrike">
+                <a:solidFill>
+                  <a:srgbClr val="404040"/>
+                </a:solidFill>
+                <a:latin typeface="Ubuntu"/>
+                <a:ea typeface="DejaVu Sans"/>
+              </a:rPr>
+              <a:t>representar um </a:t>
+            </a:r>
+            <a:r>
+              <a:rPr b="0" lang="pt-BR" sz="2000" spc="-1" strike="noStrike">
+                <a:solidFill>
+                  <a:srgbClr val="404040"/>
+                </a:solidFill>
+                <a:latin typeface="Ubuntu"/>
+                <a:ea typeface="DejaVu Sans"/>
+              </a:rPr>
+              <a:t>fator decisivo para a </a:t>
+            </a:r>
+            <a:r>
+              <a:rPr b="0" lang="pt-BR" sz="2000" spc="-1" strike="noStrike">
+                <a:solidFill>
+                  <a:srgbClr val="404040"/>
+                </a:solidFill>
+                <a:latin typeface="Ubuntu"/>
+                <a:ea typeface="DejaVu Sans"/>
+              </a:rPr>
+              <a:t>escolha do cliente, </a:t>
+            </a:r>
+            <a:r>
+              <a:rPr b="0" lang="pt-BR" sz="2000" spc="-1" strike="noStrike">
+                <a:solidFill>
+                  <a:srgbClr val="404040"/>
+                </a:solidFill>
+                <a:latin typeface="Ubuntu"/>
+                <a:ea typeface="DejaVu Sans"/>
+              </a:rPr>
+              <a:t>quando ele deseja </a:t>
+            </a:r>
+            <a:r>
+              <a:rPr b="0" lang="pt-BR" sz="2000" spc="-1" strike="noStrike">
+                <a:solidFill>
+                  <a:srgbClr val="404040"/>
+                </a:solidFill>
+                <a:latin typeface="Ubuntu"/>
+                <a:ea typeface="DejaVu Sans"/>
+              </a:rPr>
+              <a:t>um produto, utiliza </a:t>
+            </a:r>
+            <a:r>
+              <a:rPr b="0" lang="pt-BR" sz="2000" spc="-1" strike="noStrike">
+                <a:solidFill>
+                  <a:srgbClr val="404040"/>
+                </a:solidFill>
+                <a:latin typeface="Ubuntu"/>
+                <a:ea typeface="DejaVu Sans"/>
+              </a:rPr>
+              <a:t>os meios </a:t>
+            </a:r>
+            <a:r>
+              <a:rPr b="0" lang="pt-BR" sz="2000" spc="-1" strike="noStrike">
+                <a:solidFill>
+                  <a:srgbClr val="404040"/>
+                </a:solidFill>
+                <a:latin typeface="Ubuntu"/>
+                <a:ea typeface="DejaVu Sans"/>
+              </a:rPr>
+              <a:t>disponíveis. Não </a:t>
+            </a:r>
+            <a:r>
+              <a:rPr b="0" lang="pt-BR" sz="2000" spc="-1" strike="noStrike">
+                <a:solidFill>
+                  <a:srgbClr val="404040"/>
+                </a:solidFill>
+                <a:latin typeface="Ubuntu"/>
+                <a:ea typeface="DejaVu Sans"/>
+              </a:rPr>
+              <a:t>seria eficiente focar </a:t>
+            </a:r>
+            <a:r>
+              <a:rPr b="0" lang="pt-BR" sz="2000" spc="-1" strike="noStrike">
+                <a:solidFill>
+                  <a:srgbClr val="404040"/>
+                </a:solidFill>
+                <a:latin typeface="Ubuntu"/>
+                <a:ea typeface="DejaVu Sans"/>
+              </a:rPr>
+              <a:t>neste ponto para </a:t>
+            </a:r>
+            <a:r>
+              <a:rPr b="0" lang="pt-BR" sz="2000" spc="-1" strike="noStrike">
+                <a:solidFill>
+                  <a:srgbClr val="404040"/>
+                </a:solidFill>
+                <a:latin typeface="Ubuntu"/>
+                <a:ea typeface="DejaVu Sans"/>
+              </a:rPr>
+              <a:t>campanhas.</a:t>
+            </a:r>
+            <a:endParaRPr b="0" lang="pt-BR" sz="2000" spc="-1" strike="noStrike">
+              <a:latin typeface="Arial"/>
+            </a:endParaRPr>
+          </a:p>
+        </p:txBody>
+      </p:sp>
+    </p:spTree>
+  </p:cSld>
+  <mc:AlternateContent>
+    <mc:Choice Requires="p14">
+      <p:transition spd="slow" p14:dur="2000"/>
+    </mc:Choice>
+    <mc:Fallback>
+      <p:transition spd="slow"/>
+    </mc:Fallback>
+  </mc:AlternateContent>
+</p:sld>
+</file>
+
+<file path=ppt/slides/slide7.xml><?xml version="1.0" encoding="utf-8"?>
+<p:sld xmlns:a="http://schemas.openxmlformats.org/drawingml/2006/main" xmlns:p="http://schemas.openxmlformats.org/presentationml/2006/main" xmlns:r="http://schemas.openxmlformats.org/officeDocument/2006/relationships" xmlns:p14="http://schemas.microsoft.com/office/powerpoint/2010/main" xmlns:p15="http://schemas.microsoft.com/office/powerpoint/2012/main" xmlns:mc="http://schemas.openxmlformats.org/markup-compatibility/2006">
+  <p:cSld>
+    <p:spTree>
+      <p:nvGrpSpPr>
+        <p:cNvPr id="1" name=""/>
+        <p:cNvGrpSpPr/>
+        <p:nvPr/>
+      </p:nvGrpSpPr>
+      <p:grpSpPr>
+        <a:xfrm>
+          <a:off x="0" y="0"/>
+          <a:ext cx="0" cy="0"/>
+          <a:chOff x="0" y="0"/>
+          <a:chExt cx="0" cy="0"/>
+        </a:xfrm>
+      </p:grpSpPr>
+      <p:sp>
+        <p:nvSpPr>
+          <p:cNvPr id="188" name="CustomShape 1"/>
+          <p:cNvSpPr/>
+          <p:nvPr/>
+        </p:nvSpPr>
+        <p:spPr>
+          <a:xfrm>
+            <a:off x="581040" y="702000"/>
+            <a:ext cx="11028600" cy="1187640"/>
+          </a:xfrm>
+          <a:prstGeom prst="rect">
+            <a:avLst/>
+          </a:prstGeom>
+          <a:noFill/>
+          <a:ln>
+            <a:noFill/>
+          </a:ln>
+        </p:spPr>
+        <p:style>
+          <a:lnRef idx="0"/>
+          <a:fillRef idx="0"/>
+          <a:effectRef idx="0"/>
+          <a:fontRef idx="minor"/>
+        </p:style>
+        <p:txBody>
+          <a:bodyPr lIns="0" rIns="0" tIns="0" bIns="0" anchor="ctr">
+            <a:noAutofit/>
+          </a:bodyPr>
+          <a:p>
+            <a:pPr>
+              <a:lnSpc>
+                <a:spcPct val="100000"/>
+              </a:lnSpc>
+            </a:pPr>
+            <a:r>
+              <a:rPr b="0" lang="pt-BR" sz="4400" spc="-1" strike="noStrike">
+                <a:latin typeface="Ubuntu"/>
+              </a:rPr>
+              <a:t>PROPOSTAS</a:t>
+            </a:r>
+            <a:endParaRPr b="0" lang="pt-BR" sz="4400" spc="-1" strike="noStrike">
+              <a:latin typeface="Arial"/>
+            </a:endParaRPr>
+          </a:p>
+        </p:txBody>
+      </p:sp>
+      <p:sp>
+        <p:nvSpPr>
+          <p:cNvPr id="189" name="CustomShape 2"/>
+          <p:cNvSpPr/>
+          <p:nvPr/>
+        </p:nvSpPr>
+        <p:spPr>
+          <a:xfrm>
+            <a:off x="576000" y="3168000"/>
+            <a:ext cx="10972080" cy="3184920"/>
+          </a:xfrm>
+          <a:prstGeom prst="rect">
+            <a:avLst/>
+          </a:prstGeom>
+          <a:noFill/>
+          <a:ln>
+            <a:noFill/>
+          </a:ln>
+        </p:spPr>
+        <p:style>
+          <a:lnRef idx="0"/>
+          <a:fillRef idx="0"/>
+          <a:effectRef idx="0"/>
+          <a:fontRef idx="minor"/>
+        </p:style>
+        <p:txBody>
+          <a:bodyPr lIns="0" rIns="0" tIns="0" bIns="0">
+            <a:normAutofit/>
+          </a:bodyPr>
+          <a:p>
+            <a:pPr marL="432000" indent="-323640">
+              <a:lnSpc>
+                <a:spcPct val="100000"/>
+              </a:lnSpc>
+              <a:spcBef>
+                <a:spcPts val="1417"/>
+              </a:spcBef>
+              <a:buClr>
+                <a:srgbClr val="000000"/>
+              </a:buClr>
+              <a:buSzPct val="45000"/>
+              <a:buFont typeface="Wingdings" charset="2"/>
+              <a:buChar char=""/>
+            </a:pPr>
+            <a:r>
+              <a:rPr b="0" lang="pt-BR" sz="3200" spc="-1" strike="noStrike">
+                <a:solidFill>
+                  <a:srgbClr val="ffffff"/>
+                </a:solidFill>
+                <a:latin typeface="Ubuntu"/>
+              </a:rPr>
+              <a:t>Segm</a:t>
+            </a:r>
+            <a:r>
+              <a:rPr b="0" lang="pt-BR" sz="3200" spc="-1" strike="noStrike">
+                <a:solidFill>
+                  <a:srgbClr val="ffffff"/>
+                </a:solidFill>
+                <a:latin typeface="Ubuntu"/>
+              </a:rPr>
+              <a:t>entar </a:t>
+            </a:r>
+            <a:r>
+              <a:rPr b="0" lang="pt-BR" sz="3200" spc="-1" strike="noStrike">
+                <a:solidFill>
+                  <a:srgbClr val="ffffff"/>
+                </a:solidFill>
+                <a:latin typeface="Ubuntu"/>
+              </a:rPr>
+              <a:t>as </a:t>
+            </a:r>
+            <a:r>
+              <a:rPr b="0" lang="pt-BR" sz="3200" spc="-1" strike="noStrike">
+                <a:solidFill>
+                  <a:srgbClr val="ffffff"/>
+                </a:solidFill>
+                <a:latin typeface="Ubuntu"/>
+              </a:rPr>
+              <a:t>campa</a:t>
+            </a:r>
+            <a:r>
+              <a:rPr b="0" lang="pt-BR" sz="3200" spc="-1" strike="noStrike">
+                <a:solidFill>
+                  <a:srgbClr val="ffffff"/>
+                </a:solidFill>
+                <a:latin typeface="Ubuntu"/>
+              </a:rPr>
+              <a:t>nhas </a:t>
+            </a:r>
+            <a:r>
+              <a:rPr b="0" lang="pt-BR" sz="3200" spc="-1" strike="noStrike">
+                <a:solidFill>
+                  <a:srgbClr val="ffffff"/>
+                </a:solidFill>
+                <a:latin typeface="Ubuntu"/>
+              </a:rPr>
+              <a:t>em </a:t>
+            </a:r>
+            <a:r>
+              <a:rPr b="0" lang="pt-BR" sz="3200" spc="-1" strike="noStrike">
+                <a:solidFill>
+                  <a:srgbClr val="ffffff"/>
+                </a:solidFill>
+                <a:latin typeface="Ubuntu"/>
+              </a:rPr>
+              <a:t>duas, </a:t>
+            </a:r>
+            <a:r>
+              <a:rPr b="0" lang="pt-BR" sz="3200" spc="-1" strike="noStrike">
+                <a:solidFill>
+                  <a:srgbClr val="ffffff"/>
+                </a:solidFill>
+                <a:latin typeface="Ubuntu"/>
+              </a:rPr>
+              <a:t>uma </a:t>
+            </a:r>
+            <a:r>
+              <a:rPr b="0" lang="pt-BR" sz="3200" spc="-1" strike="noStrike">
+                <a:solidFill>
+                  <a:srgbClr val="ffffff"/>
+                </a:solidFill>
+                <a:latin typeface="Ubuntu"/>
+              </a:rPr>
+              <a:t>com </a:t>
+            </a:r>
+            <a:r>
+              <a:rPr b="0" lang="pt-BR" sz="3200" spc="-1" strike="noStrike">
+                <a:solidFill>
+                  <a:srgbClr val="ffffff"/>
+                </a:solidFill>
+                <a:latin typeface="Ubuntu"/>
+              </a:rPr>
+              <a:t>foco </a:t>
+            </a:r>
+            <a:r>
+              <a:rPr b="0" lang="pt-BR" sz="3200" spc="-1" strike="noStrike">
+                <a:solidFill>
+                  <a:srgbClr val="ffffff"/>
+                </a:solidFill>
+                <a:latin typeface="Ubuntu"/>
+              </a:rPr>
+              <a:t>no </a:t>
+            </a:r>
+            <a:r>
+              <a:rPr b="0" lang="pt-BR" sz="3200" spc="-1" strike="noStrike">
+                <a:solidFill>
+                  <a:srgbClr val="ffffff"/>
+                </a:solidFill>
+                <a:latin typeface="Ubuntu"/>
+              </a:rPr>
+              <a:t>grupo </a:t>
+            </a:r>
+            <a:r>
+              <a:rPr b="0" lang="pt-BR" sz="3200" spc="-1" strike="noStrike">
+                <a:solidFill>
+                  <a:srgbClr val="ffffff"/>
+                </a:solidFill>
+                <a:latin typeface="Ubuntu"/>
+              </a:rPr>
+              <a:t>de </a:t>
+            </a:r>
+            <a:r>
+              <a:rPr b="0" lang="pt-BR" sz="3200" spc="-1" strike="noStrike">
+                <a:solidFill>
+                  <a:srgbClr val="ffffff"/>
+                </a:solidFill>
+                <a:latin typeface="Ubuntu"/>
+              </a:rPr>
+              <a:t>baixa </a:t>
+            </a:r>
+            <a:r>
+              <a:rPr b="0" lang="pt-BR" sz="3200" spc="-1" strike="noStrike">
+                <a:solidFill>
+                  <a:srgbClr val="ffffff"/>
+                </a:solidFill>
+                <a:latin typeface="Ubuntu"/>
+              </a:rPr>
+              <a:t>renda </a:t>
+            </a:r>
+            <a:r>
+              <a:rPr b="0" lang="pt-BR" sz="3200" spc="-1" strike="noStrike">
+                <a:solidFill>
+                  <a:srgbClr val="ffffff"/>
+                </a:solidFill>
+                <a:latin typeface="Ubuntu"/>
+              </a:rPr>
+              <a:t>e </a:t>
+            </a:r>
+            <a:r>
+              <a:rPr b="0" lang="pt-BR" sz="3200" spc="-1" strike="noStrike">
+                <a:solidFill>
+                  <a:srgbClr val="ffffff"/>
+                </a:solidFill>
+                <a:latin typeface="Ubuntu"/>
+              </a:rPr>
+              <a:t>outro </a:t>
+            </a:r>
+            <a:r>
+              <a:rPr b="0" lang="pt-BR" sz="3200" spc="-1" strike="noStrike">
+                <a:solidFill>
+                  <a:srgbClr val="ffffff"/>
+                </a:solidFill>
+                <a:latin typeface="Ubuntu"/>
+              </a:rPr>
+              <a:t>com </a:t>
+            </a:r>
+            <a:r>
+              <a:rPr b="0" lang="pt-BR" sz="3200" spc="-1" strike="noStrike">
+                <a:solidFill>
+                  <a:srgbClr val="ffffff"/>
+                </a:solidFill>
+                <a:latin typeface="Ubuntu"/>
+              </a:rPr>
+              <a:t>foco </a:t>
+            </a:r>
+            <a:r>
+              <a:rPr b="0" lang="pt-BR" sz="3200" spc="-1" strike="noStrike">
+                <a:solidFill>
+                  <a:srgbClr val="ffffff"/>
+                </a:solidFill>
+                <a:latin typeface="Ubuntu"/>
+              </a:rPr>
+              <a:t>no </a:t>
+            </a:r>
+            <a:r>
+              <a:rPr b="0" lang="pt-BR" sz="3200" spc="-1" strike="noStrike">
+                <a:solidFill>
+                  <a:srgbClr val="ffffff"/>
+                </a:solidFill>
+                <a:latin typeface="Ubuntu"/>
+              </a:rPr>
+              <a:t>grupo </a:t>
+            </a:r>
+            <a:r>
+              <a:rPr b="0" lang="pt-BR" sz="3200" spc="-1" strike="noStrike">
+                <a:solidFill>
+                  <a:srgbClr val="ffffff"/>
+                </a:solidFill>
+                <a:latin typeface="Ubuntu"/>
+              </a:rPr>
+              <a:t>de </a:t>
+            </a:r>
+            <a:r>
+              <a:rPr b="0" lang="pt-BR" sz="3200" spc="-1" strike="noStrike">
+                <a:solidFill>
+                  <a:srgbClr val="ffffff"/>
+                </a:solidFill>
+                <a:latin typeface="Ubuntu"/>
+              </a:rPr>
+              <a:t>maior </a:t>
+            </a:r>
+            <a:r>
+              <a:rPr b="0" lang="pt-BR" sz="3200" spc="-1" strike="noStrike">
+                <a:solidFill>
+                  <a:srgbClr val="ffffff"/>
+                </a:solidFill>
+                <a:latin typeface="Ubuntu"/>
+              </a:rPr>
+              <a:t>renda.</a:t>
+            </a:r>
+            <a:endParaRPr b="0" lang="pt-BR" sz="3200" spc="-1" strike="noStrike">
+              <a:latin typeface="Arial"/>
+            </a:endParaRPr>
+          </a:p>
+          <a:p>
+            <a:pPr marL="432000" indent="-323640">
+              <a:lnSpc>
+                <a:spcPct val="100000"/>
+              </a:lnSpc>
+              <a:spcBef>
+                <a:spcPts val="1417"/>
+              </a:spcBef>
+              <a:buClr>
+                <a:srgbClr val="000000"/>
+              </a:buClr>
+              <a:buSzPct val="45000"/>
+              <a:buFont typeface="Wingdings" charset="2"/>
+              <a:buChar char=""/>
+            </a:pPr>
+            <a:r>
+              <a:rPr b="0" lang="pt-BR" sz="3200" spc="-1" strike="noStrike">
+                <a:solidFill>
+                  <a:srgbClr val="ffffff"/>
+                </a:solidFill>
+                <a:latin typeface="Ubuntu"/>
+              </a:rPr>
+              <a:t>Vinho </a:t>
+            </a:r>
+            <a:r>
+              <a:rPr b="0" lang="pt-BR" sz="3200" spc="-1" strike="noStrike">
+                <a:solidFill>
+                  <a:srgbClr val="ffffff"/>
+                </a:solidFill>
+                <a:latin typeface="Ubuntu"/>
+              </a:rPr>
+              <a:t>é o </a:t>
+            </a:r>
+            <a:r>
+              <a:rPr b="0" lang="pt-BR" sz="3200" spc="-1" strike="noStrike">
+                <a:solidFill>
+                  <a:srgbClr val="ffffff"/>
+                </a:solidFill>
+                <a:latin typeface="Ubuntu"/>
+              </a:rPr>
+              <a:t>produ</a:t>
+            </a:r>
+            <a:r>
+              <a:rPr b="0" lang="pt-BR" sz="3200" spc="-1" strike="noStrike">
+                <a:solidFill>
+                  <a:srgbClr val="ffffff"/>
+                </a:solidFill>
+                <a:latin typeface="Ubuntu"/>
+              </a:rPr>
+              <a:t>to </a:t>
+            </a:r>
+            <a:r>
+              <a:rPr b="0" lang="pt-BR" sz="3200" spc="-1" strike="noStrike">
+                <a:solidFill>
+                  <a:srgbClr val="ffffff"/>
+                </a:solidFill>
+                <a:latin typeface="Ubuntu"/>
+              </a:rPr>
+              <a:t>mais </a:t>
+            </a:r>
+            <a:r>
+              <a:rPr b="0" lang="pt-BR" sz="3200" spc="-1" strike="noStrike">
+                <a:solidFill>
+                  <a:srgbClr val="ffffff"/>
+                </a:solidFill>
+                <a:latin typeface="Ubuntu"/>
+              </a:rPr>
+              <a:t>consu</a:t>
+            </a:r>
+            <a:r>
+              <a:rPr b="0" lang="pt-BR" sz="3200" spc="-1" strike="noStrike">
+                <a:solidFill>
+                  <a:srgbClr val="ffffff"/>
+                </a:solidFill>
+                <a:latin typeface="Ubuntu"/>
+              </a:rPr>
+              <a:t>mido, </a:t>
+            </a:r>
+            <a:r>
+              <a:rPr b="0" lang="pt-BR" sz="3200" spc="-1" strike="noStrike">
+                <a:solidFill>
+                  <a:srgbClr val="ffffff"/>
+                </a:solidFill>
+                <a:latin typeface="Ubuntu"/>
+              </a:rPr>
+              <a:t>campa</a:t>
+            </a:r>
+            <a:r>
+              <a:rPr b="0" lang="pt-BR" sz="3200" spc="-1" strike="noStrike">
+                <a:solidFill>
+                  <a:srgbClr val="ffffff"/>
+                </a:solidFill>
+                <a:latin typeface="Ubuntu"/>
+              </a:rPr>
+              <a:t>nhas </a:t>
+            </a:r>
+            <a:r>
+              <a:rPr b="0" lang="pt-BR" sz="3200" spc="-1" strike="noStrike">
+                <a:solidFill>
+                  <a:srgbClr val="ffffff"/>
+                </a:solidFill>
+                <a:latin typeface="Ubuntu"/>
+              </a:rPr>
+              <a:t>que o </a:t>
+            </a:r>
+            <a:r>
+              <a:rPr b="0" lang="pt-BR" sz="3200" spc="-1" strike="noStrike">
+                <a:solidFill>
+                  <a:srgbClr val="ffffff"/>
+                </a:solidFill>
+                <a:latin typeface="Ubuntu"/>
+              </a:rPr>
+              <a:t>envolv</a:t>
+            </a:r>
+            <a:r>
+              <a:rPr b="0" lang="pt-BR" sz="3200" spc="-1" strike="noStrike">
+                <a:solidFill>
+                  <a:srgbClr val="ffffff"/>
+                </a:solidFill>
+                <a:latin typeface="Ubuntu"/>
+              </a:rPr>
+              <a:t>am </a:t>
+            </a:r>
+            <a:r>
+              <a:rPr b="0" lang="pt-BR" sz="3200" spc="-1" strike="noStrike">
+                <a:solidFill>
+                  <a:srgbClr val="ffffff"/>
+                </a:solidFill>
+                <a:latin typeface="Ubuntu"/>
+              </a:rPr>
+              <a:t>tende</a:t>
+            </a:r>
+            <a:r>
+              <a:rPr b="0" lang="pt-BR" sz="3200" spc="-1" strike="noStrike">
+                <a:solidFill>
+                  <a:srgbClr val="ffffff"/>
+                </a:solidFill>
+                <a:latin typeface="Ubuntu"/>
+              </a:rPr>
+              <a:t>m a </a:t>
+            </a:r>
+            <a:r>
+              <a:rPr b="0" lang="pt-BR" sz="3200" spc="-1" strike="noStrike">
+                <a:solidFill>
+                  <a:srgbClr val="ffffff"/>
+                </a:solidFill>
+                <a:latin typeface="Ubuntu"/>
+              </a:rPr>
+              <a:t>gerar </a:t>
+            </a:r>
+            <a:r>
+              <a:rPr b="0" lang="pt-BR" sz="3200" spc="-1" strike="noStrike">
+                <a:solidFill>
+                  <a:srgbClr val="ffffff"/>
+                </a:solidFill>
+                <a:latin typeface="Ubuntu"/>
+              </a:rPr>
+              <a:t>mais </a:t>
+            </a:r>
+            <a:r>
+              <a:rPr b="0" lang="pt-BR" sz="3200" spc="-1" strike="noStrike">
+                <a:solidFill>
+                  <a:srgbClr val="ffffff"/>
+                </a:solidFill>
+                <a:latin typeface="Ubuntu"/>
+              </a:rPr>
+              <a:t>retorn</a:t>
+            </a:r>
+            <a:r>
+              <a:rPr b="0" lang="pt-BR" sz="3200" spc="-1" strike="noStrike">
+                <a:solidFill>
+                  <a:srgbClr val="ffffff"/>
+                </a:solidFill>
+                <a:latin typeface="Ubuntu"/>
+              </a:rPr>
+              <a:t>o. </a:t>
+            </a:r>
+            <a:r>
+              <a:rPr b="0" lang="pt-BR" sz="3200" spc="-1" strike="noStrike">
+                <a:solidFill>
+                  <a:srgbClr val="ffffff"/>
+                </a:solidFill>
+                <a:latin typeface="Ubuntu"/>
+              </a:rPr>
+              <a:t>Seria </a:t>
+            </a:r>
+            <a:r>
+              <a:rPr b="0" lang="pt-BR" sz="3200" spc="-1" strike="noStrike">
+                <a:solidFill>
+                  <a:srgbClr val="ffffff"/>
+                </a:solidFill>
+                <a:latin typeface="Ubuntu"/>
+              </a:rPr>
+              <a:t>bom </a:t>
+            </a:r>
+            <a:r>
+              <a:rPr b="0" lang="pt-BR" sz="3200" spc="-1" strike="noStrike">
+                <a:solidFill>
+                  <a:srgbClr val="ffffff"/>
+                </a:solidFill>
+                <a:latin typeface="Ubuntu"/>
+              </a:rPr>
+              <a:t>gerar </a:t>
+            </a:r>
+            <a:r>
+              <a:rPr b="0" lang="pt-BR" sz="3200" spc="-1" strike="noStrike">
+                <a:solidFill>
+                  <a:srgbClr val="ffffff"/>
+                </a:solidFill>
+                <a:latin typeface="Ubuntu"/>
+              </a:rPr>
+              <a:t>engaja</a:t>
+            </a:r>
+            <a:r>
+              <a:rPr b="0" lang="pt-BR" sz="3200" spc="-1" strike="noStrike">
+                <a:solidFill>
+                  <a:srgbClr val="ffffff"/>
+                </a:solidFill>
+                <a:latin typeface="Ubuntu"/>
+              </a:rPr>
+              <a:t>mento </a:t>
+            </a:r>
+            <a:r>
+              <a:rPr b="0" lang="pt-BR" sz="3200" spc="-1" strike="noStrike">
+                <a:solidFill>
+                  <a:srgbClr val="ffffff"/>
+                </a:solidFill>
+                <a:latin typeface="Ubuntu"/>
+              </a:rPr>
+              <a:t>sobre </a:t>
+            </a:r>
+            <a:r>
+              <a:rPr b="0" lang="pt-BR" sz="3200" spc="-1" strike="noStrike">
+                <a:solidFill>
+                  <a:srgbClr val="ffffff"/>
+                </a:solidFill>
+                <a:latin typeface="Ubuntu"/>
+              </a:rPr>
+              <a:t>o </a:t>
+            </a:r>
+            <a:r>
+              <a:rPr b="0" lang="pt-BR" sz="3200" spc="-1" strike="noStrike">
+                <a:solidFill>
+                  <a:srgbClr val="ffffff"/>
+                </a:solidFill>
+                <a:latin typeface="Ubuntu"/>
+              </a:rPr>
+              <a:t>produ</a:t>
+            </a:r>
+            <a:r>
+              <a:rPr b="0" lang="pt-BR" sz="3200" spc="-1" strike="noStrike">
+                <a:solidFill>
+                  <a:srgbClr val="ffffff"/>
+                </a:solidFill>
+                <a:latin typeface="Ubuntu"/>
+              </a:rPr>
+              <a:t>to.</a:t>
+            </a:r>
+            <a:endParaRPr b="0" lang="pt-BR" sz="3200" spc="-1" strike="noStrike">
+              <a:latin typeface="Arial"/>
+            </a:endParaRPr>
+          </a:p>
+        </p:txBody>
+      </p:sp>
+    </p:spTree>
+  </p:cSld>
+  <mc:AlternateContent>
+    <mc:Choice Requires="p14">
+      <p:transition spd="slow" p14:dur="2000"/>
+    </mc:Choice>
+    <mc:Fallback>
+      <p:transition spd="slow"/>
+    </mc:Fallback>
+  </mc:AlternateContent>
+</p:sld>
+</file>
+
+<file path=ppt/slides/slide8.xml><?xml version="1.0" encoding="utf-8"?>
+<p:sld xmlns:a="http://schemas.openxmlformats.org/drawingml/2006/main" xmlns:p="http://schemas.openxmlformats.org/presentationml/2006/main" xmlns:r="http://schemas.openxmlformats.org/officeDocument/2006/relationships" xmlns:p14="http://schemas.microsoft.com/office/powerpoint/2010/main" xmlns:p15="http://schemas.microsoft.com/office/powerpoint/2012/main" xmlns:mc="http://schemas.openxmlformats.org/markup-compatibility/2006">
+  <p:cSld>
+    <p:spTree>
+      <p:nvGrpSpPr>
+        <p:cNvPr id="1" name=""/>
+        <p:cNvGrpSpPr/>
+        <p:nvPr/>
+      </p:nvGrpSpPr>
+      <p:grpSpPr>
+        <a:xfrm>
+          <a:off x="0" y="0"/>
+          <a:ext cx="0" cy="0"/>
+          <a:chOff x="0" y="0"/>
+          <a:chExt cx="0" cy="0"/>
+        </a:xfrm>
+      </p:grpSpPr>
+      <p:sp>
+        <p:nvSpPr>
+          <p:cNvPr id="190" name="CustomShape 1"/>
+          <p:cNvSpPr/>
+          <p:nvPr/>
+        </p:nvSpPr>
+        <p:spPr>
+          <a:xfrm>
+            <a:off x="581040" y="702000"/>
+            <a:ext cx="11028600" cy="1187640"/>
+          </a:xfrm>
+          <a:prstGeom prst="rect">
+            <a:avLst/>
+          </a:prstGeom>
+          <a:noFill/>
+          <a:ln>
+            <a:noFill/>
+          </a:ln>
+        </p:spPr>
+        <p:style>
+          <a:lnRef idx="0"/>
+          <a:fillRef idx="0"/>
+          <a:effectRef idx="0"/>
+          <a:fontRef idx="minor"/>
+        </p:style>
+        <p:txBody>
+          <a:bodyPr lIns="90000" rIns="90000" tIns="45000" bIns="45000" anchor="b">
+            <a:noAutofit/>
+          </a:bodyPr>
+          <a:p>
+            <a:pPr>
+              <a:lnSpc>
+                <a:spcPct val="100000"/>
+              </a:lnSpc>
+            </a:pPr>
+            <a:r>
+              <a:rPr b="0" lang="pt-BR" sz="2800" spc="-1" strike="noStrike" cap="all">
+                <a:solidFill>
+                  <a:srgbClr val="404040"/>
+                </a:solidFill>
                 <a:latin typeface="Franklin Gothic Demi"/>
+                <a:ea typeface="DejaVu Sans"/>
               </a:rPr>
               <a:t>Title Lorem Ipsum Dolor Sit Amet</a:t>
             </a:r>
@@ -9056,14 +13691,14 @@
           <p:nvPr>
             <p:extLst>
               <p:ext uri="{D42A27DB-BD31-4B8C-83A1-F6EECF244321}">
-                <p14:modId xmlns:p14="http://schemas.microsoft.com/office/powerpoint/2010/main" val="3461705548"/>
+                <p14:modId xmlns:p14="http://schemas.microsoft.com/office/powerpoint/2010/main" val="3046486596"/>
               </p:ext>
             </p:extLst>
           </p:nvPr>
         </p:nvGraphicFramePr>
         <p:xfrm>
           <a:off x="581040" y="2341440"/>
-          <a:ext cx="11029320" cy="3633120"/>
+          <a:ext cx="11028960" cy="3632760"/>
         </p:xfrm>
         <a:graphic>
           <a:graphicData uri="http://schemas.openxmlformats.org/drawingml/2006/diagram">
@@ -9534,4 +14169,456 @@
     </a:fmtScheme>
   </a:themeElements>
 </a:theme>
+</file>
+
+<file path=ppt/theme/theme3.xml><?xml version="1.0" encoding="utf-8"?>
+<a:theme xmlns:a="http://schemas.openxmlformats.org/drawingml/2006/main" name="Office Theme">
+  <a:themeElements>
+    <a:clrScheme name="Office">
+      <a:dk1>
+        <a:sysClr val="windowText" lastClr="000000"/>
+      </a:dk1>
+      <a:lt1>
+        <a:sysClr val="window" lastClr="FFFFFF"/>
+      </a:lt1>
+      <a:dk2>
+        <a:srgbClr val="335b74"/>
+      </a:dk2>
+      <a:lt2>
+        <a:srgbClr val="dfe3e5"/>
+      </a:lt2>
+      <a:accent1>
+        <a:srgbClr val="1cade4"/>
+      </a:accent1>
+      <a:accent2>
+        <a:srgbClr val="2683c6"/>
+      </a:accent2>
+      <a:accent3>
+        <a:srgbClr val="27ced7"/>
+      </a:accent3>
+      <a:accent4>
+        <a:srgbClr val="42ba97"/>
+      </a:accent4>
+      <a:accent5>
+        <a:srgbClr val="3e8853"/>
+      </a:accent5>
+      <a:accent6>
+        <a:srgbClr val="62a39f"/>
+      </a:accent6>
+      <a:hlink>
+        <a:srgbClr val="6eac1c"/>
+      </a:hlink>
+      <a:folHlink>
+        <a:srgbClr val="b26b02"/>
+      </a:folHlink>
+    </a:clrScheme>
+    <a:fontScheme name="Office">
+      <a:majorFont>
+        <a:latin typeface="Arial"/>
+        <a:ea typeface="DejaVu Sans"/>
+        <a:cs typeface="DejaVu Sans"/>
+      </a:majorFont>
+      <a:minorFont>
+        <a:latin typeface="Arial"/>
+        <a:ea typeface="DejaVu Sans"/>
+        <a:cs typeface="DejaVu Sans"/>
+      </a:minorFont>
+    </a:fontScheme>
+    <a:fmtScheme name="Office">
+      <a:fillStyleLst>
+        <a:solidFill>
+          <a:schemeClr val="phClr"/>
+        </a:solidFill>
+        <a:gradFill rotWithShape="1">
+          <a:gsLst>
+            <a:gs pos="0">
+              <a:schemeClr val="phClr">
+                <a:tint val="50000"/>
+                <a:satMod val="300000"/>
+              </a:schemeClr>
+            </a:gs>
+            <a:gs pos="35000">
+              <a:schemeClr val="phClr">
+                <a:tint val="37000"/>
+                <a:satMod val="300000"/>
+              </a:schemeClr>
+            </a:gs>
+            <a:gs pos="100000">
+              <a:schemeClr val="phClr">
+                <a:tint val="15000"/>
+                <a:satMod val="350000"/>
+              </a:schemeClr>
+            </a:gs>
+          </a:gsLst>
+          <a:lin ang="16200000" scaled="1"/>
+        </a:gradFill>
+        <a:gradFill rotWithShape="1">
+          <a:gsLst>
+            <a:gs pos="0">
+              <a:schemeClr val="phClr">
+                <a:shade val="51000"/>
+                <a:satMod val="130000"/>
+              </a:schemeClr>
+            </a:gs>
+            <a:gs pos="80000">
+              <a:schemeClr val="phClr">
+                <a:shade val="93000"/>
+                <a:satMod val="130000"/>
+              </a:schemeClr>
+            </a:gs>
+            <a:gs pos="100000">
+              <a:schemeClr val="phClr">
+                <a:shade val="94000"/>
+                <a:satMod val="135000"/>
+              </a:schemeClr>
+            </a:gs>
+          </a:gsLst>
+          <a:lin ang="16200000" scaled="0"/>
+        </a:gradFill>
+      </a:fillStyleLst>
+      <a:lnStyleLst>
+        <a:ln w="9525" cap="flat" cmpd="sng" algn="ctr">
+          <a:solidFill>
+            <a:schemeClr val="phClr">
+              <a:shade val="95000"/>
+              <a:satMod val="105000"/>
+            </a:schemeClr>
+          </a:solidFill>
+          <a:prstDash val="solid"/>
+          <a:miter/>
+        </a:ln>
+        <a:ln w="25400" cap="flat" cmpd="sng" algn="ctr">
+          <a:solidFill>
+            <a:schemeClr val="phClr"/>
+          </a:solidFill>
+          <a:prstDash val="solid"/>
+          <a:miter/>
+        </a:ln>
+        <a:ln w="38100" cap="flat" cmpd="sng" algn="ctr">
+          <a:solidFill>
+            <a:schemeClr val="phClr"/>
+          </a:solidFill>
+          <a:prstDash val="solid"/>
+          <a:miter/>
+        </a:ln>
+      </a:lnStyleLst>
+      <a:effectStyleLst>
+        <a:effectStyle>
+          <a:effectLst>
+            <a:outerShdw blurRad="40000" dist="20000" dir="5400000" rotWithShape="0">
+              <a:srgbClr val="000000">
+                <a:alpha val="38000"/>
+              </a:srgbClr>
+            </a:outerShdw>
+          </a:effectLst>
+        </a:effectStyle>
+        <a:effectStyle>
+          <a:effectLst>
+            <a:outerShdw blurRad="40000" dist="23000" dir="5400000" rotWithShape="0">
+              <a:srgbClr val="000000">
+                <a:alpha val="35000"/>
+              </a:srgbClr>
+            </a:outerShdw>
+          </a:effectLst>
+        </a:effectStyle>
+        <a:effectStyle>
+          <a:effectLst>
+            <a:outerShdw blurRad="40000" dist="23000" dir="5400000" rotWithShape="0">
+              <a:srgbClr val="000000">
+                <a:alpha val="35000"/>
+              </a:srgbClr>
+            </a:outerShdw>
+          </a:effectLst>
+          <a:scene3d>
+            <a:camera prst="orthographicFront">
+              <a:rot lat="0" lon="0" rev="0"/>
+            </a:camera>
+            <a:lightRig rig="threePt" dir="t">
+              <a:rot lat="0" lon="0" rev="1200000"/>
+            </a:lightRig>
+          </a:scene3d>
+          <a:sp3d>
+            <a:bevelT w="63500" h="25400"/>
+          </a:sp3d>
+        </a:effectStyle>
+      </a:effectStyleLst>
+      <a:bgFillStyleLst>
+        <a:solidFill>
+          <a:schemeClr val="phClr"/>
+        </a:solidFill>
+        <a:gradFill rotWithShape="1">
+          <a:gsLst>
+            <a:gs pos="0">
+              <a:schemeClr val="phClr">
+                <a:tint val="40000"/>
+                <a:satMod val="350000"/>
+              </a:schemeClr>
+            </a:gs>
+            <a:gs pos="40000">
+              <a:schemeClr val="phClr">
+                <a:tint val="45000"/>
+                <a:shade val="99000"/>
+                <a:satMod val="350000"/>
+              </a:schemeClr>
+            </a:gs>
+            <a:gs pos="100000">
+              <a:schemeClr val="phClr">
+                <a:shade val="20000"/>
+                <a:satMod val="255000"/>
+              </a:schemeClr>
+            </a:gs>
+          </a:gsLst>
+          <a:path path="circle">
+            <a:fillToRect l="50000" t="-80000" r="50000" b="180000"/>
+          </a:path>
+        </a:gradFill>
+        <a:gradFill rotWithShape="1">
+          <a:gsLst>
+            <a:gs pos="0">
+              <a:schemeClr val="phClr">
+                <a:tint val="80000"/>
+                <a:satMod val="300000"/>
+              </a:schemeClr>
+            </a:gs>
+            <a:gs pos="100000">
+              <a:schemeClr val="phClr">
+                <a:shade val="30000"/>
+                <a:satMod val="200000"/>
+              </a:schemeClr>
+            </a:gs>
+          </a:gsLst>
+          <a:path path="circle">
+            <a:fillToRect l="50000" t="50000" r="50000" b="50000"/>
+          </a:path>
+        </a:gradFill>
+      </a:bgFillStyleLst>
+    </a:fmtScheme>
+  </a:themeElements>
+</a:theme>
+</file>
+
+<file path=ppt/theme/theme4.xml><?xml version="1.0" encoding="utf-8"?>
+<a:theme xmlns:a="http://schemas.openxmlformats.org/drawingml/2006/main" name="Office Theme">
+  <a:themeElements>
+    <a:clrScheme name="Office">
+      <a:dk1>
+        <a:sysClr val="windowText" lastClr="000000"/>
+      </a:dk1>
+      <a:lt1>
+        <a:sysClr val="window" lastClr="FFFFFF"/>
+      </a:lt1>
+      <a:dk2>
+        <a:srgbClr val="335b74"/>
+      </a:dk2>
+      <a:lt2>
+        <a:srgbClr val="dfe3e5"/>
+      </a:lt2>
+      <a:accent1>
+        <a:srgbClr val="1cade4"/>
+      </a:accent1>
+      <a:accent2>
+        <a:srgbClr val="2683c6"/>
+      </a:accent2>
+      <a:accent3>
+        <a:srgbClr val="27ced7"/>
+      </a:accent3>
+      <a:accent4>
+        <a:srgbClr val="42ba97"/>
+      </a:accent4>
+      <a:accent5>
+        <a:srgbClr val="3e8853"/>
+      </a:accent5>
+      <a:accent6>
+        <a:srgbClr val="62a39f"/>
+      </a:accent6>
+      <a:hlink>
+        <a:srgbClr val="6eac1c"/>
+      </a:hlink>
+      <a:folHlink>
+        <a:srgbClr val="b26b02"/>
+      </a:folHlink>
+    </a:clrScheme>
+    <a:fontScheme name="Office">
+      <a:majorFont>
+        <a:latin typeface="Arial"/>
+        <a:ea typeface="DejaVu Sans"/>
+        <a:cs typeface="DejaVu Sans"/>
+      </a:majorFont>
+      <a:minorFont>
+        <a:latin typeface="Arial"/>
+        <a:ea typeface="DejaVu Sans"/>
+        <a:cs typeface="DejaVu Sans"/>
+      </a:minorFont>
+    </a:fontScheme>
+    <a:fmtScheme name="Office">
+      <a:fillStyleLst>
+        <a:solidFill>
+          <a:schemeClr val="phClr"/>
+        </a:solidFill>
+        <a:gradFill rotWithShape="1">
+          <a:gsLst>
+            <a:gs pos="0">
+              <a:schemeClr val="phClr">
+                <a:tint val="50000"/>
+                <a:satMod val="300000"/>
+              </a:schemeClr>
+            </a:gs>
+            <a:gs pos="35000">
+              <a:schemeClr val="phClr">
+                <a:tint val="37000"/>
+                <a:satMod val="300000"/>
+              </a:schemeClr>
+            </a:gs>
+            <a:gs pos="100000">
+              <a:schemeClr val="phClr">
+                <a:tint val="15000"/>
+                <a:satMod val="350000"/>
+              </a:schemeClr>
+            </a:gs>
+          </a:gsLst>
+          <a:lin ang="16200000" scaled="1"/>
+        </a:gradFill>
+        <a:gradFill rotWithShape="1">
+          <a:gsLst>
+            <a:gs pos="0">
+              <a:schemeClr val="phClr">
+                <a:shade val="51000"/>
+                <a:satMod val="130000"/>
+              </a:schemeClr>
+            </a:gs>
+            <a:gs pos="80000">
+              <a:schemeClr val="phClr">
+                <a:shade val="93000"/>
+                <a:satMod val="130000"/>
+              </a:schemeClr>
+            </a:gs>
+            <a:gs pos="100000">
+              <a:schemeClr val="phClr">
+                <a:shade val="94000"/>
+                <a:satMod val="135000"/>
+              </a:schemeClr>
+            </a:gs>
+          </a:gsLst>
+          <a:lin ang="16200000" scaled="0"/>
+        </a:gradFill>
+      </a:fillStyleLst>
+      <a:lnStyleLst>
+        <a:ln w="9525" cap="flat" cmpd="sng" algn="ctr">
+          <a:solidFill>
+            <a:schemeClr val="phClr">
+              <a:shade val="95000"/>
+              <a:satMod val="105000"/>
+            </a:schemeClr>
+          </a:solidFill>
+          <a:prstDash val="solid"/>
+          <a:miter/>
+        </a:ln>
+        <a:ln w="25400" cap="flat" cmpd="sng" algn="ctr">
+          <a:solidFill>
+            <a:schemeClr val="phClr"/>
+          </a:solidFill>
+          <a:prstDash val="solid"/>
+          <a:miter/>
+        </a:ln>
+        <a:ln w="38100" cap="flat" cmpd="sng" algn="ctr">
+          <a:solidFill>
+            <a:schemeClr val="phClr"/>
+          </a:solidFill>
+          <a:prstDash val="solid"/>
+          <a:miter/>
+        </a:ln>
+      </a:lnStyleLst>
+      <a:effectStyleLst>
+        <a:effectStyle>
+          <a:effectLst>
+            <a:outerShdw blurRad="40000" dist="20000" dir="5400000" rotWithShape="0">
+              <a:srgbClr val="000000">
+                <a:alpha val="38000"/>
+              </a:srgbClr>
+            </a:outerShdw>
+          </a:effectLst>
+        </a:effectStyle>
+        <a:effectStyle>
+          <a:effectLst>
+            <a:outerShdw blurRad="40000" dist="23000" dir="5400000" rotWithShape="0">
+              <a:srgbClr val="000000">
+                <a:alpha val="35000"/>
+              </a:srgbClr>
+            </a:outerShdw>
+          </a:effectLst>
+        </a:effectStyle>
+        <a:effectStyle>
+          <a:effectLst>
+            <a:outerShdw blurRad="40000" dist="23000" dir="5400000" rotWithShape="0">
+              <a:srgbClr val="000000">
+                <a:alpha val="35000"/>
+              </a:srgbClr>
+            </a:outerShdw>
+          </a:effectLst>
+          <a:scene3d>
+            <a:camera prst="orthographicFront">
+              <a:rot lat="0" lon="0" rev="0"/>
+            </a:camera>
+            <a:lightRig rig="threePt" dir="t">
+              <a:rot lat="0" lon="0" rev="1200000"/>
+            </a:lightRig>
+          </a:scene3d>
+          <a:sp3d>
+            <a:bevelT w="63500" h="25400"/>
+          </a:sp3d>
+        </a:effectStyle>
+      </a:effectStyleLst>
+      <a:bgFillStyleLst>
+        <a:solidFill>
+          <a:schemeClr val="phClr"/>
+        </a:solidFill>
+        <a:gradFill rotWithShape="1">
+          <a:gsLst>
+            <a:gs pos="0">
+              <a:schemeClr val="phClr">
+                <a:tint val="40000"/>
+                <a:satMod val="350000"/>
+              </a:schemeClr>
+            </a:gs>
+            <a:gs pos="40000">
+              <a:schemeClr val="phClr">
+                <a:tint val="45000"/>
+                <a:shade val="99000"/>
+                <a:satMod val="350000"/>
+              </a:schemeClr>
+            </a:gs>
+            <a:gs pos="100000">
+              <a:schemeClr val="phClr">
+                <a:shade val="20000"/>
+                <a:satMod val="255000"/>
+              </a:schemeClr>
+            </a:gs>
+          </a:gsLst>
+          <a:path path="circle">
+            <a:fillToRect l="50000" t="-80000" r="50000" b="180000"/>
+          </a:path>
+        </a:gradFill>
+        <a:gradFill rotWithShape="1">
+          <a:gsLst>
+            <a:gs pos="0">
+              <a:schemeClr val="phClr">
+                <a:tint val="80000"/>
+                <a:satMod val="300000"/>
+              </a:schemeClr>
+            </a:gs>
+            <a:gs pos="100000">
+              <a:schemeClr val="phClr">
+                <a:shade val="30000"/>
+                <a:satMod val="200000"/>
+              </a:schemeClr>
+            </a:gs>
+          </a:gsLst>
+          <a:path path="circle">
+            <a:fillToRect l="50000" t="50000" r="50000" b="50000"/>
+          </a:path>
+        </a:gradFill>
+      </a:bgFillStyleLst>
+    </a:fmtScheme>
+  </a:themeElements>
+</a:theme>
 </file>
--- a/data/analise.pptx
+++ b/data/analise.pptx
@@ -6,16 +6,20 @@
     <p:sldMasterId id="2147483661" r:id="rId3"/>
     <p:sldMasterId id="2147483674" r:id="rId4"/>
     <p:sldMasterId id="2147483687" r:id="rId5"/>
+    <p:sldMasterId id="2147483700" r:id="rId6"/>
+    <p:sldMasterId id="2147483713" r:id="rId7"/>
   </p:sldMasterIdLst>
   <p:sldIdLst>
-    <p:sldId id="256" r:id="rId6"/>
-    <p:sldId id="257" r:id="rId7"/>
-    <p:sldId id="258" r:id="rId8"/>
-    <p:sldId id="259" r:id="rId9"/>
-    <p:sldId id="260" r:id="rId10"/>
-    <p:sldId id="261" r:id="rId11"/>
-    <p:sldId id="262" r:id="rId12"/>
-    <p:sldId id="263" r:id="rId13"/>
+    <p:sldId id="256" r:id="rId8"/>
+    <p:sldId id="257" r:id="rId9"/>
+    <p:sldId id="258" r:id="rId10"/>
+    <p:sldId id="259" r:id="rId11"/>
+    <p:sldId id="260" r:id="rId12"/>
+    <p:sldId id="261" r:id="rId13"/>
+    <p:sldId id="262" r:id="rId14"/>
+    <p:sldId id="263" r:id="rId15"/>
+    <p:sldId id="264" r:id="rId16"/>
+    <p:sldId id="265" r:id="rId17"/>
   </p:sldIdLst>
   <p:sldSz cx="12192000" cy="6858000"/>
   <p:notesSz cx="7559675" cy="10691812"/>
@@ -8615,6 +8619,28 @@
 </p:sldLayout>
 </file>
 
+<file path=ppt/slideLayouts/slideLayout49.xml><?xml version="1.0" encoding="utf-8"?>
+<p:sldLayout xmlns:a="http://schemas.openxmlformats.org/drawingml/2006/main" xmlns:p="http://schemas.openxmlformats.org/presentationml/2006/main" xmlns:r="http://schemas.openxmlformats.org/officeDocument/2006/relationships" xmlns:p14="http://schemas.microsoft.com/office/powerpoint/2010/main" xmlns:p15="http://schemas.microsoft.com/office/powerpoint/2012/main" xmlns:mc="http://schemas.openxmlformats.org/markup-compatibility/2006" type="blank" preserve="1">
+  <p:cSld name="Blank Slide">
+    <p:spTree>
+      <p:nvGrpSpPr>
+        <p:cNvPr id="1" name=""/>
+        <p:cNvGrpSpPr/>
+        <p:nvPr/>
+      </p:nvGrpSpPr>
+      <p:grpSpPr>
+        <a:xfrm>
+          <a:off x="0" y="0"/>
+          <a:ext cx="0" cy="0"/>
+          <a:chOff x="0" y="0"/>
+          <a:chExt cx="0" cy="0"/>
+        </a:xfrm>
+      </p:grpSpPr>
+    </p:spTree>
+  </p:cSld>
+</p:sldLayout>
+</file>
+
 <file path=ppt/slideLayouts/slideLayout5.xml><?xml version="1.0" encoding="utf-8"?>
 <p:sldLayout xmlns:a="http://schemas.openxmlformats.org/drawingml/2006/main" xmlns:p="http://schemas.openxmlformats.org/presentationml/2006/main" xmlns:r="http://schemas.openxmlformats.org/officeDocument/2006/relationships" xmlns:p14="http://schemas.microsoft.com/office/powerpoint/2010/main" xmlns:p15="http://schemas.microsoft.com/office/powerpoint/2012/main" xmlns:mc="http://schemas.openxmlformats.org/markup-compatibility/2006" type="titleOnly" preserve="1">
   <p:cSld name="Title Only">
@@ -8658,6 +8684,1107 @@
           <a:p>
             <a:pPr algn="ctr"/>
             <a:endParaRPr b="0" lang="pt-BR" sz="4400" spc="-1" strike="noStrike">
+              <a:latin typeface="Arial"/>
+            </a:endParaRPr>
+          </a:p>
+        </p:txBody>
+      </p:sp>
+    </p:spTree>
+  </p:cSld>
+</p:sldLayout>
+</file>
+
+<file path=ppt/slideLayouts/slideLayout50.xml><?xml version="1.0" encoding="utf-8"?>
+<p:sldLayout xmlns:a="http://schemas.openxmlformats.org/drawingml/2006/main" xmlns:p="http://schemas.openxmlformats.org/presentationml/2006/main" xmlns:r="http://schemas.openxmlformats.org/officeDocument/2006/relationships" xmlns:p14="http://schemas.microsoft.com/office/powerpoint/2010/main" xmlns:p15="http://schemas.microsoft.com/office/powerpoint/2012/main" xmlns:mc="http://schemas.openxmlformats.org/markup-compatibility/2006" type="tx" preserve="1">
+  <p:cSld name="Title Slide">
+    <p:spTree>
+      <p:nvGrpSpPr>
+        <p:cNvPr id="1" name=""/>
+        <p:cNvGrpSpPr/>
+        <p:nvPr/>
+      </p:nvGrpSpPr>
+      <p:grpSpPr>
+        <a:xfrm>
+          <a:off x="0" y="0"/>
+          <a:ext cx="0" cy="0"/>
+          <a:chOff x="0" y="0"/>
+          <a:chExt cx="0" cy="0"/>
+        </a:xfrm>
+      </p:grpSpPr>
+      <p:sp>
+        <p:nvSpPr>
+          <p:cNvPr id="172" name="PlaceHolder 1"/>
+          <p:cNvSpPr>
+            <a:spLocks noGrp="1"/>
+          </p:cNvSpPr>
+          <p:nvPr>
+            <p:ph type="title"/>
+          </p:nvPr>
+        </p:nvSpPr>
+        <p:spPr>
+          <a:xfrm>
+            <a:off x="609480" y="273600"/>
+            <a:ext cx="10972440" cy="1144800"/>
+          </a:xfrm>
+          <a:prstGeom prst="rect">
+            <a:avLst/>
+          </a:prstGeom>
+        </p:spPr>
+        <p:txBody>
+          <a:bodyPr lIns="0" rIns="0" tIns="0" bIns="0" anchor="ctr">
+            <a:noAutofit/>
+          </a:bodyPr>
+          <a:p>
+            <a:pPr algn="ctr"/>
+            <a:endParaRPr b="0" lang="pt-BR" sz="4400" spc="-1" strike="noStrike">
+              <a:latin typeface="Arial"/>
+            </a:endParaRPr>
+          </a:p>
+        </p:txBody>
+      </p:sp>
+      <p:sp>
+        <p:nvSpPr>
+          <p:cNvPr id="173" name="PlaceHolder 2"/>
+          <p:cNvSpPr>
+            <a:spLocks noGrp="1"/>
+          </p:cNvSpPr>
+          <p:nvPr>
+            <p:ph type="subTitle"/>
+          </p:nvPr>
+        </p:nvSpPr>
+        <p:spPr>
+          <a:xfrm>
+            <a:off x="609480" y="1604520"/>
+            <a:ext cx="10972440" cy="3977280"/>
+          </a:xfrm>
+          <a:prstGeom prst="rect">
+            <a:avLst/>
+          </a:prstGeom>
+        </p:spPr>
+        <p:txBody>
+          <a:bodyPr lIns="0" rIns="0" tIns="0" bIns="0" anchor="ctr">
+            <a:noAutofit/>
+          </a:bodyPr>
+          <a:p>
+            <a:pPr algn="ctr"/>
+            <a:endParaRPr b="0" lang="pt-BR" sz="3200" spc="-1" strike="noStrike">
+              <a:latin typeface="Arial"/>
+            </a:endParaRPr>
+          </a:p>
+        </p:txBody>
+      </p:sp>
+    </p:spTree>
+  </p:cSld>
+</p:sldLayout>
+</file>
+
+<file path=ppt/slideLayouts/slideLayout51.xml><?xml version="1.0" encoding="utf-8"?>
+<p:sldLayout xmlns:a="http://schemas.openxmlformats.org/drawingml/2006/main" xmlns:p="http://schemas.openxmlformats.org/presentationml/2006/main" xmlns:r="http://schemas.openxmlformats.org/officeDocument/2006/relationships" xmlns:p14="http://schemas.microsoft.com/office/powerpoint/2010/main" xmlns:p15="http://schemas.microsoft.com/office/powerpoint/2012/main" xmlns:mc="http://schemas.openxmlformats.org/markup-compatibility/2006" type="obj" preserve="1">
+  <p:cSld name="Title, Content">
+    <p:spTree>
+      <p:nvGrpSpPr>
+        <p:cNvPr id="1" name=""/>
+        <p:cNvGrpSpPr/>
+        <p:nvPr/>
+      </p:nvGrpSpPr>
+      <p:grpSpPr>
+        <a:xfrm>
+          <a:off x="0" y="0"/>
+          <a:ext cx="0" cy="0"/>
+          <a:chOff x="0" y="0"/>
+          <a:chExt cx="0" cy="0"/>
+        </a:xfrm>
+      </p:grpSpPr>
+      <p:sp>
+        <p:nvSpPr>
+          <p:cNvPr id="174" name="PlaceHolder 1"/>
+          <p:cNvSpPr>
+            <a:spLocks noGrp="1"/>
+          </p:cNvSpPr>
+          <p:nvPr>
+            <p:ph type="title"/>
+          </p:nvPr>
+        </p:nvSpPr>
+        <p:spPr>
+          <a:xfrm>
+            <a:off x="609480" y="273600"/>
+            <a:ext cx="10972440" cy="1144800"/>
+          </a:xfrm>
+          <a:prstGeom prst="rect">
+            <a:avLst/>
+          </a:prstGeom>
+        </p:spPr>
+        <p:txBody>
+          <a:bodyPr lIns="0" rIns="0" tIns="0" bIns="0" anchor="ctr">
+            <a:noAutofit/>
+          </a:bodyPr>
+          <a:p>
+            <a:pPr algn="ctr"/>
+            <a:endParaRPr b="0" lang="pt-BR" sz="4400" spc="-1" strike="noStrike">
+              <a:latin typeface="Arial"/>
+            </a:endParaRPr>
+          </a:p>
+        </p:txBody>
+      </p:sp>
+      <p:sp>
+        <p:nvSpPr>
+          <p:cNvPr id="175" name="PlaceHolder 2"/>
+          <p:cNvSpPr>
+            <a:spLocks noGrp="1"/>
+          </p:cNvSpPr>
+          <p:nvPr>
+            <p:ph type="body"/>
+          </p:nvPr>
+        </p:nvSpPr>
+        <p:spPr>
+          <a:xfrm>
+            <a:off x="609480" y="1604520"/>
+            <a:ext cx="10972440" cy="3977280"/>
+          </a:xfrm>
+          <a:prstGeom prst="rect">
+            <a:avLst/>
+          </a:prstGeom>
+        </p:spPr>
+        <p:txBody>
+          <a:bodyPr lIns="0" rIns="0" tIns="0" bIns="0">
+            <a:normAutofit/>
+          </a:bodyPr>
+          <a:p>
+            <a:endParaRPr b="0" lang="pt-BR" sz="3200" spc="-1" strike="noStrike">
+              <a:latin typeface="Arial"/>
+            </a:endParaRPr>
+          </a:p>
+        </p:txBody>
+      </p:sp>
+    </p:spTree>
+  </p:cSld>
+</p:sldLayout>
+</file>
+
+<file path=ppt/slideLayouts/slideLayout52.xml><?xml version="1.0" encoding="utf-8"?>
+<p:sldLayout xmlns:a="http://schemas.openxmlformats.org/drawingml/2006/main" xmlns:p="http://schemas.openxmlformats.org/presentationml/2006/main" xmlns:r="http://schemas.openxmlformats.org/officeDocument/2006/relationships" xmlns:p14="http://schemas.microsoft.com/office/powerpoint/2010/main" xmlns:p15="http://schemas.microsoft.com/office/powerpoint/2012/main" xmlns:mc="http://schemas.openxmlformats.org/markup-compatibility/2006" type="twoObj" preserve="1">
+  <p:cSld name="Title, 2 Content">
+    <p:spTree>
+      <p:nvGrpSpPr>
+        <p:cNvPr id="1" name=""/>
+        <p:cNvGrpSpPr/>
+        <p:nvPr/>
+      </p:nvGrpSpPr>
+      <p:grpSpPr>
+        <a:xfrm>
+          <a:off x="0" y="0"/>
+          <a:ext cx="0" cy="0"/>
+          <a:chOff x="0" y="0"/>
+          <a:chExt cx="0" cy="0"/>
+        </a:xfrm>
+      </p:grpSpPr>
+      <p:sp>
+        <p:nvSpPr>
+          <p:cNvPr id="176" name="PlaceHolder 1"/>
+          <p:cNvSpPr>
+            <a:spLocks noGrp="1"/>
+          </p:cNvSpPr>
+          <p:nvPr>
+            <p:ph type="title"/>
+          </p:nvPr>
+        </p:nvSpPr>
+        <p:spPr>
+          <a:xfrm>
+            <a:off x="609480" y="273600"/>
+            <a:ext cx="10972440" cy="1144800"/>
+          </a:xfrm>
+          <a:prstGeom prst="rect">
+            <a:avLst/>
+          </a:prstGeom>
+        </p:spPr>
+        <p:txBody>
+          <a:bodyPr lIns="0" rIns="0" tIns="0" bIns="0" anchor="ctr">
+            <a:noAutofit/>
+          </a:bodyPr>
+          <a:p>
+            <a:pPr algn="ctr"/>
+            <a:endParaRPr b="0" lang="pt-BR" sz="4400" spc="-1" strike="noStrike">
+              <a:latin typeface="Arial"/>
+            </a:endParaRPr>
+          </a:p>
+        </p:txBody>
+      </p:sp>
+      <p:sp>
+        <p:nvSpPr>
+          <p:cNvPr id="177" name="PlaceHolder 2"/>
+          <p:cNvSpPr>
+            <a:spLocks noGrp="1"/>
+          </p:cNvSpPr>
+          <p:nvPr>
+            <p:ph type="body"/>
+          </p:nvPr>
+        </p:nvSpPr>
+        <p:spPr>
+          <a:xfrm>
+            <a:off x="609480" y="1604520"/>
+            <a:ext cx="5354280" cy="3977280"/>
+          </a:xfrm>
+          <a:prstGeom prst="rect">
+            <a:avLst/>
+          </a:prstGeom>
+        </p:spPr>
+        <p:txBody>
+          <a:bodyPr lIns="0" rIns="0" tIns="0" bIns="0">
+            <a:normAutofit/>
+          </a:bodyPr>
+          <a:p>
+            <a:endParaRPr b="0" lang="pt-BR" sz="3200" spc="-1" strike="noStrike">
+              <a:latin typeface="Arial"/>
+            </a:endParaRPr>
+          </a:p>
+        </p:txBody>
+      </p:sp>
+      <p:sp>
+        <p:nvSpPr>
+          <p:cNvPr id="178" name="PlaceHolder 3"/>
+          <p:cNvSpPr>
+            <a:spLocks noGrp="1"/>
+          </p:cNvSpPr>
+          <p:nvPr>
+            <p:ph type="body"/>
+          </p:nvPr>
+        </p:nvSpPr>
+        <p:spPr>
+          <a:xfrm>
+            <a:off x="6231960" y="1604520"/>
+            <a:ext cx="5354280" cy="3977280"/>
+          </a:xfrm>
+          <a:prstGeom prst="rect">
+            <a:avLst/>
+          </a:prstGeom>
+        </p:spPr>
+        <p:txBody>
+          <a:bodyPr lIns="0" rIns="0" tIns="0" bIns="0">
+            <a:normAutofit/>
+          </a:bodyPr>
+          <a:p>
+            <a:endParaRPr b="0" lang="pt-BR" sz="3200" spc="-1" strike="noStrike">
+              <a:latin typeface="Arial"/>
+            </a:endParaRPr>
+          </a:p>
+        </p:txBody>
+      </p:sp>
+    </p:spTree>
+  </p:cSld>
+</p:sldLayout>
+</file>
+
+<file path=ppt/slideLayouts/slideLayout53.xml><?xml version="1.0" encoding="utf-8"?>
+<p:sldLayout xmlns:a="http://schemas.openxmlformats.org/drawingml/2006/main" xmlns:p="http://schemas.openxmlformats.org/presentationml/2006/main" xmlns:r="http://schemas.openxmlformats.org/officeDocument/2006/relationships" xmlns:p14="http://schemas.microsoft.com/office/powerpoint/2010/main" xmlns:p15="http://schemas.microsoft.com/office/powerpoint/2012/main" xmlns:mc="http://schemas.openxmlformats.org/markup-compatibility/2006" type="titleOnly" preserve="1">
+  <p:cSld name="Title Only">
+    <p:spTree>
+      <p:nvGrpSpPr>
+        <p:cNvPr id="1" name=""/>
+        <p:cNvGrpSpPr/>
+        <p:nvPr/>
+      </p:nvGrpSpPr>
+      <p:grpSpPr>
+        <a:xfrm>
+          <a:off x="0" y="0"/>
+          <a:ext cx="0" cy="0"/>
+          <a:chOff x="0" y="0"/>
+          <a:chExt cx="0" cy="0"/>
+        </a:xfrm>
+      </p:grpSpPr>
+      <p:sp>
+        <p:nvSpPr>
+          <p:cNvPr id="179" name="PlaceHolder 1"/>
+          <p:cNvSpPr>
+            <a:spLocks noGrp="1"/>
+          </p:cNvSpPr>
+          <p:nvPr>
+            <p:ph type="title"/>
+          </p:nvPr>
+        </p:nvSpPr>
+        <p:spPr>
+          <a:xfrm>
+            <a:off x="609480" y="273600"/>
+            <a:ext cx="10972440" cy="1144800"/>
+          </a:xfrm>
+          <a:prstGeom prst="rect">
+            <a:avLst/>
+          </a:prstGeom>
+        </p:spPr>
+        <p:txBody>
+          <a:bodyPr lIns="0" rIns="0" tIns="0" bIns="0" anchor="ctr">
+            <a:noAutofit/>
+          </a:bodyPr>
+          <a:p>
+            <a:pPr algn="ctr"/>
+            <a:endParaRPr b="0" lang="pt-BR" sz="4400" spc="-1" strike="noStrike">
+              <a:latin typeface="Arial"/>
+            </a:endParaRPr>
+          </a:p>
+        </p:txBody>
+      </p:sp>
+    </p:spTree>
+  </p:cSld>
+</p:sldLayout>
+</file>
+
+<file path=ppt/slideLayouts/slideLayout54.xml><?xml version="1.0" encoding="utf-8"?>
+<p:sldLayout xmlns:a="http://schemas.openxmlformats.org/drawingml/2006/main" xmlns:p="http://schemas.openxmlformats.org/presentationml/2006/main" xmlns:r="http://schemas.openxmlformats.org/officeDocument/2006/relationships" xmlns:p14="http://schemas.microsoft.com/office/powerpoint/2010/main" xmlns:p15="http://schemas.microsoft.com/office/powerpoint/2012/main" xmlns:mc="http://schemas.openxmlformats.org/markup-compatibility/2006" type="objOnly" preserve="1">
+  <p:cSld name="Centered Text">
+    <p:spTree>
+      <p:nvGrpSpPr>
+        <p:cNvPr id="1" name=""/>
+        <p:cNvGrpSpPr/>
+        <p:nvPr/>
+      </p:nvGrpSpPr>
+      <p:grpSpPr>
+        <a:xfrm>
+          <a:off x="0" y="0"/>
+          <a:ext cx="0" cy="0"/>
+          <a:chOff x="0" y="0"/>
+          <a:chExt cx="0" cy="0"/>
+        </a:xfrm>
+      </p:grpSpPr>
+      <p:sp>
+        <p:nvSpPr>
+          <p:cNvPr id="180" name="PlaceHolder 1"/>
+          <p:cNvSpPr>
+            <a:spLocks noGrp="1"/>
+          </p:cNvSpPr>
+          <p:nvPr>
+            <p:ph type="subTitle"/>
+          </p:nvPr>
+        </p:nvSpPr>
+        <p:spPr>
+          <a:xfrm>
+            <a:off x="609480" y="273600"/>
+            <a:ext cx="10972440" cy="5307840"/>
+          </a:xfrm>
+          <a:prstGeom prst="rect">
+            <a:avLst/>
+          </a:prstGeom>
+        </p:spPr>
+        <p:txBody>
+          <a:bodyPr lIns="0" rIns="0" tIns="0" bIns="0" anchor="ctr">
+            <a:noAutofit/>
+          </a:bodyPr>
+          <a:p>
+            <a:pPr algn="ctr"/>
+            <a:endParaRPr b="0" lang="pt-BR" sz="3200" spc="-1" strike="noStrike">
+              <a:latin typeface="Arial"/>
+            </a:endParaRPr>
+          </a:p>
+        </p:txBody>
+      </p:sp>
+    </p:spTree>
+  </p:cSld>
+</p:sldLayout>
+</file>
+
+<file path=ppt/slideLayouts/slideLayout55.xml><?xml version="1.0" encoding="utf-8"?>
+<p:sldLayout xmlns:a="http://schemas.openxmlformats.org/drawingml/2006/main" xmlns:p="http://schemas.openxmlformats.org/presentationml/2006/main" xmlns:r="http://schemas.openxmlformats.org/officeDocument/2006/relationships" xmlns:p14="http://schemas.microsoft.com/office/powerpoint/2010/main" xmlns:p15="http://schemas.microsoft.com/office/powerpoint/2012/main" xmlns:mc="http://schemas.openxmlformats.org/markup-compatibility/2006" type="twoObjAndObj" preserve="1">
+  <p:cSld name="Title, 2 Content and Content">
+    <p:spTree>
+      <p:nvGrpSpPr>
+        <p:cNvPr id="1" name=""/>
+        <p:cNvGrpSpPr/>
+        <p:nvPr/>
+      </p:nvGrpSpPr>
+      <p:grpSpPr>
+        <a:xfrm>
+          <a:off x="0" y="0"/>
+          <a:ext cx="0" cy="0"/>
+          <a:chOff x="0" y="0"/>
+          <a:chExt cx="0" cy="0"/>
+        </a:xfrm>
+      </p:grpSpPr>
+      <p:sp>
+        <p:nvSpPr>
+          <p:cNvPr id="181" name="PlaceHolder 1"/>
+          <p:cNvSpPr>
+            <a:spLocks noGrp="1"/>
+          </p:cNvSpPr>
+          <p:nvPr>
+            <p:ph type="title"/>
+          </p:nvPr>
+        </p:nvSpPr>
+        <p:spPr>
+          <a:xfrm>
+            <a:off x="609480" y="273600"/>
+            <a:ext cx="10972440" cy="1144800"/>
+          </a:xfrm>
+          <a:prstGeom prst="rect">
+            <a:avLst/>
+          </a:prstGeom>
+        </p:spPr>
+        <p:txBody>
+          <a:bodyPr lIns="0" rIns="0" tIns="0" bIns="0" anchor="ctr">
+            <a:noAutofit/>
+          </a:bodyPr>
+          <a:p>
+            <a:pPr algn="ctr"/>
+            <a:endParaRPr b="0" lang="pt-BR" sz="4400" spc="-1" strike="noStrike">
+              <a:latin typeface="Arial"/>
+            </a:endParaRPr>
+          </a:p>
+        </p:txBody>
+      </p:sp>
+      <p:sp>
+        <p:nvSpPr>
+          <p:cNvPr id="182" name="PlaceHolder 2"/>
+          <p:cNvSpPr>
+            <a:spLocks noGrp="1"/>
+          </p:cNvSpPr>
+          <p:nvPr>
+            <p:ph type="body"/>
+          </p:nvPr>
+        </p:nvSpPr>
+        <p:spPr>
+          <a:xfrm>
+            <a:off x="609480" y="1604520"/>
+            <a:ext cx="5354280" cy="1896840"/>
+          </a:xfrm>
+          <a:prstGeom prst="rect">
+            <a:avLst/>
+          </a:prstGeom>
+        </p:spPr>
+        <p:txBody>
+          <a:bodyPr lIns="0" rIns="0" tIns="0" bIns="0">
+            <a:normAutofit/>
+          </a:bodyPr>
+          <a:p>
+            <a:endParaRPr b="0" lang="pt-BR" sz="3200" spc="-1" strike="noStrike">
+              <a:latin typeface="Arial"/>
+            </a:endParaRPr>
+          </a:p>
+        </p:txBody>
+      </p:sp>
+      <p:sp>
+        <p:nvSpPr>
+          <p:cNvPr id="183" name="PlaceHolder 3"/>
+          <p:cNvSpPr>
+            <a:spLocks noGrp="1"/>
+          </p:cNvSpPr>
+          <p:nvPr>
+            <p:ph type="body"/>
+          </p:nvPr>
+        </p:nvSpPr>
+        <p:spPr>
+          <a:xfrm>
+            <a:off x="6231960" y="1604520"/>
+            <a:ext cx="5354280" cy="3977280"/>
+          </a:xfrm>
+          <a:prstGeom prst="rect">
+            <a:avLst/>
+          </a:prstGeom>
+        </p:spPr>
+        <p:txBody>
+          <a:bodyPr lIns="0" rIns="0" tIns="0" bIns="0">
+            <a:normAutofit/>
+          </a:bodyPr>
+          <a:p>
+            <a:endParaRPr b="0" lang="pt-BR" sz="3200" spc="-1" strike="noStrike">
+              <a:latin typeface="Arial"/>
+            </a:endParaRPr>
+          </a:p>
+        </p:txBody>
+      </p:sp>
+      <p:sp>
+        <p:nvSpPr>
+          <p:cNvPr id="184" name="PlaceHolder 4"/>
+          <p:cNvSpPr>
+            <a:spLocks noGrp="1"/>
+          </p:cNvSpPr>
+          <p:nvPr>
+            <p:ph type="body"/>
+          </p:nvPr>
+        </p:nvSpPr>
+        <p:spPr>
+          <a:xfrm>
+            <a:off x="609480" y="3682080"/>
+            <a:ext cx="5354280" cy="1896840"/>
+          </a:xfrm>
+          <a:prstGeom prst="rect">
+            <a:avLst/>
+          </a:prstGeom>
+        </p:spPr>
+        <p:txBody>
+          <a:bodyPr lIns="0" rIns="0" tIns="0" bIns="0">
+            <a:normAutofit/>
+          </a:bodyPr>
+          <a:p>
+            <a:endParaRPr b="0" lang="pt-BR" sz="3200" spc="-1" strike="noStrike">
+              <a:latin typeface="Arial"/>
+            </a:endParaRPr>
+          </a:p>
+        </p:txBody>
+      </p:sp>
+    </p:spTree>
+  </p:cSld>
+</p:sldLayout>
+</file>
+
+<file path=ppt/slideLayouts/slideLayout56.xml><?xml version="1.0" encoding="utf-8"?>
+<p:sldLayout xmlns:a="http://schemas.openxmlformats.org/drawingml/2006/main" xmlns:p="http://schemas.openxmlformats.org/presentationml/2006/main" xmlns:r="http://schemas.openxmlformats.org/officeDocument/2006/relationships" xmlns:p14="http://schemas.microsoft.com/office/powerpoint/2010/main" xmlns:p15="http://schemas.microsoft.com/office/powerpoint/2012/main" xmlns:mc="http://schemas.openxmlformats.org/markup-compatibility/2006" type="objAndTwoObj" preserve="1">
+  <p:cSld name="Title Content and 2 Content">
+    <p:spTree>
+      <p:nvGrpSpPr>
+        <p:cNvPr id="1" name=""/>
+        <p:cNvGrpSpPr/>
+        <p:nvPr/>
+      </p:nvGrpSpPr>
+      <p:grpSpPr>
+        <a:xfrm>
+          <a:off x="0" y="0"/>
+          <a:ext cx="0" cy="0"/>
+          <a:chOff x="0" y="0"/>
+          <a:chExt cx="0" cy="0"/>
+        </a:xfrm>
+      </p:grpSpPr>
+      <p:sp>
+        <p:nvSpPr>
+          <p:cNvPr id="185" name="PlaceHolder 1"/>
+          <p:cNvSpPr>
+            <a:spLocks noGrp="1"/>
+          </p:cNvSpPr>
+          <p:nvPr>
+            <p:ph type="title"/>
+          </p:nvPr>
+        </p:nvSpPr>
+        <p:spPr>
+          <a:xfrm>
+            <a:off x="609480" y="273600"/>
+            <a:ext cx="10972440" cy="1144800"/>
+          </a:xfrm>
+          <a:prstGeom prst="rect">
+            <a:avLst/>
+          </a:prstGeom>
+        </p:spPr>
+        <p:txBody>
+          <a:bodyPr lIns="0" rIns="0" tIns="0" bIns="0" anchor="ctr">
+            <a:noAutofit/>
+          </a:bodyPr>
+          <a:p>
+            <a:pPr algn="ctr"/>
+            <a:endParaRPr b="0" lang="pt-BR" sz="4400" spc="-1" strike="noStrike">
+              <a:latin typeface="Arial"/>
+            </a:endParaRPr>
+          </a:p>
+        </p:txBody>
+      </p:sp>
+      <p:sp>
+        <p:nvSpPr>
+          <p:cNvPr id="186" name="PlaceHolder 2"/>
+          <p:cNvSpPr>
+            <a:spLocks noGrp="1"/>
+          </p:cNvSpPr>
+          <p:nvPr>
+            <p:ph type="body"/>
+          </p:nvPr>
+        </p:nvSpPr>
+        <p:spPr>
+          <a:xfrm>
+            <a:off x="609480" y="1604520"/>
+            <a:ext cx="5354280" cy="3977280"/>
+          </a:xfrm>
+          <a:prstGeom prst="rect">
+            <a:avLst/>
+          </a:prstGeom>
+        </p:spPr>
+        <p:txBody>
+          <a:bodyPr lIns="0" rIns="0" tIns="0" bIns="0">
+            <a:normAutofit/>
+          </a:bodyPr>
+          <a:p>
+            <a:endParaRPr b="0" lang="pt-BR" sz="3200" spc="-1" strike="noStrike">
+              <a:latin typeface="Arial"/>
+            </a:endParaRPr>
+          </a:p>
+        </p:txBody>
+      </p:sp>
+      <p:sp>
+        <p:nvSpPr>
+          <p:cNvPr id="187" name="PlaceHolder 3"/>
+          <p:cNvSpPr>
+            <a:spLocks noGrp="1"/>
+          </p:cNvSpPr>
+          <p:nvPr>
+            <p:ph type="body"/>
+          </p:nvPr>
+        </p:nvSpPr>
+        <p:spPr>
+          <a:xfrm>
+            <a:off x="6231960" y="1604520"/>
+            <a:ext cx="5354280" cy="1896840"/>
+          </a:xfrm>
+          <a:prstGeom prst="rect">
+            <a:avLst/>
+          </a:prstGeom>
+        </p:spPr>
+        <p:txBody>
+          <a:bodyPr lIns="0" rIns="0" tIns="0" bIns="0">
+            <a:normAutofit/>
+          </a:bodyPr>
+          <a:p>
+            <a:endParaRPr b="0" lang="pt-BR" sz="3200" spc="-1" strike="noStrike">
+              <a:latin typeface="Arial"/>
+            </a:endParaRPr>
+          </a:p>
+        </p:txBody>
+      </p:sp>
+      <p:sp>
+        <p:nvSpPr>
+          <p:cNvPr id="188" name="PlaceHolder 4"/>
+          <p:cNvSpPr>
+            <a:spLocks noGrp="1"/>
+          </p:cNvSpPr>
+          <p:nvPr>
+            <p:ph type="body"/>
+          </p:nvPr>
+        </p:nvSpPr>
+        <p:spPr>
+          <a:xfrm>
+            <a:off x="6231960" y="3682080"/>
+            <a:ext cx="5354280" cy="1896840"/>
+          </a:xfrm>
+          <a:prstGeom prst="rect">
+            <a:avLst/>
+          </a:prstGeom>
+        </p:spPr>
+        <p:txBody>
+          <a:bodyPr lIns="0" rIns="0" tIns="0" bIns="0">
+            <a:normAutofit/>
+          </a:bodyPr>
+          <a:p>
+            <a:endParaRPr b="0" lang="pt-BR" sz="3200" spc="-1" strike="noStrike">
+              <a:latin typeface="Arial"/>
+            </a:endParaRPr>
+          </a:p>
+        </p:txBody>
+      </p:sp>
+    </p:spTree>
+  </p:cSld>
+</p:sldLayout>
+</file>
+
+<file path=ppt/slideLayouts/slideLayout57.xml><?xml version="1.0" encoding="utf-8"?>
+<p:sldLayout xmlns:a="http://schemas.openxmlformats.org/drawingml/2006/main" xmlns:p="http://schemas.openxmlformats.org/presentationml/2006/main" xmlns:r="http://schemas.openxmlformats.org/officeDocument/2006/relationships" xmlns:p14="http://schemas.microsoft.com/office/powerpoint/2010/main" xmlns:p15="http://schemas.microsoft.com/office/powerpoint/2012/main" xmlns:mc="http://schemas.openxmlformats.org/markup-compatibility/2006" type="twoObjOverTx" preserve="1">
+  <p:cSld name="Title, 2 Content over Content">
+    <p:spTree>
+      <p:nvGrpSpPr>
+        <p:cNvPr id="1" name=""/>
+        <p:cNvGrpSpPr/>
+        <p:nvPr/>
+      </p:nvGrpSpPr>
+      <p:grpSpPr>
+        <a:xfrm>
+          <a:off x="0" y="0"/>
+          <a:ext cx="0" cy="0"/>
+          <a:chOff x="0" y="0"/>
+          <a:chExt cx="0" cy="0"/>
+        </a:xfrm>
+      </p:grpSpPr>
+      <p:sp>
+        <p:nvSpPr>
+          <p:cNvPr id="189" name="PlaceHolder 1"/>
+          <p:cNvSpPr>
+            <a:spLocks noGrp="1"/>
+          </p:cNvSpPr>
+          <p:nvPr>
+            <p:ph type="title"/>
+          </p:nvPr>
+        </p:nvSpPr>
+        <p:spPr>
+          <a:xfrm>
+            <a:off x="609480" y="273600"/>
+            <a:ext cx="10972440" cy="1144800"/>
+          </a:xfrm>
+          <a:prstGeom prst="rect">
+            <a:avLst/>
+          </a:prstGeom>
+        </p:spPr>
+        <p:txBody>
+          <a:bodyPr lIns="0" rIns="0" tIns="0" bIns="0" anchor="ctr">
+            <a:noAutofit/>
+          </a:bodyPr>
+          <a:p>
+            <a:pPr algn="ctr"/>
+            <a:endParaRPr b="0" lang="pt-BR" sz="4400" spc="-1" strike="noStrike">
+              <a:latin typeface="Arial"/>
+            </a:endParaRPr>
+          </a:p>
+        </p:txBody>
+      </p:sp>
+      <p:sp>
+        <p:nvSpPr>
+          <p:cNvPr id="190" name="PlaceHolder 2"/>
+          <p:cNvSpPr>
+            <a:spLocks noGrp="1"/>
+          </p:cNvSpPr>
+          <p:nvPr>
+            <p:ph type="body"/>
+          </p:nvPr>
+        </p:nvSpPr>
+        <p:spPr>
+          <a:xfrm>
+            <a:off x="609480" y="1604520"/>
+            <a:ext cx="5354280" cy="1896840"/>
+          </a:xfrm>
+          <a:prstGeom prst="rect">
+            <a:avLst/>
+          </a:prstGeom>
+        </p:spPr>
+        <p:txBody>
+          <a:bodyPr lIns="0" rIns="0" tIns="0" bIns="0">
+            <a:normAutofit/>
+          </a:bodyPr>
+          <a:p>
+            <a:endParaRPr b="0" lang="pt-BR" sz="3200" spc="-1" strike="noStrike">
+              <a:latin typeface="Arial"/>
+            </a:endParaRPr>
+          </a:p>
+        </p:txBody>
+      </p:sp>
+      <p:sp>
+        <p:nvSpPr>
+          <p:cNvPr id="191" name="PlaceHolder 3"/>
+          <p:cNvSpPr>
+            <a:spLocks noGrp="1"/>
+          </p:cNvSpPr>
+          <p:nvPr>
+            <p:ph type="body"/>
+          </p:nvPr>
+        </p:nvSpPr>
+        <p:spPr>
+          <a:xfrm>
+            <a:off x="6231960" y="1604520"/>
+            <a:ext cx="5354280" cy="1896840"/>
+          </a:xfrm>
+          <a:prstGeom prst="rect">
+            <a:avLst/>
+          </a:prstGeom>
+        </p:spPr>
+        <p:txBody>
+          <a:bodyPr lIns="0" rIns="0" tIns="0" bIns="0">
+            <a:normAutofit/>
+          </a:bodyPr>
+          <a:p>
+            <a:endParaRPr b="0" lang="pt-BR" sz="3200" spc="-1" strike="noStrike">
+              <a:latin typeface="Arial"/>
+            </a:endParaRPr>
+          </a:p>
+        </p:txBody>
+      </p:sp>
+      <p:sp>
+        <p:nvSpPr>
+          <p:cNvPr id="192" name="PlaceHolder 4"/>
+          <p:cNvSpPr>
+            <a:spLocks noGrp="1"/>
+          </p:cNvSpPr>
+          <p:nvPr>
+            <p:ph type="body"/>
+          </p:nvPr>
+        </p:nvSpPr>
+        <p:spPr>
+          <a:xfrm>
+            <a:off x="609480" y="3682080"/>
+            <a:ext cx="10972440" cy="1896840"/>
+          </a:xfrm>
+          <a:prstGeom prst="rect">
+            <a:avLst/>
+          </a:prstGeom>
+        </p:spPr>
+        <p:txBody>
+          <a:bodyPr lIns="0" rIns="0" tIns="0" bIns="0">
+            <a:normAutofit/>
+          </a:bodyPr>
+          <a:p>
+            <a:endParaRPr b="0" lang="pt-BR" sz="3200" spc="-1" strike="noStrike">
+              <a:latin typeface="Arial"/>
+            </a:endParaRPr>
+          </a:p>
+        </p:txBody>
+      </p:sp>
+    </p:spTree>
+  </p:cSld>
+</p:sldLayout>
+</file>
+
+<file path=ppt/slideLayouts/slideLayout58.xml><?xml version="1.0" encoding="utf-8"?>
+<p:sldLayout xmlns:a="http://schemas.openxmlformats.org/drawingml/2006/main" xmlns:p="http://schemas.openxmlformats.org/presentationml/2006/main" xmlns:r="http://schemas.openxmlformats.org/officeDocument/2006/relationships" xmlns:p14="http://schemas.microsoft.com/office/powerpoint/2010/main" xmlns:p15="http://schemas.microsoft.com/office/powerpoint/2012/main" xmlns:mc="http://schemas.openxmlformats.org/markup-compatibility/2006" type="objOverTx" preserve="1">
+  <p:cSld name="Title, Content over Content">
+    <p:spTree>
+      <p:nvGrpSpPr>
+        <p:cNvPr id="1" name=""/>
+        <p:cNvGrpSpPr/>
+        <p:nvPr/>
+      </p:nvGrpSpPr>
+      <p:grpSpPr>
+        <a:xfrm>
+          <a:off x="0" y="0"/>
+          <a:ext cx="0" cy="0"/>
+          <a:chOff x="0" y="0"/>
+          <a:chExt cx="0" cy="0"/>
+        </a:xfrm>
+      </p:grpSpPr>
+      <p:sp>
+        <p:nvSpPr>
+          <p:cNvPr id="193" name="PlaceHolder 1"/>
+          <p:cNvSpPr>
+            <a:spLocks noGrp="1"/>
+          </p:cNvSpPr>
+          <p:nvPr>
+            <p:ph type="title"/>
+          </p:nvPr>
+        </p:nvSpPr>
+        <p:spPr>
+          <a:xfrm>
+            <a:off x="609480" y="273600"/>
+            <a:ext cx="10972440" cy="1144800"/>
+          </a:xfrm>
+          <a:prstGeom prst="rect">
+            <a:avLst/>
+          </a:prstGeom>
+        </p:spPr>
+        <p:txBody>
+          <a:bodyPr lIns="0" rIns="0" tIns="0" bIns="0" anchor="ctr">
+            <a:noAutofit/>
+          </a:bodyPr>
+          <a:p>
+            <a:pPr algn="ctr"/>
+            <a:endParaRPr b="0" lang="pt-BR" sz="4400" spc="-1" strike="noStrike">
+              <a:latin typeface="Arial"/>
+            </a:endParaRPr>
+          </a:p>
+        </p:txBody>
+      </p:sp>
+      <p:sp>
+        <p:nvSpPr>
+          <p:cNvPr id="194" name="PlaceHolder 2"/>
+          <p:cNvSpPr>
+            <a:spLocks noGrp="1"/>
+          </p:cNvSpPr>
+          <p:nvPr>
+            <p:ph type="body"/>
+          </p:nvPr>
+        </p:nvSpPr>
+        <p:spPr>
+          <a:xfrm>
+            <a:off x="609480" y="1604520"/>
+            <a:ext cx="10972440" cy="1896840"/>
+          </a:xfrm>
+          <a:prstGeom prst="rect">
+            <a:avLst/>
+          </a:prstGeom>
+        </p:spPr>
+        <p:txBody>
+          <a:bodyPr lIns="0" rIns="0" tIns="0" bIns="0">
+            <a:normAutofit/>
+          </a:bodyPr>
+          <a:p>
+            <a:endParaRPr b="0" lang="pt-BR" sz="3200" spc="-1" strike="noStrike">
+              <a:latin typeface="Arial"/>
+            </a:endParaRPr>
+          </a:p>
+        </p:txBody>
+      </p:sp>
+      <p:sp>
+        <p:nvSpPr>
+          <p:cNvPr id="195" name="PlaceHolder 3"/>
+          <p:cNvSpPr>
+            <a:spLocks noGrp="1"/>
+          </p:cNvSpPr>
+          <p:nvPr>
+            <p:ph type="body"/>
+          </p:nvPr>
+        </p:nvSpPr>
+        <p:spPr>
+          <a:xfrm>
+            <a:off x="609480" y="3682080"/>
+            <a:ext cx="10972440" cy="1896840"/>
+          </a:xfrm>
+          <a:prstGeom prst="rect">
+            <a:avLst/>
+          </a:prstGeom>
+        </p:spPr>
+        <p:txBody>
+          <a:bodyPr lIns="0" rIns="0" tIns="0" bIns="0">
+            <a:normAutofit/>
+          </a:bodyPr>
+          <a:p>
+            <a:endParaRPr b="0" lang="pt-BR" sz="3200" spc="-1" strike="noStrike">
+              <a:latin typeface="Arial"/>
+            </a:endParaRPr>
+          </a:p>
+        </p:txBody>
+      </p:sp>
+    </p:spTree>
+  </p:cSld>
+</p:sldLayout>
+</file>
+
+<file path=ppt/slideLayouts/slideLayout59.xml><?xml version="1.0" encoding="utf-8"?>
+<p:sldLayout xmlns:a="http://schemas.openxmlformats.org/drawingml/2006/main" xmlns:p="http://schemas.openxmlformats.org/presentationml/2006/main" xmlns:r="http://schemas.openxmlformats.org/officeDocument/2006/relationships" xmlns:p14="http://schemas.microsoft.com/office/powerpoint/2010/main" xmlns:p15="http://schemas.microsoft.com/office/powerpoint/2012/main" xmlns:mc="http://schemas.openxmlformats.org/markup-compatibility/2006" type="fourObj" preserve="1">
+  <p:cSld name="Title, 4 Content">
+    <p:spTree>
+      <p:nvGrpSpPr>
+        <p:cNvPr id="1" name=""/>
+        <p:cNvGrpSpPr/>
+        <p:nvPr/>
+      </p:nvGrpSpPr>
+      <p:grpSpPr>
+        <a:xfrm>
+          <a:off x="0" y="0"/>
+          <a:ext cx="0" cy="0"/>
+          <a:chOff x="0" y="0"/>
+          <a:chExt cx="0" cy="0"/>
+        </a:xfrm>
+      </p:grpSpPr>
+      <p:sp>
+        <p:nvSpPr>
+          <p:cNvPr id="196" name="PlaceHolder 1"/>
+          <p:cNvSpPr>
+            <a:spLocks noGrp="1"/>
+          </p:cNvSpPr>
+          <p:nvPr>
+            <p:ph type="title"/>
+          </p:nvPr>
+        </p:nvSpPr>
+        <p:spPr>
+          <a:xfrm>
+            <a:off x="609480" y="273600"/>
+            <a:ext cx="10972440" cy="1144800"/>
+          </a:xfrm>
+          <a:prstGeom prst="rect">
+            <a:avLst/>
+          </a:prstGeom>
+        </p:spPr>
+        <p:txBody>
+          <a:bodyPr lIns="0" rIns="0" tIns="0" bIns="0" anchor="ctr">
+            <a:noAutofit/>
+          </a:bodyPr>
+          <a:p>
+            <a:pPr algn="ctr"/>
+            <a:endParaRPr b="0" lang="pt-BR" sz="4400" spc="-1" strike="noStrike">
+              <a:latin typeface="Arial"/>
+            </a:endParaRPr>
+          </a:p>
+        </p:txBody>
+      </p:sp>
+      <p:sp>
+        <p:nvSpPr>
+          <p:cNvPr id="197" name="PlaceHolder 2"/>
+          <p:cNvSpPr>
+            <a:spLocks noGrp="1"/>
+          </p:cNvSpPr>
+          <p:nvPr>
+            <p:ph type="body"/>
+          </p:nvPr>
+        </p:nvSpPr>
+        <p:spPr>
+          <a:xfrm>
+            <a:off x="609480" y="1604520"/>
+            <a:ext cx="5354280" cy="1896840"/>
+          </a:xfrm>
+          <a:prstGeom prst="rect">
+            <a:avLst/>
+          </a:prstGeom>
+        </p:spPr>
+        <p:txBody>
+          <a:bodyPr lIns="0" rIns="0" tIns="0" bIns="0">
+            <a:normAutofit/>
+          </a:bodyPr>
+          <a:p>
+            <a:endParaRPr b="0" lang="pt-BR" sz="3200" spc="-1" strike="noStrike">
+              <a:latin typeface="Arial"/>
+            </a:endParaRPr>
+          </a:p>
+        </p:txBody>
+      </p:sp>
+      <p:sp>
+        <p:nvSpPr>
+          <p:cNvPr id="198" name="PlaceHolder 3"/>
+          <p:cNvSpPr>
+            <a:spLocks noGrp="1"/>
+          </p:cNvSpPr>
+          <p:nvPr>
+            <p:ph type="body"/>
+          </p:nvPr>
+        </p:nvSpPr>
+        <p:spPr>
+          <a:xfrm>
+            <a:off x="6231960" y="1604520"/>
+            <a:ext cx="5354280" cy="1896840"/>
+          </a:xfrm>
+          <a:prstGeom prst="rect">
+            <a:avLst/>
+          </a:prstGeom>
+        </p:spPr>
+        <p:txBody>
+          <a:bodyPr lIns="0" rIns="0" tIns="0" bIns="0">
+            <a:normAutofit/>
+          </a:bodyPr>
+          <a:p>
+            <a:endParaRPr b="0" lang="pt-BR" sz="3200" spc="-1" strike="noStrike">
+              <a:latin typeface="Arial"/>
+            </a:endParaRPr>
+          </a:p>
+        </p:txBody>
+      </p:sp>
+      <p:sp>
+        <p:nvSpPr>
+          <p:cNvPr id="199" name="PlaceHolder 4"/>
+          <p:cNvSpPr>
+            <a:spLocks noGrp="1"/>
+          </p:cNvSpPr>
+          <p:nvPr>
+            <p:ph type="body"/>
+          </p:nvPr>
+        </p:nvSpPr>
+        <p:spPr>
+          <a:xfrm>
+            <a:off x="609480" y="3682080"/>
+            <a:ext cx="5354280" cy="1896840"/>
+          </a:xfrm>
+          <a:prstGeom prst="rect">
+            <a:avLst/>
+          </a:prstGeom>
+        </p:spPr>
+        <p:txBody>
+          <a:bodyPr lIns="0" rIns="0" tIns="0" bIns="0">
+            <a:normAutofit/>
+          </a:bodyPr>
+          <a:p>
+            <a:endParaRPr b="0" lang="pt-BR" sz="3200" spc="-1" strike="noStrike">
+              <a:latin typeface="Arial"/>
+            </a:endParaRPr>
+          </a:p>
+        </p:txBody>
+      </p:sp>
+      <p:sp>
+        <p:nvSpPr>
+          <p:cNvPr id="200" name="PlaceHolder 5"/>
+          <p:cNvSpPr>
+            <a:spLocks noGrp="1"/>
+          </p:cNvSpPr>
+          <p:nvPr>
+            <p:ph type="body"/>
+          </p:nvPr>
+        </p:nvSpPr>
+        <p:spPr>
+          <a:xfrm>
+            <a:off x="6231960" y="3682080"/>
+            <a:ext cx="5354280" cy="1896840"/>
+          </a:xfrm>
+          <a:prstGeom prst="rect">
+            <a:avLst/>
+          </a:prstGeom>
+        </p:spPr>
+        <p:txBody>
+          <a:bodyPr lIns="0" rIns="0" tIns="0" bIns="0">
+            <a:normAutofit/>
+          </a:bodyPr>
+          <a:p>
+            <a:endParaRPr b="0" lang="pt-BR" sz="3200" spc="-1" strike="noStrike">
               <a:latin typeface="Arial"/>
             </a:endParaRPr>
           </a:p>
@@ -8721,6 +9848,1076 @@
 </p:sldLayout>
 </file>
 
+<file path=ppt/slideLayouts/slideLayout60.xml><?xml version="1.0" encoding="utf-8"?>
+<p:sldLayout xmlns:a="http://schemas.openxmlformats.org/drawingml/2006/main" xmlns:p="http://schemas.openxmlformats.org/presentationml/2006/main" xmlns:r="http://schemas.openxmlformats.org/officeDocument/2006/relationships" xmlns:p14="http://schemas.microsoft.com/office/powerpoint/2010/main" xmlns:p15="http://schemas.microsoft.com/office/powerpoint/2012/main" xmlns:mc="http://schemas.openxmlformats.org/markup-compatibility/2006" type="blank" preserve="1">
+  <p:cSld name="Title, 6 Content">
+    <p:spTree>
+      <p:nvGrpSpPr>
+        <p:cNvPr id="1" name=""/>
+        <p:cNvGrpSpPr/>
+        <p:nvPr/>
+      </p:nvGrpSpPr>
+      <p:grpSpPr>
+        <a:xfrm>
+          <a:off x="0" y="0"/>
+          <a:ext cx="0" cy="0"/>
+          <a:chOff x="0" y="0"/>
+          <a:chExt cx="0" cy="0"/>
+        </a:xfrm>
+      </p:grpSpPr>
+      <p:sp>
+        <p:nvSpPr>
+          <p:cNvPr id="201" name="PlaceHolder 1"/>
+          <p:cNvSpPr>
+            <a:spLocks noGrp="1"/>
+          </p:cNvSpPr>
+          <p:nvPr>
+            <p:ph type="title"/>
+          </p:nvPr>
+        </p:nvSpPr>
+        <p:spPr>
+          <a:xfrm>
+            <a:off x="609480" y="273600"/>
+            <a:ext cx="10972440" cy="1144800"/>
+          </a:xfrm>
+          <a:prstGeom prst="rect">
+            <a:avLst/>
+          </a:prstGeom>
+        </p:spPr>
+        <p:txBody>
+          <a:bodyPr lIns="0" rIns="0" tIns="0" bIns="0" anchor="ctr">
+            <a:noAutofit/>
+          </a:bodyPr>
+          <a:p>
+            <a:pPr algn="ctr"/>
+            <a:endParaRPr b="0" lang="pt-BR" sz="4400" spc="-1" strike="noStrike">
+              <a:latin typeface="Arial"/>
+            </a:endParaRPr>
+          </a:p>
+        </p:txBody>
+      </p:sp>
+      <p:sp>
+        <p:nvSpPr>
+          <p:cNvPr id="202" name="PlaceHolder 2"/>
+          <p:cNvSpPr>
+            <a:spLocks noGrp="1"/>
+          </p:cNvSpPr>
+          <p:nvPr>
+            <p:ph type="body"/>
+          </p:nvPr>
+        </p:nvSpPr>
+        <p:spPr>
+          <a:xfrm>
+            <a:off x="609480" y="1604520"/>
+            <a:ext cx="3533040" cy="1896840"/>
+          </a:xfrm>
+          <a:prstGeom prst="rect">
+            <a:avLst/>
+          </a:prstGeom>
+        </p:spPr>
+        <p:txBody>
+          <a:bodyPr lIns="0" rIns="0" tIns="0" bIns="0">
+            <a:normAutofit/>
+          </a:bodyPr>
+          <a:p>
+            <a:endParaRPr b="0" lang="pt-BR" sz="3200" spc="-1" strike="noStrike">
+              <a:latin typeface="Arial"/>
+            </a:endParaRPr>
+          </a:p>
+        </p:txBody>
+      </p:sp>
+      <p:sp>
+        <p:nvSpPr>
+          <p:cNvPr id="203" name="PlaceHolder 3"/>
+          <p:cNvSpPr>
+            <a:spLocks noGrp="1"/>
+          </p:cNvSpPr>
+          <p:nvPr>
+            <p:ph type="body"/>
+          </p:nvPr>
+        </p:nvSpPr>
+        <p:spPr>
+          <a:xfrm>
+            <a:off x="4319640" y="1604520"/>
+            <a:ext cx="3533040" cy="1896840"/>
+          </a:xfrm>
+          <a:prstGeom prst="rect">
+            <a:avLst/>
+          </a:prstGeom>
+        </p:spPr>
+        <p:txBody>
+          <a:bodyPr lIns="0" rIns="0" tIns="0" bIns="0">
+            <a:normAutofit/>
+          </a:bodyPr>
+          <a:p>
+            <a:endParaRPr b="0" lang="pt-BR" sz="3200" spc="-1" strike="noStrike">
+              <a:latin typeface="Arial"/>
+            </a:endParaRPr>
+          </a:p>
+        </p:txBody>
+      </p:sp>
+      <p:sp>
+        <p:nvSpPr>
+          <p:cNvPr id="204" name="PlaceHolder 4"/>
+          <p:cNvSpPr>
+            <a:spLocks noGrp="1"/>
+          </p:cNvSpPr>
+          <p:nvPr>
+            <p:ph type="body"/>
+          </p:nvPr>
+        </p:nvSpPr>
+        <p:spPr>
+          <a:xfrm>
+            <a:off x="8029800" y="1604520"/>
+            <a:ext cx="3533040" cy="1896840"/>
+          </a:xfrm>
+          <a:prstGeom prst="rect">
+            <a:avLst/>
+          </a:prstGeom>
+        </p:spPr>
+        <p:txBody>
+          <a:bodyPr lIns="0" rIns="0" tIns="0" bIns="0">
+            <a:normAutofit/>
+          </a:bodyPr>
+          <a:p>
+            <a:endParaRPr b="0" lang="pt-BR" sz="3200" spc="-1" strike="noStrike">
+              <a:latin typeface="Arial"/>
+            </a:endParaRPr>
+          </a:p>
+        </p:txBody>
+      </p:sp>
+      <p:sp>
+        <p:nvSpPr>
+          <p:cNvPr id="205" name="PlaceHolder 5"/>
+          <p:cNvSpPr>
+            <a:spLocks noGrp="1"/>
+          </p:cNvSpPr>
+          <p:nvPr>
+            <p:ph type="body"/>
+          </p:nvPr>
+        </p:nvSpPr>
+        <p:spPr>
+          <a:xfrm>
+            <a:off x="609480" y="3682080"/>
+            <a:ext cx="3533040" cy="1896840"/>
+          </a:xfrm>
+          <a:prstGeom prst="rect">
+            <a:avLst/>
+          </a:prstGeom>
+        </p:spPr>
+        <p:txBody>
+          <a:bodyPr lIns="0" rIns="0" tIns="0" bIns="0">
+            <a:normAutofit/>
+          </a:bodyPr>
+          <a:p>
+            <a:endParaRPr b="0" lang="pt-BR" sz="3200" spc="-1" strike="noStrike">
+              <a:latin typeface="Arial"/>
+            </a:endParaRPr>
+          </a:p>
+        </p:txBody>
+      </p:sp>
+      <p:sp>
+        <p:nvSpPr>
+          <p:cNvPr id="206" name="PlaceHolder 6"/>
+          <p:cNvSpPr>
+            <a:spLocks noGrp="1"/>
+          </p:cNvSpPr>
+          <p:nvPr>
+            <p:ph type="body"/>
+          </p:nvPr>
+        </p:nvSpPr>
+        <p:spPr>
+          <a:xfrm>
+            <a:off x="4319640" y="3682080"/>
+            <a:ext cx="3533040" cy="1896840"/>
+          </a:xfrm>
+          <a:prstGeom prst="rect">
+            <a:avLst/>
+          </a:prstGeom>
+        </p:spPr>
+        <p:txBody>
+          <a:bodyPr lIns="0" rIns="0" tIns="0" bIns="0">
+            <a:normAutofit/>
+          </a:bodyPr>
+          <a:p>
+            <a:endParaRPr b="0" lang="pt-BR" sz="3200" spc="-1" strike="noStrike">
+              <a:latin typeface="Arial"/>
+            </a:endParaRPr>
+          </a:p>
+        </p:txBody>
+      </p:sp>
+      <p:sp>
+        <p:nvSpPr>
+          <p:cNvPr id="207" name="PlaceHolder 7"/>
+          <p:cNvSpPr>
+            <a:spLocks noGrp="1"/>
+          </p:cNvSpPr>
+          <p:nvPr>
+            <p:ph type="body"/>
+          </p:nvPr>
+        </p:nvSpPr>
+        <p:spPr>
+          <a:xfrm>
+            <a:off x="8029800" y="3682080"/>
+            <a:ext cx="3533040" cy="1896840"/>
+          </a:xfrm>
+          <a:prstGeom prst="rect">
+            <a:avLst/>
+          </a:prstGeom>
+        </p:spPr>
+        <p:txBody>
+          <a:bodyPr lIns="0" rIns="0" tIns="0" bIns="0">
+            <a:normAutofit/>
+          </a:bodyPr>
+          <a:p>
+            <a:endParaRPr b="0" lang="pt-BR" sz="3200" spc="-1" strike="noStrike">
+              <a:latin typeface="Arial"/>
+            </a:endParaRPr>
+          </a:p>
+        </p:txBody>
+      </p:sp>
+    </p:spTree>
+  </p:cSld>
+</p:sldLayout>
+</file>
+
+<file path=ppt/slideLayouts/slideLayout61.xml><?xml version="1.0" encoding="utf-8"?>
+<p:sldLayout xmlns:a="http://schemas.openxmlformats.org/drawingml/2006/main" xmlns:p="http://schemas.openxmlformats.org/presentationml/2006/main" xmlns:r="http://schemas.openxmlformats.org/officeDocument/2006/relationships" xmlns:p14="http://schemas.microsoft.com/office/powerpoint/2010/main" xmlns:p15="http://schemas.microsoft.com/office/powerpoint/2012/main" xmlns:mc="http://schemas.openxmlformats.org/markup-compatibility/2006" type="blank" preserve="1">
+  <p:cSld name="Blank Slide">
+    <p:spTree>
+      <p:nvGrpSpPr>
+        <p:cNvPr id="1" name=""/>
+        <p:cNvGrpSpPr/>
+        <p:nvPr/>
+      </p:nvGrpSpPr>
+      <p:grpSpPr>
+        <a:xfrm>
+          <a:off x="0" y="0"/>
+          <a:ext cx="0" cy="0"/>
+          <a:chOff x="0" y="0"/>
+          <a:chExt cx="0" cy="0"/>
+        </a:xfrm>
+      </p:grpSpPr>
+    </p:spTree>
+  </p:cSld>
+</p:sldLayout>
+</file>
+
+<file path=ppt/slideLayouts/slideLayout62.xml><?xml version="1.0" encoding="utf-8"?>
+<p:sldLayout xmlns:a="http://schemas.openxmlformats.org/drawingml/2006/main" xmlns:p="http://schemas.openxmlformats.org/presentationml/2006/main" xmlns:r="http://schemas.openxmlformats.org/officeDocument/2006/relationships" xmlns:p14="http://schemas.microsoft.com/office/powerpoint/2010/main" xmlns:p15="http://schemas.microsoft.com/office/powerpoint/2012/main" xmlns:mc="http://schemas.openxmlformats.org/markup-compatibility/2006" type="tx" preserve="1">
+  <p:cSld name="Title Slide">
+    <p:spTree>
+      <p:nvGrpSpPr>
+        <p:cNvPr id="1" name=""/>
+        <p:cNvGrpSpPr/>
+        <p:nvPr/>
+      </p:nvGrpSpPr>
+      <p:grpSpPr>
+        <a:xfrm>
+          <a:off x="0" y="0"/>
+          <a:ext cx="0" cy="0"/>
+          <a:chOff x="0" y="0"/>
+          <a:chExt cx="0" cy="0"/>
+        </a:xfrm>
+      </p:grpSpPr>
+      <p:sp>
+        <p:nvSpPr>
+          <p:cNvPr id="213" name="PlaceHolder 1"/>
+          <p:cNvSpPr>
+            <a:spLocks noGrp="1"/>
+          </p:cNvSpPr>
+          <p:nvPr>
+            <p:ph type="title"/>
+          </p:nvPr>
+        </p:nvSpPr>
+        <p:spPr>
+          <a:xfrm>
+            <a:off x="609480" y="273600"/>
+            <a:ext cx="10972440" cy="1144800"/>
+          </a:xfrm>
+          <a:prstGeom prst="rect">
+            <a:avLst/>
+          </a:prstGeom>
+        </p:spPr>
+        <p:txBody>
+          <a:bodyPr lIns="0" rIns="0" tIns="0" bIns="0" anchor="ctr">
+            <a:noAutofit/>
+          </a:bodyPr>
+          <a:p>
+            <a:pPr algn="ctr"/>
+            <a:endParaRPr b="0" lang="pt-BR" sz="4400" spc="-1" strike="noStrike">
+              <a:latin typeface="Arial"/>
+            </a:endParaRPr>
+          </a:p>
+        </p:txBody>
+      </p:sp>
+      <p:sp>
+        <p:nvSpPr>
+          <p:cNvPr id="214" name="PlaceHolder 2"/>
+          <p:cNvSpPr>
+            <a:spLocks noGrp="1"/>
+          </p:cNvSpPr>
+          <p:nvPr>
+            <p:ph type="subTitle"/>
+          </p:nvPr>
+        </p:nvSpPr>
+        <p:spPr>
+          <a:xfrm>
+            <a:off x="609480" y="1604520"/>
+            <a:ext cx="10972440" cy="3977280"/>
+          </a:xfrm>
+          <a:prstGeom prst="rect">
+            <a:avLst/>
+          </a:prstGeom>
+        </p:spPr>
+        <p:txBody>
+          <a:bodyPr lIns="0" rIns="0" tIns="0" bIns="0" anchor="ctr">
+            <a:noAutofit/>
+          </a:bodyPr>
+          <a:p>
+            <a:pPr algn="ctr"/>
+            <a:endParaRPr b="0" lang="pt-BR" sz="3200" spc="-1" strike="noStrike">
+              <a:latin typeface="Arial"/>
+            </a:endParaRPr>
+          </a:p>
+        </p:txBody>
+      </p:sp>
+    </p:spTree>
+  </p:cSld>
+</p:sldLayout>
+</file>
+
+<file path=ppt/slideLayouts/slideLayout63.xml><?xml version="1.0" encoding="utf-8"?>
+<p:sldLayout xmlns:a="http://schemas.openxmlformats.org/drawingml/2006/main" xmlns:p="http://schemas.openxmlformats.org/presentationml/2006/main" xmlns:r="http://schemas.openxmlformats.org/officeDocument/2006/relationships" xmlns:p14="http://schemas.microsoft.com/office/powerpoint/2010/main" xmlns:p15="http://schemas.microsoft.com/office/powerpoint/2012/main" xmlns:mc="http://schemas.openxmlformats.org/markup-compatibility/2006" type="obj" preserve="1">
+  <p:cSld name="Title, Content">
+    <p:spTree>
+      <p:nvGrpSpPr>
+        <p:cNvPr id="1" name=""/>
+        <p:cNvGrpSpPr/>
+        <p:nvPr/>
+      </p:nvGrpSpPr>
+      <p:grpSpPr>
+        <a:xfrm>
+          <a:off x="0" y="0"/>
+          <a:ext cx="0" cy="0"/>
+          <a:chOff x="0" y="0"/>
+          <a:chExt cx="0" cy="0"/>
+        </a:xfrm>
+      </p:grpSpPr>
+      <p:sp>
+        <p:nvSpPr>
+          <p:cNvPr id="215" name="PlaceHolder 1"/>
+          <p:cNvSpPr>
+            <a:spLocks noGrp="1"/>
+          </p:cNvSpPr>
+          <p:nvPr>
+            <p:ph type="title"/>
+          </p:nvPr>
+        </p:nvSpPr>
+        <p:spPr>
+          <a:xfrm>
+            <a:off x="609480" y="273600"/>
+            <a:ext cx="10972440" cy="1144800"/>
+          </a:xfrm>
+          <a:prstGeom prst="rect">
+            <a:avLst/>
+          </a:prstGeom>
+        </p:spPr>
+        <p:txBody>
+          <a:bodyPr lIns="0" rIns="0" tIns="0" bIns="0" anchor="ctr">
+            <a:noAutofit/>
+          </a:bodyPr>
+          <a:p>
+            <a:pPr algn="ctr"/>
+            <a:endParaRPr b="0" lang="pt-BR" sz="4400" spc="-1" strike="noStrike">
+              <a:latin typeface="Arial"/>
+            </a:endParaRPr>
+          </a:p>
+        </p:txBody>
+      </p:sp>
+      <p:sp>
+        <p:nvSpPr>
+          <p:cNvPr id="216" name="PlaceHolder 2"/>
+          <p:cNvSpPr>
+            <a:spLocks noGrp="1"/>
+          </p:cNvSpPr>
+          <p:nvPr>
+            <p:ph type="body"/>
+          </p:nvPr>
+        </p:nvSpPr>
+        <p:spPr>
+          <a:xfrm>
+            <a:off x="609480" y="1604520"/>
+            <a:ext cx="10972440" cy="3977280"/>
+          </a:xfrm>
+          <a:prstGeom prst="rect">
+            <a:avLst/>
+          </a:prstGeom>
+        </p:spPr>
+        <p:txBody>
+          <a:bodyPr lIns="0" rIns="0" tIns="0" bIns="0">
+            <a:normAutofit/>
+          </a:bodyPr>
+          <a:p>
+            <a:endParaRPr b="0" lang="pt-BR" sz="3200" spc="-1" strike="noStrike">
+              <a:latin typeface="Arial"/>
+            </a:endParaRPr>
+          </a:p>
+        </p:txBody>
+      </p:sp>
+    </p:spTree>
+  </p:cSld>
+</p:sldLayout>
+</file>
+
+<file path=ppt/slideLayouts/slideLayout64.xml><?xml version="1.0" encoding="utf-8"?>
+<p:sldLayout xmlns:a="http://schemas.openxmlformats.org/drawingml/2006/main" xmlns:p="http://schemas.openxmlformats.org/presentationml/2006/main" xmlns:r="http://schemas.openxmlformats.org/officeDocument/2006/relationships" xmlns:p14="http://schemas.microsoft.com/office/powerpoint/2010/main" xmlns:p15="http://schemas.microsoft.com/office/powerpoint/2012/main" xmlns:mc="http://schemas.openxmlformats.org/markup-compatibility/2006" type="twoObj" preserve="1">
+  <p:cSld name="Title, 2 Content">
+    <p:spTree>
+      <p:nvGrpSpPr>
+        <p:cNvPr id="1" name=""/>
+        <p:cNvGrpSpPr/>
+        <p:nvPr/>
+      </p:nvGrpSpPr>
+      <p:grpSpPr>
+        <a:xfrm>
+          <a:off x="0" y="0"/>
+          <a:ext cx="0" cy="0"/>
+          <a:chOff x="0" y="0"/>
+          <a:chExt cx="0" cy="0"/>
+        </a:xfrm>
+      </p:grpSpPr>
+      <p:sp>
+        <p:nvSpPr>
+          <p:cNvPr id="217" name="PlaceHolder 1"/>
+          <p:cNvSpPr>
+            <a:spLocks noGrp="1"/>
+          </p:cNvSpPr>
+          <p:nvPr>
+            <p:ph type="title"/>
+          </p:nvPr>
+        </p:nvSpPr>
+        <p:spPr>
+          <a:xfrm>
+            <a:off x="609480" y="273600"/>
+            <a:ext cx="10972440" cy="1144800"/>
+          </a:xfrm>
+          <a:prstGeom prst="rect">
+            <a:avLst/>
+          </a:prstGeom>
+        </p:spPr>
+        <p:txBody>
+          <a:bodyPr lIns="0" rIns="0" tIns="0" bIns="0" anchor="ctr">
+            <a:noAutofit/>
+          </a:bodyPr>
+          <a:p>
+            <a:pPr algn="ctr"/>
+            <a:endParaRPr b="0" lang="pt-BR" sz="4400" spc="-1" strike="noStrike">
+              <a:latin typeface="Arial"/>
+            </a:endParaRPr>
+          </a:p>
+        </p:txBody>
+      </p:sp>
+      <p:sp>
+        <p:nvSpPr>
+          <p:cNvPr id="218" name="PlaceHolder 2"/>
+          <p:cNvSpPr>
+            <a:spLocks noGrp="1"/>
+          </p:cNvSpPr>
+          <p:nvPr>
+            <p:ph type="body"/>
+          </p:nvPr>
+        </p:nvSpPr>
+        <p:spPr>
+          <a:xfrm>
+            <a:off x="609480" y="1604520"/>
+            <a:ext cx="5354280" cy="3977280"/>
+          </a:xfrm>
+          <a:prstGeom prst="rect">
+            <a:avLst/>
+          </a:prstGeom>
+        </p:spPr>
+        <p:txBody>
+          <a:bodyPr lIns="0" rIns="0" tIns="0" bIns="0">
+            <a:normAutofit/>
+          </a:bodyPr>
+          <a:p>
+            <a:endParaRPr b="0" lang="pt-BR" sz="3200" spc="-1" strike="noStrike">
+              <a:latin typeface="Arial"/>
+            </a:endParaRPr>
+          </a:p>
+        </p:txBody>
+      </p:sp>
+      <p:sp>
+        <p:nvSpPr>
+          <p:cNvPr id="219" name="PlaceHolder 3"/>
+          <p:cNvSpPr>
+            <a:spLocks noGrp="1"/>
+          </p:cNvSpPr>
+          <p:nvPr>
+            <p:ph type="body"/>
+          </p:nvPr>
+        </p:nvSpPr>
+        <p:spPr>
+          <a:xfrm>
+            <a:off x="6231960" y="1604520"/>
+            <a:ext cx="5354280" cy="3977280"/>
+          </a:xfrm>
+          <a:prstGeom prst="rect">
+            <a:avLst/>
+          </a:prstGeom>
+        </p:spPr>
+        <p:txBody>
+          <a:bodyPr lIns="0" rIns="0" tIns="0" bIns="0">
+            <a:normAutofit/>
+          </a:bodyPr>
+          <a:p>
+            <a:endParaRPr b="0" lang="pt-BR" sz="3200" spc="-1" strike="noStrike">
+              <a:latin typeface="Arial"/>
+            </a:endParaRPr>
+          </a:p>
+        </p:txBody>
+      </p:sp>
+    </p:spTree>
+  </p:cSld>
+</p:sldLayout>
+</file>
+
+<file path=ppt/slideLayouts/slideLayout65.xml><?xml version="1.0" encoding="utf-8"?>
+<p:sldLayout xmlns:a="http://schemas.openxmlformats.org/drawingml/2006/main" xmlns:p="http://schemas.openxmlformats.org/presentationml/2006/main" xmlns:r="http://schemas.openxmlformats.org/officeDocument/2006/relationships" xmlns:p14="http://schemas.microsoft.com/office/powerpoint/2010/main" xmlns:p15="http://schemas.microsoft.com/office/powerpoint/2012/main" xmlns:mc="http://schemas.openxmlformats.org/markup-compatibility/2006" type="titleOnly" preserve="1">
+  <p:cSld name="Title Only">
+    <p:spTree>
+      <p:nvGrpSpPr>
+        <p:cNvPr id="1" name=""/>
+        <p:cNvGrpSpPr/>
+        <p:nvPr/>
+      </p:nvGrpSpPr>
+      <p:grpSpPr>
+        <a:xfrm>
+          <a:off x="0" y="0"/>
+          <a:ext cx="0" cy="0"/>
+          <a:chOff x="0" y="0"/>
+          <a:chExt cx="0" cy="0"/>
+        </a:xfrm>
+      </p:grpSpPr>
+      <p:sp>
+        <p:nvSpPr>
+          <p:cNvPr id="220" name="PlaceHolder 1"/>
+          <p:cNvSpPr>
+            <a:spLocks noGrp="1"/>
+          </p:cNvSpPr>
+          <p:nvPr>
+            <p:ph type="title"/>
+          </p:nvPr>
+        </p:nvSpPr>
+        <p:spPr>
+          <a:xfrm>
+            <a:off x="609480" y="273600"/>
+            <a:ext cx="10972440" cy="1144800"/>
+          </a:xfrm>
+          <a:prstGeom prst="rect">
+            <a:avLst/>
+          </a:prstGeom>
+        </p:spPr>
+        <p:txBody>
+          <a:bodyPr lIns="0" rIns="0" tIns="0" bIns="0" anchor="ctr">
+            <a:noAutofit/>
+          </a:bodyPr>
+          <a:p>
+            <a:pPr algn="ctr"/>
+            <a:endParaRPr b="0" lang="pt-BR" sz="4400" spc="-1" strike="noStrike">
+              <a:latin typeface="Arial"/>
+            </a:endParaRPr>
+          </a:p>
+        </p:txBody>
+      </p:sp>
+    </p:spTree>
+  </p:cSld>
+</p:sldLayout>
+</file>
+
+<file path=ppt/slideLayouts/slideLayout66.xml><?xml version="1.0" encoding="utf-8"?>
+<p:sldLayout xmlns:a="http://schemas.openxmlformats.org/drawingml/2006/main" xmlns:p="http://schemas.openxmlformats.org/presentationml/2006/main" xmlns:r="http://schemas.openxmlformats.org/officeDocument/2006/relationships" xmlns:p14="http://schemas.microsoft.com/office/powerpoint/2010/main" xmlns:p15="http://schemas.microsoft.com/office/powerpoint/2012/main" xmlns:mc="http://schemas.openxmlformats.org/markup-compatibility/2006" type="objOnly" preserve="1">
+  <p:cSld name="Centered Text">
+    <p:spTree>
+      <p:nvGrpSpPr>
+        <p:cNvPr id="1" name=""/>
+        <p:cNvGrpSpPr/>
+        <p:nvPr/>
+      </p:nvGrpSpPr>
+      <p:grpSpPr>
+        <a:xfrm>
+          <a:off x="0" y="0"/>
+          <a:ext cx="0" cy="0"/>
+          <a:chOff x="0" y="0"/>
+          <a:chExt cx="0" cy="0"/>
+        </a:xfrm>
+      </p:grpSpPr>
+      <p:sp>
+        <p:nvSpPr>
+          <p:cNvPr id="221" name="PlaceHolder 1"/>
+          <p:cNvSpPr>
+            <a:spLocks noGrp="1"/>
+          </p:cNvSpPr>
+          <p:nvPr>
+            <p:ph type="subTitle"/>
+          </p:nvPr>
+        </p:nvSpPr>
+        <p:spPr>
+          <a:xfrm>
+            <a:off x="609480" y="273600"/>
+            <a:ext cx="10972440" cy="5307840"/>
+          </a:xfrm>
+          <a:prstGeom prst="rect">
+            <a:avLst/>
+          </a:prstGeom>
+        </p:spPr>
+        <p:txBody>
+          <a:bodyPr lIns="0" rIns="0" tIns="0" bIns="0" anchor="ctr">
+            <a:noAutofit/>
+          </a:bodyPr>
+          <a:p>
+            <a:pPr algn="ctr"/>
+            <a:endParaRPr b="0" lang="pt-BR" sz="3200" spc="-1" strike="noStrike">
+              <a:latin typeface="Arial"/>
+            </a:endParaRPr>
+          </a:p>
+        </p:txBody>
+      </p:sp>
+    </p:spTree>
+  </p:cSld>
+</p:sldLayout>
+</file>
+
+<file path=ppt/slideLayouts/slideLayout67.xml><?xml version="1.0" encoding="utf-8"?>
+<p:sldLayout xmlns:a="http://schemas.openxmlformats.org/drawingml/2006/main" xmlns:p="http://schemas.openxmlformats.org/presentationml/2006/main" xmlns:r="http://schemas.openxmlformats.org/officeDocument/2006/relationships" xmlns:p14="http://schemas.microsoft.com/office/powerpoint/2010/main" xmlns:p15="http://schemas.microsoft.com/office/powerpoint/2012/main" xmlns:mc="http://schemas.openxmlformats.org/markup-compatibility/2006" type="twoObjAndObj" preserve="1">
+  <p:cSld name="Title, 2 Content and Content">
+    <p:spTree>
+      <p:nvGrpSpPr>
+        <p:cNvPr id="1" name=""/>
+        <p:cNvGrpSpPr/>
+        <p:nvPr/>
+      </p:nvGrpSpPr>
+      <p:grpSpPr>
+        <a:xfrm>
+          <a:off x="0" y="0"/>
+          <a:ext cx="0" cy="0"/>
+          <a:chOff x="0" y="0"/>
+          <a:chExt cx="0" cy="0"/>
+        </a:xfrm>
+      </p:grpSpPr>
+      <p:sp>
+        <p:nvSpPr>
+          <p:cNvPr id="222" name="PlaceHolder 1"/>
+          <p:cNvSpPr>
+            <a:spLocks noGrp="1"/>
+          </p:cNvSpPr>
+          <p:nvPr>
+            <p:ph type="title"/>
+          </p:nvPr>
+        </p:nvSpPr>
+        <p:spPr>
+          <a:xfrm>
+            <a:off x="609480" y="273600"/>
+            <a:ext cx="10972440" cy="1144800"/>
+          </a:xfrm>
+          <a:prstGeom prst="rect">
+            <a:avLst/>
+          </a:prstGeom>
+        </p:spPr>
+        <p:txBody>
+          <a:bodyPr lIns="0" rIns="0" tIns="0" bIns="0" anchor="ctr">
+            <a:noAutofit/>
+          </a:bodyPr>
+          <a:p>
+            <a:pPr algn="ctr"/>
+            <a:endParaRPr b="0" lang="pt-BR" sz="4400" spc="-1" strike="noStrike">
+              <a:latin typeface="Arial"/>
+            </a:endParaRPr>
+          </a:p>
+        </p:txBody>
+      </p:sp>
+      <p:sp>
+        <p:nvSpPr>
+          <p:cNvPr id="223" name="PlaceHolder 2"/>
+          <p:cNvSpPr>
+            <a:spLocks noGrp="1"/>
+          </p:cNvSpPr>
+          <p:nvPr>
+            <p:ph type="body"/>
+          </p:nvPr>
+        </p:nvSpPr>
+        <p:spPr>
+          <a:xfrm>
+            <a:off x="609480" y="1604520"/>
+            <a:ext cx="5354280" cy="1896840"/>
+          </a:xfrm>
+          <a:prstGeom prst="rect">
+            <a:avLst/>
+          </a:prstGeom>
+        </p:spPr>
+        <p:txBody>
+          <a:bodyPr lIns="0" rIns="0" tIns="0" bIns="0">
+            <a:normAutofit/>
+          </a:bodyPr>
+          <a:p>
+            <a:endParaRPr b="0" lang="pt-BR" sz="3200" spc="-1" strike="noStrike">
+              <a:latin typeface="Arial"/>
+            </a:endParaRPr>
+          </a:p>
+        </p:txBody>
+      </p:sp>
+      <p:sp>
+        <p:nvSpPr>
+          <p:cNvPr id="224" name="PlaceHolder 3"/>
+          <p:cNvSpPr>
+            <a:spLocks noGrp="1"/>
+          </p:cNvSpPr>
+          <p:nvPr>
+            <p:ph type="body"/>
+          </p:nvPr>
+        </p:nvSpPr>
+        <p:spPr>
+          <a:xfrm>
+            <a:off x="6231960" y="1604520"/>
+            <a:ext cx="5354280" cy="3977280"/>
+          </a:xfrm>
+          <a:prstGeom prst="rect">
+            <a:avLst/>
+          </a:prstGeom>
+        </p:spPr>
+        <p:txBody>
+          <a:bodyPr lIns="0" rIns="0" tIns="0" bIns="0">
+            <a:normAutofit/>
+          </a:bodyPr>
+          <a:p>
+            <a:endParaRPr b="0" lang="pt-BR" sz="3200" spc="-1" strike="noStrike">
+              <a:latin typeface="Arial"/>
+            </a:endParaRPr>
+          </a:p>
+        </p:txBody>
+      </p:sp>
+      <p:sp>
+        <p:nvSpPr>
+          <p:cNvPr id="225" name="PlaceHolder 4"/>
+          <p:cNvSpPr>
+            <a:spLocks noGrp="1"/>
+          </p:cNvSpPr>
+          <p:nvPr>
+            <p:ph type="body"/>
+          </p:nvPr>
+        </p:nvSpPr>
+        <p:spPr>
+          <a:xfrm>
+            <a:off x="609480" y="3682080"/>
+            <a:ext cx="5354280" cy="1896840"/>
+          </a:xfrm>
+          <a:prstGeom prst="rect">
+            <a:avLst/>
+          </a:prstGeom>
+        </p:spPr>
+        <p:txBody>
+          <a:bodyPr lIns="0" rIns="0" tIns="0" bIns="0">
+            <a:normAutofit/>
+          </a:bodyPr>
+          <a:p>
+            <a:endParaRPr b="0" lang="pt-BR" sz="3200" spc="-1" strike="noStrike">
+              <a:latin typeface="Arial"/>
+            </a:endParaRPr>
+          </a:p>
+        </p:txBody>
+      </p:sp>
+    </p:spTree>
+  </p:cSld>
+</p:sldLayout>
+</file>
+
+<file path=ppt/slideLayouts/slideLayout68.xml><?xml version="1.0" encoding="utf-8"?>
+<p:sldLayout xmlns:a="http://schemas.openxmlformats.org/drawingml/2006/main" xmlns:p="http://schemas.openxmlformats.org/presentationml/2006/main" xmlns:r="http://schemas.openxmlformats.org/officeDocument/2006/relationships" xmlns:p14="http://schemas.microsoft.com/office/powerpoint/2010/main" xmlns:p15="http://schemas.microsoft.com/office/powerpoint/2012/main" xmlns:mc="http://schemas.openxmlformats.org/markup-compatibility/2006" type="objAndTwoObj" preserve="1">
+  <p:cSld name="Title Content and 2 Content">
+    <p:spTree>
+      <p:nvGrpSpPr>
+        <p:cNvPr id="1" name=""/>
+        <p:cNvGrpSpPr/>
+        <p:nvPr/>
+      </p:nvGrpSpPr>
+      <p:grpSpPr>
+        <a:xfrm>
+          <a:off x="0" y="0"/>
+          <a:ext cx="0" cy="0"/>
+          <a:chOff x="0" y="0"/>
+          <a:chExt cx="0" cy="0"/>
+        </a:xfrm>
+      </p:grpSpPr>
+      <p:sp>
+        <p:nvSpPr>
+          <p:cNvPr id="226" name="PlaceHolder 1"/>
+          <p:cNvSpPr>
+            <a:spLocks noGrp="1"/>
+          </p:cNvSpPr>
+          <p:nvPr>
+            <p:ph type="title"/>
+          </p:nvPr>
+        </p:nvSpPr>
+        <p:spPr>
+          <a:xfrm>
+            <a:off x="609480" y="273600"/>
+            <a:ext cx="10972440" cy="1144800"/>
+          </a:xfrm>
+          <a:prstGeom prst="rect">
+            <a:avLst/>
+          </a:prstGeom>
+        </p:spPr>
+        <p:txBody>
+          <a:bodyPr lIns="0" rIns="0" tIns="0" bIns="0" anchor="ctr">
+            <a:noAutofit/>
+          </a:bodyPr>
+          <a:p>
+            <a:pPr algn="ctr"/>
+            <a:endParaRPr b="0" lang="pt-BR" sz="4400" spc="-1" strike="noStrike">
+              <a:latin typeface="Arial"/>
+            </a:endParaRPr>
+          </a:p>
+        </p:txBody>
+      </p:sp>
+      <p:sp>
+        <p:nvSpPr>
+          <p:cNvPr id="227" name="PlaceHolder 2"/>
+          <p:cNvSpPr>
+            <a:spLocks noGrp="1"/>
+          </p:cNvSpPr>
+          <p:nvPr>
+            <p:ph type="body"/>
+          </p:nvPr>
+        </p:nvSpPr>
+        <p:spPr>
+          <a:xfrm>
+            <a:off x="609480" y="1604520"/>
+            <a:ext cx="5354280" cy="3977280"/>
+          </a:xfrm>
+          <a:prstGeom prst="rect">
+            <a:avLst/>
+          </a:prstGeom>
+        </p:spPr>
+        <p:txBody>
+          <a:bodyPr lIns="0" rIns="0" tIns="0" bIns="0">
+            <a:normAutofit/>
+          </a:bodyPr>
+          <a:p>
+            <a:endParaRPr b="0" lang="pt-BR" sz="3200" spc="-1" strike="noStrike">
+              <a:latin typeface="Arial"/>
+            </a:endParaRPr>
+          </a:p>
+        </p:txBody>
+      </p:sp>
+      <p:sp>
+        <p:nvSpPr>
+          <p:cNvPr id="228" name="PlaceHolder 3"/>
+          <p:cNvSpPr>
+            <a:spLocks noGrp="1"/>
+          </p:cNvSpPr>
+          <p:nvPr>
+            <p:ph type="body"/>
+          </p:nvPr>
+        </p:nvSpPr>
+        <p:spPr>
+          <a:xfrm>
+            <a:off x="6231960" y="1604520"/>
+            <a:ext cx="5354280" cy="1896840"/>
+          </a:xfrm>
+          <a:prstGeom prst="rect">
+            <a:avLst/>
+          </a:prstGeom>
+        </p:spPr>
+        <p:txBody>
+          <a:bodyPr lIns="0" rIns="0" tIns="0" bIns="0">
+            <a:normAutofit/>
+          </a:bodyPr>
+          <a:p>
+            <a:endParaRPr b="0" lang="pt-BR" sz="3200" spc="-1" strike="noStrike">
+              <a:latin typeface="Arial"/>
+            </a:endParaRPr>
+          </a:p>
+        </p:txBody>
+      </p:sp>
+      <p:sp>
+        <p:nvSpPr>
+          <p:cNvPr id="229" name="PlaceHolder 4"/>
+          <p:cNvSpPr>
+            <a:spLocks noGrp="1"/>
+          </p:cNvSpPr>
+          <p:nvPr>
+            <p:ph type="body"/>
+          </p:nvPr>
+        </p:nvSpPr>
+        <p:spPr>
+          <a:xfrm>
+            <a:off x="6231960" y="3682080"/>
+            <a:ext cx="5354280" cy="1896840"/>
+          </a:xfrm>
+          <a:prstGeom prst="rect">
+            <a:avLst/>
+          </a:prstGeom>
+        </p:spPr>
+        <p:txBody>
+          <a:bodyPr lIns="0" rIns="0" tIns="0" bIns="0">
+            <a:normAutofit/>
+          </a:bodyPr>
+          <a:p>
+            <a:endParaRPr b="0" lang="pt-BR" sz="3200" spc="-1" strike="noStrike">
+              <a:latin typeface="Arial"/>
+            </a:endParaRPr>
+          </a:p>
+        </p:txBody>
+      </p:sp>
+    </p:spTree>
+  </p:cSld>
+</p:sldLayout>
+</file>
+
+<file path=ppt/slideLayouts/slideLayout69.xml><?xml version="1.0" encoding="utf-8"?>
+<p:sldLayout xmlns:a="http://schemas.openxmlformats.org/drawingml/2006/main" xmlns:p="http://schemas.openxmlformats.org/presentationml/2006/main" xmlns:r="http://schemas.openxmlformats.org/officeDocument/2006/relationships" xmlns:p14="http://schemas.microsoft.com/office/powerpoint/2010/main" xmlns:p15="http://schemas.microsoft.com/office/powerpoint/2012/main" xmlns:mc="http://schemas.openxmlformats.org/markup-compatibility/2006" type="twoObjOverTx" preserve="1">
+  <p:cSld name="Title, 2 Content over Content">
+    <p:spTree>
+      <p:nvGrpSpPr>
+        <p:cNvPr id="1" name=""/>
+        <p:cNvGrpSpPr/>
+        <p:nvPr/>
+      </p:nvGrpSpPr>
+      <p:grpSpPr>
+        <a:xfrm>
+          <a:off x="0" y="0"/>
+          <a:ext cx="0" cy="0"/>
+          <a:chOff x="0" y="0"/>
+          <a:chExt cx="0" cy="0"/>
+        </a:xfrm>
+      </p:grpSpPr>
+      <p:sp>
+        <p:nvSpPr>
+          <p:cNvPr id="230" name="PlaceHolder 1"/>
+          <p:cNvSpPr>
+            <a:spLocks noGrp="1"/>
+          </p:cNvSpPr>
+          <p:nvPr>
+            <p:ph type="title"/>
+          </p:nvPr>
+        </p:nvSpPr>
+        <p:spPr>
+          <a:xfrm>
+            <a:off x="609480" y="273600"/>
+            <a:ext cx="10972440" cy="1144800"/>
+          </a:xfrm>
+          <a:prstGeom prst="rect">
+            <a:avLst/>
+          </a:prstGeom>
+        </p:spPr>
+        <p:txBody>
+          <a:bodyPr lIns="0" rIns="0" tIns="0" bIns="0" anchor="ctr">
+            <a:noAutofit/>
+          </a:bodyPr>
+          <a:p>
+            <a:pPr algn="ctr"/>
+            <a:endParaRPr b="0" lang="pt-BR" sz="4400" spc="-1" strike="noStrike">
+              <a:latin typeface="Arial"/>
+            </a:endParaRPr>
+          </a:p>
+        </p:txBody>
+      </p:sp>
+      <p:sp>
+        <p:nvSpPr>
+          <p:cNvPr id="231" name="PlaceHolder 2"/>
+          <p:cNvSpPr>
+            <a:spLocks noGrp="1"/>
+          </p:cNvSpPr>
+          <p:nvPr>
+            <p:ph type="body"/>
+          </p:nvPr>
+        </p:nvSpPr>
+        <p:spPr>
+          <a:xfrm>
+            <a:off x="609480" y="1604520"/>
+            <a:ext cx="5354280" cy="1896840"/>
+          </a:xfrm>
+          <a:prstGeom prst="rect">
+            <a:avLst/>
+          </a:prstGeom>
+        </p:spPr>
+        <p:txBody>
+          <a:bodyPr lIns="0" rIns="0" tIns="0" bIns="0">
+            <a:normAutofit/>
+          </a:bodyPr>
+          <a:p>
+            <a:endParaRPr b="0" lang="pt-BR" sz="3200" spc="-1" strike="noStrike">
+              <a:latin typeface="Arial"/>
+            </a:endParaRPr>
+          </a:p>
+        </p:txBody>
+      </p:sp>
+      <p:sp>
+        <p:nvSpPr>
+          <p:cNvPr id="232" name="PlaceHolder 3"/>
+          <p:cNvSpPr>
+            <a:spLocks noGrp="1"/>
+          </p:cNvSpPr>
+          <p:nvPr>
+            <p:ph type="body"/>
+          </p:nvPr>
+        </p:nvSpPr>
+        <p:spPr>
+          <a:xfrm>
+            <a:off x="6231960" y="1604520"/>
+            <a:ext cx="5354280" cy="1896840"/>
+          </a:xfrm>
+          <a:prstGeom prst="rect">
+            <a:avLst/>
+          </a:prstGeom>
+        </p:spPr>
+        <p:txBody>
+          <a:bodyPr lIns="0" rIns="0" tIns="0" bIns="0">
+            <a:normAutofit/>
+          </a:bodyPr>
+          <a:p>
+            <a:endParaRPr b="0" lang="pt-BR" sz="3200" spc="-1" strike="noStrike">
+              <a:latin typeface="Arial"/>
+            </a:endParaRPr>
+          </a:p>
+        </p:txBody>
+      </p:sp>
+      <p:sp>
+        <p:nvSpPr>
+          <p:cNvPr id="233" name="PlaceHolder 4"/>
+          <p:cNvSpPr>
+            <a:spLocks noGrp="1"/>
+          </p:cNvSpPr>
+          <p:nvPr>
+            <p:ph type="body"/>
+          </p:nvPr>
+        </p:nvSpPr>
+        <p:spPr>
+          <a:xfrm>
+            <a:off x="609480" y="3682080"/>
+            <a:ext cx="10972440" cy="1896840"/>
+          </a:xfrm>
+          <a:prstGeom prst="rect">
+            <a:avLst/>
+          </a:prstGeom>
+        </p:spPr>
+        <p:txBody>
+          <a:bodyPr lIns="0" rIns="0" tIns="0" bIns="0">
+            <a:normAutofit/>
+          </a:bodyPr>
+          <a:p>
+            <a:endParaRPr b="0" lang="pt-BR" sz="3200" spc="-1" strike="noStrike">
+              <a:latin typeface="Arial"/>
+            </a:endParaRPr>
+          </a:p>
+        </p:txBody>
+      </p:sp>
+    </p:spTree>
+  </p:cSld>
+</p:sldLayout>
+</file>
+
 <file path=ppt/slideLayouts/slideLayout7.xml><?xml version="1.0" encoding="utf-8"?>
 <p:sldLayout xmlns:a="http://schemas.openxmlformats.org/drawingml/2006/main" xmlns:p="http://schemas.openxmlformats.org/presentationml/2006/main" xmlns:r="http://schemas.openxmlformats.org/officeDocument/2006/relationships" xmlns:p14="http://schemas.microsoft.com/office/powerpoint/2010/main" xmlns:p15="http://schemas.microsoft.com/office/powerpoint/2012/main" xmlns:mc="http://schemas.openxmlformats.org/markup-compatibility/2006" type="twoObjAndObj" preserve="1">
   <p:cSld name="Title, 2 Content and Content">
@@ -8843,6 +11040,525 @@
           <a:xfrm>
             <a:off x="609480" y="3682080"/>
             <a:ext cx="5354280" cy="1896840"/>
+          </a:xfrm>
+          <a:prstGeom prst="rect">
+            <a:avLst/>
+          </a:prstGeom>
+        </p:spPr>
+        <p:txBody>
+          <a:bodyPr lIns="0" rIns="0" tIns="0" bIns="0">
+            <a:normAutofit/>
+          </a:bodyPr>
+          <a:p>
+            <a:endParaRPr b="0" lang="pt-BR" sz="3200" spc="-1" strike="noStrike">
+              <a:latin typeface="Arial"/>
+            </a:endParaRPr>
+          </a:p>
+        </p:txBody>
+      </p:sp>
+    </p:spTree>
+  </p:cSld>
+</p:sldLayout>
+</file>
+
+<file path=ppt/slideLayouts/slideLayout70.xml><?xml version="1.0" encoding="utf-8"?>
+<p:sldLayout xmlns:a="http://schemas.openxmlformats.org/drawingml/2006/main" xmlns:p="http://schemas.openxmlformats.org/presentationml/2006/main" xmlns:r="http://schemas.openxmlformats.org/officeDocument/2006/relationships" xmlns:p14="http://schemas.microsoft.com/office/powerpoint/2010/main" xmlns:p15="http://schemas.microsoft.com/office/powerpoint/2012/main" xmlns:mc="http://schemas.openxmlformats.org/markup-compatibility/2006" type="objOverTx" preserve="1">
+  <p:cSld name="Title, Content over Content">
+    <p:spTree>
+      <p:nvGrpSpPr>
+        <p:cNvPr id="1" name=""/>
+        <p:cNvGrpSpPr/>
+        <p:nvPr/>
+      </p:nvGrpSpPr>
+      <p:grpSpPr>
+        <a:xfrm>
+          <a:off x="0" y="0"/>
+          <a:ext cx="0" cy="0"/>
+          <a:chOff x="0" y="0"/>
+          <a:chExt cx="0" cy="0"/>
+        </a:xfrm>
+      </p:grpSpPr>
+      <p:sp>
+        <p:nvSpPr>
+          <p:cNvPr id="234" name="PlaceHolder 1"/>
+          <p:cNvSpPr>
+            <a:spLocks noGrp="1"/>
+          </p:cNvSpPr>
+          <p:nvPr>
+            <p:ph type="title"/>
+          </p:nvPr>
+        </p:nvSpPr>
+        <p:spPr>
+          <a:xfrm>
+            <a:off x="609480" y="273600"/>
+            <a:ext cx="10972440" cy="1144800"/>
+          </a:xfrm>
+          <a:prstGeom prst="rect">
+            <a:avLst/>
+          </a:prstGeom>
+        </p:spPr>
+        <p:txBody>
+          <a:bodyPr lIns="0" rIns="0" tIns="0" bIns="0" anchor="ctr">
+            <a:noAutofit/>
+          </a:bodyPr>
+          <a:p>
+            <a:pPr algn="ctr"/>
+            <a:endParaRPr b="0" lang="pt-BR" sz="4400" spc="-1" strike="noStrike">
+              <a:latin typeface="Arial"/>
+            </a:endParaRPr>
+          </a:p>
+        </p:txBody>
+      </p:sp>
+      <p:sp>
+        <p:nvSpPr>
+          <p:cNvPr id="235" name="PlaceHolder 2"/>
+          <p:cNvSpPr>
+            <a:spLocks noGrp="1"/>
+          </p:cNvSpPr>
+          <p:nvPr>
+            <p:ph type="body"/>
+          </p:nvPr>
+        </p:nvSpPr>
+        <p:spPr>
+          <a:xfrm>
+            <a:off x="609480" y="1604520"/>
+            <a:ext cx="10972440" cy="1896840"/>
+          </a:xfrm>
+          <a:prstGeom prst="rect">
+            <a:avLst/>
+          </a:prstGeom>
+        </p:spPr>
+        <p:txBody>
+          <a:bodyPr lIns="0" rIns="0" tIns="0" bIns="0">
+            <a:normAutofit/>
+          </a:bodyPr>
+          <a:p>
+            <a:endParaRPr b="0" lang="pt-BR" sz="3200" spc="-1" strike="noStrike">
+              <a:latin typeface="Arial"/>
+            </a:endParaRPr>
+          </a:p>
+        </p:txBody>
+      </p:sp>
+      <p:sp>
+        <p:nvSpPr>
+          <p:cNvPr id="236" name="PlaceHolder 3"/>
+          <p:cNvSpPr>
+            <a:spLocks noGrp="1"/>
+          </p:cNvSpPr>
+          <p:nvPr>
+            <p:ph type="body"/>
+          </p:nvPr>
+        </p:nvSpPr>
+        <p:spPr>
+          <a:xfrm>
+            <a:off x="609480" y="3682080"/>
+            <a:ext cx="10972440" cy="1896840"/>
+          </a:xfrm>
+          <a:prstGeom prst="rect">
+            <a:avLst/>
+          </a:prstGeom>
+        </p:spPr>
+        <p:txBody>
+          <a:bodyPr lIns="0" rIns="0" tIns="0" bIns="0">
+            <a:normAutofit/>
+          </a:bodyPr>
+          <a:p>
+            <a:endParaRPr b="0" lang="pt-BR" sz="3200" spc="-1" strike="noStrike">
+              <a:latin typeface="Arial"/>
+            </a:endParaRPr>
+          </a:p>
+        </p:txBody>
+      </p:sp>
+    </p:spTree>
+  </p:cSld>
+</p:sldLayout>
+</file>
+
+<file path=ppt/slideLayouts/slideLayout71.xml><?xml version="1.0" encoding="utf-8"?>
+<p:sldLayout xmlns:a="http://schemas.openxmlformats.org/drawingml/2006/main" xmlns:p="http://schemas.openxmlformats.org/presentationml/2006/main" xmlns:r="http://schemas.openxmlformats.org/officeDocument/2006/relationships" xmlns:p14="http://schemas.microsoft.com/office/powerpoint/2010/main" xmlns:p15="http://schemas.microsoft.com/office/powerpoint/2012/main" xmlns:mc="http://schemas.openxmlformats.org/markup-compatibility/2006" type="fourObj" preserve="1">
+  <p:cSld name="Title, 4 Content">
+    <p:spTree>
+      <p:nvGrpSpPr>
+        <p:cNvPr id="1" name=""/>
+        <p:cNvGrpSpPr/>
+        <p:nvPr/>
+      </p:nvGrpSpPr>
+      <p:grpSpPr>
+        <a:xfrm>
+          <a:off x="0" y="0"/>
+          <a:ext cx="0" cy="0"/>
+          <a:chOff x="0" y="0"/>
+          <a:chExt cx="0" cy="0"/>
+        </a:xfrm>
+      </p:grpSpPr>
+      <p:sp>
+        <p:nvSpPr>
+          <p:cNvPr id="237" name="PlaceHolder 1"/>
+          <p:cNvSpPr>
+            <a:spLocks noGrp="1"/>
+          </p:cNvSpPr>
+          <p:nvPr>
+            <p:ph type="title"/>
+          </p:nvPr>
+        </p:nvSpPr>
+        <p:spPr>
+          <a:xfrm>
+            <a:off x="609480" y="273600"/>
+            <a:ext cx="10972440" cy="1144800"/>
+          </a:xfrm>
+          <a:prstGeom prst="rect">
+            <a:avLst/>
+          </a:prstGeom>
+        </p:spPr>
+        <p:txBody>
+          <a:bodyPr lIns="0" rIns="0" tIns="0" bIns="0" anchor="ctr">
+            <a:noAutofit/>
+          </a:bodyPr>
+          <a:p>
+            <a:pPr algn="ctr"/>
+            <a:endParaRPr b="0" lang="pt-BR" sz="4400" spc="-1" strike="noStrike">
+              <a:latin typeface="Arial"/>
+            </a:endParaRPr>
+          </a:p>
+        </p:txBody>
+      </p:sp>
+      <p:sp>
+        <p:nvSpPr>
+          <p:cNvPr id="238" name="PlaceHolder 2"/>
+          <p:cNvSpPr>
+            <a:spLocks noGrp="1"/>
+          </p:cNvSpPr>
+          <p:nvPr>
+            <p:ph type="body"/>
+          </p:nvPr>
+        </p:nvSpPr>
+        <p:spPr>
+          <a:xfrm>
+            <a:off x="609480" y="1604520"/>
+            <a:ext cx="5354280" cy="1896840"/>
+          </a:xfrm>
+          <a:prstGeom prst="rect">
+            <a:avLst/>
+          </a:prstGeom>
+        </p:spPr>
+        <p:txBody>
+          <a:bodyPr lIns="0" rIns="0" tIns="0" bIns="0">
+            <a:normAutofit/>
+          </a:bodyPr>
+          <a:p>
+            <a:endParaRPr b="0" lang="pt-BR" sz="3200" spc="-1" strike="noStrike">
+              <a:latin typeface="Arial"/>
+            </a:endParaRPr>
+          </a:p>
+        </p:txBody>
+      </p:sp>
+      <p:sp>
+        <p:nvSpPr>
+          <p:cNvPr id="239" name="PlaceHolder 3"/>
+          <p:cNvSpPr>
+            <a:spLocks noGrp="1"/>
+          </p:cNvSpPr>
+          <p:nvPr>
+            <p:ph type="body"/>
+          </p:nvPr>
+        </p:nvSpPr>
+        <p:spPr>
+          <a:xfrm>
+            <a:off x="6231960" y="1604520"/>
+            <a:ext cx="5354280" cy="1896840"/>
+          </a:xfrm>
+          <a:prstGeom prst="rect">
+            <a:avLst/>
+          </a:prstGeom>
+        </p:spPr>
+        <p:txBody>
+          <a:bodyPr lIns="0" rIns="0" tIns="0" bIns="0">
+            <a:normAutofit/>
+          </a:bodyPr>
+          <a:p>
+            <a:endParaRPr b="0" lang="pt-BR" sz="3200" spc="-1" strike="noStrike">
+              <a:latin typeface="Arial"/>
+            </a:endParaRPr>
+          </a:p>
+        </p:txBody>
+      </p:sp>
+      <p:sp>
+        <p:nvSpPr>
+          <p:cNvPr id="240" name="PlaceHolder 4"/>
+          <p:cNvSpPr>
+            <a:spLocks noGrp="1"/>
+          </p:cNvSpPr>
+          <p:nvPr>
+            <p:ph type="body"/>
+          </p:nvPr>
+        </p:nvSpPr>
+        <p:spPr>
+          <a:xfrm>
+            <a:off x="609480" y="3682080"/>
+            <a:ext cx="5354280" cy="1896840"/>
+          </a:xfrm>
+          <a:prstGeom prst="rect">
+            <a:avLst/>
+          </a:prstGeom>
+        </p:spPr>
+        <p:txBody>
+          <a:bodyPr lIns="0" rIns="0" tIns="0" bIns="0">
+            <a:normAutofit/>
+          </a:bodyPr>
+          <a:p>
+            <a:endParaRPr b="0" lang="pt-BR" sz="3200" spc="-1" strike="noStrike">
+              <a:latin typeface="Arial"/>
+            </a:endParaRPr>
+          </a:p>
+        </p:txBody>
+      </p:sp>
+      <p:sp>
+        <p:nvSpPr>
+          <p:cNvPr id="241" name="PlaceHolder 5"/>
+          <p:cNvSpPr>
+            <a:spLocks noGrp="1"/>
+          </p:cNvSpPr>
+          <p:nvPr>
+            <p:ph type="body"/>
+          </p:nvPr>
+        </p:nvSpPr>
+        <p:spPr>
+          <a:xfrm>
+            <a:off x="6231960" y="3682080"/>
+            <a:ext cx="5354280" cy="1896840"/>
+          </a:xfrm>
+          <a:prstGeom prst="rect">
+            <a:avLst/>
+          </a:prstGeom>
+        </p:spPr>
+        <p:txBody>
+          <a:bodyPr lIns="0" rIns="0" tIns="0" bIns="0">
+            <a:normAutofit/>
+          </a:bodyPr>
+          <a:p>
+            <a:endParaRPr b="0" lang="pt-BR" sz="3200" spc="-1" strike="noStrike">
+              <a:latin typeface="Arial"/>
+            </a:endParaRPr>
+          </a:p>
+        </p:txBody>
+      </p:sp>
+    </p:spTree>
+  </p:cSld>
+</p:sldLayout>
+</file>
+
+<file path=ppt/slideLayouts/slideLayout72.xml><?xml version="1.0" encoding="utf-8"?>
+<p:sldLayout xmlns:a="http://schemas.openxmlformats.org/drawingml/2006/main" xmlns:p="http://schemas.openxmlformats.org/presentationml/2006/main" xmlns:r="http://schemas.openxmlformats.org/officeDocument/2006/relationships" xmlns:p14="http://schemas.microsoft.com/office/powerpoint/2010/main" xmlns:p15="http://schemas.microsoft.com/office/powerpoint/2012/main" xmlns:mc="http://schemas.openxmlformats.org/markup-compatibility/2006" type="blank" preserve="1">
+  <p:cSld name="Title, 6 Content">
+    <p:spTree>
+      <p:nvGrpSpPr>
+        <p:cNvPr id="1" name=""/>
+        <p:cNvGrpSpPr/>
+        <p:nvPr/>
+      </p:nvGrpSpPr>
+      <p:grpSpPr>
+        <a:xfrm>
+          <a:off x="0" y="0"/>
+          <a:ext cx="0" cy="0"/>
+          <a:chOff x="0" y="0"/>
+          <a:chExt cx="0" cy="0"/>
+        </a:xfrm>
+      </p:grpSpPr>
+      <p:sp>
+        <p:nvSpPr>
+          <p:cNvPr id="242" name="PlaceHolder 1"/>
+          <p:cNvSpPr>
+            <a:spLocks noGrp="1"/>
+          </p:cNvSpPr>
+          <p:nvPr>
+            <p:ph type="title"/>
+          </p:nvPr>
+        </p:nvSpPr>
+        <p:spPr>
+          <a:xfrm>
+            <a:off x="609480" y="273600"/>
+            <a:ext cx="10972440" cy="1144800"/>
+          </a:xfrm>
+          <a:prstGeom prst="rect">
+            <a:avLst/>
+          </a:prstGeom>
+        </p:spPr>
+        <p:txBody>
+          <a:bodyPr lIns="0" rIns="0" tIns="0" bIns="0" anchor="ctr">
+            <a:noAutofit/>
+          </a:bodyPr>
+          <a:p>
+            <a:pPr algn="ctr"/>
+            <a:endParaRPr b="0" lang="pt-BR" sz="4400" spc="-1" strike="noStrike">
+              <a:latin typeface="Arial"/>
+            </a:endParaRPr>
+          </a:p>
+        </p:txBody>
+      </p:sp>
+      <p:sp>
+        <p:nvSpPr>
+          <p:cNvPr id="243" name="PlaceHolder 2"/>
+          <p:cNvSpPr>
+            <a:spLocks noGrp="1"/>
+          </p:cNvSpPr>
+          <p:nvPr>
+            <p:ph type="body"/>
+          </p:nvPr>
+        </p:nvSpPr>
+        <p:spPr>
+          <a:xfrm>
+            <a:off x="609480" y="1604520"/>
+            <a:ext cx="3533040" cy="1896840"/>
+          </a:xfrm>
+          <a:prstGeom prst="rect">
+            <a:avLst/>
+          </a:prstGeom>
+        </p:spPr>
+        <p:txBody>
+          <a:bodyPr lIns="0" rIns="0" tIns="0" bIns="0">
+            <a:normAutofit/>
+          </a:bodyPr>
+          <a:p>
+            <a:endParaRPr b="0" lang="pt-BR" sz="3200" spc="-1" strike="noStrike">
+              <a:latin typeface="Arial"/>
+            </a:endParaRPr>
+          </a:p>
+        </p:txBody>
+      </p:sp>
+      <p:sp>
+        <p:nvSpPr>
+          <p:cNvPr id="244" name="PlaceHolder 3"/>
+          <p:cNvSpPr>
+            <a:spLocks noGrp="1"/>
+          </p:cNvSpPr>
+          <p:nvPr>
+            <p:ph type="body"/>
+          </p:nvPr>
+        </p:nvSpPr>
+        <p:spPr>
+          <a:xfrm>
+            <a:off x="4319640" y="1604520"/>
+            <a:ext cx="3533040" cy="1896840"/>
+          </a:xfrm>
+          <a:prstGeom prst="rect">
+            <a:avLst/>
+          </a:prstGeom>
+        </p:spPr>
+        <p:txBody>
+          <a:bodyPr lIns="0" rIns="0" tIns="0" bIns="0">
+            <a:normAutofit/>
+          </a:bodyPr>
+          <a:p>
+            <a:endParaRPr b="0" lang="pt-BR" sz="3200" spc="-1" strike="noStrike">
+              <a:latin typeface="Arial"/>
+            </a:endParaRPr>
+          </a:p>
+        </p:txBody>
+      </p:sp>
+      <p:sp>
+        <p:nvSpPr>
+          <p:cNvPr id="245" name="PlaceHolder 4"/>
+          <p:cNvSpPr>
+            <a:spLocks noGrp="1"/>
+          </p:cNvSpPr>
+          <p:nvPr>
+            <p:ph type="body"/>
+          </p:nvPr>
+        </p:nvSpPr>
+        <p:spPr>
+          <a:xfrm>
+            <a:off x="8029800" y="1604520"/>
+            <a:ext cx="3533040" cy="1896840"/>
+          </a:xfrm>
+          <a:prstGeom prst="rect">
+            <a:avLst/>
+          </a:prstGeom>
+        </p:spPr>
+        <p:txBody>
+          <a:bodyPr lIns="0" rIns="0" tIns="0" bIns="0">
+            <a:normAutofit/>
+          </a:bodyPr>
+          <a:p>
+            <a:endParaRPr b="0" lang="pt-BR" sz="3200" spc="-1" strike="noStrike">
+              <a:latin typeface="Arial"/>
+            </a:endParaRPr>
+          </a:p>
+        </p:txBody>
+      </p:sp>
+      <p:sp>
+        <p:nvSpPr>
+          <p:cNvPr id="246" name="PlaceHolder 5"/>
+          <p:cNvSpPr>
+            <a:spLocks noGrp="1"/>
+          </p:cNvSpPr>
+          <p:nvPr>
+            <p:ph type="body"/>
+          </p:nvPr>
+        </p:nvSpPr>
+        <p:spPr>
+          <a:xfrm>
+            <a:off x="609480" y="3682080"/>
+            <a:ext cx="3533040" cy="1896840"/>
+          </a:xfrm>
+          <a:prstGeom prst="rect">
+            <a:avLst/>
+          </a:prstGeom>
+        </p:spPr>
+        <p:txBody>
+          <a:bodyPr lIns="0" rIns="0" tIns="0" bIns="0">
+            <a:normAutofit/>
+          </a:bodyPr>
+          <a:p>
+            <a:endParaRPr b="0" lang="pt-BR" sz="3200" spc="-1" strike="noStrike">
+              <a:latin typeface="Arial"/>
+            </a:endParaRPr>
+          </a:p>
+        </p:txBody>
+      </p:sp>
+      <p:sp>
+        <p:nvSpPr>
+          <p:cNvPr id="247" name="PlaceHolder 6"/>
+          <p:cNvSpPr>
+            <a:spLocks noGrp="1"/>
+          </p:cNvSpPr>
+          <p:nvPr>
+            <p:ph type="body"/>
+          </p:nvPr>
+        </p:nvSpPr>
+        <p:spPr>
+          <a:xfrm>
+            <a:off x="4319640" y="3682080"/>
+            <a:ext cx="3533040" cy="1896840"/>
+          </a:xfrm>
+          <a:prstGeom prst="rect">
+            <a:avLst/>
+          </a:prstGeom>
+        </p:spPr>
+        <p:txBody>
+          <a:bodyPr lIns="0" rIns="0" tIns="0" bIns="0">
+            <a:normAutofit/>
+          </a:bodyPr>
+          <a:p>
+            <a:endParaRPr b="0" lang="pt-BR" sz="3200" spc="-1" strike="noStrike">
+              <a:latin typeface="Arial"/>
+            </a:endParaRPr>
+          </a:p>
+        </p:txBody>
+      </p:sp>
+      <p:sp>
+        <p:nvSpPr>
+          <p:cNvPr id="248" name="PlaceHolder 7"/>
+          <p:cNvSpPr>
+            <a:spLocks noGrp="1"/>
+          </p:cNvSpPr>
+          <p:nvPr>
+            <p:ph type="body"/>
+          </p:nvPr>
+        </p:nvSpPr>
+        <p:spPr>
+          <a:xfrm>
+            <a:off x="8029800" y="3682080"/>
+            <a:ext cx="3533040" cy="1896840"/>
           </a:xfrm>
           <a:prstGeom prst="rect">
             <a:avLst/>
@@ -9183,7 +11899,7 @@
         <p:spPr>
           <a:xfrm>
             <a:off x="446400" y="457200"/>
-            <a:ext cx="3702240" cy="93960"/>
+            <a:ext cx="3701880" cy="93600"/>
           </a:xfrm>
           <a:prstGeom prst="rect">
             <a:avLst/>
@@ -9224,7 +11940,7 @@
         <p:spPr>
           <a:xfrm>
             <a:off x="8042040" y="453600"/>
-            <a:ext cx="3702240" cy="97560"/>
+            <a:ext cx="3701880" cy="97200"/>
           </a:xfrm>
           <a:prstGeom prst="rect">
             <a:avLst/>
@@ -9265,7 +11981,7 @@
         <p:spPr>
           <a:xfrm>
             <a:off x="4241880" y="457200"/>
-            <a:ext cx="3702240" cy="90360"/>
+            <a:ext cx="3701880" cy="90000"/>
           </a:xfrm>
           <a:prstGeom prst="rect">
             <a:avLst/>
@@ -9306,7 +12022,7 @@
         <p:spPr>
           <a:xfrm>
             <a:off x="446400" y="3085920"/>
-            <a:ext cx="11297880" cy="3337200"/>
+            <a:ext cx="11297520" cy="3336840"/>
           </a:xfrm>
           <a:prstGeom prst="rect">
             <a:avLst/>
@@ -9351,7 +12067,7 @@
         <p:spPr>
           <a:xfrm>
             <a:off x="609480" y="273600"/>
-            <a:ext cx="10972080" cy="1144440"/>
+            <a:ext cx="10972440" cy="1144800"/>
           </a:xfrm>
           <a:prstGeom prst="rect">
             <a:avLst/>
@@ -9362,13 +12078,14 @@
             <a:noAutofit/>
           </a:bodyPr>
           <a:p>
+            <a:pPr algn="ctr"/>
             <a:r>
-              <a:rPr b="0" lang="pt-BR" sz="1800" spc="-1" strike="noStrike">
+              <a:rPr b="0" lang="pt-BR" sz="4400" spc="-1" strike="noStrike">
                 <a:latin typeface="Arial"/>
               </a:rPr>
               <a:t>Clique para editar o formato do texto do título</a:t>
             </a:r>
-            <a:endParaRPr b="0" lang="pt-BR" sz="1800" spc="-1" strike="noStrike">
+            <a:endParaRPr b="0" lang="pt-BR" sz="4400" spc="-1" strike="noStrike">
               <a:latin typeface="Arial"/>
             </a:endParaRPr>
           </a:p>
@@ -9387,7 +12104,7 @@
         <p:spPr>
           <a:xfrm>
             <a:off x="609480" y="1604520"/>
-            <a:ext cx="10972080" cy="3976920"/>
+            <a:ext cx="10972440" cy="3977280"/>
           </a:xfrm>
           <a:prstGeom prst="rect">
             <a:avLst/>
@@ -9410,12 +12127,12 @@
               <a:buChar char=""/>
             </a:pPr>
             <a:r>
-              <a:rPr b="0" lang="pt-BR" sz="1800" spc="-1" strike="noStrike">
+              <a:rPr b="0" lang="pt-BR" sz="3200" spc="-1" strike="noStrike">
                 <a:latin typeface="Arial"/>
               </a:rPr>
               <a:t>Clique para editar o formato do texto da estrutura de tópicos</a:t>
             </a:r>
-            <a:endParaRPr b="0" lang="pt-BR" sz="1800" spc="-1" strike="noStrike">
+            <a:endParaRPr b="0" lang="pt-BR" sz="3200" spc="-1" strike="noStrike">
               <a:latin typeface="Arial"/>
             </a:endParaRPr>
           </a:p>
@@ -9432,12 +12149,12 @@
               <a:buChar char=""/>
             </a:pPr>
             <a:r>
-              <a:rPr b="0" lang="pt-BR" sz="1800" spc="-1" strike="noStrike">
+              <a:rPr b="0" lang="pt-BR" sz="2800" spc="-1" strike="noStrike">
                 <a:latin typeface="Arial"/>
               </a:rPr>
               <a:t>2.º nível da estrutura de tópicos</a:t>
             </a:r>
-            <a:endParaRPr b="0" lang="pt-BR" sz="1800" spc="-1" strike="noStrike">
+            <a:endParaRPr b="0" lang="pt-BR" sz="2800" spc="-1" strike="noStrike">
               <a:latin typeface="Arial"/>
             </a:endParaRPr>
           </a:p>
@@ -9454,12 +12171,12 @@
               <a:buChar char=""/>
             </a:pPr>
             <a:r>
-              <a:rPr b="0" lang="pt-BR" sz="1800" spc="-1" strike="noStrike">
+              <a:rPr b="0" lang="pt-BR" sz="2400" spc="-1" strike="noStrike">
                 <a:latin typeface="Arial"/>
               </a:rPr>
               <a:t>3.º nível da estrutura de tópicos</a:t>
             </a:r>
-            <a:endParaRPr b="0" lang="pt-BR" sz="1800" spc="-1" strike="noStrike">
+            <a:endParaRPr b="0" lang="pt-BR" sz="2400" spc="-1" strike="noStrike">
               <a:latin typeface="Arial"/>
             </a:endParaRPr>
           </a:p>
@@ -9476,12 +12193,12 @@
               <a:buChar char=""/>
             </a:pPr>
             <a:r>
-              <a:rPr b="0" lang="pt-BR" sz="1800" spc="-1" strike="noStrike">
+              <a:rPr b="0" lang="pt-BR" sz="2000" spc="-1" strike="noStrike">
                 <a:latin typeface="Arial"/>
               </a:rPr>
               <a:t>4.º nível da estrutura de tópicos</a:t>
             </a:r>
-            <a:endParaRPr b="0" lang="pt-BR" sz="1800" spc="-1" strike="noStrike">
+            <a:endParaRPr b="0" lang="pt-BR" sz="2000" spc="-1" strike="noStrike">
               <a:latin typeface="Arial"/>
             </a:endParaRPr>
           </a:p>
@@ -9498,12 +12215,12 @@
               <a:buChar char=""/>
             </a:pPr>
             <a:r>
-              <a:rPr b="0" lang="pt-BR" sz="1800" spc="-1" strike="noStrike">
+              <a:rPr b="0" lang="pt-BR" sz="2000" spc="-1" strike="noStrike">
                 <a:latin typeface="Arial"/>
               </a:rPr>
               <a:t>5.º nível da estrutura de tópicos</a:t>
             </a:r>
-            <a:endParaRPr b="0" lang="pt-BR" sz="1800" spc="-1" strike="noStrike">
+            <a:endParaRPr b="0" lang="pt-BR" sz="2000" spc="-1" strike="noStrike">
               <a:latin typeface="Arial"/>
             </a:endParaRPr>
           </a:p>
@@ -9520,12 +12237,12 @@
               <a:buChar char=""/>
             </a:pPr>
             <a:r>
-              <a:rPr b="0" lang="pt-BR" sz="1800" spc="-1" strike="noStrike">
+              <a:rPr b="0" lang="pt-BR" sz="2000" spc="-1" strike="noStrike">
                 <a:latin typeface="Arial"/>
               </a:rPr>
               <a:t>6.º nível da estrutura de tópicos</a:t>
             </a:r>
-            <a:endParaRPr b="0" lang="pt-BR" sz="1800" spc="-1" strike="noStrike">
+            <a:endParaRPr b="0" lang="pt-BR" sz="2000" spc="-1" strike="noStrike">
               <a:latin typeface="Arial"/>
             </a:endParaRPr>
           </a:p>
@@ -9542,12 +12259,12 @@
               <a:buChar char=""/>
             </a:pPr>
             <a:r>
-              <a:rPr b="0" lang="pt-BR" sz="1800" spc="-1" strike="noStrike">
+              <a:rPr b="0" lang="pt-BR" sz="2000" spc="-1" strike="noStrike">
                 <a:latin typeface="Arial"/>
               </a:rPr>
               <a:t>7.º nível da estrutura de tópicos</a:t>
             </a:r>
-            <a:endParaRPr b="0" lang="pt-BR" sz="1800" spc="-1" strike="noStrike">
+            <a:endParaRPr b="0" lang="pt-BR" sz="2000" spc="-1" strike="noStrike">
               <a:latin typeface="Arial"/>
             </a:endParaRPr>
           </a:p>
@@ -9606,7 +12323,7 @@
         <p:spPr>
           <a:xfrm>
             <a:off x="446400" y="457200"/>
-            <a:ext cx="3702240" cy="93960"/>
+            <a:ext cx="3701880" cy="93600"/>
           </a:xfrm>
           <a:prstGeom prst="rect">
             <a:avLst/>
@@ -9647,7 +12364,7 @@
         <p:spPr>
           <a:xfrm>
             <a:off x="8042040" y="453600"/>
-            <a:ext cx="3702240" cy="97560"/>
+            <a:ext cx="3701880" cy="97200"/>
           </a:xfrm>
           <a:prstGeom prst="rect">
             <a:avLst/>
@@ -9688,7 +12405,7 @@
         <p:spPr>
           <a:xfrm>
             <a:off x="4241880" y="457200"/>
-            <a:ext cx="3702240" cy="90360"/>
+            <a:ext cx="3701880" cy="90000"/>
           </a:xfrm>
           <a:prstGeom prst="rect">
             <a:avLst/>
@@ -9989,7 +12706,7 @@
         <p:spPr>
           <a:xfrm>
             <a:off x="446400" y="457200"/>
-            <a:ext cx="3702240" cy="93960"/>
+            <a:ext cx="3701880" cy="93600"/>
           </a:xfrm>
           <a:prstGeom prst="rect">
             <a:avLst/>
@@ -10030,7 +12747,7 @@
         <p:spPr>
           <a:xfrm>
             <a:off x="8042040" y="453600"/>
-            <a:ext cx="3702240" cy="97560"/>
+            <a:ext cx="3701880" cy="97200"/>
           </a:xfrm>
           <a:prstGeom prst="rect">
             <a:avLst/>
@@ -10071,7 +12788,7 @@
         <p:spPr>
           <a:xfrm>
             <a:off x="4241880" y="457200"/>
-            <a:ext cx="3702240" cy="90360"/>
+            <a:ext cx="3701880" cy="90000"/>
           </a:xfrm>
           <a:prstGeom prst="rect">
             <a:avLst/>
@@ -10372,7 +13089,7 @@
         <p:spPr>
           <a:xfrm>
             <a:off x="446400" y="457200"/>
-            <a:ext cx="3702240" cy="93960"/>
+            <a:ext cx="3701880" cy="93600"/>
           </a:xfrm>
           <a:prstGeom prst="rect">
             <a:avLst/>
@@ -10413,7 +13130,7 @@
         <p:spPr>
           <a:xfrm>
             <a:off x="8042040" y="453600"/>
-            <a:ext cx="3702240" cy="97560"/>
+            <a:ext cx="3701880" cy="97200"/>
           </a:xfrm>
           <a:prstGeom prst="rect">
             <a:avLst/>
@@ -10454,7 +13171,7 @@
         <p:spPr>
           <a:xfrm>
             <a:off x="4241880" y="457200"/>
-            <a:ext cx="3702240" cy="90360"/>
+            <a:ext cx="3701880" cy="90000"/>
           </a:xfrm>
           <a:prstGeom prst="rect">
             <a:avLst/>
@@ -10495,7 +13212,7 @@
         <p:spPr>
           <a:xfrm>
             <a:off x="446400" y="3085920"/>
-            <a:ext cx="11297880" cy="3337200"/>
+            <a:ext cx="11297520" cy="3336840"/>
           </a:xfrm>
           <a:prstGeom prst="rect">
             <a:avLst/>
@@ -10540,7 +13257,7 @@
         <p:spPr>
           <a:xfrm>
             <a:off x="609480" y="273600"/>
-            <a:ext cx="10972080" cy="1144440"/>
+            <a:ext cx="10972440" cy="1144800"/>
           </a:xfrm>
           <a:prstGeom prst="rect">
             <a:avLst/>
@@ -10551,13 +13268,14 @@
             <a:noAutofit/>
           </a:bodyPr>
           <a:p>
+            <a:pPr algn="ctr"/>
             <a:r>
-              <a:rPr b="0" lang="pt-BR" sz="1800" spc="-1" strike="noStrike">
+              <a:rPr b="0" lang="pt-BR" sz="4400" spc="-1" strike="noStrike">
                 <a:latin typeface="Arial"/>
               </a:rPr>
               <a:t>Clique para editar o formato do texto do título</a:t>
             </a:r>
-            <a:endParaRPr b="0" lang="pt-BR" sz="1800" spc="-1" strike="noStrike">
+            <a:endParaRPr b="0" lang="pt-BR" sz="4400" spc="-1" strike="noStrike">
               <a:latin typeface="Arial"/>
             </a:endParaRPr>
           </a:p>
@@ -10576,7 +13294,7 @@
         <p:spPr>
           <a:xfrm>
             <a:off x="609480" y="1604520"/>
-            <a:ext cx="10972080" cy="3976920"/>
+            <a:ext cx="10972440" cy="3977280"/>
           </a:xfrm>
           <a:prstGeom prst="rect">
             <a:avLst/>
@@ -10599,12 +13317,12 @@
               <a:buChar char=""/>
             </a:pPr>
             <a:r>
-              <a:rPr b="0" lang="pt-BR" sz="1800" spc="-1" strike="noStrike">
+              <a:rPr b="0" lang="pt-BR" sz="3200" spc="-1" strike="noStrike">
                 <a:latin typeface="Arial"/>
               </a:rPr>
               <a:t>Clique para editar o formato do texto da estrutura de tópicos</a:t>
             </a:r>
-            <a:endParaRPr b="0" lang="pt-BR" sz="1800" spc="-1" strike="noStrike">
+            <a:endParaRPr b="0" lang="pt-BR" sz="3200" spc="-1" strike="noStrike">
               <a:latin typeface="Arial"/>
             </a:endParaRPr>
           </a:p>
@@ -10621,12 +13339,12 @@
               <a:buChar char=""/>
             </a:pPr>
             <a:r>
-              <a:rPr b="0" lang="pt-BR" sz="1800" spc="-1" strike="noStrike">
+              <a:rPr b="0" lang="pt-BR" sz="2800" spc="-1" strike="noStrike">
                 <a:latin typeface="Arial"/>
               </a:rPr>
               <a:t>2.º nível da estrutura de tópicos</a:t>
             </a:r>
-            <a:endParaRPr b="0" lang="pt-BR" sz="1800" spc="-1" strike="noStrike">
+            <a:endParaRPr b="0" lang="pt-BR" sz="2800" spc="-1" strike="noStrike">
               <a:latin typeface="Arial"/>
             </a:endParaRPr>
           </a:p>
@@ -10643,12 +13361,12 @@
               <a:buChar char=""/>
             </a:pPr>
             <a:r>
-              <a:rPr b="0" lang="pt-BR" sz="1800" spc="-1" strike="noStrike">
+              <a:rPr b="0" lang="pt-BR" sz="2400" spc="-1" strike="noStrike">
                 <a:latin typeface="Arial"/>
               </a:rPr>
               <a:t>3.º nível da estrutura de tópicos</a:t>
             </a:r>
-            <a:endParaRPr b="0" lang="pt-BR" sz="1800" spc="-1" strike="noStrike">
+            <a:endParaRPr b="0" lang="pt-BR" sz="2400" spc="-1" strike="noStrike">
               <a:latin typeface="Arial"/>
             </a:endParaRPr>
           </a:p>
@@ -10665,12 +13383,12 @@
               <a:buChar char=""/>
             </a:pPr>
             <a:r>
-              <a:rPr b="0" lang="pt-BR" sz="1800" spc="-1" strike="noStrike">
+              <a:rPr b="0" lang="pt-BR" sz="2000" spc="-1" strike="noStrike">
                 <a:latin typeface="Arial"/>
               </a:rPr>
               <a:t>4.º nível da estrutura de tópicos</a:t>
             </a:r>
-            <a:endParaRPr b="0" lang="pt-BR" sz="1800" spc="-1" strike="noStrike">
+            <a:endParaRPr b="0" lang="pt-BR" sz="2000" spc="-1" strike="noStrike">
               <a:latin typeface="Arial"/>
             </a:endParaRPr>
           </a:p>
@@ -10687,12 +13405,12 @@
               <a:buChar char=""/>
             </a:pPr>
             <a:r>
-              <a:rPr b="0" lang="pt-BR" sz="1800" spc="-1" strike="noStrike">
+              <a:rPr b="0" lang="pt-BR" sz="2000" spc="-1" strike="noStrike">
                 <a:latin typeface="Arial"/>
               </a:rPr>
               <a:t>5.º nível da estrutura de tópicos</a:t>
             </a:r>
-            <a:endParaRPr b="0" lang="pt-BR" sz="1800" spc="-1" strike="noStrike">
+            <a:endParaRPr b="0" lang="pt-BR" sz="2000" spc="-1" strike="noStrike">
               <a:latin typeface="Arial"/>
             </a:endParaRPr>
           </a:p>
@@ -10709,12 +13427,12 @@
               <a:buChar char=""/>
             </a:pPr>
             <a:r>
-              <a:rPr b="0" lang="pt-BR" sz="1800" spc="-1" strike="noStrike">
+              <a:rPr b="0" lang="pt-BR" sz="2000" spc="-1" strike="noStrike">
                 <a:latin typeface="Arial"/>
               </a:rPr>
               <a:t>6.º nível da estrutura de tópicos</a:t>
             </a:r>
-            <a:endParaRPr b="0" lang="pt-BR" sz="1800" spc="-1" strike="noStrike">
+            <a:endParaRPr b="0" lang="pt-BR" sz="2000" spc="-1" strike="noStrike">
               <a:latin typeface="Arial"/>
             </a:endParaRPr>
           </a:p>
@@ -10731,12 +13449,12 @@
               <a:buChar char=""/>
             </a:pPr>
             <a:r>
-              <a:rPr b="0" lang="pt-BR" sz="1800" spc="-1" strike="noStrike">
+              <a:rPr b="0" lang="pt-BR" sz="2000" spc="-1" strike="noStrike">
                 <a:latin typeface="Arial"/>
               </a:rPr>
               <a:t>7.º nível da estrutura de tópicos</a:t>
             </a:r>
-            <a:endParaRPr b="0" lang="pt-BR" sz="1800" spc="-1" strike="noStrike">
+            <a:endParaRPr b="0" lang="pt-BR" sz="2000" spc="-1" strike="noStrike">
               <a:latin typeface="Arial"/>
             </a:endParaRPr>
           </a:p>
@@ -10758,6 +13476,813 @@
     <p:sldLayoutId id="2147483697" r:id="rId11"/>
     <p:sldLayoutId id="2147483698" r:id="rId12"/>
     <p:sldLayoutId id="2147483699" r:id="rId13"/>
+  </p:sldLayoutIdLst>
+</p:sldMaster>
+</file>
+
+<file path=ppt/slideMasters/slideMaster5.xml><?xml version="1.0" encoding="utf-8"?>
+<p:sldMaster xmlns:a="http://schemas.openxmlformats.org/drawingml/2006/main" xmlns:p="http://schemas.openxmlformats.org/presentationml/2006/main" xmlns:r="http://schemas.openxmlformats.org/officeDocument/2006/relationships" xmlns:p14="http://schemas.microsoft.com/office/powerpoint/2010/main" xmlns:p15="http://schemas.microsoft.com/office/powerpoint/2012/main" xmlns:mc="http://schemas.openxmlformats.org/markup-compatibility/2006">
+  <p:cSld>
+    <p:bg>
+      <p:bgPr>
+        <a:solidFill>
+          <a:srgbClr val="ffffff"/>
+        </a:solidFill>
+      </p:bgPr>
+    </p:bg>
+    <p:spTree>
+      <p:nvGrpSpPr>
+        <p:cNvPr id="1" name=""/>
+        <p:cNvGrpSpPr/>
+        <p:nvPr/>
+      </p:nvGrpSpPr>
+      <p:grpSpPr>
+        <a:xfrm>
+          <a:off x="0" y="0"/>
+          <a:ext cx="0" cy="0"/>
+          <a:chOff x="0" y="0"/>
+          <a:chExt cx="0" cy="0"/>
+        </a:xfrm>
+      </p:grpSpPr>
+      <p:sp>
+        <p:nvSpPr>
+          <p:cNvPr id="166" name="CustomShape 1"/>
+          <p:cNvSpPr/>
+          <p:nvPr/>
+        </p:nvSpPr>
+        <p:spPr>
+          <a:xfrm>
+            <a:off x="446400" y="457200"/>
+            <a:ext cx="3701880" cy="93600"/>
+          </a:xfrm>
+          <a:prstGeom prst="rect">
+            <a:avLst/>
+          </a:prstGeom>
+          <a:solidFill>
+            <a:srgbClr val="465359"/>
+          </a:solidFill>
+          <a:ln>
+            <a:noFill/>
+          </a:ln>
+          <a:effectLst>
+            <a:outerShdw blurRad="38100" dir="5400000" dist="25560" rotWithShape="0">
+              <a:srgbClr val="000000">
+                <a:alpha val="55000"/>
+              </a:srgbClr>
+            </a:outerShdw>
+          </a:effectLst>
+        </p:spPr>
+        <p:style>
+          <a:lnRef idx="1">
+            <a:schemeClr val="accent1"/>
+          </a:lnRef>
+          <a:fillRef idx="3">
+            <a:schemeClr val="accent1"/>
+          </a:fillRef>
+          <a:effectRef idx="2">
+            <a:schemeClr val="accent1"/>
+          </a:effectRef>
+          <a:fontRef idx="minor"/>
+        </p:style>
+      </p:sp>
+      <p:sp>
+        <p:nvSpPr>
+          <p:cNvPr id="167" name="CustomShape 2"/>
+          <p:cNvSpPr/>
+          <p:nvPr/>
+        </p:nvSpPr>
+        <p:spPr>
+          <a:xfrm>
+            <a:off x="8042040" y="453600"/>
+            <a:ext cx="3701880" cy="97200"/>
+          </a:xfrm>
+          <a:prstGeom prst="rect">
+            <a:avLst/>
+          </a:prstGeom>
+          <a:solidFill>
+            <a:srgbClr val="969fa7"/>
+          </a:solidFill>
+          <a:ln>
+            <a:noFill/>
+          </a:ln>
+          <a:effectLst>
+            <a:outerShdw blurRad="38100" dir="5400000" dist="25560" rotWithShape="0">
+              <a:srgbClr val="000000">
+                <a:alpha val="55000"/>
+              </a:srgbClr>
+            </a:outerShdw>
+          </a:effectLst>
+        </p:spPr>
+        <p:style>
+          <a:lnRef idx="1">
+            <a:schemeClr val="accent1"/>
+          </a:lnRef>
+          <a:fillRef idx="3">
+            <a:schemeClr val="accent1"/>
+          </a:fillRef>
+          <a:effectRef idx="2">
+            <a:schemeClr val="accent1"/>
+          </a:effectRef>
+          <a:fontRef idx="minor"/>
+        </p:style>
+      </p:sp>
+      <p:sp>
+        <p:nvSpPr>
+          <p:cNvPr id="168" name="CustomShape 3"/>
+          <p:cNvSpPr/>
+          <p:nvPr/>
+        </p:nvSpPr>
+        <p:spPr>
+          <a:xfrm>
+            <a:off x="4241880" y="457200"/>
+            <a:ext cx="3701880" cy="90000"/>
+          </a:xfrm>
+          <a:prstGeom prst="rect">
+            <a:avLst/>
+          </a:prstGeom>
+          <a:solidFill>
+            <a:schemeClr val="accent1"/>
+          </a:solidFill>
+          <a:ln>
+            <a:noFill/>
+          </a:ln>
+          <a:effectLst>
+            <a:outerShdw blurRad="38100" dir="5400000" dist="25560" rotWithShape="0">
+              <a:srgbClr val="000000">
+                <a:alpha val="55000"/>
+              </a:srgbClr>
+            </a:outerShdw>
+          </a:effectLst>
+        </p:spPr>
+        <p:style>
+          <a:lnRef idx="1">
+            <a:schemeClr val="accent1"/>
+          </a:lnRef>
+          <a:fillRef idx="3">
+            <a:schemeClr val="accent1"/>
+          </a:fillRef>
+          <a:effectRef idx="2">
+            <a:schemeClr val="accent1"/>
+          </a:effectRef>
+          <a:fontRef idx="minor"/>
+        </p:style>
+      </p:sp>
+      <p:sp>
+        <p:nvSpPr>
+          <p:cNvPr id="169" name="CustomShape 4"/>
+          <p:cNvSpPr/>
+          <p:nvPr/>
+        </p:nvSpPr>
+        <p:spPr>
+          <a:xfrm>
+            <a:off x="446400" y="3085920"/>
+            <a:ext cx="11297520" cy="3336840"/>
+          </a:xfrm>
+          <a:prstGeom prst="rect">
+            <a:avLst/>
+          </a:prstGeom>
+          <a:solidFill>
+            <a:srgbClr val="465359"/>
+          </a:solidFill>
+          <a:ln>
+            <a:noFill/>
+          </a:ln>
+          <a:effectLst>
+            <a:outerShdw blurRad="38100" dir="5400000" dist="25560" rotWithShape="0">
+              <a:srgbClr val="000000">
+                <a:alpha val="55000"/>
+              </a:srgbClr>
+            </a:outerShdw>
+          </a:effectLst>
+        </p:spPr>
+        <p:style>
+          <a:lnRef idx="1">
+            <a:schemeClr val="accent1"/>
+          </a:lnRef>
+          <a:fillRef idx="3">
+            <a:schemeClr val="accent1"/>
+          </a:fillRef>
+          <a:effectRef idx="2">
+            <a:schemeClr val="accent1"/>
+          </a:effectRef>
+          <a:fontRef idx="minor"/>
+        </p:style>
+      </p:sp>
+      <p:sp>
+        <p:nvSpPr>
+          <p:cNvPr id="170" name="PlaceHolder 5"/>
+          <p:cNvSpPr>
+            <a:spLocks noGrp="1"/>
+          </p:cNvSpPr>
+          <p:nvPr>
+            <p:ph type="title"/>
+          </p:nvPr>
+        </p:nvSpPr>
+        <p:spPr>
+          <a:xfrm>
+            <a:off x="609480" y="273600"/>
+            <a:ext cx="10972440" cy="1144800"/>
+          </a:xfrm>
+          <a:prstGeom prst="rect">
+            <a:avLst/>
+          </a:prstGeom>
+        </p:spPr>
+        <p:txBody>
+          <a:bodyPr lIns="0" rIns="0" tIns="0" bIns="0" anchor="ctr">
+            <a:noAutofit/>
+          </a:bodyPr>
+          <a:p>
+            <a:pPr algn="ctr"/>
+            <a:r>
+              <a:rPr b="0" lang="pt-BR" sz="4400" spc="-1" strike="noStrike">
+                <a:latin typeface="Arial"/>
+              </a:rPr>
+              <a:t>Clique para editar o formato do texto do título</a:t>
+            </a:r>
+            <a:endParaRPr b="0" lang="pt-BR" sz="4400" spc="-1" strike="noStrike">
+              <a:latin typeface="Arial"/>
+            </a:endParaRPr>
+          </a:p>
+        </p:txBody>
+      </p:sp>
+      <p:sp>
+        <p:nvSpPr>
+          <p:cNvPr id="171" name="PlaceHolder 6"/>
+          <p:cNvSpPr>
+            <a:spLocks noGrp="1"/>
+          </p:cNvSpPr>
+          <p:nvPr>
+            <p:ph type="body"/>
+          </p:nvPr>
+        </p:nvSpPr>
+        <p:spPr>
+          <a:xfrm>
+            <a:off x="609480" y="1604520"/>
+            <a:ext cx="10972440" cy="3977280"/>
+          </a:xfrm>
+          <a:prstGeom prst="rect">
+            <a:avLst/>
+          </a:prstGeom>
+        </p:spPr>
+        <p:txBody>
+          <a:bodyPr lIns="0" rIns="0" tIns="0" bIns="0">
+            <a:normAutofit/>
+          </a:bodyPr>
+          <a:p>
+            <a:pPr marL="432000" indent="-324000">
+              <a:spcBef>
+                <a:spcPts val="1417"/>
+              </a:spcBef>
+              <a:buClr>
+                <a:srgbClr val="000000"/>
+              </a:buClr>
+              <a:buSzPct val="45000"/>
+              <a:buFont typeface="Wingdings" charset="2"/>
+              <a:buChar char=""/>
+            </a:pPr>
+            <a:r>
+              <a:rPr b="0" lang="pt-BR" sz="3200" spc="-1" strike="noStrike">
+                <a:latin typeface="Arial"/>
+              </a:rPr>
+              <a:t>Clique para editar o formato do texto da estrutura de tópicos</a:t>
+            </a:r>
+            <a:endParaRPr b="0" lang="pt-BR" sz="3200" spc="-1" strike="noStrike">
+              <a:latin typeface="Arial"/>
+            </a:endParaRPr>
+          </a:p>
+          <a:p>
+            <a:pPr lvl="1" marL="864000" indent="-324000">
+              <a:spcBef>
+                <a:spcPts val="1134"/>
+              </a:spcBef>
+              <a:buClr>
+                <a:srgbClr val="000000"/>
+              </a:buClr>
+              <a:buSzPct val="75000"/>
+              <a:buFont typeface="Symbol" charset="2"/>
+              <a:buChar char=""/>
+            </a:pPr>
+            <a:r>
+              <a:rPr b="0" lang="pt-BR" sz="2800" spc="-1" strike="noStrike">
+                <a:latin typeface="Arial"/>
+              </a:rPr>
+              <a:t>2.º nível da estrutura de tópicos</a:t>
+            </a:r>
+            <a:endParaRPr b="0" lang="pt-BR" sz="2800" spc="-1" strike="noStrike">
+              <a:latin typeface="Arial"/>
+            </a:endParaRPr>
+          </a:p>
+          <a:p>
+            <a:pPr lvl="2" marL="1296000" indent="-288000">
+              <a:spcBef>
+                <a:spcPts val="850"/>
+              </a:spcBef>
+              <a:buClr>
+                <a:srgbClr val="000000"/>
+              </a:buClr>
+              <a:buSzPct val="45000"/>
+              <a:buFont typeface="Wingdings" charset="2"/>
+              <a:buChar char=""/>
+            </a:pPr>
+            <a:r>
+              <a:rPr b="0" lang="pt-BR" sz="2400" spc="-1" strike="noStrike">
+                <a:latin typeface="Arial"/>
+              </a:rPr>
+              <a:t>3.º nível da estrutura de tópicos</a:t>
+            </a:r>
+            <a:endParaRPr b="0" lang="pt-BR" sz="2400" spc="-1" strike="noStrike">
+              <a:latin typeface="Arial"/>
+            </a:endParaRPr>
+          </a:p>
+          <a:p>
+            <a:pPr lvl="3" marL="1728000" indent="-216000">
+              <a:spcBef>
+                <a:spcPts val="567"/>
+              </a:spcBef>
+              <a:buClr>
+                <a:srgbClr val="000000"/>
+              </a:buClr>
+              <a:buSzPct val="75000"/>
+              <a:buFont typeface="Symbol" charset="2"/>
+              <a:buChar char=""/>
+            </a:pPr>
+            <a:r>
+              <a:rPr b="0" lang="pt-BR" sz="2000" spc="-1" strike="noStrike">
+                <a:latin typeface="Arial"/>
+              </a:rPr>
+              <a:t>4.º nível da estrutura de tópicos</a:t>
+            </a:r>
+            <a:endParaRPr b="0" lang="pt-BR" sz="2000" spc="-1" strike="noStrike">
+              <a:latin typeface="Arial"/>
+            </a:endParaRPr>
+          </a:p>
+          <a:p>
+            <a:pPr lvl="4" marL="2160000" indent="-216000">
+              <a:spcBef>
+                <a:spcPts val="283"/>
+              </a:spcBef>
+              <a:buClr>
+                <a:srgbClr val="000000"/>
+              </a:buClr>
+              <a:buSzPct val="45000"/>
+              <a:buFont typeface="Wingdings" charset="2"/>
+              <a:buChar char=""/>
+            </a:pPr>
+            <a:r>
+              <a:rPr b="0" lang="pt-BR" sz="2000" spc="-1" strike="noStrike">
+                <a:latin typeface="Arial"/>
+              </a:rPr>
+              <a:t>5.º nível da estrutura de tópicos</a:t>
+            </a:r>
+            <a:endParaRPr b="0" lang="pt-BR" sz="2000" spc="-1" strike="noStrike">
+              <a:latin typeface="Arial"/>
+            </a:endParaRPr>
+          </a:p>
+          <a:p>
+            <a:pPr lvl="5" marL="2592000" indent="-216000">
+              <a:spcBef>
+                <a:spcPts val="283"/>
+              </a:spcBef>
+              <a:buClr>
+                <a:srgbClr val="000000"/>
+              </a:buClr>
+              <a:buSzPct val="45000"/>
+              <a:buFont typeface="Wingdings" charset="2"/>
+              <a:buChar char=""/>
+            </a:pPr>
+            <a:r>
+              <a:rPr b="0" lang="pt-BR" sz="2000" spc="-1" strike="noStrike">
+                <a:latin typeface="Arial"/>
+              </a:rPr>
+              <a:t>6.º nível da estrutura de tópicos</a:t>
+            </a:r>
+            <a:endParaRPr b="0" lang="pt-BR" sz="2000" spc="-1" strike="noStrike">
+              <a:latin typeface="Arial"/>
+            </a:endParaRPr>
+          </a:p>
+          <a:p>
+            <a:pPr lvl="6" marL="3024000" indent="-216000">
+              <a:spcBef>
+                <a:spcPts val="283"/>
+              </a:spcBef>
+              <a:buClr>
+                <a:srgbClr val="000000"/>
+              </a:buClr>
+              <a:buSzPct val="45000"/>
+              <a:buFont typeface="Wingdings" charset="2"/>
+              <a:buChar char=""/>
+            </a:pPr>
+            <a:r>
+              <a:rPr b="0" lang="pt-BR" sz="2000" spc="-1" strike="noStrike">
+                <a:latin typeface="Arial"/>
+              </a:rPr>
+              <a:t>7.º nível da estrutura de tópicos</a:t>
+            </a:r>
+            <a:endParaRPr b="0" lang="pt-BR" sz="2000" spc="-1" strike="noStrike">
+              <a:latin typeface="Arial"/>
+            </a:endParaRPr>
+          </a:p>
+        </p:txBody>
+      </p:sp>
+    </p:spTree>
+  </p:cSld>
+  <p:clrMap bg1="lt1" bg2="lt2" tx1="dk1" tx2="dk2" accent1="accent1" accent2="accent2" accent3="accent3" accent4="accent4" accent5="accent5" accent6="accent6" hlink="hlink" folHlink="folHlink"/>
+  <p:sldLayoutIdLst>
+    <p:sldLayoutId id="2147483701" r:id="rId2"/>
+    <p:sldLayoutId id="2147483702" r:id="rId3"/>
+    <p:sldLayoutId id="2147483703" r:id="rId4"/>
+    <p:sldLayoutId id="2147483704" r:id="rId5"/>
+    <p:sldLayoutId id="2147483705" r:id="rId6"/>
+    <p:sldLayoutId id="2147483706" r:id="rId7"/>
+    <p:sldLayoutId id="2147483707" r:id="rId8"/>
+    <p:sldLayoutId id="2147483708" r:id="rId9"/>
+    <p:sldLayoutId id="2147483709" r:id="rId10"/>
+    <p:sldLayoutId id="2147483710" r:id="rId11"/>
+    <p:sldLayoutId id="2147483711" r:id="rId12"/>
+    <p:sldLayoutId id="2147483712" r:id="rId13"/>
+  </p:sldLayoutIdLst>
+</p:sldMaster>
+</file>
+
+<file path=ppt/slideMasters/slideMaster6.xml><?xml version="1.0" encoding="utf-8"?>
+<p:sldMaster xmlns:a="http://schemas.openxmlformats.org/drawingml/2006/main" xmlns:p="http://schemas.openxmlformats.org/presentationml/2006/main" xmlns:r="http://schemas.openxmlformats.org/officeDocument/2006/relationships" xmlns:p14="http://schemas.microsoft.com/office/powerpoint/2010/main" xmlns:p15="http://schemas.microsoft.com/office/powerpoint/2012/main" xmlns:mc="http://schemas.openxmlformats.org/markup-compatibility/2006">
+  <p:cSld>
+    <p:bg>
+      <p:bgPr>
+        <a:solidFill>
+          <a:srgbClr val="ffffff"/>
+        </a:solidFill>
+      </p:bgPr>
+    </p:bg>
+    <p:spTree>
+      <p:nvGrpSpPr>
+        <p:cNvPr id="1" name=""/>
+        <p:cNvGrpSpPr/>
+        <p:nvPr/>
+      </p:nvGrpSpPr>
+      <p:grpSpPr>
+        <a:xfrm>
+          <a:off x="0" y="0"/>
+          <a:ext cx="0" cy="0"/>
+          <a:chOff x="0" y="0"/>
+          <a:chExt cx="0" cy="0"/>
+        </a:xfrm>
+      </p:grpSpPr>
+      <p:sp>
+        <p:nvSpPr>
+          <p:cNvPr id="208" name="CustomShape 1"/>
+          <p:cNvSpPr/>
+          <p:nvPr/>
+        </p:nvSpPr>
+        <p:spPr>
+          <a:xfrm>
+            <a:off x="446400" y="457200"/>
+            <a:ext cx="3701880" cy="93600"/>
+          </a:xfrm>
+          <a:prstGeom prst="rect">
+            <a:avLst/>
+          </a:prstGeom>
+          <a:solidFill>
+            <a:srgbClr val="465359"/>
+          </a:solidFill>
+          <a:ln>
+            <a:noFill/>
+          </a:ln>
+          <a:effectLst>
+            <a:outerShdw blurRad="38100" dir="5400000" dist="25560" rotWithShape="0">
+              <a:srgbClr val="000000">
+                <a:alpha val="55000"/>
+              </a:srgbClr>
+            </a:outerShdw>
+          </a:effectLst>
+        </p:spPr>
+        <p:style>
+          <a:lnRef idx="1">
+            <a:schemeClr val="accent1"/>
+          </a:lnRef>
+          <a:fillRef idx="3">
+            <a:schemeClr val="accent1"/>
+          </a:fillRef>
+          <a:effectRef idx="2">
+            <a:schemeClr val="accent1"/>
+          </a:effectRef>
+          <a:fontRef idx="minor"/>
+        </p:style>
+      </p:sp>
+      <p:sp>
+        <p:nvSpPr>
+          <p:cNvPr id="209" name="CustomShape 2"/>
+          <p:cNvSpPr/>
+          <p:nvPr/>
+        </p:nvSpPr>
+        <p:spPr>
+          <a:xfrm>
+            <a:off x="8042040" y="453600"/>
+            <a:ext cx="3701880" cy="97200"/>
+          </a:xfrm>
+          <a:prstGeom prst="rect">
+            <a:avLst/>
+          </a:prstGeom>
+          <a:solidFill>
+            <a:srgbClr val="969fa7"/>
+          </a:solidFill>
+          <a:ln>
+            <a:noFill/>
+          </a:ln>
+          <a:effectLst>
+            <a:outerShdw blurRad="38100" dir="5400000" dist="25560" rotWithShape="0">
+              <a:srgbClr val="000000">
+                <a:alpha val="55000"/>
+              </a:srgbClr>
+            </a:outerShdw>
+          </a:effectLst>
+        </p:spPr>
+        <p:style>
+          <a:lnRef idx="1">
+            <a:schemeClr val="accent1"/>
+          </a:lnRef>
+          <a:fillRef idx="3">
+            <a:schemeClr val="accent1"/>
+          </a:fillRef>
+          <a:effectRef idx="2">
+            <a:schemeClr val="accent1"/>
+          </a:effectRef>
+          <a:fontRef idx="minor"/>
+        </p:style>
+      </p:sp>
+      <p:sp>
+        <p:nvSpPr>
+          <p:cNvPr id="210" name="CustomShape 3"/>
+          <p:cNvSpPr/>
+          <p:nvPr/>
+        </p:nvSpPr>
+        <p:spPr>
+          <a:xfrm>
+            <a:off x="4241880" y="457200"/>
+            <a:ext cx="3701880" cy="90000"/>
+          </a:xfrm>
+          <a:prstGeom prst="rect">
+            <a:avLst/>
+          </a:prstGeom>
+          <a:solidFill>
+            <a:schemeClr val="accent1"/>
+          </a:solidFill>
+          <a:ln>
+            <a:noFill/>
+          </a:ln>
+          <a:effectLst>
+            <a:outerShdw blurRad="38100" dir="5400000" dist="25560" rotWithShape="0">
+              <a:srgbClr val="000000">
+                <a:alpha val="55000"/>
+              </a:srgbClr>
+            </a:outerShdw>
+          </a:effectLst>
+        </p:spPr>
+        <p:style>
+          <a:lnRef idx="1">
+            <a:schemeClr val="accent1"/>
+          </a:lnRef>
+          <a:fillRef idx="3">
+            <a:schemeClr val="accent1"/>
+          </a:fillRef>
+          <a:effectRef idx="2">
+            <a:schemeClr val="accent1"/>
+          </a:effectRef>
+          <a:fontRef idx="minor"/>
+        </p:style>
+      </p:sp>
+      <p:sp>
+        <p:nvSpPr>
+          <p:cNvPr id="211" name="PlaceHolder 4"/>
+          <p:cNvSpPr>
+            <a:spLocks noGrp="1"/>
+          </p:cNvSpPr>
+          <p:nvPr>
+            <p:ph type="title"/>
+          </p:nvPr>
+        </p:nvSpPr>
+        <p:spPr>
+          <a:xfrm>
+            <a:off x="609480" y="273600"/>
+            <a:ext cx="10972440" cy="1144800"/>
+          </a:xfrm>
+          <a:prstGeom prst="rect">
+            <a:avLst/>
+          </a:prstGeom>
+        </p:spPr>
+        <p:txBody>
+          <a:bodyPr lIns="0" rIns="0" tIns="0" bIns="0" anchor="ctr">
+            <a:noAutofit/>
+          </a:bodyPr>
+          <a:p>
+            <a:pPr algn="ctr"/>
+            <a:r>
+              <a:rPr b="0" lang="pt-BR" sz="4400" spc="-1" strike="noStrike">
+                <a:latin typeface="Arial"/>
+              </a:rPr>
+              <a:t>Clique para editar o formato do texto do título</a:t>
+            </a:r>
+            <a:endParaRPr b="0" lang="pt-BR" sz="4400" spc="-1" strike="noStrike">
+              <a:latin typeface="Arial"/>
+            </a:endParaRPr>
+          </a:p>
+        </p:txBody>
+      </p:sp>
+      <p:sp>
+        <p:nvSpPr>
+          <p:cNvPr id="212" name="PlaceHolder 5"/>
+          <p:cNvSpPr>
+            <a:spLocks noGrp="1"/>
+          </p:cNvSpPr>
+          <p:nvPr>
+            <p:ph type="body"/>
+          </p:nvPr>
+        </p:nvSpPr>
+        <p:spPr>
+          <a:xfrm>
+            <a:off x="609480" y="1604520"/>
+            <a:ext cx="10972440" cy="3977280"/>
+          </a:xfrm>
+          <a:prstGeom prst="rect">
+            <a:avLst/>
+          </a:prstGeom>
+        </p:spPr>
+        <p:txBody>
+          <a:bodyPr lIns="0" rIns="0" tIns="0" bIns="0">
+            <a:normAutofit/>
+          </a:bodyPr>
+          <a:p>
+            <a:pPr marL="432000" indent="-324000">
+              <a:spcBef>
+                <a:spcPts val="1417"/>
+              </a:spcBef>
+              <a:buClr>
+                <a:srgbClr val="000000"/>
+              </a:buClr>
+              <a:buSzPct val="45000"/>
+              <a:buFont typeface="Wingdings" charset="2"/>
+              <a:buChar char=""/>
+            </a:pPr>
+            <a:r>
+              <a:rPr b="0" lang="pt-BR" sz="3200" spc="-1" strike="noStrike">
+                <a:latin typeface="Arial"/>
+              </a:rPr>
+              <a:t>Clique para editar o formato do texto da estrutura de tópicos</a:t>
+            </a:r>
+            <a:endParaRPr b="0" lang="pt-BR" sz="3200" spc="-1" strike="noStrike">
+              <a:latin typeface="Arial"/>
+            </a:endParaRPr>
+          </a:p>
+          <a:p>
+            <a:pPr lvl="1" marL="864000" indent="-324000">
+              <a:spcBef>
+                <a:spcPts val="1134"/>
+              </a:spcBef>
+              <a:buClr>
+                <a:srgbClr val="000000"/>
+              </a:buClr>
+              <a:buSzPct val="75000"/>
+              <a:buFont typeface="Symbol" charset="2"/>
+              <a:buChar char=""/>
+            </a:pPr>
+            <a:r>
+              <a:rPr b="0" lang="pt-BR" sz="2800" spc="-1" strike="noStrike">
+                <a:latin typeface="Arial"/>
+              </a:rPr>
+              <a:t>2.º nível da estrutura de tópicos</a:t>
+            </a:r>
+            <a:endParaRPr b="0" lang="pt-BR" sz="2800" spc="-1" strike="noStrike">
+              <a:latin typeface="Arial"/>
+            </a:endParaRPr>
+          </a:p>
+          <a:p>
+            <a:pPr lvl="2" marL="1296000" indent="-288000">
+              <a:spcBef>
+                <a:spcPts val="850"/>
+              </a:spcBef>
+              <a:buClr>
+                <a:srgbClr val="000000"/>
+              </a:buClr>
+              <a:buSzPct val="45000"/>
+              <a:buFont typeface="Wingdings" charset="2"/>
+              <a:buChar char=""/>
+            </a:pPr>
+            <a:r>
+              <a:rPr b="0" lang="pt-BR" sz="2400" spc="-1" strike="noStrike">
+                <a:latin typeface="Arial"/>
+              </a:rPr>
+              <a:t>3.º nível da estrutura de tópicos</a:t>
+            </a:r>
+            <a:endParaRPr b="0" lang="pt-BR" sz="2400" spc="-1" strike="noStrike">
+              <a:latin typeface="Arial"/>
+            </a:endParaRPr>
+          </a:p>
+          <a:p>
+            <a:pPr lvl="3" marL="1728000" indent="-216000">
+              <a:spcBef>
+                <a:spcPts val="567"/>
+              </a:spcBef>
+              <a:buClr>
+                <a:srgbClr val="000000"/>
+              </a:buClr>
+              <a:buSzPct val="75000"/>
+              <a:buFont typeface="Symbol" charset="2"/>
+              <a:buChar char=""/>
+            </a:pPr>
+            <a:r>
+              <a:rPr b="0" lang="pt-BR" sz="2000" spc="-1" strike="noStrike">
+                <a:latin typeface="Arial"/>
+              </a:rPr>
+              <a:t>4.º nível da estrutura de tópicos</a:t>
+            </a:r>
+            <a:endParaRPr b="0" lang="pt-BR" sz="2000" spc="-1" strike="noStrike">
+              <a:latin typeface="Arial"/>
+            </a:endParaRPr>
+          </a:p>
+          <a:p>
+            <a:pPr lvl="4" marL="2160000" indent="-216000">
+              <a:spcBef>
+                <a:spcPts val="283"/>
+              </a:spcBef>
+              <a:buClr>
+                <a:srgbClr val="000000"/>
+              </a:buClr>
+              <a:buSzPct val="45000"/>
+              <a:buFont typeface="Wingdings" charset="2"/>
+              <a:buChar char=""/>
+            </a:pPr>
+            <a:r>
+              <a:rPr b="0" lang="pt-BR" sz="2000" spc="-1" strike="noStrike">
+                <a:latin typeface="Arial"/>
+              </a:rPr>
+              <a:t>5.º nível da estrutura de tópicos</a:t>
+            </a:r>
+            <a:endParaRPr b="0" lang="pt-BR" sz="2000" spc="-1" strike="noStrike">
+              <a:latin typeface="Arial"/>
+            </a:endParaRPr>
+          </a:p>
+          <a:p>
+            <a:pPr lvl="5" marL="2592000" indent="-216000">
+              <a:spcBef>
+                <a:spcPts val="283"/>
+              </a:spcBef>
+              <a:buClr>
+                <a:srgbClr val="000000"/>
+              </a:buClr>
+              <a:buSzPct val="45000"/>
+              <a:buFont typeface="Wingdings" charset="2"/>
+              <a:buChar char=""/>
+            </a:pPr>
+            <a:r>
+              <a:rPr b="0" lang="pt-BR" sz="2000" spc="-1" strike="noStrike">
+                <a:latin typeface="Arial"/>
+              </a:rPr>
+              <a:t>6.º nível da estrutura de tópicos</a:t>
+            </a:r>
+            <a:endParaRPr b="0" lang="pt-BR" sz="2000" spc="-1" strike="noStrike">
+              <a:latin typeface="Arial"/>
+            </a:endParaRPr>
+          </a:p>
+          <a:p>
+            <a:pPr lvl="6" marL="3024000" indent="-216000">
+              <a:spcBef>
+                <a:spcPts val="283"/>
+              </a:spcBef>
+              <a:buClr>
+                <a:srgbClr val="000000"/>
+              </a:buClr>
+              <a:buSzPct val="45000"/>
+              <a:buFont typeface="Wingdings" charset="2"/>
+              <a:buChar char=""/>
+            </a:pPr>
+            <a:r>
+              <a:rPr b="0" lang="pt-BR" sz="2000" spc="-1" strike="noStrike">
+                <a:latin typeface="Arial"/>
+              </a:rPr>
+              <a:t>7.º nível da estrutura de tópicos</a:t>
+            </a:r>
+            <a:endParaRPr b="0" lang="pt-BR" sz="2000" spc="-1" strike="noStrike">
+              <a:latin typeface="Arial"/>
+            </a:endParaRPr>
+          </a:p>
+        </p:txBody>
+      </p:sp>
+    </p:spTree>
+  </p:cSld>
+  <p:clrMap bg1="lt1" bg2="lt2" tx1="dk1" tx2="dk2" accent1="accent1" accent2="accent2" accent3="accent3" accent4="accent4" accent5="accent5" accent6="accent6" hlink="hlink" folHlink="folHlink"/>
+  <p:sldLayoutIdLst>
+    <p:sldLayoutId id="2147483714" r:id="rId2"/>
+    <p:sldLayoutId id="2147483715" r:id="rId3"/>
+    <p:sldLayoutId id="2147483716" r:id="rId4"/>
+    <p:sldLayoutId id="2147483717" r:id="rId5"/>
+    <p:sldLayoutId id="2147483718" r:id="rId6"/>
+    <p:sldLayoutId id="2147483719" r:id="rId7"/>
+    <p:sldLayoutId id="2147483720" r:id="rId8"/>
+    <p:sldLayoutId id="2147483721" r:id="rId9"/>
+    <p:sldLayoutId id="2147483722" r:id="rId10"/>
+    <p:sldLayoutId id="2147483723" r:id="rId11"/>
+    <p:sldLayoutId id="2147483724" r:id="rId12"/>
+    <p:sldLayoutId id="2147483725" r:id="rId13"/>
   </p:sldLayoutIdLst>
 </p:sldMaster>
 </file>
@@ -10788,14 +14313,14 @@
       </p:grpSpPr>
       <p:sp>
         <p:nvSpPr>
-          <p:cNvPr id="166" name="CustomShape 1"/>
+          <p:cNvPr id="249" name="CustomShape 1"/>
           <p:cNvSpPr/>
           <p:nvPr/>
         </p:nvSpPr>
         <p:spPr>
           <a:xfrm>
             <a:off x="0" y="0"/>
-            <a:ext cx="12191040" cy="6856920"/>
+            <a:ext cx="12190680" cy="6856560"/>
           </a:xfrm>
           <a:prstGeom prst="rect">
             <a:avLst/>
@@ -10824,14 +14349,14 @@
       </p:sp>
       <p:sp>
         <p:nvSpPr>
-          <p:cNvPr id="167" name="CustomShape 2"/>
+          <p:cNvPr id="250" name="CustomShape 2"/>
           <p:cNvSpPr/>
           <p:nvPr/>
         </p:nvSpPr>
         <p:spPr>
           <a:xfrm>
             <a:off x="581040" y="1020600"/>
-            <a:ext cx="10992600" cy="1473840"/>
+            <a:ext cx="10992240" cy="1473480"/>
           </a:xfrm>
           <a:prstGeom prst="rect">
             <a:avLst/>
@@ -10875,14 +14400,14 @@
       </p:sp>
       <p:sp>
         <p:nvSpPr>
-          <p:cNvPr id="168" name="CustomShape 3"/>
+          <p:cNvPr id="251" name="CustomShape 3"/>
           <p:cNvSpPr/>
           <p:nvPr/>
         </p:nvSpPr>
         <p:spPr>
           <a:xfrm>
             <a:off x="581040" y="2495520"/>
-            <a:ext cx="10992600" cy="467280"/>
+            <a:ext cx="10992240" cy="466920"/>
           </a:xfrm>
           <a:prstGeom prst="rect">
             <a:avLst/>
@@ -10935,14 +14460,14 @@
       </p:sp>
       <p:sp>
         <p:nvSpPr>
-          <p:cNvPr id="169" name="CustomShape 4"/>
+          <p:cNvPr id="252" name="CustomShape 4"/>
           <p:cNvSpPr/>
           <p:nvPr/>
         </p:nvSpPr>
         <p:spPr>
           <a:xfrm>
             <a:off x="446400" y="457200"/>
-            <a:ext cx="3702240" cy="93960"/>
+            <a:ext cx="3701880" cy="93600"/>
           </a:xfrm>
           <a:prstGeom prst="rect">
             <a:avLst/>
@@ -10976,14 +14501,14 @@
       </p:sp>
       <p:sp>
         <p:nvSpPr>
-          <p:cNvPr id="170" name="CustomShape 5"/>
+          <p:cNvPr id="253" name="CustomShape 5"/>
           <p:cNvSpPr/>
           <p:nvPr/>
         </p:nvSpPr>
         <p:spPr>
           <a:xfrm>
             <a:off x="4241880" y="457200"/>
-            <a:ext cx="3702240" cy="90360"/>
+            <a:ext cx="3701880" cy="90000"/>
           </a:xfrm>
           <a:prstGeom prst="rect">
             <a:avLst/>
@@ -11017,14 +14542,14 @@
       </p:sp>
       <p:sp>
         <p:nvSpPr>
-          <p:cNvPr id="171" name="CustomShape 6"/>
+          <p:cNvPr id="254" name="CustomShape 6"/>
           <p:cNvSpPr/>
           <p:nvPr/>
         </p:nvSpPr>
         <p:spPr>
           <a:xfrm>
             <a:off x="8042040" y="453600"/>
-            <a:ext cx="3702240" cy="97560"/>
+            <a:ext cx="3701880" cy="97200"/>
           </a:xfrm>
           <a:prstGeom prst="rect">
             <a:avLst/>
@@ -11058,7 +14583,7 @@
       </p:sp>
       <p:pic>
         <p:nvPicPr>
-          <p:cNvPr id="172" name="Imagem 5" descr="Imagem ampliada de um logotipo&#10;&#10;Descrição gerada automaticamente"/>
+          <p:cNvPr id="255" name="Imagem 5" descr="Imagem ampliada de um logotipo&#10;&#10;Descrição gerada automaticamente"/>
           <p:cNvPicPr/>
           <p:nvPr/>
         </p:nvPicPr>
@@ -11069,7 +14594,7 @@
         <p:spPr>
           <a:xfrm>
             <a:off x="448560" y="3081960"/>
-            <a:ext cx="11259720" cy="3309480"/>
+            <a:ext cx="11259360" cy="3309120"/>
           </a:xfrm>
           <a:prstGeom prst="rect">
             <a:avLst/>
@@ -11079,6 +14604,109 @@
           </a:ln>
         </p:spPr>
       </p:pic>
+    </p:spTree>
+  </p:cSld>
+  <mc:AlternateContent>
+    <mc:Choice Requires="p14">
+      <p:transition spd="slow" p14:dur="2000"/>
+    </mc:Choice>
+    <mc:Fallback>
+      <p:transition spd="slow"/>
+    </mc:Fallback>
+  </mc:AlternateContent>
+</p:sld>
+</file>
+
+<file path=ppt/slides/slide10.xml><?xml version="1.0" encoding="utf-8"?>
+<p:sld xmlns:a="http://schemas.openxmlformats.org/drawingml/2006/main" xmlns:p="http://schemas.openxmlformats.org/presentationml/2006/main" xmlns:r="http://schemas.openxmlformats.org/officeDocument/2006/relationships" xmlns:p14="http://schemas.microsoft.com/office/powerpoint/2010/main" xmlns:p15="http://schemas.microsoft.com/office/powerpoint/2012/main" xmlns:mc="http://schemas.openxmlformats.org/markup-compatibility/2006">
+  <p:cSld>
+    <p:spTree>
+      <p:nvGrpSpPr>
+        <p:cNvPr id="1" name=""/>
+        <p:cNvGrpSpPr/>
+        <p:nvPr/>
+      </p:nvGrpSpPr>
+      <p:grpSpPr>
+        <a:xfrm>
+          <a:off x="0" y="0"/>
+          <a:ext cx="0" cy="0"/>
+          <a:chOff x="0" y="0"/>
+          <a:chExt cx="0" cy="0"/>
+        </a:xfrm>
+      </p:grpSpPr>
+      <p:sp>
+        <p:nvSpPr>
+          <p:cNvPr id="277" name="CustomShape 1"/>
+          <p:cNvSpPr/>
+          <p:nvPr/>
+        </p:nvSpPr>
+        <p:spPr>
+          <a:xfrm>
+            <a:off x="581040" y="702000"/>
+            <a:ext cx="11028240" cy="1187280"/>
+          </a:xfrm>
+          <a:prstGeom prst="rect">
+            <a:avLst/>
+          </a:prstGeom>
+          <a:noFill/>
+          <a:ln>
+            <a:noFill/>
+          </a:ln>
+        </p:spPr>
+        <p:style>
+          <a:lnRef idx="0"/>
+          <a:fillRef idx="0"/>
+          <a:effectRef idx="0"/>
+          <a:fontRef idx="minor"/>
+        </p:style>
+        <p:txBody>
+          <a:bodyPr lIns="90000" rIns="90000" tIns="45000" bIns="45000" anchor="b">
+            <a:noAutofit/>
+          </a:bodyPr>
+          <a:p>
+            <a:pPr>
+              <a:lnSpc>
+                <a:spcPct val="100000"/>
+              </a:lnSpc>
+            </a:pPr>
+            <a:r>
+              <a:rPr b="0" lang="pt-BR" sz="2800" spc="-1" strike="noStrike" cap="all">
+                <a:solidFill>
+                  <a:srgbClr val="404040"/>
+                </a:solidFill>
+                <a:latin typeface="Franklin Gothic Demi"/>
+                <a:ea typeface="DejaVu Sans"/>
+              </a:rPr>
+              <a:t>Title Lorem Ipsum Dolor Sit Amet</a:t>
+            </a:r>
+            <a:endParaRPr b="0" lang="pt-BR" sz="2800" spc="-1" strike="noStrike">
+              <a:latin typeface="Arial"/>
+            </a:endParaRPr>
+          </a:p>
+        </p:txBody>
+      </p:sp>
+      <p:graphicFrame>
+        <p:nvGraphicFramePr>
+          <p:cNvPr id="1" name="Diagram1"/>
+          <p:cNvGraphicFramePr/>
+          <p:nvPr>
+            <p:extLst>
+              <p:ext uri="{D42A27DB-BD31-4B8C-83A1-F6EECF244321}">
+                <p14:modId xmlns:p14="http://schemas.microsoft.com/office/powerpoint/2010/main" val="2559112217"/>
+              </p:ext>
+            </p:extLst>
+          </p:nvPr>
+        </p:nvGraphicFramePr>
+        <p:xfrm>
+          <a:off x="581040" y="2341440"/>
+          <a:ext cx="11028600" cy="3632400"/>
+        </p:xfrm>
+        <a:graphic>
+          <a:graphicData uri="http://schemas.openxmlformats.org/drawingml/2006/diagram">
+            <dgm:relIds xmlns:dgm="http://schemas.openxmlformats.org/drawingml/2006/diagram" xmlns:r="http://schemas.openxmlformats.org/officeDocument/2006/relationships" r:dm="rId1" r:lo="rId2" r:qs="rId3" r:cs="rId4"/>
+          </a:graphicData>
+        </a:graphic>
+      </p:graphicFrame>
     </p:spTree>
   </p:cSld>
   <mc:AlternateContent>
@@ -11111,14 +14739,14 @@
       </p:grpSpPr>
       <p:sp>
         <p:nvSpPr>
-          <p:cNvPr id="173" name="CustomShape 1"/>
+          <p:cNvPr id="256" name="CustomShape 1"/>
           <p:cNvSpPr/>
           <p:nvPr/>
         </p:nvSpPr>
         <p:spPr>
           <a:xfrm>
             <a:off x="581040" y="702000"/>
-            <a:ext cx="11028600" cy="1187640"/>
+            <a:ext cx="11028240" cy="1187280"/>
           </a:xfrm>
           <a:prstGeom prst="rect">
             <a:avLst/>
@@ -11146,7 +14774,11 @@
             </a:pPr>
             <a:r>
               <a:rPr b="0" lang="pt-BR" sz="4400" spc="-1" strike="noStrike">
+                <a:solidFill>
+                  <a:srgbClr val="000000"/>
+                </a:solidFill>
                 <a:latin typeface="Ubuntu"/>
+                <a:ea typeface="DejaVu Sans"/>
               </a:rPr>
               <a:t>PERGUNTAS DE DIRECIONAMENTO</a:t>
             </a:r>
@@ -11158,14 +14790,14 @@
       </p:sp>
       <p:sp>
         <p:nvSpPr>
-          <p:cNvPr id="174" name="CustomShape 2"/>
+          <p:cNvPr id="257" name="CustomShape 2"/>
           <p:cNvSpPr/>
           <p:nvPr/>
         </p:nvSpPr>
         <p:spPr>
           <a:xfrm>
             <a:off x="576000" y="3168000"/>
-            <a:ext cx="10972080" cy="3184920"/>
+            <a:ext cx="10971720" cy="3184560"/>
           </a:xfrm>
           <a:prstGeom prst="rect">
             <a:avLst/>
@@ -11186,7 +14818,7 @@
             <a:normAutofit/>
           </a:bodyPr>
           <a:p>
-            <a:pPr marL="432000" indent="-323640">
+            <a:pPr marL="432000" indent="-323280">
               <a:lnSpc>
                 <a:spcPct val="100000"/>
               </a:lnSpc>
@@ -11206,6 +14838,7 @@
                   <a:srgbClr val="ffffff"/>
                 </a:solidFill>
                 <a:latin typeface="Ubuntu"/>
+                <a:ea typeface="DejaVu Sans"/>
               </a:rPr>
               <a:t>Como podemos agrupar clientes nas suas características?</a:t>
             </a:r>
@@ -11227,7 +14860,7 @@
             </a:endParaRPr>
           </a:p>
           <a:p>
-            <a:pPr marL="432000" indent="-323640">
+            <a:pPr marL="432000" indent="-323280">
               <a:lnSpc>
                 <a:spcPct val="100000"/>
               </a:lnSpc>
@@ -11247,6 +14880,7 @@
                   <a:srgbClr val="ffffff"/>
                 </a:solidFill>
                 <a:latin typeface="Ubuntu"/>
+                <a:ea typeface="DejaVu Sans"/>
               </a:rPr>
               <a:t>Quais a característica mais importante?</a:t>
             </a:r>
@@ -11268,7 +14902,7 @@
             </a:endParaRPr>
           </a:p>
           <a:p>
-            <a:pPr marL="432000" indent="-323640">
+            <a:pPr marL="432000" indent="-323280">
               <a:lnSpc>
                 <a:spcPct val="100000"/>
               </a:lnSpc>
@@ -11288,6 +14922,7 @@
                   <a:srgbClr val="ffffff"/>
                 </a:solidFill>
                 <a:latin typeface="Ubuntu"/>
+                <a:ea typeface="DejaVu Sans"/>
               </a:rPr>
               <a:t>O que cada grupo consome e por onde?</a:t>
             </a:r>
@@ -11329,14 +14964,14 @@
       </p:grpSpPr>
       <p:sp>
         <p:nvSpPr>
-          <p:cNvPr id="175" name="CustomShape 1"/>
+          <p:cNvPr id="258" name="CustomShape 1"/>
           <p:cNvSpPr/>
           <p:nvPr/>
         </p:nvSpPr>
         <p:spPr>
           <a:xfrm>
             <a:off x="581040" y="2340720"/>
-            <a:ext cx="11028600" cy="3633480"/>
+            <a:ext cx="11028240" cy="3633120"/>
           </a:xfrm>
           <a:prstGeom prst="rect">
             <a:avLst/>
@@ -11357,7 +14992,7 @@
             <a:noAutofit/>
           </a:bodyPr>
           <a:p>
-            <a:pPr marL="306000" indent="-304920">
+            <a:pPr marL="306000" indent="-304560">
               <a:lnSpc>
                 <a:spcPct val="110000"/>
               </a:lnSpc>
@@ -11405,7 +15040,7 @@
             </a:endParaRPr>
           </a:p>
           <a:p>
-            <a:pPr marL="306000" indent="-304920">
+            <a:pPr marL="306000" indent="-304560">
               <a:lnSpc>
                 <a:spcPct val="110000"/>
               </a:lnSpc>
@@ -11440,14 +15075,14 @@
       </p:sp>
       <p:sp>
         <p:nvSpPr>
-          <p:cNvPr id="176" name="CustomShape 2"/>
+          <p:cNvPr id="259" name="CustomShape 2"/>
           <p:cNvSpPr/>
           <p:nvPr/>
         </p:nvSpPr>
         <p:spPr>
           <a:xfrm>
             <a:off x="7606080" y="6423840"/>
-            <a:ext cx="2843640" cy="363960"/>
+            <a:ext cx="2843280" cy="363600"/>
           </a:xfrm>
           <a:prstGeom prst="rect">
             <a:avLst/>
@@ -11473,7 +15108,7 @@
                 <a:spcPct val="100000"/>
               </a:lnSpc>
             </a:pPr>
-            <a:fld id="{D2D9FA9E-45B8-4019-A2A2-73524B9E7C28}" type="datetime1">
+            <a:fld id="{04968B86-5D7D-46E6-A984-FEC41F6F7949}" type="datetime1">
               <a:rPr b="0" lang="pt-BR" sz="900" spc="-1" strike="noStrike">
                 <a:solidFill>
                   <a:srgbClr val="404040"/>
@@ -11481,7 +15116,7 @@
                 <a:latin typeface="Franklin Gothic Book"/>
                 <a:ea typeface="DejaVu Sans"/>
               </a:rPr>
-              <a:t>26/01/2022</a:t>
+              <a:t>27/01/2022</a:t>
             </a:fld>
             <a:endParaRPr b="0" lang="pt-BR" sz="900" spc="-1" strike="noStrike">
               <a:latin typeface="Arial"/>
@@ -11491,14 +15126,14 @@
       </p:sp>
       <p:sp>
         <p:nvSpPr>
-          <p:cNvPr id="177" name="CustomShape 3"/>
+          <p:cNvPr id="260" name="CustomShape 3"/>
           <p:cNvSpPr/>
           <p:nvPr/>
         </p:nvSpPr>
         <p:spPr>
           <a:xfrm>
             <a:off x="581040" y="702360"/>
-            <a:ext cx="11028600" cy="1187640"/>
+            <a:ext cx="11028240" cy="1187280"/>
           </a:xfrm>
           <a:prstGeom prst="rect">
             <a:avLst/>
@@ -11572,14 +15207,14 @@
       </p:grpSpPr>
       <p:sp>
         <p:nvSpPr>
-          <p:cNvPr id="178" name="CustomShape 1"/>
+          <p:cNvPr id="261" name="CustomShape 1"/>
           <p:cNvSpPr/>
           <p:nvPr/>
         </p:nvSpPr>
         <p:spPr>
           <a:xfrm>
             <a:off x="581040" y="702360"/>
-            <a:ext cx="11028600" cy="1187640"/>
+            <a:ext cx="11028240" cy="1187280"/>
           </a:xfrm>
           <a:prstGeom prst="rect">
             <a:avLst/>
@@ -11623,14 +15258,14 @@
       </p:sp>
       <p:sp>
         <p:nvSpPr>
-          <p:cNvPr id="179" name="CustomShape 2"/>
+          <p:cNvPr id="262" name="CustomShape 2"/>
           <p:cNvSpPr/>
           <p:nvPr/>
         </p:nvSpPr>
         <p:spPr>
           <a:xfrm>
             <a:off x="576000" y="2250360"/>
-            <a:ext cx="2879280" cy="1132920"/>
+            <a:ext cx="2878920" cy="1132560"/>
           </a:xfrm>
           <a:prstGeom prst="rect">
             <a:avLst/>
@@ -11736,14 +15371,14 @@
       </p:sp>
       <p:sp>
         <p:nvSpPr>
-          <p:cNvPr id="180" name="CustomShape 3"/>
+          <p:cNvPr id="263" name="CustomShape 3"/>
           <p:cNvSpPr/>
           <p:nvPr/>
         </p:nvSpPr>
         <p:spPr>
           <a:xfrm>
             <a:off x="4644000" y="2250360"/>
-            <a:ext cx="2879280" cy="1132920"/>
+            <a:ext cx="2878920" cy="1132560"/>
           </a:xfrm>
           <a:prstGeom prst="rect">
             <a:avLst/>
@@ -11849,14 +15484,14 @@
       </p:sp>
       <p:sp>
         <p:nvSpPr>
-          <p:cNvPr id="181" name="CustomShape 4"/>
+          <p:cNvPr id="264" name="CustomShape 4"/>
           <p:cNvSpPr/>
           <p:nvPr/>
         </p:nvSpPr>
         <p:spPr>
           <a:xfrm>
             <a:off x="8712000" y="2250360"/>
-            <a:ext cx="2879280" cy="1132920"/>
+            <a:ext cx="2878920" cy="1132560"/>
           </a:xfrm>
           <a:prstGeom prst="rect">
             <a:avLst/>
@@ -11962,14 +15597,14 @@
       </p:sp>
       <p:sp>
         <p:nvSpPr>
-          <p:cNvPr id="182" name="CustomShape 5"/>
+          <p:cNvPr id="265" name="CustomShape 5"/>
           <p:cNvSpPr/>
           <p:nvPr/>
         </p:nvSpPr>
         <p:spPr>
           <a:xfrm>
             <a:off x="1944000" y="4698360"/>
-            <a:ext cx="2879280" cy="1132920"/>
+            <a:ext cx="2878920" cy="1132560"/>
           </a:xfrm>
           <a:prstGeom prst="rect">
             <a:avLst/>
@@ -12075,14 +15710,14 @@
       </p:sp>
       <p:sp>
         <p:nvSpPr>
-          <p:cNvPr id="183" name="CustomShape 6"/>
+          <p:cNvPr id="266" name="CustomShape 6"/>
           <p:cNvSpPr/>
           <p:nvPr/>
         </p:nvSpPr>
         <p:spPr>
           <a:xfrm>
             <a:off x="6480000" y="4698360"/>
-            <a:ext cx="2879280" cy="1132920"/>
+            <a:ext cx="2878920" cy="1132560"/>
           </a:xfrm>
           <a:prstGeom prst="rect">
             <a:avLst/>
@@ -12218,14 +15853,14 @@
       </p:grpSpPr>
       <p:sp>
         <p:nvSpPr>
-          <p:cNvPr id="184" name="CustomShape 1"/>
+          <p:cNvPr id="267" name="CustomShape 1"/>
           <p:cNvSpPr/>
           <p:nvPr/>
         </p:nvSpPr>
         <p:spPr>
           <a:xfrm>
             <a:off x="581040" y="702360"/>
-            <a:ext cx="11028600" cy="1187640"/>
+            <a:ext cx="11028240" cy="1187280"/>
           </a:xfrm>
           <a:prstGeom prst="rect">
             <a:avLst/>
@@ -12259,7 +15894,7 @@
                 <a:latin typeface="Ubuntu"/>
                 <a:ea typeface="DejaVu Sans"/>
               </a:rPr>
-              <a:t>PERFIS</a:t>
+              <a:t>INTERPRETANDO AS DISTRIBUIÇÕES</a:t>
             </a:r>
             <a:endParaRPr b="0" lang="pt-BR" sz="2800" spc="-1" strike="noStrike">
               <a:latin typeface="Arial"/>
@@ -12269,14 +15904,14 @@
       </p:sp>
       <p:sp>
         <p:nvSpPr>
-          <p:cNvPr id="185" name="CustomShape 2"/>
+          <p:cNvPr id="268" name="CustomShape 2"/>
           <p:cNvSpPr/>
           <p:nvPr/>
         </p:nvSpPr>
         <p:spPr>
           <a:xfrm>
             <a:off x="581040" y="2340720"/>
-            <a:ext cx="11028600" cy="3633480"/>
+            <a:ext cx="11028240" cy="3633120"/>
           </a:xfrm>
           <a:prstGeom prst="rect">
             <a:avLst/>
@@ -12297,7 +15932,7 @@
             <a:noAutofit/>
           </a:bodyPr>
           <a:p>
-            <a:pPr marL="306000" indent="-304920">
+            <a:pPr marL="306000" indent="-304560">
               <a:lnSpc>
                 <a:spcPct val="110000"/>
               </a:lnSpc>
@@ -12329,7 +15964,7 @@
             </a:endParaRPr>
           </a:p>
           <a:p>
-            <a:pPr marL="306000" indent="-304920">
+            <a:pPr marL="306000" indent="-304560">
               <a:lnSpc>
                 <a:spcPct val="110000"/>
               </a:lnSpc>
@@ -12361,7 +15996,7 @@
             </a:endParaRPr>
           </a:p>
           <a:p>
-            <a:pPr marL="306000" indent="-304920">
+            <a:pPr marL="306000" indent="-304560">
               <a:lnSpc>
                 <a:spcPct val="110000"/>
               </a:lnSpc>
@@ -12393,7 +16028,7 @@
             </a:endParaRPr>
           </a:p>
           <a:p>
-            <a:pPr marL="306000" indent="-304920">
+            <a:pPr marL="306000" indent="-304560">
               <a:lnSpc>
                 <a:spcPct val="110000"/>
               </a:lnSpc>
@@ -12458,14 +16093,14 @@
       </p:grpSpPr>
       <p:sp>
         <p:nvSpPr>
-          <p:cNvPr id="186" name="CustomShape 1"/>
+          <p:cNvPr id="269" name="CustomShape 1"/>
           <p:cNvSpPr/>
           <p:nvPr/>
         </p:nvSpPr>
         <p:spPr>
           <a:xfrm>
             <a:off x="581040" y="702360"/>
-            <a:ext cx="11028600" cy="1187640"/>
+            <a:ext cx="11028240" cy="1187280"/>
           </a:xfrm>
           <a:prstGeom prst="rect">
             <a:avLst/>
@@ -12499,7 +16134,7 @@
                 <a:latin typeface="Ubuntu"/>
                 <a:ea typeface="DejaVu Sans"/>
               </a:rPr>
-              <a:t>PERFIS</a:t>
+              <a:t>INTERPRETANDO AS DISTRIBUIÇÕES</a:t>
             </a:r>
             <a:endParaRPr b="0" lang="pt-BR" sz="2800" spc="-1" strike="noStrike">
               <a:latin typeface="Arial"/>
@@ -12509,14 +16144,14 @@
       </p:sp>
       <p:sp>
         <p:nvSpPr>
-          <p:cNvPr id="187" name="CustomShape 2"/>
+          <p:cNvPr id="270" name="CustomShape 2"/>
           <p:cNvSpPr/>
           <p:nvPr/>
         </p:nvSpPr>
         <p:spPr>
           <a:xfrm>
             <a:off x="581040" y="2340720"/>
-            <a:ext cx="11028600" cy="3633480"/>
+            <a:ext cx="11028240" cy="3633120"/>
           </a:xfrm>
           <a:prstGeom prst="rect">
             <a:avLst/>
@@ -12537,7 +16172,7 @@
             <a:noAutofit/>
           </a:bodyPr>
           <a:p>
-            <a:pPr marL="306000" indent="-304920">
+            <a:pPr marL="306000" indent="-304560">
               <a:lnSpc>
                 <a:spcPct val="110000"/>
               </a:lnSpc>
@@ -12562,84 +16197,14 @@
                 <a:latin typeface="Ubuntu"/>
                 <a:ea typeface="DejaVu Sans"/>
               </a:rPr>
-              <a:t>O grupo de maior </a:t>
-            </a:r>
-            <a:r>
-              <a:rPr b="0" lang="pt-BR" sz="2000" spc="-1" strike="noStrike">
-                <a:solidFill>
-                  <a:srgbClr val="404040"/>
-                </a:solidFill>
-                <a:latin typeface="Ubuntu"/>
-                <a:ea typeface="DejaVu Sans"/>
-              </a:rPr>
-              <a:t>renda é pouco </a:t>
-            </a:r>
-            <a:r>
-              <a:rPr b="0" lang="pt-BR" sz="2000" spc="-1" strike="noStrike">
-                <a:solidFill>
-                  <a:srgbClr val="404040"/>
-                </a:solidFill>
-                <a:latin typeface="Ubuntu"/>
-                <a:ea typeface="DejaVu Sans"/>
-              </a:rPr>
-              <a:t>sensível às </a:t>
-            </a:r>
-            <a:r>
-              <a:rPr b="0" lang="pt-BR" sz="2000" spc="-1" strike="noStrike">
-                <a:solidFill>
-                  <a:srgbClr val="404040"/>
-                </a:solidFill>
-                <a:latin typeface="Ubuntu"/>
-                <a:ea typeface="DejaVu Sans"/>
-              </a:rPr>
-              <a:t>promoções, </a:t>
-            </a:r>
-            <a:r>
-              <a:rPr b="0" lang="pt-BR" sz="2000" spc="-1" strike="noStrike">
-                <a:solidFill>
-                  <a:srgbClr val="404040"/>
-                </a:solidFill>
-                <a:latin typeface="Ubuntu"/>
-                <a:ea typeface="DejaVu Sans"/>
-              </a:rPr>
-              <a:t>comprando </a:t>
-            </a:r>
-            <a:r>
-              <a:rPr b="0" lang="pt-BR" sz="2000" spc="-1" strike="noStrike">
-                <a:solidFill>
-                  <a:srgbClr val="404040"/>
-                </a:solidFill>
-                <a:latin typeface="Ubuntu"/>
-                <a:ea typeface="DejaVu Sans"/>
-              </a:rPr>
-              <a:t>preferencialmente </a:t>
-            </a:r>
-            <a:r>
-              <a:rPr b="0" lang="pt-BR" sz="2000" spc="-1" strike="noStrike">
-                <a:solidFill>
-                  <a:srgbClr val="404040"/>
-                </a:solidFill>
-                <a:latin typeface="Ubuntu"/>
-                <a:ea typeface="DejaVu Sans"/>
-              </a:rPr>
-              <a:t>nas lojas (1º lugar) </a:t>
-            </a:r>
-            <a:r>
-              <a:rPr b="0" lang="pt-BR" sz="2000" spc="-1" strike="noStrike">
-                <a:solidFill>
-                  <a:srgbClr val="404040"/>
-                </a:solidFill>
-                <a:latin typeface="Ubuntu"/>
-                <a:ea typeface="DejaVu Sans"/>
-              </a:rPr>
-              <a:t>ou online (2º lugar).</a:t>
+              <a:t>O grupo de maior renda é pouco sensível às promoções.</a:t>
             </a:r>
             <a:endParaRPr b="0" lang="pt-BR" sz="2000" spc="-1" strike="noStrike">
               <a:latin typeface="Arial"/>
             </a:endParaRPr>
           </a:p>
           <a:p>
-            <a:pPr marL="306000" indent="-304920">
+            <a:pPr marL="306000" indent="-304560">
               <a:lnSpc>
                 <a:spcPct val="110000"/>
               </a:lnSpc>
@@ -12664,44 +16229,14 @@
                 <a:latin typeface="Ubuntu"/>
                 <a:ea typeface="DejaVu Sans"/>
               </a:rPr>
-              <a:t>Vendas por catálogo </a:t>
-            </a:r>
-            <a:r>
-              <a:rPr b="0" lang="pt-BR" sz="2000" spc="-1" strike="noStrike">
-                <a:solidFill>
-                  <a:srgbClr val="404040"/>
-                </a:solidFill>
-                <a:latin typeface="Ubuntu"/>
-                <a:ea typeface="DejaVu Sans"/>
-              </a:rPr>
-              <a:t>são relevantes </a:t>
-            </a:r>
-            <a:r>
-              <a:rPr b="0" lang="pt-BR" sz="2000" spc="-1" strike="noStrike">
-                <a:solidFill>
-                  <a:srgbClr val="404040"/>
-                </a:solidFill>
-                <a:latin typeface="Ubuntu"/>
-                <a:ea typeface="DejaVu Sans"/>
-              </a:rPr>
-              <a:t>apenas para o grupo </a:t>
-            </a:r>
-            <a:r>
-              <a:rPr b="0" lang="pt-BR" sz="2000" spc="-1" strike="noStrike">
-                <a:solidFill>
-                  <a:srgbClr val="404040"/>
-                </a:solidFill>
-                <a:latin typeface="Ubuntu"/>
-                <a:ea typeface="DejaVu Sans"/>
-              </a:rPr>
-              <a:t>de maior renda.</a:t>
+              <a:t>Vendas por catálogo são relevantes apenas para o grupo de maior renda.</a:t>
             </a:r>
             <a:endParaRPr b="0" lang="pt-BR" sz="2000" spc="-1" strike="noStrike">
               <a:latin typeface="Arial"/>
             </a:endParaRPr>
           </a:p>
           <a:p>
-            <a:pPr marL="306000" indent="-304920">
+            <a:pPr marL="306000" indent="-304560">
               <a:lnSpc>
                 <a:spcPct val="110000"/>
               </a:lnSpc>
@@ -12726,54 +16261,14 @@
                 <a:latin typeface="Ubuntu"/>
                 <a:ea typeface="DejaVu Sans"/>
               </a:rPr>
-              <a:t>De modo geral, </a:t>
-            </a:r>
-            <a:r>
-              <a:rPr b="0" lang="pt-BR" sz="2000" spc="-1" strike="noStrike">
-                <a:solidFill>
-                  <a:srgbClr val="404040"/>
-                </a:solidFill>
-                <a:latin typeface="Ubuntu"/>
-                <a:ea typeface="DejaVu Sans"/>
-              </a:rPr>
-              <a:t>clientes que </a:t>
-            </a:r>
-            <a:r>
-              <a:rPr b="0" lang="pt-BR" sz="2000" spc="-1" strike="noStrike">
-                <a:solidFill>
-                  <a:srgbClr val="404040"/>
-                </a:solidFill>
-                <a:latin typeface="Ubuntu"/>
-                <a:ea typeface="DejaVu Sans"/>
-              </a:rPr>
-              <a:t>compram na loja </a:t>
-            </a:r>
-            <a:r>
-              <a:rPr b="0" lang="pt-BR" sz="2000" spc="-1" strike="noStrike">
-                <a:solidFill>
-                  <a:srgbClr val="404040"/>
-                </a:solidFill>
-                <a:latin typeface="Ubuntu"/>
-                <a:ea typeface="DejaVu Sans"/>
-              </a:rPr>
-              <a:t>também compram </a:t>
-            </a:r>
-            <a:r>
-              <a:rPr b="0" lang="pt-BR" sz="2000" spc="-1" strike="noStrike">
-                <a:solidFill>
-                  <a:srgbClr val="404040"/>
-                </a:solidFill>
-                <a:latin typeface="Ubuntu"/>
-                <a:ea typeface="DejaVu Sans"/>
-              </a:rPr>
-              <a:t>pela internet.</a:t>
+              <a:t>De modo geral, clientes que compram na loja também compram pela internet.</a:t>
             </a:r>
             <a:endParaRPr b="0" lang="pt-BR" sz="2000" spc="-1" strike="noStrike">
               <a:latin typeface="Arial"/>
             </a:endParaRPr>
           </a:p>
           <a:p>
-            <a:pPr marL="306000" indent="-304920">
+            <a:pPr marL="306000" indent="-304560">
               <a:lnSpc>
                 <a:spcPct val="110000"/>
               </a:lnSpc>
@@ -12798,64 +16293,14 @@
                 <a:latin typeface="Ubuntu"/>
                 <a:ea typeface="DejaVu Sans"/>
               </a:rPr>
-              <a:t>O grupo de maior </a:t>
-            </a:r>
-            <a:r>
-              <a:rPr b="0" lang="pt-BR" sz="2000" spc="-1" strike="noStrike">
-                <a:solidFill>
-                  <a:srgbClr val="404040"/>
-                </a:solidFill>
-                <a:latin typeface="Ubuntu"/>
-                <a:ea typeface="DejaVu Sans"/>
-              </a:rPr>
-              <a:t>renda é o que mais </a:t>
-            </a:r>
-            <a:r>
-              <a:rPr b="0" lang="pt-BR" sz="2000" spc="-1" strike="noStrike">
-                <a:solidFill>
-                  <a:srgbClr val="404040"/>
-                </a:solidFill>
-                <a:latin typeface="Ubuntu"/>
-                <a:ea typeface="DejaVu Sans"/>
-              </a:rPr>
-              <a:t>responde </a:t>
-            </a:r>
-            <a:r>
-              <a:rPr b="0" lang="pt-BR" sz="2000" spc="-1" strike="noStrike">
-                <a:solidFill>
-                  <a:srgbClr val="404040"/>
-                </a:solidFill>
-                <a:latin typeface="Ubuntu"/>
-                <a:ea typeface="DejaVu Sans"/>
-              </a:rPr>
-              <a:t>positivamente às </a:t>
-            </a:r>
-            <a:r>
-              <a:rPr b="0" lang="pt-BR" sz="2000" spc="-1" strike="noStrike">
-                <a:solidFill>
-                  <a:srgbClr val="404040"/>
-                </a:solidFill>
-                <a:latin typeface="Ubuntu"/>
-                <a:ea typeface="DejaVu Sans"/>
-              </a:rPr>
-              <a:t>campanhas de </a:t>
-            </a:r>
-            <a:r>
-              <a:rPr b="0" lang="pt-BR" sz="2000" spc="-1" strike="noStrike">
-                <a:solidFill>
-                  <a:srgbClr val="404040"/>
-                </a:solidFill>
-                <a:latin typeface="Ubuntu"/>
-                <a:ea typeface="DejaVu Sans"/>
-              </a:rPr>
-              <a:t>marketing.</a:t>
+              <a:t>O grupo de maior renda é o que mais responde positivamente às campanhas de marketing.</a:t>
             </a:r>
             <a:endParaRPr b="0" lang="pt-BR" sz="2000" spc="-1" strike="noStrike">
               <a:latin typeface="Arial"/>
             </a:endParaRPr>
           </a:p>
           <a:p>
-            <a:pPr marL="306000" indent="-304920">
+            <a:pPr marL="306000" indent="-304560">
               <a:lnSpc>
                 <a:spcPct val="110000"/>
               </a:lnSpc>
@@ -12880,117 +16325,7 @@
                 <a:latin typeface="Ubuntu"/>
                 <a:ea typeface="DejaVu Sans"/>
               </a:rPr>
-              <a:t>A forma de compra </a:t>
-            </a:r>
-            <a:r>
-              <a:rPr b="0" lang="pt-BR" sz="2000" spc="-1" strike="noStrike">
-                <a:solidFill>
-                  <a:srgbClr val="404040"/>
-                </a:solidFill>
-                <a:latin typeface="Ubuntu"/>
-                <a:ea typeface="DejaVu Sans"/>
-              </a:rPr>
-              <a:t>não parece </a:t>
-            </a:r>
-            <a:r>
-              <a:rPr b="0" lang="pt-BR" sz="2000" spc="-1" strike="noStrike">
-                <a:solidFill>
-                  <a:srgbClr val="404040"/>
-                </a:solidFill>
-                <a:latin typeface="Ubuntu"/>
-                <a:ea typeface="DejaVu Sans"/>
-              </a:rPr>
-              <a:t>representar um </a:t>
-            </a:r>
-            <a:r>
-              <a:rPr b="0" lang="pt-BR" sz="2000" spc="-1" strike="noStrike">
-                <a:solidFill>
-                  <a:srgbClr val="404040"/>
-                </a:solidFill>
-                <a:latin typeface="Ubuntu"/>
-                <a:ea typeface="DejaVu Sans"/>
-              </a:rPr>
-              <a:t>fator decisivo para a </a:t>
-            </a:r>
-            <a:r>
-              <a:rPr b="0" lang="pt-BR" sz="2000" spc="-1" strike="noStrike">
-                <a:solidFill>
-                  <a:srgbClr val="404040"/>
-                </a:solidFill>
-                <a:latin typeface="Ubuntu"/>
-                <a:ea typeface="DejaVu Sans"/>
-              </a:rPr>
-              <a:t>escolha do cliente, </a:t>
-            </a:r>
-            <a:r>
-              <a:rPr b="0" lang="pt-BR" sz="2000" spc="-1" strike="noStrike">
-                <a:solidFill>
-                  <a:srgbClr val="404040"/>
-                </a:solidFill>
-                <a:latin typeface="Ubuntu"/>
-                <a:ea typeface="DejaVu Sans"/>
-              </a:rPr>
-              <a:t>quando ele deseja </a:t>
-            </a:r>
-            <a:r>
-              <a:rPr b="0" lang="pt-BR" sz="2000" spc="-1" strike="noStrike">
-                <a:solidFill>
-                  <a:srgbClr val="404040"/>
-                </a:solidFill>
-                <a:latin typeface="Ubuntu"/>
-                <a:ea typeface="DejaVu Sans"/>
-              </a:rPr>
-              <a:t>um produto, utiliza </a:t>
-            </a:r>
-            <a:r>
-              <a:rPr b="0" lang="pt-BR" sz="2000" spc="-1" strike="noStrike">
-                <a:solidFill>
-                  <a:srgbClr val="404040"/>
-                </a:solidFill>
-                <a:latin typeface="Ubuntu"/>
-                <a:ea typeface="DejaVu Sans"/>
-              </a:rPr>
-              <a:t>os meios </a:t>
-            </a:r>
-            <a:r>
-              <a:rPr b="0" lang="pt-BR" sz="2000" spc="-1" strike="noStrike">
-                <a:solidFill>
-                  <a:srgbClr val="404040"/>
-                </a:solidFill>
-                <a:latin typeface="Ubuntu"/>
-                <a:ea typeface="DejaVu Sans"/>
-              </a:rPr>
-              <a:t>disponíveis. Não </a:t>
-            </a:r>
-            <a:r>
-              <a:rPr b="0" lang="pt-BR" sz="2000" spc="-1" strike="noStrike">
-                <a:solidFill>
-                  <a:srgbClr val="404040"/>
-                </a:solidFill>
-                <a:latin typeface="Ubuntu"/>
-                <a:ea typeface="DejaVu Sans"/>
-              </a:rPr>
-              <a:t>seria eficiente focar </a:t>
-            </a:r>
-            <a:r>
-              <a:rPr b="0" lang="pt-BR" sz="2000" spc="-1" strike="noStrike">
-                <a:solidFill>
-                  <a:srgbClr val="404040"/>
-                </a:solidFill>
-                <a:latin typeface="Ubuntu"/>
-                <a:ea typeface="DejaVu Sans"/>
-              </a:rPr>
-              <a:t>neste ponto para </a:t>
-            </a:r>
-            <a:r>
-              <a:rPr b="0" lang="pt-BR" sz="2000" spc="-1" strike="noStrike">
-                <a:solidFill>
-                  <a:srgbClr val="404040"/>
-                </a:solidFill>
-                <a:latin typeface="Ubuntu"/>
-                <a:ea typeface="DejaVu Sans"/>
-              </a:rPr>
-              <a:t>campanhas.</a:t>
+              <a:t>A forma de compra não parece representar um fator decisivo para a escolha do cliente, quando ele deseja um produto, utiliza os meios disponíveis. Não seria eficiente focar neste ponto para campanhas.</a:t>
             </a:r>
             <a:endParaRPr b="0" lang="pt-BR" sz="2000" spc="-1" strike="noStrike">
               <a:latin typeface="Arial"/>
@@ -13030,14 +16365,14 @@
       </p:grpSpPr>
       <p:sp>
         <p:nvSpPr>
-          <p:cNvPr id="188" name="CustomShape 1"/>
+          <p:cNvPr id="271" name="CustomShape 1"/>
           <p:cNvSpPr/>
           <p:nvPr/>
         </p:nvSpPr>
         <p:spPr>
           <a:xfrm>
             <a:off x="581040" y="702000"/>
-            <a:ext cx="11028600" cy="1187640"/>
+            <a:ext cx="11028240" cy="1187280"/>
           </a:xfrm>
           <a:prstGeom prst="rect">
             <a:avLst/>
@@ -13065,9 +16400,13 @@
             </a:pPr>
             <a:r>
               <a:rPr b="0" lang="pt-BR" sz="4400" spc="-1" strike="noStrike">
+                <a:solidFill>
+                  <a:srgbClr val="000000"/>
+                </a:solidFill>
                 <a:latin typeface="Ubuntu"/>
+                <a:ea typeface="DejaVu Sans"/>
               </a:rPr>
-              <a:t>PROPOSTAS</a:t>
+              <a:t>PRIMEIRAS SAÍDAS</a:t>
             </a:r>
             <a:endParaRPr b="0" lang="pt-BR" sz="4400" spc="-1" strike="noStrike">
               <a:latin typeface="Arial"/>
@@ -13077,14 +16416,14 @@
       </p:sp>
       <p:sp>
         <p:nvSpPr>
-          <p:cNvPr id="189" name="CustomShape 2"/>
+          <p:cNvPr id="272" name="CustomShape 2"/>
           <p:cNvSpPr/>
           <p:nvPr/>
         </p:nvSpPr>
         <p:spPr>
           <a:xfrm>
             <a:off x="576000" y="3168000"/>
-            <a:ext cx="10972080" cy="3184920"/>
+            <a:ext cx="10971720" cy="3184560"/>
           </a:xfrm>
           <a:prstGeom prst="rect">
             <a:avLst/>
@@ -13105,7 +16444,7 @@
             <a:normAutofit/>
           </a:bodyPr>
           <a:p>
-            <a:pPr marL="432000" indent="-323640">
+            <a:pPr marL="432000" indent="-323280">
               <a:lnSpc>
                 <a:spcPct val="100000"/>
               </a:lnSpc>
@@ -13125,222 +16464,16 @@
                   <a:srgbClr val="ffffff"/>
                 </a:solidFill>
                 <a:latin typeface="Ubuntu"/>
+                <a:ea typeface="DejaVu Sans"/>
               </a:rPr>
-              <a:t>Segm</a:t>
-            </a:r>
-            <a:r>
-              <a:rPr b="0" lang="pt-BR" sz="3200" spc="-1" strike="noStrike">
-                <a:solidFill>
-                  <a:srgbClr val="ffffff"/>
-                </a:solidFill>
-                <a:latin typeface="Ubuntu"/>
-              </a:rPr>
-              <a:t>entar </a:t>
-            </a:r>
-            <a:r>
-              <a:rPr b="0" lang="pt-BR" sz="3200" spc="-1" strike="noStrike">
-                <a:solidFill>
-                  <a:srgbClr val="ffffff"/>
-                </a:solidFill>
-                <a:latin typeface="Ubuntu"/>
-              </a:rPr>
-              <a:t>as </a:t>
-            </a:r>
-            <a:r>
-              <a:rPr b="0" lang="pt-BR" sz="3200" spc="-1" strike="noStrike">
-                <a:solidFill>
-                  <a:srgbClr val="ffffff"/>
-                </a:solidFill>
-                <a:latin typeface="Ubuntu"/>
-              </a:rPr>
-              <a:t>campa</a:t>
-            </a:r>
-            <a:r>
-              <a:rPr b="0" lang="pt-BR" sz="3200" spc="-1" strike="noStrike">
-                <a:solidFill>
-                  <a:srgbClr val="ffffff"/>
-                </a:solidFill>
-                <a:latin typeface="Ubuntu"/>
-              </a:rPr>
-              <a:t>nhas </a:t>
-            </a:r>
-            <a:r>
-              <a:rPr b="0" lang="pt-BR" sz="3200" spc="-1" strike="noStrike">
-                <a:solidFill>
-                  <a:srgbClr val="ffffff"/>
-                </a:solidFill>
-                <a:latin typeface="Ubuntu"/>
-              </a:rPr>
-              <a:t>em </a:t>
-            </a:r>
-            <a:r>
-              <a:rPr b="0" lang="pt-BR" sz="3200" spc="-1" strike="noStrike">
-                <a:solidFill>
-                  <a:srgbClr val="ffffff"/>
-                </a:solidFill>
-                <a:latin typeface="Ubuntu"/>
-              </a:rPr>
-              <a:t>duas, </a:t>
-            </a:r>
-            <a:r>
-              <a:rPr b="0" lang="pt-BR" sz="3200" spc="-1" strike="noStrike">
-                <a:solidFill>
-                  <a:srgbClr val="ffffff"/>
-                </a:solidFill>
-                <a:latin typeface="Ubuntu"/>
-              </a:rPr>
-              <a:t>uma </a:t>
-            </a:r>
-            <a:r>
-              <a:rPr b="0" lang="pt-BR" sz="3200" spc="-1" strike="noStrike">
-                <a:solidFill>
-                  <a:srgbClr val="ffffff"/>
-                </a:solidFill>
-                <a:latin typeface="Ubuntu"/>
-              </a:rPr>
-              <a:t>com </a:t>
-            </a:r>
-            <a:r>
-              <a:rPr b="0" lang="pt-BR" sz="3200" spc="-1" strike="noStrike">
-                <a:solidFill>
-                  <a:srgbClr val="ffffff"/>
-                </a:solidFill>
-                <a:latin typeface="Ubuntu"/>
-              </a:rPr>
-              <a:t>foco </a:t>
-            </a:r>
-            <a:r>
-              <a:rPr b="0" lang="pt-BR" sz="3200" spc="-1" strike="noStrike">
-                <a:solidFill>
-                  <a:srgbClr val="ffffff"/>
-                </a:solidFill>
-                <a:latin typeface="Ubuntu"/>
-              </a:rPr>
-              <a:t>no </a:t>
-            </a:r>
-            <a:r>
-              <a:rPr b="0" lang="pt-BR" sz="3200" spc="-1" strike="noStrike">
-                <a:solidFill>
-                  <a:srgbClr val="ffffff"/>
-                </a:solidFill>
-                <a:latin typeface="Ubuntu"/>
-              </a:rPr>
-              <a:t>grupo </a:t>
-            </a:r>
-            <a:r>
-              <a:rPr b="0" lang="pt-BR" sz="3200" spc="-1" strike="noStrike">
-                <a:solidFill>
-                  <a:srgbClr val="ffffff"/>
-                </a:solidFill>
-                <a:latin typeface="Ubuntu"/>
-              </a:rPr>
-              <a:t>de </a:t>
-            </a:r>
-            <a:r>
-              <a:rPr b="0" lang="pt-BR" sz="3200" spc="-1" strike="noStrike">
-                <a:solidFill>
-                  <a:srgbClr val="ffffff"/>
-                </a:solidFill>
-                <a:latin typeface="Ubuntu"/>
-              </a:rPr>
-              <a:t>baixa </a:t>
-            </a:r>
-            <a:r>
-              <a:rPr b="0" lang="pt-BR" sz="3200" spc="-1" strike="noStrike">
-                <a:solidFill>
-                  <a:srgbClr val="ffffff"/>
-                </a:solidFill>
-                <a:latin typeface="Ubuntu"/>
-              </a:rPr>
-              <a:t>renda </a:t>
-            </a:r>
-            <a:r>
-              <a:rPr b="0" lang="pt-BR" sz="3200" spc="-1" strike="noStrike">
-                <a:solidFill>
-                  <a:srgbClr val="ffffff"/>
-                </a:solidFill>
-                <a:latin typeface="Ubuntu"/>
-              </a:rPr>
-              <a:t>e </a:t>
-            </a:r>
-            <a:r>
-              <a:rPr b="0" lang="pt-BR" sz="3200" spc="-1" strike="noStrike">
-                <a:solidFill>
-                  <a:srgbClr val="ffffff"/>
-                </a:solidFill>
-                <a:latin typeface="Ubuntu"/>
-              </a:rPr>
-              <a:t>outro </a:t>
-            </a:r>
-            <a:r>
-              <a:rPr b="0" lang="pt-BR" sz="3200" spc="-1" strike="noStrike">
-                <a:solidFill>
-                  <a:srgbClr val="ffffff"/>
-                </a:solidFill>
-                <a:latin typeface="Ubuntu"/>
-              </a:rPr>
-              <a:t>com </a:t>
-            </a:r>
-            <a:r>
-              <a:rPr b="0" lang="pt-BR" sz="3200" spc="-1" strike="noStrike">
-                <a:solidFill>
-                  <a:srgbClr val="ffffff"/>
-                </a:solidFill>
-                <a:latin typeface="Ubuntu"/>
-              </a:rPr>
-              <a:t>foco </a:t>
-            </a:r>
-            <a:r>
-              <a:rPr b="0" lang="pt-BR" sz="3200" spc="-1" strike="noStrike">
-                <a:solidFill>
-                  <a:srgbClr val="ffffff"/>
-                </a:solidFill>
-                <a:latin typeface="Ubuntu"/>
-              </a:rPr>
-              <a:t>no </a:t>
-            </a:r>
-            <a:r>
-              <a:rPr b="0" lang="pt-BR" sz="3200" spc="-1" strike="noStrike">
-                <a:solidFill>
-                  <a:srgbClr val="ffffff"/>
-                </a:solidFill>
-                <a:latin typeface="Ubuntu"/>
-              </a:rPr>
-              <a:t>grupo </a:t>
-            </a:r>
-            <a:r>
-              <a:rPr b="0" lang="pt-BR" sz="3200" spc="-1" strike="noStrike">
-                <a:solidFill>
-                  <a:srgbClr val="ffffff"/>
-                </a:solidFill>
-                <a:latin typeface="Ubuntu"/>
-              </a:rPr>
-              <a:t>de </a:t>
-            </a:r>
-            <a:r>
-              <a:rPr b="0" lang="pt-BR" sz="3200" spc="-1" strike="noStrike">
-                <a:solidFill>
-                  <a:srgbClr val="ffffff"/>
-                </a:solidFill>
-                <a:latin typeface="Ubuntu"/>
-              </a:rPr>
-              <a:t>maior </a:t>
-            </a:r>
-            <a:r>
-              <a:rPr b="0" lang="pt-BR" sz="3200" spc="-1" strike="noStrike">
-                <a:solidFill>
-                  <a:srgbClr val="ffffff"/>
-                </a:solidFill>
-                <a:latin typeface="Ubuntu"/>
-              </a:rPr>
-              <a:t>renda.</a:t>
+              <a:t>Definir duas campanhas, uma para os clientes de baixa renda e outra para clientes de maior renda.</a:t>
             </a:r>
             <a:endParaRPr b="0" lang="pt-BR" sz="3200" spc="-1" strike="noStrike">
               <a:latin typeface="Arial"/>
             </a:endParaRPr>
           </a:p>
           <a:p>
-            <a:pPr marL="432000" indent="-323640">
+            <a:pPr marL="432000" indent="-323280">
               <a:lnSpc>
                 <a:spcPct val="100000"/>
               </a:lnSpc>
@@ -13360,242 +16493,9 @@
                   <a:srgbClr val="ffffff"/>
                 </a:solidFill>
                 <a:latin typeface="Ubuntu"/>
+                <a:ea typeface="DejaVu Sans"/>
               </a:rPr>
-              <a:t>Vinho </a:t>
-            </a:r>
-            <a:r>
-              <a:rPr b="0" lang="pt-BR" sz="3200" spc="-1" strike="noStrike">
-                <a:solidFill>
-                  <a:srgbClr val="ffffff"/>
-                </a:solidFill>
-                <a:latin typeface="Ubuntu"/>
-              </a:rPr>
-              <a:t>é o </a:t>
-            </a:r>
-            <a:r>
-              <a:rPr b="0" lang="pt-BR" sz="3200" spc="-1" strike="noStrike">
-                <a:solidFill>
-                  <a:srgbClr val="ffffff"/>
-                </a:solidFill>
-                <a:latin typeface="Ubuntu"/>
-              </a:rPr>
-              <a:t>produ</a:t>
-            </a:r>
-            <a:r>
-              <a:rPr b="0" lang="pt-BR" sz="3200" spc="-1" strike="noStrike">
-                <a:solidFill>
-                  <a:srgbClr val="ffffff"/>
-                </a:solidFill>
-                <a:latin typeface="Ubuntu"/>
-              </a:rPr>
-              <a:t>to </a:t>
-            </a:r>
-            <a:r>
-              <a:rPr b="0" lang="pt-BR" sz="3200" spc="-1" strike="noStrike">
-                <a:solidFill>
-                  <a:srgbClr val="ffffff"/>
-                </a:solidFill>
-                <a:latin typeface="Ubuntu"/>
-              </a:rPr>
-              <a:t>mais </a:t>
-            </a:r>
-            <a:r>
-              <a:rPr b="0" lang="pt-BR" sz="3200" spc="-1" strike="noStrike">
-                <a:solidFill>
-                  <a:srgbClr val="ffffff"/>
-                </a:solidFill>
-                <a:latin typeface="Ubuntu"/>
-              </a:rPr>
-              <a:t>consu</a:t>
-            </a:r>
-            <a:r>
-              <a:rPr b="0" lang="pt-BR" sz="3200" spc="-1" strike="noStrike">
-                <a:solidFill>
-                  <a:srgbClr val="ffffff"/>
-                </a:solidFill>
-                <a:latin typeface="Ubuntu"/>
-              </a:rPr>
-              <a:t>mido, </a:t>
-            </a:r>
-            <a:r>
-              <a:rPr b="0" lang="pt-BR" sz="3200" spc="-1" strike="noStrike">
-                <a:solidFill>
-                  <a:srgbClr val="ffffff"/>
-                </a:solidFill>
-                <a:latin typeface="Ubuntu"/>
-              </a:rPr>
-              <a:t>campa</a:t>
-            </a:r>
-            <a:r>
-              <a:rPr b="0" lang="pt-BR" sz="3200" spc="-1" strike="noStrike">
-                <a:solidFill>
-                  <a:srgbClr val="ffffff"/>
-                </a:solidFill>
-                <a:latin typeface="Ubuntu"/>
-              </a:rPr>
-              <a:t>nhas </a:t>
-            </a:r>
-            <a:r>
-              <a:rPr b="0" lang="pt-BR" sz="3200" spc="-1" strike="noStrike">
-                <a:solidFill>
-                  <a:srgbClr val="ffffff"/>
-                </a:solidFill>
-                <a:latin typeface="Ubuntu"/>
-              </a:rPr>
-              <a:t>que o </a:t>
-            </a:r>
-            <a:r>
-              <a:rPr b="0" lang="pt-BR" sz="3200" spc="-1" strike="noStrike">
-                <a:solidFill>
-                  <a:srgbClr val="ffffff"/>
-                </a:solidFill>
-                <a:latin typeface="Ubuntu"/>
-              </a:rPr>
-              <a:t>envolv</a:t>
-            </a:r>
-            <a:r>
-              <a:rPr b="0" lang="pt-BR" sz="3200" spc="-1" strike="noStrike">
-                <a:solidFill>
-                  <a:srgbClr val="ffffff"/>
-                </a:solidFill>
-                <a:latin typeface="Ubuntu"/>
-              </a:rPr>
-              <a:t>am </a:t>
-            </a:r>
-            <a:r>
-              <a:rPr b="0" lang="pt-BR" sz="3200" spc="-1" strike="noStrike">
-                <a:solidFill>
-                  <a:srgbClr val="ffffff"/>
-                </a:solidFill>
-                <a:latin typeface="Ubuntu"/>
-              </a:rPr>
-              <a:t>tende</a:t>
-            </a:r>
-            <a:r>
-              <a:rPr b="0" lang="pt-BR" sz="3200" spc="-1" strike="noStrike">
-                <a:solidFill>
-                  <a:srgbClr val="ffffff"/>
-                </a:solidFill>
-                <a:latin typeface="Ubuntu"/>
-              </a:rPr>
-              <a:t>m a </a:t>
-            </a:r>
-            <a:r>
-              <a:rPr b="0" lang="pt-BR" sz="3200" spc="-1" strike="noStrike">
-                <a:solidFill>
-                  <a:srgbClr val="ffffff"/>
-                </a:solidFill>
-                <a:latin typeface="Ubuntu"/>
-              </a:rPr>
-              <a:t>gerar </a:t>
-            </a:r>
-            <a:r>
-              <a:rPr b="0" lang="pt-BR" sz="3200" spc="-1" strike="noStrike">
-                <a:solidFill>
-                  <a:srgbClr val="ffffff"/>
-                </a:solidFill>
-                <a:latin typeface="Ubuntu"/>
-              </a:rPr>
-              <a:t>mais </a:t>
-            </a:r>
-            <a:r>
-              <a:rPr b="0" lang="pt-BR" sz="3200" spc="-1" strike="noStrike">
-                <a:solidFill>
-                  <a:srgbClr val="ffffff"/>
-                </a:solidFill>
-                <a:latin typeface="Ubuntu"/>
-              </a:rPr>
-              <a:t>retorn</a:t>
-            </a:r>
-            <a:r>
-              <a:rPr b="0" lang="pt-BR" sz="3200" spc="-1" strike="noStrike">
-                <a:solidFill>
-                  <a:srgbClr val="ffffff"/>
-                </a:solidFill>
-                <a:latin typeface="Ubuntu"/>
-              </a:rPr>
-              <a:t>o. </a:t>
-            </a:r>
-            <a:r>
-              <a:rPr b="0" lang="pt-BR" sz="3200" spc="-1" strike="noStrike">
-                <a:solidFill>
-                  <a:srgbClr val="ffffff"/>
-                </a:solidFill>
-                <a:latin typeface="Ubuntu"/>
-              </a:rPr>
-              <a:t>Seria </a:t>
-            </a:r>
-            <a:r>
-              <a:rPr b="0" lang="pt-BR" sz="3200" spc="-1" strike="noStrike">
-                <a:solidFill>
-                  <a:srgbClr val="ffffff"/>
-                </a:solidFill>
-                <a:latin typeface="Ubuntu"/>
-              </a:rPr>
-              <a:t>bom </a:t>
-            </a:r>
-            <a:r>
-              <a:rPr b="0" lang="pt-BR" sz="3200" spc="-1" strike="noStrike">
-                <a:solidFill>
-                  <a:srgbClr val="ffffff"/>
-                </a:solidFill>
-                <a:latin typeface="Ubuntu"/>
-              </a:rPr>
-              <a:t>gerar </a:t>
-            </a:r>
-            <a:r>
-              <a:rPr b="0" lang="pt-BR" sz="3200" spc="-1" strike="noStrike">
-                <a:solidFill>
-                  <a:srgbClr val="ffffff"/>
-                </a:solidFill>
-                <a:latin typeface="Ubuntu"/>
-              </a:rPr>
-              <a:t>engaja</a:t>
-            </a:r>
-            <a:r>
-              <a:rPr b="0" lang="pt-BR" sz="3200" spc="-1" strike="noStrike">
-                <a:solidFill>
-                  <a:srgbClr val="ffffff"/>
-                </a:solidFill>
-                <a:latin typeface="Ubuntu"/>
-              </a:rPr>
-              <a:t>mento </a:t>
-            </a:r>
-            <a:r>
-              <a:rPr b="0" lang="pt-BR" sz="3200" spc="-1" strike="noStrike">
-                <a:solidFill>
-                  <a:srgbClr val="ffffff"/>
-                </a:solidFill>
-                <a:latin typeface="Ubuntu"/>
-              </a:rPr>
-              <a:t>sobre </a:t>
-            </a:r>
-            <a:r>
-              <a:rPr b="0" lang="pt-BR" sz="3200" spc="-1" strike="noStrike">
-                <a:solidFill>
-                  <a:srgbClr val="ffffff"/>
-                </a:solidFill>
-                <a:latin typeface="Ubuntu"/>
-              </a:rPr>
-              <a:t>o </a:t>
-            </a:r>
-            <a:r>
-              <a:rPr b="0" lang="pt-BR" sz="3200" spc="-1" strike="noStrike">
-                <a:solidFill>
-                  <a:srgbClr val="ffffff"/>
-                </a:solidFill>
-                <a:latin typeface="Ubuntu"/>
-              </a:rPr>
-              <a:t>produ</a:t>
-            </a:r>
-            <a:r>
-              <a:rPr b="0" lang="pt-BR" sz="3200" spc="-1" strike="noStrike">
-                <a:solidFill>
-                  <a:srgbClr val="ffffff"/>
-                </a:solidFill>
-                <a:latin typeface="Ubuntu"/>
-              </a:rPr>
-              <a:t>to.</a:t>
+              <a:t>Vinho é o produto mais consumido, campanhas que o envolvam tendem a gerar mais retorno. Seria bom gerar engajamento sobre o produto.</a:t>
             </a:r>
             <a:endParaRPr b="0" lang="pt-BR" sz="3200" spc="-1" strike="noStrike">
               <a:latin typeface="Arial"/>
@@ -13635,14 +16535,14 @@
       </p:grpSpPr>
       <p:sp>
         <p:nvSpPr>
-          <p:cNvPr id="190" name="CustomShape 1"/>
+          <p:cNvPr id="273" name="CustomShape 1"/>
           <p:cNvSpPr/>
           <p:nvPr/>
         </p:nvSpPr>
         <p:spPr>
           <a:xfrm>
             <a:off x="581040" y="702000"/>
-            <a:ext cx="11028600" cy="1187640"/>
+            <a:ext cx="11028240" cy="1187280"/>
           </a:xfrm>
           <a:prstGeom prst="rect">
             <a:avLst/>
@@ -13659,7 +16559,346 @@
           <a:fontRef idx="minor"/>
         </p:style>
         <p:txBody>
-          <a:bodyPr lIns="90000" rIns="90000" tIns="45000" bIns="45000" anchor="b">
+          <a:bodyPr lIns="0" rIns="0" tIns="0" bIns="0" anchor="ctr">
+            <a:noAutofit/>
+          </a:bodyPr>
+          <a:p>
+            <a:pPr>
+              <a:lnSpc>
+                <a:spcPct val="100000"/>
+              </a:lnSpc>
+            </a:pPr>
+            <a:r>
+              <a:rPr b="0" lang="pt-BR" sz="4400" spc="-1" strike="noStrike">
+                <a:solidFill>
+                  <a:srgbClr val="000000"/>
+                </a:solidFill>
+                <a:latin typeface="Ubuntu"/>
+                <a:ea typeface="DejaVu Sans"/>
+              </a:rPr>
+              <a:t>PERGUNTAS DE DIRECIONAMENTO</a:t>
+            </a:r>
+            <a:endParaRPr b="0" lang="pt-BR" sz="4400" spc="-1" strike="noStrike">
+              <a:latin typeface="Arial"/>
+            </a:endParaRPr>
+          </a:p>
+        </p:txBody>
+      </p:sp>
+      <p:sp>
+        <p:nvSpPr>
+          <p:cNvPr id="274" name="CustomShape 2"/>
+          <p:cNvSpPr/>
+          <p:nvPr/>
+        </p:nvSpPr>
+        <p:spPr>
+          <a:xfrm>
+            <a:off x="576000" y="3168000"/>
+            <a:ext cx="10971720" cy="3184560"/>
+          </a:xfrm>
+          <a:prstGeom prst="rect">
+            <a:avLst/>
+          </a:prstGeom>
+          <a:noFill/>
+          <a:ln>
+            <a:noFill/>
+          </a:ln>
+        </p:spPr>
+        <p:style>
+          <a:lnRef idx="0"/>
+          <a:fillRef idx="0"/>
+          <a:effectRef idx="0"/>
+          <a:fontRef idx="minor"/>
+        </p:style>
+        <p:txBody>
+          <a:bodyPr lIns="0" rIns="0" tIns="0" bIns="0">
+            <a:normAutofit/>
+          </a:bodyPr>
+          <a:p>
+            <a:pPr marL="432000" indent="-323280">
+              <a:lnSpc>
+                <a:spcPct val="100000"/>
+              </a:lnSpc>
+              <a:spcBef>
+                <a:spcPts val="1417"/>
+              </a:spcBef>
+              <a:buClr>
+                <a:srgbClr val="000000"/>
+              </a:buClr>
+              <a:buSzPct val="45000"/>
+              <a:buFont typeface="Wingdings" charset="2"/>
+              <a:buChar char=""/>
+            </a:pPr>
+            <a:r>
+              <a:rPr b="0" lang="pt-BR" sz="3200" spc="-1" strike="noStrike">
+                <a:solidFill>
+                  <a:srgbClr val="ffffff"/>
+                </a:solidFill>
+                <a:latin typeface="Ubuntu"/>
+                <a:ea typeface="DejaVu Sans"/>
+              </a:rPr>
+              <a:t>Qual o </a:t>
+            </a:r>
+            <a:r>
+              <a:rPr b="0" lang="pt-BR" sz="3200" spc="-1" strike="noStrike">
+                <a:solidFill>
+                  <a:srgbClr val="ffffff"/>
+                </a:solidFill>
+                <a:latin typeface="Ubuntu"/>
+                <a:ea typeface="DejaVu Sans"/>
+              </a:rPr>
+              <a:t>comportam</a:t>
+            </a:r>
+            <a:r>
+              <a:rPr b="0" lang="pt-BR" sz="3200" spc="-1" strike="noStrike">
+                <a:solidFill>
+                  <a:srgbClr val="ffffff"/>
+                </a:solidFill>
+                <a:latin typeface="Ubuntu"/>
+                <a:ea typeface="DejaVu Sans"/>
+              </a:rPr>
+              <a:t>ento </a:t>
+            </a:r>
+            <a:r>
+              <a:rPr b="0" lang="pt-BR" sz="3200" spc="-1" strike="noStrike">
+                <a:solidFill>
+                  <a:srgbClr val="ffffff"/>
+                </a:solidFill>
+                <a:latin typeface="Ubuntu"/>
+                <a:ea typeface="DejaVu Sans"/>
+              </a:rPr>
+              <a:t>daqueles </a:t>
+            </a:r>
+            <a:r>
+              <a:rPr b="0" lang="pt-BR" sz="3200" spc="-1" strike="noStrike">
+                <a:solidFill>
+                  <a:srgbClr val="ffffff"/>
+                </a:solidFill>
+                <a:latin typeface="Ubuntu"/>
+                <a:ea typeface="DejaVu Sans"/>
+              </a:rPr>
+              <a:t>que </a:t>
+            </a:r>
+            <a:r>
+              <a:rPr b="0" lang="pt-BR" sz="3200" spc="-1" strike="noStrike">
+                <a:solidFill>
+                  <a:srgbClr val="ffffff"/>
+                </a:solidFill>
+                <a:latin typeface="Ubuntu"/>
+                <a:ea typeface="DejaVu Sans"/>
+              </a:rPr>
+              <a:t>respondem </a:t>
+            </a:r>
+            <a:r>
+              <a:rPr b="0" lang="pt-BR" sz="3200" spc="-1" strike="noStrike">
+                <a:solidFill>
+                  <a:srgbClr val="ffffff"/>
+                </a:solidFill>
+                <a:latin typeface="Ubuntu"/>
+                <a:ea typeface="DejaVu Sans"/>
+              </a:rPr>
+              <a:t>positivamen</a:t>
+            </a:r>
+            <a:r>
+              <a:rPr b="0" lang="pt-BR" sz="3200" spc="-1" strike="noStrike">
+                <a:solidFill>
+                  <a:srgbClr val="ffffff"/>
+                </a:solidFill>
+                <a:latin typeface="Ubuntu"/>
+                <a:ea typeface="DejaVu Sans"/>
+              </a:rPr>
+              <a:t>te para as </a:t>
+            </a:r>
+            <a:r>
+              <a:rPr b="0" lang="pt-BR" sz="3200" spc="-1" strike="noStrike">
+                <a:solidFill>
+                  <a:srgbClr val="ffffff"/>
+                </a:solidFill>
+                <a:latin typeface="Ubuntu"/>
+                <a:ea typeface="DejaVu Sans"/>
+              </a:rPr>
+              <a:t>campanhas?</a:t>
+            </a:r>
+            <a:endParaRPr b="0" lang="pt-BR" sz="3200" spc="-1" strike="noStrike">
+              <a:latin typeface="Arial"/>
+            </a:endParaRPr>
+          </a:p>
+          <a:p>
+            <a:pPr marL="432000" indent="-323280">
+              <a:lnSpc>
+                <a:spcPct val="100000"/>
+              </a:lnSpc>
+              <a:spcBef>
+                <a:spcPts val="1417"/>
+              </a:spcBef>
+              <a:buClr>
+                <a:srgbClr val="000000"/>
+              </a:buClr>
+              <a:buSzPct val="45000"/>
+              <a:buFont typeface="Wingdings" charset="2"/>
+              <a:buChar char=""/>
+            </a:pPr>
+            <a:endParaRPr b="0" lang="pt-BR" sz="3200" spc="-1" strike="noStrike">
+              <a:latin typeface="Arial"/>
+            </a:endParaRPr>
+          </a:p>
+          <a:p>
+            <a:pPr marL="432000" indent="-323280">
+              <a:lnSpc>
+                <a:spcPct val="100000"/>
+              </a:lnSpc>
+              <a:spcBef>
+                <a:spcPts val="1417"/>
+              </a:spcBef>
+              <a:buClr>
+                <a:srgbClr val="000000"/>
+              </a:buClr>
+              <a:buSzPct val="45000"/>
+              <a:buFont typeface="Wingdings" charset="2"/>
+              <a:buChar char=""/>
+            </a:pPr>
+            <a:r>
+              <a:rPr b="0" lang="pt-BR" sz="3200" spc="-1" strike="noStrike">
+                <a:solidFill>
+                  <a:srgbClr val="ffffff"/>
+                </a:solidFill>
+                <a:latin typeface="Ubuntu"/>
+                <a:ea typeface="DejaVu Sans"/>
+              </a:rPr>
+              <a:t>Como saber </a:t>
+            </a:r>
+            <a:r>
+              <a:rPr b="0" lang="pt-BR" sz="3200" spc="-1" strike="noStrike">
+                <a:solidFill>
+                  <a:srgbClr val="ffffff"/>
+                </a:solidFill>
+                <a:latin typeface="Ubuntu"/>
+                <a:ea typeface="DejaVu Sans"/>
+              </a:rPr>
+              <a:t>a </a:t>
+            </a:r>
+            <a:r>
+              <a:rPr b="0" lang="pt-BR" sz="3200" spc="-1" strike="noStrike">
+                <a:solidFill>
+                  <a:srgbClr val="ffffff"/>
+                </a:solidFill>
+                <a:latin typeface="Ubuntu"/>
+                <a:ea typeface="DejaVu Sans"/>
+              </a:rPr>
+              <a:t>probabilida</a:t>
+            </a:r>
+            <a:r>
+              <a:rPr b="0" lang="pt-BR" sz="3200" spc="-1" strike="noStrike">
+                <a:solidFill>
+                  <a:srgbClr val="ffffff"/>
+                </a:solidFill>
+                <a:latin typeface="Ubuntu"/>
+                <a:ea typeface="DejaVu Sans"/>
+              </a:rPr>
+              <a:t>de de um </a:t>
+            </a:r>
+            <a:r>
+              <a:rPr b="0" lang="pt-BR" sz="3200" spc="-1" strike="noStrike">
+                <a:solidFill>
+                  <a:srgbClr val="ffffff"/>
+                </a:solidFill>
+                <a:latin typeface="Ubuntu"/>
+                <a:ea typeface="DejaVu Sans"/>
+              </a:rPr>
+              <a:t>determinad</a:t>
+            </a:r>
+            <a:r>
+              <a:rPr b="0" lang="pt-BR" sz="3200" spc="-1" strike="noStrike">
+                <a:solidFill>
+                  <a:srgbClr val="ffffff"/>
+                </a:solidFill>
+                <a:latin typeface="Ubuntu"/>
+                <a:ea typeface="DejaVu Sans"/>
+              </a:rPr>
+              <a:t>o perfil ser </a:t>
+            </a:r>
+            <a:r>
+              <a:rPr b="0" lang="pt-BR" sz="3200" spc="-1" strike="noStrike">
+                <a:solidFill>
+                  <a:srgbClr val="ffffff"/>
+                </a:solidFill>
+                <a:latin typeface="Ubuntu"/>
+                <a:ea typeface="DejaVu Sans"/>
+              </a:rPr>
+              <a:t>aderente à </a:t>
+            </a:r>
+            <a:r>
+              <a:rPr b="0" lang="pt-BR" sz="3200" spc="-1" strike="noStrike">
+                <a:solidFill>
+                  <a:srgbClr val="ffffff"/>
+                </a:solidFill>
+                <a:latin typeface="Ubuntu"/>
+                <a:ea typeface="DejaVu Sans"/>
+              </a:rPr>
+              <a:t>campanha?</a:t>
+            </a:r>
+            <a:endParaRPr b="0" lang="pt-BR" sz="3200" spc="-1" strike="noStrike">
+              <a:latin typeface="Arial"/>
+            </a:endParaRPr>
+          </a:p>
+        </p:txBody>
+      </p:sp>
+    </p:spTree>
+  </p:cSld>
+  <mc:AlternateContent>
+    <mc:Choice Requires="p14">
+      <p:transition spd="slow" p14:dur="2000"/>
+    </mc:Choice>
+    <mc:Fallback>
+      <p:transition spd="slow"/>
+    </mc:Fallback>
+  </mc:AlternateContent>
+</p:sld>
+</file>
+
+<file path=ppt/slides/slide9.xml><?xml version="1.0" encoding="utf-8"?>
+<p:sld xmlns:a="http://schemas.openxmlformats.org/drawingml/2006/main" xmlns:p="http://schemas.openxmlformats.org/presentationml/2006/main" xmlns:r="http://schemas.openxmlformats.org/officeDocument/2006/relationships" xmlns:p14="http://schemas.microsoft.com/office/powerpoint/2010/main" xmlns:p15="http://schemas.microsoft.com/office/powerpoint/2012/main" xmlns:mc="http://schemas.openxmlformats.org/markup-compatibility/2006">
+  <p:cSld>
+    <p:spTree>
+      <p:nvGrpSpPr>
+        <p:cNvPr id="1" name=""/>
+        <p:cNvGrpSpPr/>
+        <p:nvPr/>
+      </p:nvGrpSpPr>
+      <p:grpSpPr>
+        <a:xfrm>
+          <a:off x="0" y="0"/>
+          <a:ext cx="0" cy="0"/>
+          <a:chOff x="0" y="0"/>
+          <a:chExt cx="0" cy="0"/>
+        </a:xfrm>
+      </p:grpSpPr>
+      <p:sp>
+        <p:nvSpPr>
+          <p:cNvPr id="275" name="CustomShape 1"/>
+          <p:cNvSpPr/>
+          <p:nvPr/>
+        </p:nvSpPr>
+        <p:spPr>
+          <a:xfrm>
+            <a:off x="581040" y="702360"/>
+            <a:ext cx="11028240" cy="1187280"/>
+          </a:xfrm>
+          <a:prstGeom prst="rect">
+            <a:avLst/>
+          </a:prstGeom>
+          <a:noFill/>
+          <a:ln>
+            <a:noFill/>
+          </a:ln>
+        </p:spPr>
+        <p:style>
+          <a:lnRef idx="0"/>
+          <a:fillRef idx="0"/>
+          <a:effectRef idx="0"/>
+          <a:fontRef idx="minor"/>
+        </p:style>
+        <p:txBody>
+          <a:bodyPr lIns="0" rIns="0" tIns="0" bIns="0" anchor="ctr">
             <a:noAutofit/>
           </a:bodyPr>
           <a:p>
@@ -13673,10 +16912,10 @@
                 <a:solidFill>
                   <a:srgbClr val="404040"/>
                 </a:solidFill>
-                <a:latin typeface="Franklin Gothic Demi"/>
+                <a:latin typeface="Ubuntu"/>
                 <a:ea typeface="DejaVu Sans"/>
               </a:rPr>
-              <a:t>Title Lorem Ipsum Dolor Sit Amet</a:t>
+              <a:t>INTERPRETANDO AS DISTRIBUIÇÕES</a:t>
             </a:r>
             <a:endParaRPr b="0" lang="pt-BR" sz="2800" spc="-1" strike="noStrike">
               <a:latin typeface="Arial"/>
@@ -13684,28 +16923,221 @@
           </a:p>
         </p:txBody>
       </p:sp>
-      <p:graphicFrame>
-        <p:nvGraphicFramePr>
-          <p:cNvPr id="1" name="Diagram1"/>
-          <p:cNvGraphicFramePr/>
-          <p:nvPr>
-            <p:extLst>
-              <p:ext uri="{D42A27DB-BD31-4B8C-83A1-F6EECF244321}">
-                <p14:modId xmlns:p14="http://schemas.microsoft.com/office/powerpoint/2010/main" val="3046486596"/>
-              </p:ext>
-            </p:extLst>
-          </p:nvPr>
-        </p:nvGraphicFramePr>
-        <p:xfrm>
-          <a:off x="581040" y="2341440"/>
-          <a:ext cx="11028960" cy="3632760"/>
-        </p:xfrm>
-        <a:graphic>
-          <a:graphicData uri="http://schemas.openxmlformats.org/drawingml/2006/diagram">
-            <dgm:relIds xmlns:dgm="http://schemas.openxmlformats.org/drawingml/2006/diagram" xmlns:r="http://schemas.openxmlformats.org/officeDocument/2006/relationships" r:dm="rId1" r:lo="rId2" r:qs="rId3" r:cs="rId4"/>
-          </a:graphicData>
-        </a:graphic>
-      </p:graphicFrame>
+      <p:sp>
+        <p:nvSpPr>
+          <p:cNvPr id="276" name="CustomShape 2"/>
+          <p:cNvSpPr/>
+          <p:nvPr/>
+        </p:nvSpPr>
+        <p:spPr>
+          <a:xfrm>
+            <a:off x="581040" y="2340720"/>
+            <a:ext cx="11028240" cy="3633120"/>
+          </a:xfrm>
+          <a:prstGeom prst="rect">
+            <a:avLst/>
+          </a:prstGeom>
+          <a:noFill/>
+          <a:ln>
+            <a:noFill/>
+          </a:ln>
+        </p:spPr>
+        <p:style>
+          <a:lnRef idx="0"/>
+          <a:fillRef idx="0"/>
+          <a:effectRef idx="0"/>
+          <a:fontRef idx="minor"/>
+        </p:style>
+        <p:txBody>
+          <a:bodyPr lIns="90000" rIns="90000" tIns="45000" bIns="45000" anchor="ctr">
+            <a:noAutofit/>
+          </a:bodyPr>
+          <a:p>
+            <a:pPr marL="306000" indent="-304560">
+              <a:lnSpc>
+                <a:spcPct val="110000"/>
+              </a:lnSpc>
+              <a:spcBef>
+                <a:spcPts val="340"/>
+              </a:spcBef>
+              <a:spcAft>
+                <a:spcPts val="601"/>
+              </a:spcAft>
+              <a:buClr>
+                <a:srgbClr val="1cade4"/>
+              </a:buClr>
+              <a:buSzPct val="92000"/>
+              <a:buFont typeface="Wingdings 2" charset="2"/>
+              <a:buChar char=""/>
+            </a:pPr>
+            <a:r>
+              <a:rPr b="0" lang="pt-BR" sz="2000" spc="-1" strike="noStrike">
+                <a:solidFill>
+                  <a:srgbClr val="404040"/>
+                </a:solidFill>
+                <a:latin typeface="Ubuntu"/>
+                <a:ea typeface="DejaVu Sans"/>
+              </a:rPr>
+              <a:t>O grupo de menor </a:t>
+            </a:r>
+            <a:r>
+              <a:rPr b="0" lang="pt-BR" sz="2000" spc="-1" strike="noStrike">
+                <a:solidFill>
+                  <a:srgbClr val="404040"/>
+                </a:solidFill>
+                <a:latin typeface="Ubuntu"/>
+                <a:ea typeface="DejaVu Sans"/>
+              </a:rPr>
+              <a:t>renda tende a </a:t>
+            </a:r>
+            <a:r>
+              <a:rPr b="0" lang="pt-BR" sz="2000" spc="-1" strike="noStrike">
+                <a:solidFill>
+                  <a:srgbClr val="404040"/>
+                </a:solidFill>
+                <a:latin typeface="Ubuntu"/>
+                <a:ea typeface="DejaVu Sans"/>
+              </a:rPr>
+              <a:t>mudar as </a:t>
+            </a:r>
+            <a:r>
+              <a:rPr b="0" lang="pt-BR" sz="2000" spc="-1" strike="noStrike">
+                <a:solidFill>
+                  <a:srgbClr val="404040"/>
+                </a:solidFill>
+                <a:latin typeface="Ubuntu"/>
+                <a:ea typeface="DejaVu Sans"/>
+              </a:rPr>
+              <a:t>preferências de </a:t>
+            </a:r>
+            <a:r>
+              <a:rPr b="0" lang="pt-BR" sz="2000" spc="-1" strike="noStrike">
+                <a:solidFill>
+                  <a:srgbClr val="404040"/>
+                </a:solidFill>
+                <a:latin typeface="Ubuntu"/>
+                <a:ea typeface="DejaVu Sans"/>
+              </a:rPr>
+              <a:t>compra quando </a:t>
+            </a:r>
+            <a:r>
+              <a:rPr b="0" lang="pt-BR" sz="2000" spc="-1" strike="noStrike">
+                <a:solidFill>
+                  <a:srgbClr val="404040"/>
+                </a:solidFill>
+                <a:latin typeface="Ubuntu"/>
+                <a:ea typeface="DejaVu Sans"/>
+              </a:rPr>
+              <a:t>responde às </a:t>
+            </a:r>
+            <a:r>
+              <a:rPr b="0" lang="pt-BR" sz="2000" spc="-1" strike="noStrike">
+                <a:solidFill>
+                  <a:srgbClr val="404040"/>
+                </a:solidFill>
+                <a:latin typeface="Ubuntu"/>
+                <a:ea typeface="DejaVu Sans"/>
+              </a:rPr>
+              <a:t>campanhas.</a:t>
+            </a:r>
+            <a:endParaRPr b="0" lang="pt-BR" sz="2000" spc="-1" strike="noStrike">
+              <a:latin typeface="Arial"/>
+            </a:endParaRPr>
+          </a:p>
+          <a:p>
+            <a:pPr marL="306000" indent="-304560">
+              <a:lnSpc>
+                <a:spcPct val="110000"/>
+              </a:lnSpc>
+              <a:spcBef>
+                <a:spcPts val="340"/>
+              </a:spcBef>
+              <a:spcAft>
+                <a:spcPts val="601"/>
+              </a:spcAft>
+              <a:buClr>
+                <a:srgbClr val="1cade4"/>
+              </a:buClr>
+              <a:buSzPct val="92000"/>
+              <a:buFont typeface="Wingdings 2" charset="2"/>
+              <a:buChar char=""/>
+            </a:pPr>
+            <a:r>
+              <a:rPr b="0" lang="pt-BR" sz="2000" spc="-1" strike="noStrike">
+                <a:solidFill>
+                  <a:srgbClr val="404040"/>
+                </a:solidFill>
+                <a:latin typeface="Ubuntu"/>
+                <a:ea typeface="DejaVu Sans"/>
+              </a:rPr>
+              <a:t>Os demais grupos </a:t>
+            </a:r>
+            <a:r>
+              <a:rPr b="0" lang="pt-BR" sz="2000" spc="-1" strike="noStrike">
+                <a:solidFill>
+                  <a:srgbClr val="404040"/>
+                </a:solidFill>
+                <a:latin typeface="Ubuntu"/>
+                <a:ea typeface="DejaVu Sans"/>
+              </a:rPr>
+              <a:t>que respondem </a:t>
+            </a:r>
+            <a:r>
+              <a:rPr b="0" lang="pt-BR" sz="2000" spc="-1" strike="noStrike">
+                <a:solidFill>
+                  <a:srgbClr val="404040"/>
+                </a:solidFill>
+                <a:latin typeface="Ubuntu"/>
+                <a:ea typeface="DejaVu Sans"/>
+              </a:rPr>
+              <a:t>positivamente não </a:t>
+            </a:r>
+            <a:r>
+              <a:rPr b="0" lang="pt-BR" sz="2000" spc="-1" strike="noStrike">
+                <a:solidFill>
+                  <a:srgbClr val="404040"/>
+                </a:solidFill>
+                <a:latin typeface="Ubuntu"/>
+                <a:ea typeface="DejaVu Sans"/>
+              </a:rPr>
+              <a:t>alteram </a:t>
+            </a:r>
+            <a:r>
+              <a:rPr b="0" lang="pt-BR" sz="2000" spc="-1" strike="noStrike">
+                <a:solidFill>
+                  <a:srgbClr val="404040"/>
+                </a:solidFill>
+                <a:latin typeface="Ubuntu"/>
+                <a:ea typeface="DejaVu Sans"/>
+              </a:rPr>
+              <a:t>preferências, mas </a:t>
+            </a:r>
+            <a:r>
+              <a:rPr b="0" lang="pt-BR" sz="2000" spc="-1" strike="noStrike">
+                <a:solidFill>
+                  <a:srgbClr val="404040"/>
+                </a:solidFill>
+                <a:latin typeface="Ubuntu"/>
+                <a:ea typeface="DejaVu Sans"/>
+              </a:rPr>
+              <a:t>consomem mais, </a:t>
+            </a:r>
+            <a:r>
+              <a:rPr b="0" lang="pt-BR" sz="2000" spc="-1" strike="noStrike">
+                <a:solidFill>
+                  <a:srgbClr val="404040"/>
+                </a:solidFill>
+                <a:latin typeface="Ubuntu"/>
+                <a:ea typeface="DejaVu Sans"/>
+              </a:rPr>
+              <a:t>comparativamente.</a:t>
+            </a:r>
+            <a:endParaRPr b="0" lang="pt-BR" sz="2000" spc="-1" strike="noStrike">
+              <a:latin typeface="Arial"/>
+            </a:endParaRPr>
+          </a:p>
+        </p:txBody>
+      </p:sp>
     </p:spTree>
   </p:cSld>
   <mc:AlternateContent>
@@ -14621,4 +18053,456 @@
     </a:fmtScheme>
   </a:themeElements>
 </a:theme>
+</file>
+
+<file path=ppt/theme/theme5.xml><?xml version="1.0" encoding="utf-8"?>
+<a:theme xmlns:a="http://schemas.openxmlformats.org/drawingml/2006/main" name="Office Theme">
+  <a:themeElements>
+    <a:clrScheme name="Office">
+      <a:dk1>
+        <a:sysClr val="windowText" lastClr="000000"/>
+      </a:dk1>
+      <a:lt1>
+        <a:sysClr val="window" lastClr="FFFFFF"/>
+      </a:lt1>
+      <a:dk2>
+        <a:srgbClr val="335b74"/>
+      </a:dk2>
+      <a:lt2>
+        <a:srgbClr val="dfe3e5"/>
+      </a:lt2>
+      <a:accent1>
+        <a:srgbClr val="1cade4"/>
+      </a:accent1>
+      <a:accent2>
+        <a:srgbClr val="2683c6"/>
+      </a:accent2>
+      <a:accent3>
+        <a:srgbClr val="27ced7"/>
+      </a:accent3>
+      <a:accent4>
+        <a:srgbClr val="42ba97"/>
+      </a:accent4>
+      <a:accent5>
+        <a:srgbClr val="3e8853"/>
+      </a:accent5>
+      <a:accent6>
+        <a:srgbClr val="62a39f"/>
+      </a:accent6>
+      <a:hlink>
+        <a:srgbClr val="6eac1c"/>
+      </a:hlink>
+      <a:folHlink>
+        <a:srgbClr val="b26b02"/>
+      </a:folHlink>
+    </a:clrScheme>
+    <a:fontScheme name="Office">
+      <a:majorFont>
+        <a:latin typeface="Arial"/>
+        <a:ea typeface="DejaVu Sans"/>
+        <a:cs typeface="DejaVu Sans"/>
+      </a:majorFont>
+      <a:minorFont>
+        <a:latin typeface="Arial"/>
+        <a:ea typeface="DejaVu Sans"/>
+        <a:cs typeface="DejaVu Sans"/>
+      </a:minorFont>
+    </a:fontScheme>
+    <a:fmtScheme name="Office">
+      <a:fillStyleLst>
+        <a:solidFill>
+          <a:schemeClr val="phClr"/>
+        </a:solidFill>
+        <a:gradFill rotWithShape="1">
+          <a:gsLst>
+            <a:gs pos="0">
+              <a:schemeClr val="phClr">
+                <a:tint val="50000"/>
+                <a:satMod val="300000"/>
+              </a:schemeClr>
+            </a:gs>
+            <a:gs pos="35000">
+              <a:schemeClr val="phClr">
+                <a:tint val="37000"/>
+                <a:satMod val="300000"/>
+              </a:schemeClr>
+            </a:gs>
+            <a:gs pos="100000">
+              <a:schemeClr val="phClr">
+                <a:tint val="15000"/>
+                <a:satMod val="350000"/>
+              </a:schemeClr>
+            </a:gs>
+          </a:gsLst>
+          <a:lin ang="16200000" scaled="1"/>
+        </a:gradFill>
+        <a:gradFill rotWithShape="1">
+          <a:gsLst>
+            <a:gs pos="0">
+              <a:schemeClr val="phClr">
+                <a:shade val="51000"/>
+                <a:satMod val="130000"/>
+              </a:schemeClr>
+            </a:gs>
+            <a:gs pos="80000">
+              <a:schemeClr val="phClr">
+                <a:shade val="93000"/>
+                <a:satMod val="130000"/>
+              </a:schemeClr>
+            </a:gs>
+            <a:gs pos="100000">
+              <a:schemeClr val="phClr">
+                <a:shade val="94000"/>
+                <a:satMod val="135000"/>
+              </a:schemeClr>
+            </a:gs>
+          </a:gsLst>
+          <a:lin ang="16200000" scaled="0"/>
+        </a:gradFill>
+      </a:fillStyleLst>
+      <a:lnStyleLst>
+        <a:ln w="9525" cap="flat" cmpd="sng" algn="ctr">
+          <a:solidFill>
+            <a:schemeClr val="phClr">
+              <a:shade val="95000"/>
+              <a:satMod val="105000"/>
+            </a:schemeClr>
+          </a:solidFill>
+          <a:prstDash val="solid"/>
+          <a:miter/>
+        </a:ln>
+        <a:ln w="25400" cap="flat" cmpd="sng" algn="ctr">
+          <a:solidFill>
+            <a:schemeClr val="phClr"/>
+          </a:solidFill>
+          <a:prstDash val="solid"/>
+          <a:miter/>
+        </a:ln>
+        <a:ln w="38100" cap="flat" cmpd="sng" algn="ctr">
+          <a:solidFill>
+            <a:schemeClr val="phClr"/>
+          </a:solidFill>
+          <a:prstDash val="solid"/>
+          <a:miter/>
+        </a:ln>
+      </a:lnStyleLst>
+      <a:effectStyleLst>
+        <a:effectStyle>
+          <a:effectLst>
+            <a:outerShdw blurRad="40000" dist="20000" dir="5400000" rotWithShape="0">
+              <a:srgbClr val="000000">
+                <a:alpha val="38000"/>
+              </a:srgbClr>
+            </a:outerShdw>
+          </a:effectLst>
+        </a:effectStyle>
+        <a:effectStyle>
+          <a:effectLst>
+            <a:outerShdw blurRad="40000" dist="23000" dir="5400000" rotWithShape="0">
+              <a:srgbClr val="000000">
+                <a:alpha val="35000"/>
+              </a:srgbClr>
+            </a:outerShdw>
+          </a:effectLst>
+        </a:effectStyle>
+        <a:effectStyle>
+          <a:effectLst>
+            <a:outerShdw blurRad="40000" dist="23000" dir="5400000" rotWithShape="0">
+              <a:srgbClr val="000000">
+                <a:alpha val="35000"/>
+              </a:srgbClr>
+            </a:outerShdw>
+          </a:effectLst>
+          <a:scene3d>
+            <a:camera prst="orthographicFront">
+              <a:rot lat="0" lon="0" rev="0"/>
+            </a:camera>
+            <a:lightRig rig="threePt" dir="t">
+              <a:rot lat="0" lon="0" rev="1200000"/>
+            </a:lightRig>
+          </a:scene3d>
+          <a:sp3d>
+            <a:bevelT w="63500" h="25400"/>
+          </a:sp3d>
+        </a:effectStyle>
+      </a:effectStyleLst>
+      <a:bgFillStyleLst>
+        <a:solidFill>
+          <a:schemeClr val="phClr"/>
+        </a:solidFill>
+        <a:gradFill rotWithShape="1">
+          <a:gsLst>
+            <a:gs pos="0">
+              <a:schemeClr val="phClr">
+                <a:tint val="40000"/>
+                <a:satMod val="350000"/>
+              </a:schemeClr>
+            </a:gs>
+            <a:gs pos="40000">
+              <a:schemeClr val="phClr">
+                <a:tint val="45000"/>
+                <a:shade val="99000"/>
+                <a:satMod val="350000"/>
+              </a:schemeClr>
+            </a:gs>
+            <a:gs pos="100000">
+              <a:schemeClr val="phClr">
+                <a:shade val="20000"/>
+                <a:satMod val="255000"/>
+              </a:schemeClr>
+            </a:gs>
+          </a:gsLst>
+          <a:path path="circle">
+            <a:fillToRect l="50000" t="-80000" r="50000" b="180000"/>
+          </a:path>
+        </a:gradFill>
+        <a:gradFill rotWithShape="1">
+          <a:gsLst>
+            <a:gs pos="0">
+              <a:schemeClr val="phClr">
+                <a:tint val="80000"/>
+                <a:satMod val="300000"/>
+              </a:schemeClr>
+            </a:gs>
+            <a:gs pos="100000">
+              <a:schemeClr val="phClr">
+                <a:shade val="30000"/>
+                <a:satMod val="200000"/>
+              </a:schemeClr>
+            </a:gs>
+          </a:gsLst>
+          <a:path path="circle">
+            <a:fillToRect l="50000" t="50000" r="50000" b="50000"/>
+          </a:path>
+        </a:gradFill>
+      </a:bgFillStyleLst>
+    </a:fmtScheme>
+  </a:themeElements>
+</a:theme>
+</file>
+
+<file path=ppt/theme/theme6.xml><?xml version="1.0" encoding="utf-8"?>
+<a:theme xmlns:a="http://schemas.openxmlformats.org/drawingml/2006/main" name="Office Theme">
+  <a:themeElements>
+    <a:clrScheme name="Office">
+      <a:dk1>
+        <a:sysClr val="windowText" lastClr="000000"/>
+      </a:dk1>
+      <a:lt1>
+        <a:sysClr val="window" lastClr="FFFFFF"/>
+      </a:lt1>
+      <a:dk2>
+        <a:srgbClr val="335b74"/>
+      </a:dk2>
+      <a:lt2>
+        <a:srgbClr val="dfe3e5"/>
+      </a:lt2>
+      <a:accent1>
+        <a:srgbClr val="1cade4"/>
+      </a:accent1>
+      <a:accent2>
+        <a:srgbClr val="2683c6"/>
+      </a:accent2>
+      <a:accent3>
+        <a:srgbClr val="27ced7"/>
+      </a:accent3>
+      <a:accent4>
+        <a:srgbClr val="42ba97"/>
+      </a:accent4>
+      <a:accent5>
+        <a:srgbClr val="3e8853"/>
+      </a:accent5>
+      <a:accent6>
+        <a:srgbClr val="62a39f"/>
+      </a:accent6>
+      <a:hlink>
+        <a:srgbClr val="6eac1c"/>
+      </a:hlink>
+      <a:folHlink>
+        <a:srgbClr val="b26b02"/>
+      </a:folHlink>
+    </a:clrScheme>
+    <a:fontScheme name="Office">
+      <a:majorFont>
+        <a:latin typeface="Arial"/>
+        <a:ea typeface="DejaVu Sans"/>
+        <a:cs typeface="DejaVu Sans"/>
+      </a:majorFont>
+      <a:minorFont>
+        <a:latin typeface="Arial"/>
+        <a:ea typeface="DejaVu Sans"/>
+        <a:cs typeface="DejaVu Sans"/>
+      </a:minorFont>
+    </a:fontScheme>
+    <a:fmtScheme name="Office">
+      <a:fillStyleLst>
+        <a:solidFill>
+          <a:schemeClr val="phClr"/>
+        </a:solidFill>
+        <a:gradFill rotWithShape="1">
+          <a:gsLst>
+            <a:gs pos="0">
+              <a:schemeClr val="phClr">
+                <a:tint val="50000"/>
+                <a:satMod val="300000"/>
+              </a:schemeClr>
+            </a:gs>
+            <a:gs pos="35000">
+              <a:schemeClr val="phClr">
+                <a:tint val="37000"/>
+                <a:satMod val="300000"/>
+              </a:schemeClr>
+            </a:gs>
+            <a:gs pos="100000">
+              <a:schemeClr val="phClr">
+                <a:tint val="15000"/>
+                <a:satMod val="350000"/>
+              </a:schemeClr>
+            </a:gs>
+          </a:gsLst>
+          <a:lin ang="16200000" scaled="1"/>
+        </a:gradFill>
+        <a:gradFill rotWithShape="1">
+          <a:gsLst>
+            <a:gs pos="0">
+              <a:schemeClr val="phClr">
+                <a:shade val="51000"/>
+                <a:satMod val="130000"/>
+              </a:schemeClr>
+            </a:gs>
+            <a:gs pos="80000">
+              <a:schemeClr val="phClr">
+                <a:shade val="93000"/>
+                <a:satMod val="130000"/>
+              </a:schemeClr>
+            </a:gs>
+            <a:gs pos="100000">
+              <a:schemeClr val="phClr">
+                <a:shade val="94000"/>
+                <a:satMod val="135000"/>
+              </a:schemeClr>
+            </a:gs>
+          </a:gsLst>
+          <a:lin ang="16200000" scaled="0"/>
+        </a:gradFill>
+      </a:fillStyleLst>
+      <a:lnStyleLst>
+        <a:ln w="9525" cap="flat" cmpd="sng" algn="ctr">
+          <a:solidFill>
+            <a:schemeClr val="phClr">
+              <a:shade val="95000"/>
+              <a:satMod val="105000"/>
+            </a:schemeClr>
+          </a:solidFill>
+          <a:prstDash val="solid"/>
+          <a:miter/>
+        </a:ln>
+        <a:ln w="25400" cap="flat" cmpd="sng" algn="ctr">
+          <a:solidFill>
+            <a:schemeClr val="phClr"/>
+          </a:solidFill>
+          <a:prstDash val="solid"/>
+          <a:miter/>
+        </a:ln>
+        <a:ln w="38100" cap="flat" cmpd="sng" algn="ctr">
+          <a:solidFill>
+            <a:schemeClr val="phClr"/>
+          </a:solidFill>
+          <a:prstDash val="solid"/>
+          <a:miter/>
+        </a:ln>
+      </a:lnStyleLst>
+      <a:effectStyleLst>
+        <a:effectStyle>
+          <a:effectLst>
+            <a:outerShdw blurRad="40000" dist="20000" dir="5400000" rotWithShape="0">
+              <a:srgbClr val="000000">
+                <a:alpha val="38000"/>
+              </a:srgbClr>
+            </a:outerShdw>
+          </a:effectLst>
+        </a:effectStyle>
+        <a:effectStyle>
+          <a:effectLst>
+            <a:outerShdw blurRad="40000" dist="23000" dir="5400000" rotWithShape="0">
+              <a:srgbClr val="000000">
+                <a:alpha val="35000"/>
+              </a:srgbClr>
+            </a:outerShdw>
+          </a:effectLst>
+        </a:effectStyle>
+        <a:effectStyle>
+          <a:effectLst>
+            <a:outerShdw blurRad="40000" dist="23000" dir="5400000" rotWithShape="0">
+              <a:srgbClr val="000000">
+                <a:alpha val="35000"/>
+              </a:srgbClr>
+            </a:outerShdw>
+          </a:effectLst>
+          <a:scene3d>
+            <a:camera prst="orthographicFront">
+              <a:rot lat="0" lon="0" rev="0"/>
+            </a:camera>
+            <a:lightRig rig="threePt" dir="t">
+              <a:rot lat="0" lon="0" rev="1200000"/>
+            </a:lightRig>
+          </a:scene3d>
+          <a:sp3d>
+            <a:bevelT w="63500" h="25400"/>
+          </a:sp3d>
+        </a:effectStyle>
+      </a:effectStyleLst>
+      <a:bgFillStyleLst>
+        <a:solidFill>
+          <a:schemeClr val="phClr"/>
+        </a:solidFill>
+        <a:gradFill rotWithShape="1">
+          <a:gsLst>
+            <a:gs pos="0">
+              <a:schemeClr val="phClr">
+                <a:tint val="40000"/>
+                <a:satMod val="350000"/>
+              </a:schemeClr>
+            </a:gs>
+            <a:gs pos="40000">
+              <a:schemeClr val="phClr">
+                <a:tint val="45000"/>
+                <a:shade val="99000"/>
+                <a:satMod val="350000"/>
+              </a:schemeClr>
+            </a:gs>
+            <a:gs pos="100000">
+              <a:schemeClr val="phClr">
+                <a:shade val="20000"/>
+                <a:satMod val="255000"/>
+              </a:schemeClr>
+            </a:gs>
+          </a:gsLst>
+          <a:path path="circle">
+            <a:fillToRect l="50000" t="-80000" r="50000" b="180000"/>
+          </a:path>
+        </a:gradFill>
+        <a:gradFill rotWithShape="1">
+          <a:gsLst>
+            <a:gs pos="0">
+              <a:schemeClr val="phClr">
+                <a:tint val="80000"/>
+                <a:satMod val="300000"/>
+              </a:schemeClr>
+            </a:gs>
+            <a:gs pos="100000">
+              <a:schemeClr val="phClr">
+                <a:shade val="30000"/>
+                <a:satMod val="200000"/>
+              </a:schemeClr>
+            </a:gs>
+          </a:gsLst>
+          <a:path path="circle">
+            <a:fillToRect l="50000" t="50000" r="50000" b="50000"/>
+          </a:path>
+        </a:gradFill>
+      </a:bgFillStyleLst>
+    </a:fmtScheme>
+  </a:themeElements>
+</a:theme>
 </file>